--- a/mail these/FYP Zeroth.pptx
+++ b/mail these/FYP Zeroth.pptx
@@ -1,26 +1,27 @@
 
 <file path=ppt/presentation.xml><?xml version="1.0" encoding="utf-8"?>
-<p:presentation xmlns:a="http://schemas.openxmlformats.org/drawingml/2006/main" xmlns:r="http://schemas.openxmlformats.org/officeDocument/2006/relationships" xmlns:p="http://schemas.openxmlformats.org/presentationml/2006/main" strictFirstAndLastChars="0" saveSubsetFonts="1" autoCompressPictures="0">
+<p:presentation xmlns:a="http://schemas.openxmlformats.org/drawingml/2006/main" xmlns:r="http://schemas.openxmlformats.org/officeDocument/2006/relationships" xmlns:mc="http://schemas.openxmlformats.org/markup-compatibility/2006" xmlns:mv="urn:schemas-microsoft-com:mac:vml" xmlns:p="http://schemas.openxmlformats.org/presentationml/2006/main" xmlns:c="http://schemas.openxmlformats.org/drawingml/2006/chart" xmlns:dgm="http://schemas.openxmlformats.org/drawingml/2006/diagram" xmlns:o="urn:schemas-microsoft-com:office:office" xmlns:v="urn:schemas-microsoft-com:vml" xmlns:pvml="urn:schemas-microsoft-com:office:powerpoint" xmlns:com="http://schemas.openxmlformats.org/drawingml/2006/compatibility" xmlns:p14="http://schemas.microsoft.com/office/powerpoint/2010/main" xmlns:p15="http://schemas.microsoft.com/office/powerpoint/2012/main" autoCompressPictures="0" strictFirstAndLastChars="0" saveSubsetFonts="1">
   <p:sldMasterIdLst>
-    <p:sldMasterId id="2147483659" r:id="rId1"/>
+    <p:sldMasterId id="2147483659" r:id="rId4"/>
   </p:sldMasterIdLst>
   <p:notesMasterIdLst>
-    <p:notesMasterId r:id="rId10"/>
+    <p:notesMasterId r:id="rId5"/>
   </p:notesMasterIdLst>
   <p:sldIdLst>
-    <p:sldId id="256" r:id="rId2"/>
-    <p:sldId id="257" r:id="rId3"/>
-    <p:sldId id="258" r:id="rId4"/>
-    <p:sldId id="259" r:id="rId5"/>
-    <p:sldId id="260" r:id="rId6"/>
-    <p:sldId id="261" r:id="rId7"/>
-    <p:sldId id="262" r:id="rId8"/>
-    <p:sldId id="263" r:id="rId9"/>
+    <p:sldId id="256" r:id="rId6"/>
+    <p:sldId id="257" r:id="rId7"/>
+    <p:sldId id="258" r:id="rId8"/>
+    <p:sldId id="259" r:id="rId9"/>
+    <p:sldId id="260" r:id="rId10"/>
+    <p:sldId id="261" r:id="rId11"/>
+    <p:sldId id="262" r:id="rId12"/>
+    <p:sldId id="263" r:id="rId13"/>
+    <p:sldId id="264" r:id="rId14"/>
   </p:sldIdLst>
-  <p:sldSz cx="9144000" cy="5143500" type="screen16x9"/>
+  <p:sldSz cy="5143500" cx="9144000"/>
   <p:notesSz cx="6858000" cy="9144000"/>
   <p:defaultTextStyle>
-    <a:defPPr marR="0" lvl="0" algn="l" rtl="0">
+    <a:defPPr lvl="0" marR="0" rtl="0" algn="l">
       <a:lnSpc>
         <a:spcPct val="100000"/>
       </a:lnSpc>
@@ -31,7 +32,7 @@
         <a:spcPts val="0"/>
       </a:spcAft>
     </a:defPPr>
-    <a:lvl1pPr marR="0" lvl="0" algn="l" rtl="0">
+    <a:lvl1pPr lvl="0" marR="0" rtl="0" algn="l">
       <a:lnSpc>
         <a:spcPct val="100000"/>
       </a:lnSpc>
@@ -45,7 +46,7 @@
         <a:srgbClr val="000000"/>
       </a:buClr>
       <a:buFont typeface="Arial"/>
-      <a:defRPr sz="1400" b="0" i="0" u="none" strike="noStrike" cap="none">
+      <a:defRPr b="0" i="0" sz="1400" u="none" cap="none" strike="noStrike">
         <a:solidFill>
           <a:srgbClr val="000000"/>
         </a:solidFill>
@@ -55,7 +56,7 @@
         <a:sym typeface="Arial"/>
       </a:defRPr>
     </a:lvl1pPr>
-    <a:lvl2pPr marR="0" lvl="1" algn="l" rtl="0">
+    <a:lvl2pPr lvl="1" marR="0" rtl="0" algn="l">
       <a:lnSpc>
         <a:spcPct val="100000"/>
       </a:lnSpc>
@@ -69,7 +70,7 @@
         <a:srgbClr val="000000"/>
       </a:buClr>
       <a:buFont typeface="Arial"/>
-      <a:defRPr sz="1400" b="0" i="0" u="none" strike="noStrike" cap="none">
+      <a:defRPr b="0" i="0" sz="1400" u="none" cap="none" strike="noStrike">
         <a:solidFill>
           <a:srgbClr val="000000"/>
         </a:solidFill>
@@ -79,7 +80,7 @@
         <a:sym typeface="Arial"/>
       </a:defRPr>
     </a:lvl2pPr>
-    <a:lvl3pPr marR="0" lvl="2" algn="l" rtl="0">
+    <a:lvl3pPr lvl="2" marR="0" rtl="0" algn="l">
       <a:lnSpc>
         <a:spcPct val="100000"/>
       </a:lnSpc>
@@ -93,7 +94,7 @@
         <a:srgbClr val="000000"/>
       </a:buClr>
       <a:buFont typeface="Arial"/>
-      <a:defRPr sz="1400" b="0" i="0" u="none" strike="noStrike" cap="none">
+      <a:defRPr b="0" i="0" sz="1400" u="none" cap="none" strike="noStrike">
         <a:solidFill>
           <a:srgbClr val="000000"/>
         </a:solidFill>
@@ -103,7 +104,7 @@
         <a:sym typeface="Arial"/>
       </a:defRPr>
     </a:lvl3pPr>
-    <a:lvl4pPr marR="0" lvl="3" algn="l" rtl="0">
+    <a:lvl4pPr lvl="3" marR="0" rtl="0" algn="l">
       <a:lnSpc>
         <a:spcPct val="100000"/>
       </a:lnSpc>
@@ -117,7 +118,7 @@
         <a:srgbClr val="000000"/>
       </a:buClr>
       <a:buFont typeface="Arial"/>
-      <a:defRPr sz="1400" b="0" i="0" u="none" strike="noStrike" cap="none">
+      <a:defRPr b="0" i="0" sz="1400" u="none" cap="none" strike="noStrike">
         <a:solidFill>
           <a:srgbClr val="000000"/>
         </a:solidFill>
@@ -127,7 +128,7 @@
         <a:sym typeface="Arial"/>
       </a:defRPr>
     </a:lvl4pPr>
-    <a:lvl5pPr marR="0" lvl="4" algn="l" rtl="0">
+    <a:lvl5pPr lvl="4" marR="0" rtl="0" algn="l">
       <a:lnSpc>
         <a:spcPct val="100000"/>
       </a:lnSpc>
@@ -141,7 +142,7 @@
         <a:srgbClr val="000000"/>
       </a:buClr>
       <a:buFont typeface="Arial"/>
-      <a:defRPr sz="1400" b="0" i="0" u="none" strike="noStrike" cap="none">
+      <a:defRPr b="0" i="0" sz="1400" u="none" cap="none" strike="noStrike">
         <a:solidFill>
           <a:srgbClr val="000000"/>
         </a:solidFill>
@@ -151,7 +152,7 @@
         <a:sym typeface="Arial"/>
       </a:defRPr>
     </a:lvl5pPr>
-    <a:lvl6pPr marR="0" lvl="5" algn="l" rtl="0">
+    <a:lvl6pPr lvl="5" marR="0" rtl="0" algn="l">
       <a:lnSpc>
         <a:spcPct val="100000"/>
       </a:lnSpc>
@@ -165,7 +166,7 @@
         <a:srgbClr val="000000"/>
       </a:buClr>
       <a:buFont typeface="Arial"/>
-      <a:defRPr sz="1400" b="0" i="0" u="none" strike="noStrike" cap="none">
+      <a:defRPr b="0" i="0" sz="1400" u="none" cap="none" strike="noStrike">
         <a:solidFill>
           <a:srgbClr val="000000"/>
         </a:solidFill>
@@ -175,7 +176,7 @@
         <a:sym typeface="Arial"/>
       </a:defRPr>
     </a:lvl6pPr>
-    <a:lvl7pPr marR="0" lvl="6" algn="l" rtl="0">
+    <a:lvl7pPr lvl="6" marR="0" rtl="0" algn="l">
       <a:lnSpc>
         <a:spcPct val="100000"/>
       </a:lnSpc>
@@ -189,7 +190,7 @@
         <a:srgbClr val="000000"/>
       </a:buClr>
       <a:buFont typeface="Arial"/>
-      <a:defRPr sz="1400" b="0" i="0" u="none" strike="noStrike" cap="none">
+      <a:defRPr b="0" i="0" sz="1400" u="none" cap="none" strike="noStrike">
         <a:solidFill>
           <a:srgbClr val="000000"/>
         </a:solidFill>
@@ -199,7 +200,7 @@
         <a:sym typeface="Arial"/>
       </a:defRPr>
     </a:lvl7pPr>
-    <a:lvl8pPr marR="0" lvl="7" algn="l" rtl="0">
+    <a:lvl8pPr lvl="7" marR="0" rtl="0" algn="l">
       <a:lnSpc>
         <a:spcPct val="100000"/>
       </a:lnSpc>
@@ -213,7 +214,7 @@
         <a:srgbClr val="000000"/>
       </a:buClr>
       <a:buFont typeface="Arial"/>
-      <a:defRPr sz="1400" b="0" i="0" u="none" strike="noStrike" cap="none">
+      <a:defRPr b="0" i="0" sz="1400" u="none" cap="none" strike="noStrike">
         <a:solidFill>
           <a:srgbClr val="000000"/>
         </a:solidFill>
@@ -223,7 +224,7 @@
         <a:sym typeface="Arial"/>
       </a:defRPr>
     </a:lvl8pPr>
-    <a:lvl9pPr marR="0" lvl="8" algn="l" rtl="0">
+    <a:lvl9pPr lvl="8" marR="0" rtl="0" algn="l">
       <a:lnSpc>
         <a:spcPct val="100000"/>
       </a:lnSpc>
@@ -237,7 +238,7 @@
         <a:srgbClr val="000000"/>
       </a:buClr>
       <a:buFont typeface="Arial"/>
-      <a:defRPr sz="1400" b="0" i="0" u="none" strike="noStrike" cap="none">
+      <a:defRPr b="0" i="0" sz="1400" u="none" cap="none" strike="noStrike">
         <a:solidFill>
           <a:srgbClr val="000000"/>
         </a:solidFill>
@@ -250,7 +251,7 @@
   </p:defaultTextStyle>
   <p:extLst>
     <p:ext uri="{EFAFB233-063F-42B5-8137-9DF3F51BA10A}">
-      <p15:sldGuideLst xmlns:p15="http://schemas.microsoft.com/office/powerpoint/2012/main">
+      <p15:sldGuideLst>
         <p15:guide id="1" orient="horz" pos="1620">
           <p15:clr>
             <a:srgbClr val="A4A3A4"/>
@@ -268,16 +269,11 @@
 </file>
 
 <file path=ppt/notesMasters/notesMaster1.xml><?xml version="1.0" encoding="utf-8"?>
-<p:notesMaster xmlns:a="http://schemas.openxmlformats.org/drawingml/2006/main" xmlns:r="http://schemas.openxmlformats.org/officeDocument/2006/relationships" xmlns:p="http://schemas.openxmlformats.org/presentationml/2006/main">
+<p:notesMaster xmlns:a="http://schemas.openxmlformats.org/drawingml/2006/main" xmlns:r="http://schemas.openxmlformats.org/officeDocument/2006/relationships" xmlns:mc="http://schemas.openxmlformats.org/markup-compatibility/2006" xmlns:mv="urn:schemas-microsoft-com:mac:vml" xmlns:p="http://schemas.openxmlformats.org/presentationml/2006/main" xmlns:c="http://schemas.openxmlformats.org/drawingml/2006/chart" xmlns:dgm="http://schemas.openxmlformats.org/drawingml/2006/diagram" xmlns:o="urn:schemas-microsoft-com:office:office" xmlns:v="urn:schemas-microsoft-com:vml" xmlns:pvml="urn:schemas-microsoft-com:office:powerpoint" xmlns:com="http://schemas.openxmlformats.org/drawingml/2006/compatibility" xmlns:p14="http://schemas.microsoft.com/office/powerpoint/2010/main" xmlns:p15="http://schemas.microsoft.com/office/powerpoint/2012/main">
   <p:cSld>
-    <p:bg>
-      <p:bgRef idx="1001">
-        <a:schemeClr val="bg1"/>
-      </p:bgRef>
-    </p:bg>
     <p:spTree>
       <p:nvGrpSpPr>
-        <p:cNvPr id="1" name="Shape 2"/>
+        <p:cNvPr id="2" name="Shape 2"/>
         <p:cNvGrpSpPr/>
         <p:nvPr/>
       </p:nvGrpSpPr>
@@ -292,11 +288,9 @@
       <p:sp>
         <p:nvSpPr>
           <p:cNvPr id="3" name="Google Shape;3;n"/>
-          <p:cNvSpPr>
-            <a:spLocks noGrp="1" noRot="1" noChangeAspect="1"/>
-          </p:cNvSpPr>
+          <p:cNvSpPr/>
           <p:nvPr>
-            <p:ph type="sldImg" idx="2"/>
+            <p:ph idx="2" type="sldImg"/>
           </p:nvPr>
         </p:nvSpPr>
         <p:spPr>
@@ -305,13 +299,9 @@
             <a:ext cx="6096075" cy="3429000"/>
           </a:xfrm>
           <a:custGeom>
-            <a:avLst/>
-            <a:gdLst/>
-            <a:ahLst/>
-            <a:cxnLst/>
-            <a:rect l="l" t="t" r="r" b="b"/>
+            <a:rect b="b" l="l" r="r" t="t"/>
             <a:pathLst>
-              <a:path w="120000" h="120000" extrusionOk="0">
+              <a:path extrusionOk="0" h="120000" w="120000">
                 <a:moveTo>
                   <a:pt x="0" y="0"/>
                 </a:moveTo>
@@ -329,25 +319,23 @@
             </a:pathLst>
           </a:custGeom>
           <a:noFill/>
-          <a:ln w="9525" cap="flat" cmpd="sng">
+          <a:ln cap="flat" cmpd="sng" w="9525">
             <a:solidFill>
               <a:srgbClr val="000000"/>
             </a:solidFill>
             <a:prstDash val="solid"/>
             <a:round/>
-            <a:headEnd type="none" w="sm" len="sm"/>
-            <a:tailEnd type="none" w="sm" len="sm"/>
+            <a:headEnd len="sm" w="sm" type="none"/>
+            <a:tailEnd len="sm" w="sm" type="none"/>
           </a:ln>
         </p:spPr>
       </p:sp>
       <p:sp>
         <p:nvSpPr>
           <p:cNvPr id="4" name="Google Shape;4;n"/>
-          <p:cNvSpPr txBox="1">
-            <a:spLocks noGrp="1"/>
-          </p:cNvSpPr>
+          <p:cNvSpPr txBox="1"/>
           <p:nvPr>
-            <p:ph type="body" idx="1"/>
+            <p:ph idx="1" type="body"/>
           </p:nvPr>
         </p:nvSpPr>
         <p:spPr>
@@ -364,11 +352,11 @@
           </a:ln>
         </p:spPr>
         <p:txBody>
-          <a:bodyPr spcFirstLastPara="1" wrap="square" lIns="91425" tIns="91425" rIns="91425" bIns="91425" anchor="t" anchorCtr="0">
+          <a:bodyPr anchorCtr="0" anchor="t" bIns="91425" lIns="91425" spcFirstLastPara="1" rIns="91425" wrap="square" tIns="91425">
             <a:noAutofit/>
           </a:bodyPr>
           <a:lstStyle>
-            <a:lvl1pPr marL="457200" lvl="0" indent="-298450">
+            <a:lvl1pPr indent="-298450" lvl="0" marL="457200">
               <a:spcBef>
                 <a:spcPts val="0"/>
               </a:spcBef>
@@ -379,7 +367,7 @@
               <a:buChar char="●"/>
               <a:defRPr sz="1100"/>
             </a:lvl1pPr>
-            <a:lvl2pPr marL="914400" lvl="1" indent="-298450">
+            <a:lvl2pPr indent="-298450" lvl="1" marL="914400">
               <a:spcBef>
                 <a:spcPts val="0"/>
               </a:spcBef>
@@ -390,7 +378,7 @@
               <a:buChar char="○"/>
               <a:defRPr sz="1100"/>
             </a:lvl2pPr>
-            <a:lvl3pPr marL="1371600" lvl="2" indent="-298450">
+            <a:lvl3pPr indent="-298450" lvl="2" marL="1371600">
               <a:spcBef>
                 <a:spcPts val="0"/>
               </a:spcBef>
@@ -401,7 +389,7 @@
               <a:buChar char="■"/>
               <a:defRPr sz="1100"/>
             </a:lvl3pPr>
-            <a:lvl4pPr marL="1828800" lvl="3" indent="-298450">
+            <a:lvl4pPr indent="-298450" lvl="3" marL="1828800">
               <a:spcBef>
                 <a:spcPts val="0"/>
               </a:spcBef>
@@ -412,7 +400,7 @@
               <a:buChar char="●"/>
               <a:defRPr sz="1100"/>
             </a:lvl4pPr>
-            <a:lvl5pPr marL="2286000" lvl="4" indent="-298450">
+            <a:lvl5pPr indent="-298450" lvl="4" marL="2286000">
               <a:spcBef>
                 <a:spcPts val="0"/>
               </a:spcBef>
@@ -423,7 +411,7 @@
               <a:buChar char="○"/>
               <a:defRPr sz="1100"/>
             </a:lvl5pPr>
-            <a:lvl6pPr marL="2743200" lvl="5" indent="-298450">
+            <a:lvl6pPr indent="-298450" lvl="5" marL="2743200">
               <a:spcBef>
                 <a:spcPts val="0"/>
               </a:spcBef>
@@ -434,7 +422,7 @@
               <a:buChar char="■"/>
               <a:defRPr sz="1100"/>
             </a:lvl6pPr>
-            <a:lvl7pPr marL="3200400" lvl="6" indent="-298450">
+            <a:lvl7pPr indent="-298450" lvl="6" marL="3200400">
               <a:spcBef>
                 <a:spcPts val="0"/>
               </a:spcBef>
@@ -445,7 +433,7 @@
               <a:buChar char="●"/>
               <a:defRPr sz="1100"/>
             </a:lvl7pPr>
-            <a:lvl8pPr marL="3657600" lvl="7" indent="-298450">
+            <a:lvl8pPr indent="-298450" lvl="7" marL="3657600">
               <a:spcBef>
                 <a:spcPts val="0"/>
               </a:spcBef>
@@ -456,7 +444,7 @@
               <a:buChar char="○"/>
               <a:defRPr sz="1100"/>
             </a:lvl8pPr>
-            <a:lvl9pPr marL="4114800" lvl="8" indent="-298450">
+            <a:lvl9pPr indent="-298450" lvl="8" marL="4114800">
               <a:spcBef>
                 <a:spcPts val="0"/>
               </a:spcBef>
@@ -468,16 +456,14 @@
               <a:defRPr sz="1100"/>
             </a:lvl9pPr>
           </a:lstStyle>
-          <a:p>
-            <a:endParaRPr/>
-          </a:p>
+          <a:p/>
         </p:txBody>
       </p:sp>
     </p:spTree>
   </p:cSld>
-  <p:clrMap bg1="lt1" tx1="dk1" bg2="dk2" tx2="lt2" accent1="accent1" accent2="accent2" accent3="accent3" accent4="accent4" accent5="accent5" accent6="accent6" hlink="hlink" folHlink="folHlink"/>
+  <p:clrMap accent1="accent1" accent2="accent2" accent3="accent3" accent4="accent4" accent5="accent5" accent6="accent6" bg1="lt1" bg2="dk2" tx1="dk1" tx2="lt2" folHlink="folHlink" hlink="hlink"/>
   <p:notesStyle>
-    <a:defPPr marR="0" lvl="0" algn="l" rtl="0">
+    <a:defPPr lvl="0" marR="0" rtl="0" algn="l">
       <a:lnSpc>
         <a:spcPct val="100000"/>
       </a:lnSpc>
@@ -488,7 +474,7 @@
         <a:spcPts val="0"/>
       </a:spcAft>
     </a:defPPr>
-    <a:lvl1pPr marR="0" lvl="0" algn="l" rtl="0">
+    <a:lvl1pPr lvl="0" marR="0" rtl="0" algn="l">
       <a:lnSpc>
         <a:spcPct val="100000"/>
       </a:lnSpc>
@@ -502,7 +488,7 @@
         <a:srgbClr val="000000"/>
       </a:buClr>
       <a:buFont typeface="Arial"/>
-      <a:defRPr sz="1400" b="0" i="0" u="none" strike="noStrike" cap="none">
+      <a:defRPr b="0" i="0" sz="1400" u="none" cap="none" strike="noStrike">
         <a:solidFill>
           <a:srgbClr val="000000"/>
         </a:solidFill>
@@ -512,7 +498,7 @@
         <a:sym typeface="Arial"/>
       </a:defRPr>
     </a:lvl1pPr>
-    <a:lvl2pPr marR="0" lvl="1" algn="l" rtl="0">
+    <a:lvl2pPr lvl="1" marR="0" rtl="0" algn="l">
       <a:lnSpc>
         <a:spcPct val="100000"/>
       </a:lnSpc>
@@ -526,7 +512,7 @@
         <a:srgbClr val="000000"/>
       </a:buClr>
       <a:buFont typeface="Arial"/>
-      <a:defRPr sz="1400" b="0" i="0" u="none" strike="noStrike" cap="none">
+      <a:defRPr b="0" i="0" sz="1400" u="none" cap="none" strike="noStrike">
         <a:solidFill>
           <a:srgbClr val="000000"/>
         </a:solidFill>
@@ -536,7 +522,7 @@
         <a:sym typeface="Arial"/>
       </a:defRPr>
     </a:lvl2pPr>
-    <a:lvl3pPr marR="0" lvl="2" algn="l" rtl="0">
+    <a:lvl3pPr lvl="2" marR="0" rtl="0" algn="l">
       <a:lnSpc>
         <a:spcPct val="100000"/>
       </a:lnSpc>
@@ -550,7 +536,7 @@
         <a:srgbClr val="000000"/>
       </a:buClr>
       <a:buFont typeface="Arial"/>
-      <a:defRPr sz="1400" b="0" i="0" u="none" strike="noStrike" cap="none">
+      <a:defRPr b="0" i="0" sz="1400" u="none" cap="none" strike="noStrike">
         <a:solidFill>
           <a:srgbClr val="000000"/>
         </a:solidFill>
@@ -560,7 +546,7 @@
         <a:sym typeface="Arial"/>
       </a:defRPr>
     </a:lvl3pPr>
-    <a:lvl4pPr marR="0" lvl="3" algn="l" rtl="0">
+    <a:lvl4pPr lvl="3" marR="0" rtl="0" algn="l">
       <a:lnSpc>
         <a:spcPct val="100000"/>
       </a:lnSpc>
@@ -574,7 +560,7 @@
         <a:srgbClr val="000000"/>
       </a:buClr>
       <a:buFont typeface="Arial"/>
-      <a:defRPr sz="1400" b="0" i="0" u="none" strike="noStrike" cap="none">
+      <a:defRPr b="0" i="0" sz="1400" u="none" cap="none" strike="noStrike">
         <a:solidFill>
           <a:srgbClr val="000000"/>
         </a:solidFill>
@@ -584,7 +570,7 @@
         <a:sym typeface="Arial"/>
       </a:defRPr>
     </a:lvl4pPr>
-    <a:lvl5pPr marR="0" lvl="4" algn="l" rtl="0">
+    <a:lvl5pPr lvl="4" marR="0" rtl="0" algn="l">
       <a:lnSpc>
         <a:spcPct val="100000"/>
       </a:lnSpc>
@@ -598,7 +584,7 @@
         <a:srgbClr val="000000"/>
       </a:buClr>
       <a:buFont typeface="Arial"/>
-      <a:defRPr sz="1400" b="0" i="0" u="none" strike="noStrike" cap="none">
+      <a:defRPr b="0" i="0" sz="1400" u="none" cap="none" strike="noStrike">
         <a:solidFill>
           <a:srgbClr val="000000"/>
         </a:solidFill>
@@ -608,7 +594,7 @@
         <a:sym typeface="Arial"/>
       </a:defRPr>
     </a:lvl5pPr>
-    <a:lvl6pPr marR="0" lvl="5" algn="l" rtl="0">
+    <a:lvl6pPr lvl="5" marR="0" rtl="0" algn="l">
       <a:lnSpc>
         <a:spcPct val="100000"/>
       </a:lnSpc>
@@ -622,7 +608,7 @@
         <a:srgbClr val="000000"/>
       </a:buClr>
       <a:buFont typeface="Arial"/>
-      <a:defRPr sz="1400" b="0" i="0" u="none" strike="noStrike" cap="none">
+      <a:defRPr b="0" i="0" sz="1400" u="none" cap="none" strike="noStrike">
         <a:solidFill>
           <a:srgbClr val="000000"/>
         </a:solidFill>
@@ -632,7 +618,7 @@
         <a:sym typeface="Arial"/>
       </a:defRPr>
     </a:lvl6pPr>
-    <a:lvl7pPr marR="0" lvl="6" algn="l" rtl="0">
+    <a:lvl7pPr lvl="6" marR="0" rtl="0" algn="l">
       <a:lnSpc>
         <a:spcPct val="100000"/>
       </a:lnSpc>
@@ -646,7 +632,7 @@
         <a:srgbClr val="000000"/>
       </a:buClr>
       <a:buFont typeface="Arial"/>
-      <a:defRPr sz="1400" b="0" i="0" u="none" strike="noStrike" cap="none">
+      <a:defRPr b="0" i="0" sz="1400" u="none" cap="none" strike="noStrike">
         <a:solidFill>
           <a:srgbClr val="000000"/>
         </a:solidFill>
@@ -656,7 +642,7 @@
         <a:sym typeface="Arial"/>
       </a:defRPr>
     </a:lvl7pPr>
-    <a:lvl8pPr marR="0" lvl="7" algn="l" rtl="0">
+    <a:lvl8pPr lvl="7" marR="0" rtl="0" algn="l">
       <a:lnSpc>
         <a:spcPct val="100000"/>
       </a:lnSpc>
@@ -670,7 +656,7 @@
         <a:srgbClr val="000000"/>
       </a:buClr>
       <a:buFont typeface="Arial"/>
-      <a:defRPr sz="1400" b="0" i="0" u="none" strike="noStrike" cap="none">
+      <a:defRPr b="0" i="0" sz="1400" u="none" cap="none" strike="noStrike">
         <a:solidFill>
           <a:srgbClr val="000000"/>
         </a:solidFill>
@@ -680,7 +666,7 @@
         <a:sym typeface="Arial"/>
       </a:defRPr>
     </a:lvl8pPr>
-    <a:lvl9pPr marR="0" lvl="8" algn="l" rtl="0">
+    <a:lvl9pPr lvl="8" marR="0" rtl="0" algn="l">
       <a:lnSpc>
         <a:spcPct val="100000"/>
       </a:lnSpc>
@@ -694,7 +680,7 @@
         <a:srgbClr val="000000"/>
       </a:buClr>
       <a:buFont typeface="Arial"/>
-      <a:defRPr sz="1400" b="0" i="0" u="none" strike="noStrike" cap="none">
+      <a:defRPr b="0" i="0" sz="1400" u="none" cap="none" strike="noStrike">
         <a:solidFill>
           <a:srgbClr val="000000"/>
         </a:solidFill>
@@ -709,11 +695,11 @@
 </file>
 
 <file path=ppt/notesSlides/notesSlide1.xml><?xml version="1.0" encoding="utf-8"?>
-<p:notes xmlns:a="http://schemas.openxmlformats.org/drawingml/2006/main" xmlns:r="http://schemas.openxmlformats.org/officeDocument/2006/relationships" xmlns:p="http://schemas.openxmlformats.org/presentationml/2006/main" showMasterSp="0" showMasterPhAnim="0">
+<p:notes xmlns:a="http://schemas.openxmlformats.org/drawingml/2006/main" xmlns:r="http://schemas.openxmlformats.org/officeDocument/2006/relationships" xmlns:mc="http://schemas.openxmlformats.org/markup-compatibility/2006" xmlns:mv="urn:schemas-microsoft-com:mac:vml" xmlns:p="http://schemas.openxmlformats.org/presentationml/2006/main" xmlns:c="http://schemas.openxmlformats.org/drawingml/2006/chart" xmlns:dgm="http://schemas.openxmlformats.org/drawingml/2006/diagram" xmlns:o="urn:schemas-microsoft-com:office:office" xmlns:v="urn:schemas-microsoft-com:vml" xmlns:pvml="urn:schemas-microsoft-com:office:powerpoint" xmlns:com="http://schemas.openxmlformats.org/drawingml/2006/compatibility" xmlns:p14="http://schemas.microsoft.com/office/powerpoint/2010/main" xmlns:p15="http://schemas.microsoft.com/office/powerpoint/2012/main" showMasterPhAnim="0" showMasterSp="0">
   <p:cSld>
     <p:spTree>
       <p:nvGrpSpPr>
-        <p:cNvPr id="1" name="Shape 50"/>
+        <p:cNvPr id="50" name="Shape 50"/>
         <p:cNvGrpSpPr/>
         <p:nvPr/>
       </p:nvGrpSpPr>
@@ -728,26 +714,20 @@
       <p:sp>
         <p:nvSpPr>
           <p:cNvPr id="51" name="Google Shape;51;p:notes"/>
-          <p:cNvSpPr>
-            <a:spLocks noGrp="1" noRot="1" noChangeAspect="1"/>
-          </p:cNvSpPr>
+          <p:cNvSpPr/>
           <p:nvPr>
-            <p:ph type="sldImg" idx="2"/>
+            <p:ph idx="2" type="sldImg"/>
           </p:nvPr>
         </p:nvSpPr>
         <p:spPr>
           <a:xfrm>
-            <a:off x="381000" y="685800"/>
-            <a:ext cx="6096000" cy="3429000"/>
+            <a:off x="381300" y="685800"/>
+            <a:ext cx="6096075" cy="3429000"/>
           </a:xfrm>
           <a:custGeom>
-            <a:avLst/>
-            <a:gdLst/>
-            <a:ahLst/>
-            <a:cxnLst/>
-            <a:rect l="l" t="t" r="r" b="b"/>
+            <a:rect b="b" l="l" r="r" t="t"/>
             <a:pathLst>
-              <a:path w="120000" h="120000" extrusionOk="0">
+              <a:path extrusionOk="0" h="120000" w="120000">
                 <a:moveTo>
                   <a:pt x="0" y="0"/>
                 </a:moveTo>
@@ -769,11 +749,9 @@
       <p:sp>
         <p:nvSpPr>
           <p:cNvPr id="52" name="Google Shape;52;p:notes"/>
-          <p:cNvSpPr txBox="1">
-            <a:spLocks noGrp="1"/>
-          </p:cNvSpPr>
+          <p:cNvSpPr txBox="1"/>
           <p:nvPr>
-            <p:ph type="body" idx="1"/>
+            <p:ph idx="1" type="body"/>
           </p:nvPr>
         </p:nvSpPr>
         <p:spPr>
@@ -786,12 +764,12 @@
           </a:prstGeom>
         </p:spPr>
         <p:txBody>
-          <a:bodyPr spcFirstLastPara="1" wrap="square" lIns="91425" tIns="91425" rIns="91425" bIns="91425" anchor="t" anchorCtr="0">
+          <a:bodyPr anchorCtr="0" anchor="t" bIns="91425" lIns="91425" spcFirstLastPara="1" rIns="91425" wrap="square" tIns="91425">
             <a:noAutofit/>
           </a:bodyPr>
           <a:lstStyle/>
           <a:p>
-            <a:pPr marL="0" lvl="0" indent="0" algn="l" rtl="0">
+            <a:pPr indent="0" lvl="0" marL="0" rtl="0" algn="l">
               <a:spcBef>
                 <a:spcPts val="0"/>
               </a:spcBef>
@@ -800,6 +778,9 @@
               </a:spcAft>
               <a:buNone/>
             </a:pPr>
+            <a:r>
+              <a:t/>
+            </a:r>
             <a:endParaRPr/>
           </a:p>
         </p:txBody>
@@ -813,11 +794,11 @@
 </file>
 
 <file path=ppt/notesSlides/notesSlide2.xml><?xml version="1.0" encoding="utf-8"?>
-<p:notes xmlns:a="http://schemas.openxmlformats.org/drawingml/2006/main" xmlns:r="http://schemas.openxmlformats.org/officeDocument/2006/relationships" xmlns:p="http://schemas.openxmlformats.org/presentationml/2006/main" showMasterSp="0" showMasterPhAnim="0">
+<p:notes xmlns:a="http://schemas.openxmlformats.org/drawingml/2006/main" xmlns:r="http://schemas.openxmlformats.org/officeDocument/2006/relationships" xmlns:mc="http://schemas.openxmlformats.org/markup-compatibility/2006" xmlns:mv="urn:schemas-microsoft-com:mac:vml" xmlns:p="http://schemas.openxmlformats.org/presentationml/2006/main" xmlns:c="http://schemas.openxmlformats.org/drawingml/2006/chart" xmlns:dgm="http://schemas.openxmlformats.org/drawingml/2006/diagram" xmlns:o="urn:schemas-microsoft-com:office:office" xmlns:v="urn:schemas-microsoft-com:vml" xmlns:pvml="urn:schemas-microsoft-com:office:powerpoint" xmlns:com="http://schemas.openxmlformats.org/drawingml/2006/compatibility" xmlns:p14="http://schemas.microsoft.com/office/powerpoint/2010/main" xmlns:p15="http://schemas.microsoft.com/office/powerpoint/2012/main" showMasterPhAnim="0" showMasterSp="0">
   <p:cSld>
     <p:spTree>
       <p:nvGrpSpPr>
-        <p:cNvPr id="1" name="Shape 56"/>
+        <p:cNvPr id="57" name="Shape 57"/>
         <p:cNvGrpSpPr/>
         <p:nvPr/>
       </p:nvGrpSpPr>
@@ -831,12 +812,10 @@
       </p:grpSpPr>
       <p:sp>
         <p:nvSpPr>
-          <p:cNvPr id="57" name="Google Shape;57;g3231e36602fd62b1_84:notes"/>
-          <p:cNvSpPr>
-            <a:spLocks noGrp="1" noRot="1" noChangeAspect="1"/>
-          </p:cNvSpPr>
+          <p:cNvPr id="58" name="Google Shape;58;g3231e36602fd62b1_84:notes"/>
+          <p:cNvSpPr/>
           <p:nvPr>
-            <p:ph type="sldImg" idx="2"/>
+            <p:ph idx="2" type="sldImg"/>
           </p:nvPr>
         </p:nvSpPr>
         <p:spPr>
@@ -845,13 +824,9 @@
             <a:ext cx="6096000" cy="3429000"/>
           </a:xfrm>
           <a:custGeom>
-            <a:avLst/>
-            <a:gdLst/>
-            <a:ahLst/>
-            <a:cxnLst/>
-            <a:rect l="l" t="t" r="r" b="b"/>
+            <a:rect b="b" l="l" r="r" t="t"/>
             <a:pathLst>
-              <a:path w="120000" h="120000" extrusionOk="0">
+              <a:path extrusionOk="0" h="120000" w="120000">
                 <a:moveTo>
                   <a:pt x="0" y="0"/>
                 </a:moveTo>
@@ -872,12 +847,10 @@
       </p:sp>
       <p:sp>
         <p:nvSpPr>
-          <p:cNvPr id="58" name="Google Shape;58;g3231e36602fd62b1_84:notes"/>
-          <p:cNvSpPr txBox="1">
-            <a:spLocks noGrp="1"/>
-          </p:cNvSpPr>
+          <p:cNvPr id="59" name="Google Shape;59;g3231e36602fd62b1_84:notes"/>
+          <p:cNvSpPr txBox="1"/>
           <p:nvPr>
-            <p:ph type="body" idx="1"/>
+            <p:ph idx="1" type="body"/>
           </p:nvPr>
         </p:nvSpPr>
         <p:spPr>
@@ -890,12 +863,12 @@
           </a:prstGeom>
         </p:spPr>
         <p:txBody>
-          <a:bodyPr spcFirstLastPara="1" wrap="square" lIns="91425" tIns="91425" rIns="91425" bIns="91425" anchor="t" anchorCtr="0">
+          <a:bodyPr anchorCtr="0" anchor="t" bIns="91425" lIns="91425" spcFirstLastPara="1" rIns="91425" wrap="square" tIns="91425">
             <a:noAutofit/>
           </a:bodyPr>
           <a:lstStyle/>
           <a:p>
-            <a:pPr marL="0" lvl="0" indent="0" algn="l" rtl="0">
+            <a:pPr indent="0" lvl="0" marL="0" rtl="0" algn="l">
               <a:spcBef>
                 <a:spcPts val="0"/>
               </a:spcBef>
@@ -904,6 +877,9 @@
               </a:spcAft>
               <a:buNone/>
             </a:pPr>
+            <a:r>
+              <a:t/>
+            </a:r>
             <a:endParaRPr/>
           </a:p>
         </p:txBody>
@@ -917,11 +893,11 @@
 </file>
 
 <file path=ppt/notesSlides/notesSlide3.xml><?xml version="1.0" encoding="utf-8"?>
-<p:notes xmlns:a="http://schemas.openxmlformats.org/drawingml/2006/main" xmlns:r="http://schemas.openxmlformats.org/officeDocument/2006/relationships" xmlns:p="http://schemas.openxmlformats.org/presentationml/2006/main" showMasterSp="0" showMasterPhAnim="0">
+<p:notes xmlns:a="http://schemas.openxmlformats.org/drawingml/2006/main" xmlns:r="http://schemas.openxmlformats.org/officeDocument/2006/relationships" xmlns:mc="http://schemas.openxmlformats.org/markup-compatibility/2006" xmlns:mv="urn:schemas-microsoft-com:mac:vml" xmlns:p="http://schemas.openxmlformats.org/presentationml/2006/main" xmlns:c="http://schemas.openxmlformats.org/drawingml/2006/chart" xmlns:dgm="http://schemas.openxmlformats.org/drawingml/2006/diagram" xmlns:o="urn:schemas-microsoft-com:office:office" xmlns:v="urn:schemas-microsoft-com:vml" xmlns:pvml="urn:schemas-microsoft-com:office:powerpoint" xmlns:com="http://schemas.openxmlformats.org/drawingml/2006/compatibility" xmlns:p14="http://schemas.microsoft.com/office/powerpoint/2010/main" xmlns:p15="http://schemas.microsoft.com/office/powerpoint/2012/main" showMasterPhAnim="0" showMasterSp="0">
   <p:cSld>
     <p:spTree>
       <p:nvGrpSpPr>
-        <p:cNvPr id="1" name="Shape 62"/>
+        <p:cNvPr id="63" name="Shape 63"/>
         <p:cNvGrpSpPr/>
         <p:nvPr/>
       </p:nvGrpSpPr>
@@ -935,12 +911,10 @@
       </p:grpSpPr>
       <p:sp>
         <p:nvSpPr>
-          <p:cNvPr id="63" name="Google Shape;63;g5ff9bbdfc0_0_3:notes"/>
-          <p:cNvSpPr>
-            <a:spLocks noGrp="1" noRot="1" noChangeAspect="1"/>
-          </p:cNvSpPr>
+          <p:cNvPr id="64" name="Google Shape;64;g5ff9bbdfc0_0_3:notes"/>
+          <p:cNvSpPr/>
           <p:nvPr>
-            <p:ph type="sldImg" idx="2"/>
+            <p:ph idx="2" type="sldImg"/>
           </p:nvPr>
         </p:nvSpPr>
         <p:spPr>
@@ -949,13 +923,9 @@
             <a:ext cx="6096000" cy="3429000"/>
           </a:xfrm>
           <a:custGeom>
-            <a:avLst/>
-            <a:gdLst/>
-            <a:ahLst/>
-            <a:cxnLst/>
-            <a:rect l="l" t="t" r="r" b="b"/>
+            <a:rect b="b" l="l" r="r" t="t"/>
             <a:pathLst>
-              <a:path w="120000" h="120000" extrusionOk="0">
+              <a:path extrusionOk="0" h="120000" w="120000">
                 <a:moveTo>
                   <a:pt x="0" y="0"/>
                 </a:moveTo>
@@ -976,12 +946,10 @@
       </p:sp>
       <p:sp>
         <p:nvSpPr>
-          <p:cNvPr id="64" name="Google Shape;64;g5ff9bbdfc0_0_3:notes"/>
-          <p:cNvSpPr txBox="1">
-            <a:spLocks noGrp="1"/>
-          </p:cNvSpPr>
+          <p:cNvPr id="65" name="Google Shape;65;g5ff9bbdfc0_0_3:notes"/>
+          <p:cNvSpPr txBox="1"/>
           <p:nvPr>
-            <p:ph type="body" idx="1"/>
+            <p:ph idx="1" type="body"/>
           </p:nvPr>
         </p:nvSpPr>
         <p:spPr>
@@ -994,12 +962,12 @@
           </a:prstGeom>
         </p:spPr>
         <p:txBody>
-          <a:bodyPr spcFirstLastPara="1" wrap="square" lIns="91425" tIns="91425" rIns="91425" bIns="91425" anchor="t" anchorCtr="0">
+          <a:bodyPr anchorCtr="0" anchor="t" bIns="91425" lIns="91425" spcFirstLastPara="1" rIns="91425" wrap="square" tIns="91425">
             <a:noAutofit/>
           </a:bodyPr>
           <a:lstStyle/>
           <a:p>
-            <a:pPr marL="0" lvl="0" indent="0" algn="l" rtl="0">
+            <a:pPr indent="0" lvl="0" marL="0" rtl="0" algn="l">
               <a:spcBef>
                 <a:spcPts val="0"/>
               </a:spcBef>
@@ -1008,6 +976,9 @@
               </a:spcAft>
               <a:buNone/>
             </a:pPr>
+            <a:r>
+              <a:t/>
+            </a:r>
             <a:endParaRPr/>
           </a:p>
         </p:txBody>
@@ -1021,11 +992,11 @@
 </file>
 
 <file path=ppt/notesSlides/notesSlide4.xml><?xml version="1.0" encoding="utf-8"?>
-<p:notes xmlns:a="http://schemas.openxmlformats.org/drawingml/2006/main" xmlns:r="http://schemas.openxmlformats.org/officeDocument/2006/relationships" xmlns:p="http://schemas.openxmlformats.org/presentationml/2006/main" showMasterSp="0" showMasterPhAnim="0">
+<p:notes xmlns:a="http://schemas.openxmlformats.org/drawingml/2006/main" xmlns:r="http://schemas.openxmlformats.org/officeDocument/2006/relationships" xmlns:mc="http://schemas.openxmlformats.org/markup-compatibility/2006" xmlns:mv="urn:schemas-microsoft-com:mac:vml" xmlns:p="http://schemas.openxmlformats.org/presentationml/2006/main" xmlns:c="http://schemas.openxmlformats.org/drawingml/2006/chart" xmlns:dgm="http://schemas.openxmlformats.org/drawingml/2006/diagram" xmlns:o="urn:schemas-microsoft-com:office:office" xmlns:v="urn:schemas-microsoft-com:vml" xmlns:pvml="urn:schemas-microsoft-com:office:powerpoint" xmlns:com="http://schemas.openxmlformats.org/drawingml/2006/compatibility" xmlns:p14="http://schemas.microsoft.com/office/powerpoint/2010/main" xmlns:p15="http://schemas.microsoft.com/office/powerpoint/2012/main" showMasterPhAnim="0" showMasterSp="0">
   <p:cSld>
     <p:spTree>
       <p:nvGrpSpPr>
-        <p:cNvPr id="1" name="Shape 68"/>
+        <p:cNvPr id="69" name="Shape 69"/>
         <p:cNvGrpSpPr/>
         <p:nvPr/>
       </p:nvGrpSpPr>
@@ -1039,12 +1010,10 @@
       </p:grpSpPr>
       <p:sp>
         <p:nvSpPr>
-          <p:cNvPr id="69" name="Google Shape;69;g5ff9bbdfc0_0_24:notes"/>
-          <p:cNvSpPr>
-            <a:spLocks noGrp="1" noRot="1" noChangeAspect="1"/>
-          </p:cNvSpPr>
+          <p:cNvPr id="70" name="Google Shape;70;g5ff9bbdfc0_0_24:notes"/>
+          <p:cNvSpPr/>
           <p:nvPr>
-            <p:ph type="sldImg" idx="2"/>
+            <p:ph idx="2" type="sldImg"/>
           </p:nvPr>
         </p:nvSpPr>
         <p:spPr>
@@ -1053,13 +1022,9 @@
             <a:ext cx="6096000" cy="3429000"/>
           </a:xfrm>
           <a:custGeom>
-            <a:avLst/>
-            <a:gdLst/>
-            <a:ahLst/>
-            <a:cxnLst/>
-            <a:rect l="l" t="t" r="r" b="b"/>
+            <a:rect b="b" l="l" r="r" t="t"/>
             <a:pathLst>
-              <a:path w="120000" h="120000" extrusionOk="0">
+              <a:path extrusionOk="0" h="120000" w="120000">
                 <a:moveTo>
                   <a:pt x="0" y="0"/>
                 </a:moveTo>
@@ -1080,12 +1045,10 @@
       </p:sp>
       <p:sp>
         <p:nvSpPr>
-          <p:cNvPr id="70" name="Google Shape;70;g5ff9bbdfc0_0_24:notes"/>
-          <p:cNvSpPr txBox="1">
-            <a:spLocks noGrp="1"/>
-          </p:cNvSpPr>
+          <p:cNvPr id="71" name="Google Shape;71;g5ff9bbdfc0_0_24:notes"/>
+          <p:cNvSpPr txBox="1"/>
           <p:nvPr>
-            <p:ph type="body" idx="1"/>
+            <p:ph idx="1" type="body"/>
           </p:nvPr>
         </p:nvSpPr>
         <p:spPr>
@@ -1098,12 +1061,12 @@
           </a:prstGeom>
         </p:spPr>
         <p:txBody>
-          <a:bodyPr spcFirstLastPara="1" wrap="square" lIns="91425" tIns="91425" rIns="91425" bIns="91425" anchor="t" anchorCtr="0">
+          <a:bodyPr anchorCtr="0" anchor="t" bIns="91425" lIns="91425" spcFirstLastPara="1" rIns="91425" wrap="square" tIns="91425">
             <a:noAutofit/>
           </a:bodyPr>
           <a:lstStyle/>
           <a:p>
-            <a:pPr marL="0" lvl="0" indent="0" algn="l" rtl="0">
+            <a:pPr indent="0" lvl="0" marL="0" rtl="0" algn="l">
               <a:spcBef>
                 <a:spcPts val="0"/>
               </a:spcBef>
@@ -1112,6 +1075,9 @@
               </a:spcAft>
               <a:buNone/>
             </a:pPr>
+            <a:r>
+              <a:t/>
+            </a:r>
             <a:endParaRPr/>
           </a:p>
         </p:txBody>
@@ -1125,11 +1091,11 @@
 </file>
 
 <file path=ppt/notesSlides/notesSlide5.xml><?xml version="1.0" encoding="utf-8"?>
-<p:notes xmlns:a="http://schemas.openxmlformats.org/drawingml/2006/main" xmlns:r="http://schemas.openxmlformats.org/officeDocument/2006/relationships" xmlns:p="http://schemas.openxmlformats.org/presentationml/2006/main" showMasterSp="0" showMasterPhAnim="0">
+<p:notes xmlns:a="http://schemas.openxmlformats.org/drawingml/2006/main" xmlns:r="http://schemas.openxmlformats.org/officeDocument/2006/relationships" xmlns:mc="http://schemas.openxmlformats.org/markup-compatibility/2006" xmlns:mv="urn:schemas-microsoft-com:mac:vml" xmlns:p="http://schemas.openxmlformats.org/presentationml/2006/main" xmlns:c="http://schemas.openxmlformats.org/drawingml/2006/chart" xmlns:dgm="http://schemas.openxmlformats.org/drawingml/2006/diagram" xmlns:o="urn:schemas-microsoft-com:office:office" xmlns:v="urn:schemas-microsoft-com:vml" xmlns:pvml="urn:schemas-microsoft-com:office:powerpoint" xmlns:com="http://schemas.openxmlformats.org/drawingml/2006/compatibility" xmlns:p14="http://schemas.microsoft.com/office/powerpoint/2010/main" xmlns:p15="http://schemas.microsoft.com/office/powerpoint/2012/main" showMasterPhAnim="0" showMasterSp="0">
   <p:cSld>
     <p:spTree>
       <p:nvGrpSpPr>
-        <p:cNvPr id="1" name="Shape 74"/>
+        <p:cNvPr id="75" name="Shape 75"/>
         <p:cNvGrpSpPr/>
         <p:nvPr/>
       </p:nvGrpSpPr>
@@ -1143,12 +1109,10 @@
       </p:grpSpPr>
       <p:sp>
         <p:nvSpPr>
-          <p:cNvPr id="75" name="Google Shape;75;g5ff9bbdfc0_0_29:notes"/>
-          <p:cNvSpPr>
-            <a:spLocks noGrp="1" noRot="1" noChangeAspect="1"/>
-          </p:cNvSpPr>
+          <p:cNvPr id="76" name="Google Shape;76;g5ff9bbdfc0_0_29:notes"/>
+          <p:cNvSpPr/>
           <p:nvPr>
-            <p:ph type="sldImg" idx="2"/>
+            <p:ph idx="2" type="sldImg"/>
           </p:nvPr>
         </p:nvSpPr>
         <p:spPr>
@@ -1157,13 +1121,9 @@
             <a:ext cx="6096000" cy="3429000"/>
           </a:xfrm>
           <a:custGeom>
-            <a:avLst/>
-            <a:gdLst/>
-            <a:ahLst/>
-            <a:cxnLst/>
-            <a:rect l="l" t="t" r="r" b="b"/>
+            <a:rect b="b" l="l" r="r" t="t"/>
             <a:pathLst>
-              <a:path w="120000" h="120000" extrusionOk="0">
+              <a:path extrusionOk="0" h="120000" w="120000">
                 <a:moveTo>
                   <a:pt x="0" y="0"/>
                 </a:moveTo>
@@ -1184,12 +1144,10 @@
       </p:sp>
       <p:sp>
         <p:nvSpPr>
-          <p:cNvPr id="76" name="Google Shape;76;g5ff9bbdfc0_0_29:notes"/>
-          <p:cNvSpPr txBox="1">
-            <a:spLocks noGrp="1"/>
-          </p:cNvSpPr>
+          <p:cNvPr id="77" name="Google Shape;77;g5ff9bbdfc0_0_29:notes"/>
+          <p:cNvSpPr txBox="1"/>
           <p:nvPr>
-            <p:ph type="body" idx="1"/>
+            <p:ph idx="1" type="body"/>
           </p:nvPr>
         </p:nvSpPr>
         <p:spPr>
@@ -1202,12 +1160,12 @@
           </a:prstGeom>
         </p:spPr>
         <p:txBody>
-          <a:bodyPr spcFirstLastPara="1" wrap="square" lIns="91425" tIns="91425" rIns="91425" bIns="91425" anchor="t" anchorCtr="0">
+          <a:bodyPr anchorCtr="0" anchor="t" bIns="91425" lIns="91425" spcFirstLastPara="1" rIns="91425" wrap="square" tIns="91425">
             <a:noAutofit/>
           </a:bodyPr>
           <a:lstStyle/>
           <a:p>
-            <a:pPr marL="0" lvl="0" indent="0" algn="l" rtl="0">
+            <a:pPr indent="0" lvl="0" marL="0" rtl="0" algn="l">
               <a:spcBef>
                 <a:spcPts val="0"/>
               </a:spcBef>
@@ -1216,6 +1174,9 @@
               </a:spcAft>
               <a:buNone/>
             </a:pPr>
+            <a:r>
+              <a:t/>
+            </a:r>
             <a:endParaRPr/>
           </a:p>
         </p:txBody>
@@ -1229,11 +1190,11 @@
 </file>
 
 <file path=ppt/notesSlides/notesSlide6.xml><?xml version="1.0" encoding="utf-8"?>
-<p:notes xmlns:a="http://schemas.openxmlformats.org/drawingml/2006/main" xmlns:r="http://schemas.openxmlformats.org/officeDocument/2006/relationships" xmlns:p="http://schemas.openxmlformats.org/presentationml/2006/main" showMasterSp="0" showMasterPhAnim="0">
+<p:notes xmlns:a="http://schemas.openxmlformats.org/drawingml/2006/main" xmlns:r="http://schemas.openxmlformats.org/officeDocument/2006/relationships" xmlns:mc="http://schemas.openxmlformats.org/markup-compatibility/2006" xmlns:mv="urn:schemas-microsoft-com:mac:vml" xmlns:p="http://schemas.openxmlformats.org/presentationml/2006/main" xmlns:c="http://schemas.openxmlformats.org/drawingml/2006/chart" xmlns:dgm="http://schemas.openxmlformats.org/drawingml/2006/diagram" xmlns:o="urn:schemas-microsoft-com:office:office" xmlns:v="urn:schemas-microsoft-com:vml" xmlns:pvml="urn:schemas-microsoft-com:office:powerpoint" xmlns:com="http://schemas.openxmlformats.org/drawingml/2006/compatibility" xmlns:p14="http://schemas.microsoft.com/office/powerpoint/2010/main" xmlns:p15="http://schemas.microsoft.com/office/powerpoint/2012/main" showMasterPhAnim="0" showMasterSp="0">
   <p:cSld>
     <p:spTree>
       <p:nvGrpSpPr>
-        <p:cNvPr id="1" name="Shape 80"/>
+        <p:cNvPr id="81" name="Shape 81"/>
         <p:cNvGrpSpPr/>
         <p:nvPr/>
       </p:nvGrpSpPr>
@@ -1247,12 +1208,10 @@
       </p:grpSpPr>
       <p:sp>
         <p:nvSpPr>
-          <p:cNvPr id="81" name="Google Shape;81;g5ff9bbdfc0_0_35:notes"/>
-          <p:cNvSpPr>
-            <a:spLocks noGrp="1" noRot="1" noChangeAspect="1"/>
-          </p:cNvSpPr>
+          <p:cNvPr id="82" name="Google Shape;82;g5ff9bbdfc0_0_35:notes"/>
+          <p:cNvSpPr/>
           <p:nvPr>
-            <p:ph type="sldImg" idx="2"/>
+            <p:ph idx="2" type="sldImg"/>
           </p:nvPr>
         </p:nvSpPr>
         <p:spPr>
@@ -1261,13 +1220,9 @@
             <a:ext cx="6096000" cy="3429000"/>
           </a:xfrm>
           <a:custGeom>
-            <a:avLst/>
-            <a:gdLst/>
-            <a:ahLst/>
-            <a:cxnLst/>
-            <a:rect l="l" t="t" r="r" b="b"/>
+            <a:rect b="b" l="l" r="r" t="t"/>
             <a:pathLst>
-              <a:path w="120000" h="120000" extrusionOk="0">
+              <a:path extrusionOk="0" h="120000" w="120000">
                 <a:moveTo>
                   <a:pt x="0" y="0"/>
                 </a:moveTo>
@@ -1288,12 +1243,10 @@
       </p:sp>
       <p:sp>
         <p:nvSpPr>
-          <p:cNvPr id="82" name="Google Shape;82;g5ff9bbdfc0_0_35:notes"/>
-          <p:cNvSpPr txBox="1">
-            <a:spLocks noGrp="1"/>
-          </p:cNvSpPr>
+          <p:cNvPr id="83" name="Google Shape;83;g5ff9bbdfc0_0_35:notes"/>
+          <p:cNvSpPr txBox="1"/>
           <p:nvPr>
-            <p:ph type="body" idx="1"/>
+            <p:ph idx="1" type="body"/>
           </p:nvPr>
         </p:nvSpPr>
         <p:spPr>
@@ -1306,12 +1259,12 @@
           </a:prstGeom>
         </p:spPr>
         <p:txBody>
-          <a:bodyPr spcFirstLastPara="1" wrap="square" lIns="91425" tIns="91425" rIns="91425" bIns="91425" anchor="t" anchorCtr="0">
+          <a:bodyPr anchorCtr="0" anchor="t" bIns="91425" lIns="91425" spcFirstLastPara="1" rIns="91425" wrap="square" tIns="91425">
             <a:noAutofit/>
           </a:bodyPr>
           <a:lstStyle/>
           <a:p>
-            <a:pPr marL="0" lvl="0" indent="0" algn="l" rtl="0">
+            <a:pPr indent="0" lvl="0" marL="0" rtl="0" algn="l">
               <a:spcBef>
                 <a:spcPts val="0"/>
               </a:spcBef>
@@ -1320,6 +1273,9 @@
               </a:spcAft>
               <a:buNone/>
             </a:pPr>
+            <a:r>
+              <a:t/>
+            </a:r>
             <a:endParaRPr/>
           </a:p>
         </p:txBody>
@@ -1333,11 +1289,11 @@
 </file>
 
 <file path=ppt/notesSlides/notesSlide7.xml><?xml version="1.0" encoding="utf-8"?>
-<p:notes xmlns:a="http://schemas.openxmlformats.org/drawingml/2006/main" xmlns:r="http://schemas.openxmlformats.org/officeDocument/2006/relationships" xmlns:p="http://schemas.openxmlformats.org/presentationml/2006/main" showMasterSp="0" showMasterPhAnim="0">
+<p:notes xmlns:a="http://schemas.openxmlformats.org/drawingml/2006/main" xmlns:r="http://schemas.openxmlformats.org/officeDocument/2006/relationships" xmlns:mc="http://schemas.openxmlformats.org/markup-compatibility/2006" xmlns:mv="urn:schemas-microsoft-com:mac:vml" xmlns:p="http://schemas.openxmlformats.org/presentationml/2006/main" xmlns:c="http://schemas.openxmlformats.org/drawingml/2006/chart" xmlns:dgm="http://schemas.openxmlformats.org/drawingml/2006/diagram" xmlns:o="urn:schemas-microsoft-com:office:office" xmlns:v="urn:schemas-microsoft-com:vml" xmlns:pvml="urn:schemas-microsoft-com:office:powerpoint" xmlns:com="http://schemas.openxmlformats.org/drawingml/2006/compatibility" xmlns:p14="http://schemas.microsoft.com/office/powerpoint/2010/main" xmlns:p15="http://schemas.microsoft.com/office/powerpoint/2012/main" showMasterPhAnim="0" showMasterSp="0">
   <p:cSld>
     <p:spTree>
       <p:nvGrpSpPr>
-        <p:cNvPr id="1" name="Shape 86"/>
+        <p:cNvPr id="87" name="Shape 87"/>
         <p:cNvGrpSpPr/>
         <p:nvPr/>
       </p:nvGrpSpPr>
@@ -1351,12 +1307,10 @@
       </p:grpSpPr>
       <p:sp>
         <p:nvSpPr>
-          <p:cNvPr id="87" name="Google Shape;87;g5ff9bbdfc0_0_13:notes"/>
-          <p:cNvSpPr>
-            <a:spLocks noGrp="1" noRot="1" noChangeAspect="1"/>
-          </p:cNvSpPr>
+          <p:cNvPr id="88" name="Google Shape;88;g5ff9bbdfc0_0_13:notes"/>
+          <p:cNvSpPr/>
           <p:nvPr>
-            <p:ph type="sldImg" idx="2"/>
+            <p:ph idx="2" type="sldImg"/>
           </p:nvPr>
         </p:nvSpPr>
         <p:spPr>
@@ -1365,13 +1319,9 @@
             <a:ext cx="6096000" cy="3429000"/>
           </a:xfrm>
           <a:custGeom>
-            <a:avLst/>
-            <a:gdLst/>
-            <a:ahLst/>
-            <a:cxnLst/>
-            <a:rect l="l" t="t" r="r" b="b"/>
+            <a:rect b="b" l="l" r="r" t="t"/>
             <a:pathLst>
-              <a:path w="120000" h="120000" extrusionOk="0">
+              <a:path extrusionOk="0" h="120000" w="120000">
                 <a:moveTo>
                   <a:pt x="0" y="0"/>
                 </a:moveTo>
@@ -1392,12 +1342,10 @@
       </p:sp>
       <p:sp>
         <p:nvSpPr>
-          <p:cNvPr id="88" name="Google Shape;88;g5ff9bbdfc0_0_13:notes"/>
-          <p:cNvSpPr txBox="1">
-            <a:spLocks noGrp="1"/>
-          </p:cNvSpPr>
+          <p:cNvPr id="89" name="Google Shape;89;g5ff9bbdfc0_0_13:notes"/>
+          <p:cNvSpPr txBox="1"/>
           <p:nvPr>
-            <p:ph type="body" idx="1"/>
+            <p:ph idx="1" type="body"/>
           </p:nvPr>
         </p:nvSpPr>
         <p:spPr>
@@ -1410,12 +1358,12 @@
           </a:prstGeom>
         </p:spPr>
         <p:txBody>
-          <a:bodyPr spcFirstLastPara="1" wrap="square" lIns="91425" tIns="91425" rIns="91425" bIns="91425" anchor="t" anchorCtr="0">
+          <a:bodyPr anchorCtr="0" anchor="t" bIns="91425" lIns="91425" spcFirstLastPara="1" rIns="91425" wrap="square" tIns="91425">
             <a:noAutofit/>
           </a:bodyPr>
           <a:lstStyle/>
           <a:p>
-            <a:pPr marL="0" lvl="0" indent="0" algn="l" rtl="0">
+            <a:pPr indent="0" lvl="0" marL="0" rtl="0" algn="l">
               <a:spcBef>
                 <a:spcPts val="0"/>
               </a:spcBef>
@@ -1424,6 +1372,9 @@
               </a:spcAft>
               <a:buNone/>
             </a:pPr>
+            <a:r>
+              <a:t/>
+            </a:r>
             <a:endParaRPr/>
           </a:p>
         </p:txBody>
@@ -1437,11 +1388,11 @@
 </file>
 
 <file path=ppt/notesSlides/notesSlide8.xml><?xml version="1.0" encoding="utf-8"?>
-<p:notes xmlns:a="http://schemas.openxmlformats.org/drawingml/2006/main" xmlns:r="http://schemas.openxmlformats.org/officeDocument/2006/relationships" xmlns:p="http://schemas.openxmlformats.org/presentationml/2006/main" showMasterSp="0" showMasterPhAnim="0">
+<p:notes xmlns:a="http://schemas.openxmlformats.org/drawingml/2006/main" xmlns:r="http://schemas.openxmlformats.org/officeDocument/2006/relationships" xmlns:mc="http://schemas.openxmlformats.org/markup-compatibility/2006" xmlns:mv="urn:schemas-microsoft-com:mac:vml" xmlns:p="http://schemas.openxmlformats.org/presentationml/2006/main" xmlns:c="http://schemas.openxmlformats.org/drawingml/2006/chart" xmlns:dgm="http://schemas.openxmlformats.org/drawingml/2006/diagram" xmlns:o="urn:schemas-microsoft-com:office:office" xmlns:v="urn:schemas-microsoft-com:vml" xmlns:pvml="urn:schemas-microsoft-com:office:powerpoint" xmlns:com="http://schemas.openxmlformats.org/drawingml/2006/compatibility" xmlns:p14="http://schemas.microsoft.com/office/powerpoint/2010/main" xmlns:p15="http://schemas.microsoft.com/office/powerpoint/2012/main" showMasterPhAnim="0" showMasterSp="0">
   <p:cSld>
     <p:spTree>
       <p:nvGrpSpPr>
-        <p:cNvPr id="1" name="Shape 92"/>
+        <p:cNvPr id="93" name="Shape 93"/>
         <p:cNvGrpSpPr/>
         <p:nvPr/>
       </p:nvGrpSpPr>
@@ -1455,12 +1406,10 @@
       </p:grpSpPr>
       <p:sp>
         <p:nvSpPr>
-          <p:cNvPr id="93" name="Google Shape;93;g5ff9bbdfc0_0_19:notes"/>
-          <p:cNvSpPr>
-            <a:spLocks noGrp="1" noRot="1" noChangeAspect="1"/>
-          </p:cNvSpPr>
+          <p:cNvPr id="94" name="Google Shape;94;g64565aa07b_0_1:notes"/>
+          <p:cNvSpPr/>
           <p:nvPr>
-            <p:ph type="sldImg" idx="2"/>
+            <p:ph idx="2" type="sldImg"/>
           </p:nvPr>
         </p:nvSpPr>
         <p:spPr>
@@ -1469,13 +1418,9 @@
             <a:ext cx="6096000" cy="3429000"/>
           </a:xfrm>
           <a:custGeom>
-            <a:avLst/>
-            <a:gdLst/>
-            <a:ahLst/>
-            <a:cxnLst/>
-            <a:rect l="l" t="t" r="r" b="b"/>
+            <a:rect b="b" l="l" r="r" t="t"/>
             <a:pathLst>
-              <a:path w="120000" h="120000" extrusionOk="0">
+              <a:path extrusionOk="0" h="120000" w="120000">
                 <a:moveTo>
                   <a:pt x="0" y="0"/>
                 </a:moveTo>
@@ -1496,12 +1441,10 @@
       </p:sp>
       <p:sp>
         <p:nvSpPr>
-          <p:cNvPr id="94" name="Google Shape;94;g5ff9bbdfc0_0_19:notes"/>
-          <p:cNvSpPr txBox="1">
-            <a:spLocks noGrp="1"/>
-          </p:cNvSpPr>
+          <p:cNvPr id="95" name="Google Shape;95;g64565aa07b_0_1:notes"/>
+          <p:cNvSpPr txBox="1"/>
           <p:nvPr>
-            <p:ph type="body" idx="1"/>
+            <p:ph idx="1" type="body"/>
           </p:nvPr>
         </p:nvSpPr>
         <p:spPr>
@@ -1514,12 +1457,12 @@
           </a:prstGeom>
         </p:spPr>
         <p:txBody>
-          <a:bodyPr spcFirstLastPara="1" wrap="square" lIns="91425" tIns="91425" rIns="91425" bIns="91425" anchor="t" anchorCtr="0">
+          <a:bodyPr anchorCtr="0" anchor="t" bIns="91425" lIns="91425" spcFirstLastPara="1" rIns="91425" wrap="square" tIns="91425">
             <a:noAutofit/>
           </a:bodyPr>
           <a:lstStyle/>
           <a:p>
-            <a:pPr marL="0" lvl="0" indent="0" algn="l" rtl="0">
+            <a:pPr indent="0" lvl="0" marL="0" rtl="0" algn="l">
               <a:spcBef>
                 <a:spcPts val="0"/>
               </a:spcBef>
@@ -1528,6 +1471,108 @@
               </a:spcAft>
               <a:buNone/>
             </a:pPr>
+            <a:r>
+              <a:t/>
+            </a:r>
+            <a:endParaRPr/>
+          </a:p>
+        </p:txBody>
+      </p:sp>
+    </p:spTree>
+  </p:cSld>
+  <p:clrMapOvr>
+    <a:masterClrMapping/>
+  </p:clrMapOvr>
+</p:notes>
+</file>
+
+<file path=ppt/notesSlides/notesSlide9.xml><?xml version="1.0" encoding="utf-8"?>
+<p:notes xmlns:a="http://schemas.openxmlformats.org/drawingml/2006/main" xmlns:r="http://schemas.openxmlformats.org/officeDocument/2006/relationships" xmlns:mc="http://schemas.openxmlformats.org/markup-compatibility/2006" xmlns:mv="urn:schemas-microsoft-com:mac:vml" xmlns:p="http://schemas.openxmlformats.org/presentationml/2006/main" xmlns:c="http://schemas.openxmlformats.org/drawingml/2006/chart" xmlns:dgm="http://schemas.openxmlformats.org/drawingml/2006/diagram" xmlns:o="urn:schemas-microsoft-com:office:office" xmlns:v="urn:schemas-microsoft-com:vml" xmlns:pvml="urn:schemas-microsoft-com:office:powerpoint" xmlns:com="http://schemas.openxmlformats.org/drawingml/2006/compatibility" xmlns:p14="http://schemas.microsoft.com/office/powerpoint/2010/main" xmlns:p15="http://schemas.microsoft.com/office/powerpoint/2012/main" showMasterPhAnim="0" showMasterSp="0">
+  <p:cSld>
+    <p:spTree>
+      <p:nvGrpSpPr>
+        <p:cNvPr id="99" name="Shape 99"/>
+        <p:cNvGrpSpPr/>
+        <p:nvPr/>
+      </p:nvGrpSpPr>
+      <p:grpSpPr>
+        <a:xfrm>
+          <a:off x="0" y="0"/>
+          <a:ext cx="0" cy="0"/>
+          <a:chOff x="0" y="0"/>
+          <a:chExt cx="0" cy="0"/>
+        </a:xfrm>
+      </p:grpSpPr>
+      <p:sp>
+        <p:nvSpPr>
+          <p:cNvPr id="100" name="Google Shape;100;g5ff9bbdfc0_0_19:notes"/>
+          <p:cNvSpPr/>
+          <p:nvPr>
+            <p:ph idx="2" type="sldImg"/>
+          </p:nvPr>
+        </p:nvSpPr>
+        <p:spPr>
+          <a:xfrm>
+            <a:off x="381300" y="685800"/>
+            <a:ext cx="6096000" cy="3429000"/>
+          </a:xfrm>
+          <a:custGeom>
+            <a:rect b="b" l="l" r="r" t="t"/>
+            <a:pathLst>
+              <a:path extrusionOk="0" h="120000" w="120000">
+                <a:moveTo>
+                  <a:pt x="0" y="0"/>
+                </a:moveTo>
+                <a:lnTo>
+                  <a:pt x="120000" y="0"/>
+                </a:lnTo>
+                <a:lnTo>
+                  <a:pt x="120000" y="120000"/>
+                </a:lnTo>
+                <a:lnTo>
+                  <a:pt x="0" y="120000"/>
+                </a:lnTo>
+                <a:close/>
+              </a:path>
+            </a:pathLst>
+          </a:custGeom>
+        </p:spPr>
+      </p:sp>
+      <p:sp>
+        <p:nvSpPr>
+          <p:cNvPr id="101" name="Google Shape;101;g5ff9bbdfc0_0_19:notes"/>
+          <p:cNvSpPr txBox="1"/>
+          <p:nvPr>
+            <p:ph idx="1" type="body"/>
+          </p:nvPr>
+        </p:nvSpPr>
+        <p:spPr>
+          <a:xfrm>
+            <a:off x="685800" y="4343400"/>
+            <a:ext cx="5486400" cy="4114800"/>
+          </a:xfrm>
+          <a:prstGeom prst="rect">
+            <a:avLst/>
+          </a:prstGeom>
+        </p:spPr>
+        <p:txBody>
+          <a:bodyPr anchorCtr="0" anchor="t" bIns="91425" lIns="91425" spcFirstLastPara="1" rIns="91425" wrap="square" tIns="91425">
+            <a:noAutofit/>
+          </a:bodyPr>
+          <a:lstStyle/>
+          <a:p>
+            <a:pPr indent="0" lvl="0" marL="0" rtl="0" algn="l">
+              <a:spcBef>
+                <a:spcPts val="0"/>
+              </a:spcBef>
+              <a:spcAft>
+                <a:spcPts val="0"/>
+              </a:spcAft>
+              <a:buNone/>
+            </a:pPr>
+            <a:r>
+              <a:t/>
+            </a:r>
             <a:endParaRPr/>
           </a:p>
         </p:txBody>
@@ -1541,11 +1586,11 @@
 </file>
 
 <file path=ppt/slideLayouts/slideLayout1.xml><?xml version="1.0" encoding="utf-8"?>
-<p:sldLayout xmlns:a="http://schemas.openxmlformats.org/drawingml/2006/main" xmlns:r="http://schemas.openxmlformats.org/officeDocument/2006/relationships" xmlns:p="http://schemas.openxmlformats.org/presentationml/2006/main" matchingName="Title slide" type="title">
+<p:sldLayout xmlns:a="http://schemas.openxmlformats.org/drawingml/2006/main" xmlns:r="http://schemas.openxmlformats.org/officeDocument/2006/relationships" xmlns:mc="http://schemas.openxmlformats.org/markup-compatibility/2006" xmlns:mv="urn:schemas-microsoft-com:mac:vml" xmlns:p="http://schemas.openxmlformats.org/presentationml/2006/main" xmlns:c="http://schemas.openxmlformats.org/drawingml/2006/chart" xmlns:dgm="http://schemas.openxmlformats.org/drawingml/2006/diagram" xmlns:o="urn:schemas-microsoft-com:office:office" xmlns:v="urn:schemas-microsoft-com:vml" xmlns:pvml="urn:schemas-microsoft-com:office:powerpoint" xmlns:com="http://schemas.openxmlformats.org/drawingml/2006/compatibility" xmlns:p14="http://schemas.microsoft.com/office/powerpoint/2010/main" xmlns:p15="http://schemas.microsoft.com/office/powerpoint/2012/main" matchingName="Title slide" type="title">
   <p:cSld name="TITLE">
     <p:spTree>
       <p:nvGrpSpPr>
-        <p:cNvPr id="1" name="Shape 9"/>
+        <p:cNvPr id="9" name="Shape 9"/>
         <p:cNvGrpSpPr/>
         <p:nvPr/>
       </p:nvGrpSpPr>
@@ -1560,9 +1605,7 @@
       <p:sp>
         <p:nvSpPr>
           <p:cNvPr id="10" name="Google Shape;10;p2"/>
-          <p:cNvSpPr txBox="1">
-            <a:spLocks noGrp="1"/>
-          </p:cNvSpPr>
+          <p:cNvSpPr txBox="1"/>
           <p:nvPr>
             <p:ph type="ctrTitle"/>
           </p:nvPr>
@@ -1577,7 +1620,7 @@
           </a:prstGeom>
         </p:spPr>
         <p:txBody>
-          <a:bodyPr spcFirstLastPara="1" wrap="square" lIns="91425" tIns="91425" rIns="91425" bIns="91425" anchor="b" anchorCtr="0">
+          <a:bodyPr anchorCtr="0" anchor="b" bIns="91425" lIns="91425" spcFirstLastPara="1" rIns="91425" wrap="square" tIns="91425">
             <a:noAutofit/>
           </a:bodyPr>
           <a:lstStyle>
@@ -1681,19 +1724,15 @@
               <a:defRPr sz="5200"/>
             </a:lvl9pPr>
           </a:lstStyle>
-          <a:p>
-            <a:endParaRPr/>
-          </a:p>
+          <a:p/>
         </p:txBody>
       </p:sp>
       <p:sp>
         <p:nvSpPr>
           <p:cNvPr id="11" name="Google Shape;11;p2"/>
-          <p:cNvSpPr txBox="1">
-            <a:spLocks noGrp="1"/>
-          </p:cNvSpPr>
+          <p:cNvSpPr txBox="1"/>
           <p:nvPr>
-            <p:ph type="subTitle" idx="1"/>
+            <p:ph idx="1" type="subTitle"/>
           </p:nvPr>
         </p:nvSpPr>
         <p:spPr>
@@ -1706,7 +1745,7 @@
           </a:prstGeom>
         </p:spPr>
         <p:txBody>
-          <a:bodyPr spcFirstLastPara="1" wrap="square" lIns="91425" tIns="91425" rIns="91425" bIns="91425" anchor="t" anchorCtr="0">
+          <a:bodyPr anchorCtr="0" anchor="t" bIns="91425" lIns="91425" spcFirstLastPara="1" rIns="91425" wrap="square" tIns="91425">
             <a:noAutofit/>
           </a:bodyPr>
           <a:lstStyle>
@@ -1837,19 +1876,15 @@
               <a:defRPr sz="2800"/>
             </a:lvl9pPr>
           </a:lstStyle>
-          <a:p>
-            <a:endParaRPr/>
-          </a:p>
+          <a:p/>
         </p:txBody>
       </p:sp>
       <p:sp>
         <p:nvSpPr>
           <p:cNvPr id="12" name="Google Shape;12;p2"/>
-          <p:cNvSpPr txBox="1">
-            <a:spLocks noGrp="1"/>
-          </p:cNvSpPr>
+          <p:cNvSpPr txBox="1"/>
           <p:nvPr>
-            <p:ph type="sldNum" idx="12"/>
+            <p:ph idx="12" type="sldNum"/>
           </p:nvPr>
         </p:nvSpPr>
         <p:spPr>
@@ -1862,7 +1897,7 @@
           </a:prstGeom>
         </p:spPr>
         <p:txBody>
-          <a:bodyPr spcFirstLastPara="1" wrap="square" lIns="91425" tIns="91425" rIns="91425" bIns="91425" anchor="ctr" anchorCtr="0">
+          <a:bodyPr anchorCtr="0" anchor="ctr" bIns="91425" lIns="91425" spcFirstLastPara="1" rIns="91425" wrap="square" tIns="91425">
             <a:noAutofit/>
           </a:bodyPr>
           <a:lstStyle>
@@ -1904,7 +1939,7 @@
             </a:lvl9pPr>
           </a:lstStyle>
           <a:p>
-            <a:pPr marL="0" lvl="0" indent="0" algn="r" rtl="0">
+            <a:pPr indent="0" lvl="0" marL="0" rtl="0" algn="r">
               <a:spcBef>
                 <a:spcPts val="0"/>
               </a:spcBef>
@@ -1930,11 +1965,11 @@
 </file>
 
 <file path=ppt/slideLayouts/slideLayout10.xml><?xml version="1.0" encoding="utf-8"?>
-<p:sldLayout xmlns:a="http://schemas.openxmlformats.org/drawingml/2006/main" xmlns:r="http://schemas.openxmlformats.org/officeDocument/2006/relationships" xmlns:p="http://schemas.openxmlformats.org/presentationml/2006/main" matchingName="Big number">
+<p:sldLayout xmlns:a="http://schemas.openxmlformats.org/drawingml/2006/main" xmlns:r="http://schemas.openxmlformats.org/officeDocument/2006/relationships" xmlns:mc="http://schemas.openxmlformats.org/markup-compatibility/2006" xmlns:mv="urn:schemas-microsoft-com:mac:vml" xmlns:p="http://schemas.openxmlformats.org/presentationml/2006/main" xmlns:c="http://schemas.openxmlformats.org/drawingml/2006/chart" xmlns:dgm="http://schemas.openxmlformats.org/drawingml/2006/diagram" xmlns:o="urn:schemas-microsoft-com:office:office" xmlns:v="urn:schemas-microsoft-com:vml" xmlns:pvml="urn:schemas-microsoft-com:office:powerpoint" xmlns:com="http://schemas.openxmlformats.org/drawingml/2006/compatibility" xmlns:p14="http://schemas.microsoft.com/office/powerpoint/2010/main" xmlns:p15="http://schemas.microsoft.com/office/powerpoint/2012/main" matchingName="Big number">
   <p:cSld name="BIG_NUMBER">
     <p:spTree>
       <p:nvGrpSpPr>
-        <p:cNvPr id="1" name="Shape 44"/>
+        <p:cNvPr id="44" name="Shape 44"/>
         <p:cNvGrpSpPr/>
         <p:nvPr/>
       </p:nvGrpSpPr>
@@ -1949,11 +1984,9 @@
       <p:sp>
         <p:nvSpPr>
           <p:cNvPr id="45" name="Google Shape;45;p11"/>
-          <p:cNvSpPr txBox="1">
-            <a:spLocks noGrp="1"/>
-          </p:cNvSpPr>
+          <p:cNvSpPr txBox="1"/>
           <p:nvPr>
-            <p:ph type="title" hasCustomPrompt="1"/>
+            <p:ph hasCustomPrompt="1" type="title"/>
           </p:nvPr>
         </p:nvSpPr>
         <p:spPr>
@@ -1966,7 +1999,7 @@
           </a:prstGeom>
         </p:spPr>
         <p:txBody>
-          <a:bodyPr spcFirstLastPara="1" wrap="square" lIns="91425" tIns="91425" rIns="91425" bIns="91425" anchor="b" anchorCtr="0">
+          <a:bodyPr anchorCtr="0" anchor="b" bIns="91425" lIns="91425" spcFirstLastPara="1" rIns="91425" wrap="square" tIns="91425">
             <a:noAutofit/>
           </a:bodyPr>
           <a:lstStyle>
@@ -2080,11 +2113,9 @@
       <p:sp>
         <p:nvSpPr>
           <p:cNvPr id="46" name="Google Shape;46;p11"/>
-          <p:cNvSpPr txBox="1">
-            <a:spLocks noGrp="1"/>
-          </p:cNvSpPr>
+          <p:cNvSpPr txBox="1"/>
           <p:nvPr>
-            <p:ph type="body" idx="1"/>
+            <p:ph idx="1" type="body"/>
           </p:nvPr>
         </p:nvSpPr>
         <p:spPr>
@@ -2097,11 +2128,11 @@
           </a:prstGeom>
         </p:spPr>
         <p:txBody>
-          <a:bodyPr spcFirstLastPara="1" wrap="square" lIns="91425" tIns="91425" rIns="91425" bIns="91425" anchor="t" anchorCtr="0">
+          <a:bodyPr anchorCtr="0" anchor="t" bIns="91425" lIns="91425" spcFirstLastPara="1" rIns="91425" wrap="square" tIns="91425">
             <a:noAutofit/>
           </a:bodyPr>
           <a:lstStyle>
-            <a:lvl1pPr marL="457200" lvl="0" indent="-342900" algn="ctr">
+            <a:lvl1pPr indent="-342900" lvl="0" marL="457200" algn="ctr">
               <a:spcBef>
                 <a:spcPts val="0"/>
               </a:spcBef>
@@ -2112,7 +2143,7 @@
               <a:buChar char="●"/>
               <a:defRPr/>
             </a:lvl1pPr>
-            <a:lvl2pPr marL="914400" lvl="1" indent="-317500" algn="ctr">
+            <a:lvl2pPr indent="-317500" lvl="1" marL="914400" algn="ctr">
               <a:spcBef>
                 <a:spcPts val="1600"/>
               </a:spcBef>
@@ -2123,7 +2154,7 @@
               <a:buChar char="○"/>
               <a:defRPr/>
             </a:lvl2pPr>
-            <a:lvl3pPr marL="1371600" lvl="2" indent="-317500" algn="ctr">
+            <a:lvl3pPr indent="-317500" lvl="2" marL="1371600" algn="ctr">
               <a:spcBef>
                 <a:spcPts val="1600"/>
               </a:spcBef>
@@ -2134,7 +2165,7 @@
               <a:buChar char="■"/>
               <a:defRPr/>
             </a:lvl3pPr>
-            <a:lvl4pPr marL="1828800" lvl="3" indent="-317500" algn="ctr">
+            <a:lvl4pPr indent="-317500" lvl="3" marL="1828800" algn="ctr">
               <a:spcBef>
                 <a:spcPts val="1600"/>
               </a:spcBef>
@@ -2145,7 +2176,7 @@
               <a:buChar char="●"/>
               <a:defRPr/>
             </a:lvl4pPr>
-            <a:lvl5pPr marL="2286000" lvl="4" indent="-317500" algn="ctr">
+            <a:lvl5pPr indent="-317500" lvl="4" marL="2286000" algn="ctr">
               <a:spcBef>
                 <a:spcPts val="1600"/>
               </a:spcBef>
@@ -2156,7 +2187,7 @@
               <a:buChar char="○"/>
               <a:defRPr/>
             </a:lvl5pPr>
-            <a:lvl6pPr marL="2743200" lvl="5" indent="-317500" algn="ctr">
+            <a:lvl6pPr indent="-317500" lvl="5" marL="2743200" algn="ctr">
               <a:spcBef>
                 <a:spcPts val="1600"/>
               </a:spcBef>
@@ -2167,7 +2198,7 @@
               <a:buChar char="■"/>
               <a:defRPr/>
             </a:lvl6pPr>
-            <a:lvl7pPr marL="3200400" lvl="6" indent="-317500" algn="ctr">
+            <a:lvl7pPr indent="-317500" lvl="6" marL="3200400" algn="ctr">
               <a:spcBef>
                 <a:spcPts val="1600"/>
               </a:spcBef>
@@ -2178,7 +2209,7 @@
               <a:buChar char="●"/>
               <a:defRPr/>
             </a:lvl7pPr>
-            <a:lvl8pPr marL="3657600" lvl="7" indent="-317500" algn="ctr">
+            <a:lvl8pPr indent="-317500" lvl="7" marL="3657600" algn="ctr">
               <a:spcBef>
                 <a:spcPts val="1600"/>
               </a:spcBef>
@@ -2189,7 +2220,7 @@
               <a:buChar char="○"/>
               <a:defRPr/>
             </a:lvl8pPr>
-            <a:lvl9pPr marL="4114800" lvl="8" indent="-317500" algn="ctr">
+            <a:lvl9pPr indent="-317500" lvl="8" marL="4114800" algn="ctr">
               <a:spcBef>
                 <a:spcPts val="1600"/>
               </a:spcBef>
@@ -2201,19 +2232,15 @@
               <a:defRPr/>
             </a:lvl9pPr>
           </a:lstStyle>
-          <a:p>
-            <a:endParaRPr/>
-          </a:p>
+          <a:p/>
         </p:txBody>
       </p:sp>
       <p:sp>
         <p:nvSpPr>
           <p:cNvPr id="47" name="Google Shape;47;p11"/>
-          <p:cNvSpPr txBox="1">
-            <a:spLocks noGrp="1"/>
-          </p:cNvSpPr>
+          <p:cNvSpPr txBox="1"/>
           <p:nvPr>
-            <p:ph type="sldNum" idx="12"/>
+            <p:ph idx="12" type="sldNum"/>
           </p:nvPr>
         </p:nvSpPr>
         <p:spPr>
@@ -2226,7 +2253,7 @@
           </a:prstGeom>
         </p:spPr>
         <p:txBody>
-          <a:bodyPr spcFirstLastPara="1" wrap="square" lIns="91425" tIns="91425" rIns="91425" bIns="91425" anchor="ctr" anchorCtr="0">
+          <a:bodyPr anchorCtr="0" anchor="ctr" bIns="91425" lIns="91425" spcFirstLastPara="1" rIns="91425" wrap="square" tIns="91425">
             <a:noAutofit/>
           </a:bodyPr>
           <a:lstStyle>
@@ -2268,7 +2295,7 @@
             </a:lvl9pPr>
           </a:lstStyle>
           <a:p>
-            <a:pPr marL="0" lvl="0" indent="0" algn="r" rtl="0">
+            <a:pPr indent="0" lvl="0" marL="0" rtl="0" algn="r">
               <a:spcBef>
                 <a:spcPts val="0"/>
               </a:spcBef>
@@ -2294,11 +2321,11 @@
 </file>
 
 <file path=ppt/slideLayouts/slideLayout11.xml><?xml version="1.0" encoding="utf-8"?>
-<p:sldLayout xmlns:a="http://schemas.openxmlformats.org/drawingml/2006/main" xmlns:r="http://schemas.openxmlformats.org/officeDocument/2006/relationships" xmlns:p="http://schemas.openxmlformats.org/presentationml/2006/main" matchingName="Blank" type="blank">
+<p:sldLayout xmlns:a="http://schemas.openxmlformats.org/drawingml/2006/main" xmlns:r="http://schemas.openxmlformats.org/officeDocument/2006/relationships" xmlns:mc="http://schemas.openxmlformats.org/markup-compatibility/2006" xmlns:mv="urn:schemas-microsoft-com:mac:vml" xmlns:p="http://schemas.openxmlformats.org/presentationml/2006/main" xmlns:c="http://schemas.openxmlformats.org/drawingml/2006/chart" xmlns:dgm="http://schemas.openxmlformats.org/drawingml/2006/diagram" xmlns:o="urn:schemas-microsoft-com:office:office" xmlns:v="urn:schemas-microsoft-com:vml" xmlns:pvml="urn:schemas-microsoft-com:office:powerpoint" xmlns:com="http://schemas.openxmlformats.org/drawingml/2006/compatibility" xmlns:p14="http://schemas.microsoft.com/office/powerpoint/2010/main" xmlns:p15="http://schemas.microsoft.com/office/powerpoint/2012/main" matchingName="Blank" type="blank">
   <p:cSld name="BLANK">
     <p:spTree>
       <p:nvGrpSpPr>
-        <p:cNvPr id="1" name="Shape 48"/>
+        <p:cNvPr id="48" name="Shape 48"/>
         <p:cNvGrpSpPr/>
         <p:nvPr/>
       </p:nvGrpSpPr>
@@ -2313,11 +2340,9 @@
       <p:sp>
         <p:nvSpPr>
           <p:cNvPr id="49" name="Google Shape;49;p12"/>
-          <p:cNvSpPr txBox="1">
-            <a:spLocks noGrp="1"/>
-          </p:cNvSpPr>
+          <p:cNvSpPr txBox="1"/>
           <p:nvPr>
-            <p:ph type="sldNum" idx="12"/>
+            <p:ph idx="12" type="sldNum"/>
           </p:nvPr>
         </p:nvSpPr>
         <p:spPr>
@@ -2330,7 +2355,7 @@
           </a:prstGeom>
         </p:spPr>
         <p:txBody>
-          <a:bodyPr spcFirstLastPara="1" wrap="square" lIns="91425" tIns="91425" rIns="91425" bIns="91425" anchor="ctr" anchorCtr="0">
+          <a:bodyPr anchorCtr="0" anchor="ctr" bIns="91425" lIns="91425" spcFirstLastPara="1" rIns="91425" wrap="square" tIns="91425">
             <a:noAutofit/>
           </a:bodyPr>
           <a:lstStyle>
@@ -2372,7 +2397,7 @@
             </a:lvl9pPr>
           </a:lstStyle>
           <a:p>
-            <a:pPr marL="0" lvl="0" indent="0" algn="r" rtl="0">
+            <a:pPr indent="0" lvl="0" marL="0" rtl="0" algn="r">
               <a:spcBef>
                 <a:spcPts val="0"/>
               </a:spcBef>
@@ -2398,11 +2423,11 @@
 </file>
 
 <file path=ppt/slideLayouts/slideLayout2.xml><?xml version="1.0" encoding="utf-8"?>
-<p:sldLayout xmlns:a="http://schemas.openxmlformats.org/drawingml/2006/main" xmlns:r="http://schemas.openxmlformats.org/officeDocument/2006/relationships" xmlns:p="http://schemas.openxmlformats.org/presentationml/2006/main" matchingName="Section header" type="secHead">
+<p:sldLayout xmlns:a="http://schemas.openxmlformats.org/drawingml/2006/main" xmlns:r="http://schemas.openxmlformats.org/officeDocument/2006/relationships" xmlns:mc="http://schemas.openxmlformats.org/markup-compatibility/2006" xmlns:mv="urn:schemas-microsoft-com:mac:vml" xmlns:p="http://schemas.openxmlformats.org/presentationml/2006/main" xmlns:c="http://schemas.openxmlformats.org/drawingml/2006/chart" xmlns:dgm="http://schemas.openxmlformats.org/drawingml/2006/diagram" xmlns:o="urn:schemas-microsoft-com:office:office" xmlns:v="urn:schemas-microsoft-com:vml" xmlns:pvml="urn:schemas-microsoft-com:office:powerpoint" xmlns:com="http://schemas.openxmlformats.org/drawingml/2006/compatibility" xmlns:p14="http://schemas.microsoft.com/office/powerpoint/2010/main" xmlns:p15="http://schemas.microsoft.com/office/powerpoint/2012/main" matchingName="Section header" type="secHead">
   <p:cSld name="SECTION_HEADER">
     <p:spTree>
       <p:nvGrpSpPr>
-        <p:cNvPr id="1" name="Shape 13"/>
+        <p:cNvPr id="13" name="Shape 13"/>
         <p:cNvGrpSpPr/>
         <p:nvPr/>
       </p:nvGrpSpPr>
@@ -2417,9 +2442,7 @@
       <p:sp>
         <p:nvSpPr>
           <p:cNvPr id="14" name="Google Shape;14;p3"/>
-          <p:cNvSpPr txBox="1">
-            <a:spLocks noGrp="1"/>
-          </p:cNvSpPr>
+          <p:cNvSpPr txBox="1"/>
           <p:nvPr>
             <p:ph type="title"/>
           </p:nvPr>
@@ -2434,7 +2457,7 @@
           </a:prstGeom>
         </p:spPr>
         <p:txBody>
-          <a:bodyPr spcFirstLastPara="1" wrap="square" lIns="91425" tIns="91425" rIns="91425" bIns="91425" anchor="ctr" anchorCtr="0">
+          <a:bodyPr anchorCtr="0" anchor="ctr" bIns="91425" lIns="91425" spcFirstLastPara="1" rIns="91425" wrap="square" tIns="91425">
             <a:noAutofit/>
           </a:bodyPr>
           <a:lstStyle>
@@ -2538,19 +2561,15 @@
               <a:defRPr sz="3600"/>
             </a:lvl9pPr>
           </a:lstStyle>
-          <a:p>
-            <a:endParaRPr/>
-          </a:p>
+          <a:p/>
         </p:txBody>
       </p:sp>
       <p:sp>
         <p:nvSpPr>
           <p:cNvPr id="15" name="Google Shape;15;p3"/>
-          <p:cNvSpPr txBox="1">
-            <a:spLocks noGrp="1"/>
-          </p:cNvSpPr>
+          <p:cNvSpPr txBox="1"/>
           <p:nvPr>
-            <p:ph type="sldNum" idx="12"/>
+            <p:ph idx="12" type="sldNum"/>
           </p:nvPr>
         </p:nvSpPr>
         <p:spPr>
@@ -2563,7 +2582,7 @@
           </a:prstGeom>
         </p:spPr>
         <p:txBody>
-          <a:bodyPr spcFirstLastPara="1" wrap="square" lIns="91425" tIns="91425" rIns="91425" bIns="91425" anchor="ctr" anchorCtr="0">
+          <a:bodyPr anchorCtr="0" anchor="ctr" bIns="91425" lIns="91425" spcFirstLastPara="1" rIns="91425" wrap="square" tIns="91425">
             <a:noAutofit/>
           </a:bodyPr>
           <a:lstStyle>
@@ -2605,7 +2624,7 @@
             </a:lvl9pPr>
           </a:lstStyle>
           <a:p>
-            <a:pPr marL="0" lvl="0" indent="0" algn="r" rtl="0">
+            <a:pPr indent="0" lvl="0" marL="0" rtl="0" algn="r">
               <a:spcBef>
                 <a:spcPts val="0"/>
               </a:spcBef>
@@ -2631,11 +2650,11 @@
 </file>
 
 <file path=ppt/slideLayouts/slideLayout3.xml><?xml version="1.0" encoding="utf-8"?>
-<p:sldLayout xmlns:a="http://schemas.openxmlformats.org/drawingml/2006/main" xmlns:r="http://schemas.openxmlformats.org/officeDocument/2006/relationships" xmlns:p="http://schemas.openxmlformats.org/presentationml/2006/main" matchingName="Title and body" type="tx">
+<p:sldLayout xmlns:a="http://schemas.openxmlformats.org/drawingml/2006/main" xmlns:r="http://schemas.openxmlformats.org/officeDocument/2006/relationships" xmlns:mc="http://schemas.openxmlformats.org/markup-compatibility/2006" xmlns:mv="urn:schemas-microsoft-com:mac:vml" xmlns:p="http://schemas.openxmlformats.org/presentationml/2006/main" xmlns:c="http://schemas.openxmlformats.org/drawingml/2006/chart" xmlns:dgm="http://schemas.openxmlformats.org/drawingml/2006/diagram" xmlns:o="urn:schemas-microsoft-com:office:office" xmlns:v="urn:schemas-microsoft-com:vml" xmlns:pvml="urn:schemas-microsoft-com:office:powerpoint" xmlns:com="http://schemas.openxmlformats.org/drawingml/2006/compatibility" xmlns:p14="http://schemas.microsoft.com/office/powerpoint/2010/main" xmlns:p15="http://schemas.microsoft.com/office/powerpoint/2012/main" matchingName="Title and body" type="tx">
   <p:cSld name="TITLE_AND_BODY">
     <p:spTree>
       <p:nvGrpSpPr>
-        <p:cNvPr id="1" name="Shape 16"/>
+        <p:cNvPr id="16" name="Shape 16"/>
         <p:cNvGrpSpPr/>
         <p:nvPr/>
       </p:nvGrpSpPr>
@@ -2650,9 +2669,7 @@
       <p:sp>
         <p:nvSpPr>
           <p:cNvPr id="17" name="Google Shape;17;p4"/>
-          <p:cNvSpPr txBox="1">
-            <a:spLocks noGrp="1"/>
-          </p:cNvSpPr>
+          <p:cNvSpPr txBox="1"/>
           <p:nvPr>
             <p:ph type="title"/>
           </p:nvPr>
@@ -2667,7 +2684,7 @@
           </a:prstGeom>
         </p:spPr>
         <p:txBody>
-          <a:bodyPr spcFirstLastPara="1" wrap="square" lIns="91425" tIns="91425" rIns="91425" bIns="91425" anchor="t" anchorCtr="0">
+          <a:bodyPr anchorCtr="0" anchor="t" bIns="91425" lIns="91425" spcFirstLastPara="1" rIns="91425" wrap="square" tIns="91425">
             <a:noAutofit/>
           </a:bodyPr>
           <a:lstStyle>
@@ -2771,19 +2788,15 @@
               <a:defRPr/>
             </a:lvl9pPr>
           </a:lstStyle>
-          <a:p>
-            <a:endParaRPr/>
-          </a:p>
+          <a:p/>
         </p:txBody>
       </p:sp>
       <p:sp>
         <p:nvSpPr>
           <p:cNvPr id="18" name="Google Shape;18;p4"/>
-          <p:cNvSpPr txBox="1">
-            <a:spLocks noGrp="1"/>
-          </p:cNvSpPr>
+          <p:cNvSpPr txBox="1"/>
           <p:nvPr>
-            <p:ph type="body" idx="1"/>
+            <p:ph idx="1" type="body"/>
           </p:nvPr>
         </p:nvSpPr>
         <p:spPr>
@@ -2796,11 +2809,11 @@
           </a:prstGeom>
         </p:spPr>
         <p:txBody>
-          <a:bodyPr spcFirstLastPara="1" wrap="square" lIns="91425" tIns="91425" rIns="91425" bIns="91425" anchor="t" anchorCtr="0">
+          <a:bodyPr anchorCtr="0" anchor="t" bIns="91425" lIns="91425" spcFirstLastPara="1" rIns="91425" wrap="square" tIns="91425">
             <a:noAutofit/>
           </a:bodyPr>
           <a:lstStyle>
-            <a:lvl1pPr marL="457200" lvl="0" indent="-342900">
+            <a:lvl1pPr indent="-342900" lvl="0" marL="457200">
               <a:spcBef>
                 <a:spcPts val="0"/>
               </a:spcBef>
@@ -2811,7 +2824,7 @@
               <a:buChar char="●"/>
               <a:defRPr/>
             </a:lvl1pPr>
-            <a:lvl2pPr marL="914400" lvl="1" indent="-317500">
+            <a:lvl2pPr indent="-317500" lvl="1" marL="914400">
               <a:spcBef>
                 <a:spcPts val="1600"/>
               </a:spcBef>
@@ -2822,7 +2835,7 @@
               <a:buChar char="○"/>
               <a:defRPr/>
             </a:lvl2pPr>
-            <a:lvl3pPr marL="1371600" lvl="2" indent="-317500">
+            <a:lvl3pPr indent="-317500" lvl="2" marL="1371600">
               <a:spcBef>
                 <a:spcPts val="1600"/>
               </a:spcBef>
@@ -2833,7 +2846,7 @@
               <a:buChar char="■"/>
               <a:defRPr/>
             </a:lvl3pPr>
-            <a:lvl4pPr marL="1828800" lvl="3" indent="-317500">
+            <a:lvl4pPr indent="-317500" lvl="3" marL="1828800">
               <a:spcBef>
                 <a:spcPts val="1600"/>
               </a:spcBef>
@@ -2844,7 +2857,7 @@
               <a:buChar char="●"/>
               <a:defRPr/>
             </a:lvl4pPr>
-            <a:lvl5pPr marL="2286000" lvl="4" indent="-317500">
+            <a:lvl5pPr indent="-317500" lvl="4" marL="2286000">
               <a:spcBef>
                 <a:spcPts val="1600"/>
               </a:spcBef>
@@ -2855,7 +2868,7 @@
               <a:buChar char="○"/>
               <a:defRPr/>
             </a:lvl5pPr>
-            <a:lvl6pPr marL="2743200" lvl="5" indent="-317500">
+            <a:lvl6pPr indent="-317500" lvl="5" marL="2743200">
               <a:spcBef>
                 <a:spcPts val="1600"/>
               </a:spcBef>
@@ -2866,7 +2879,7 @@
               <a:buChar char="■"/>
               <a:defRPr/>
             </a:lvl6pPr>
-            <a:lvl7pPr marL="3200400" lvl="6" indent="-317500">
+            <a:lvl7pPr indent="-317500" lvl="6" marL="3200400">
               <a:spcBef>
                 <a:spcPts val="1600"/>
               </a:spcBef>
@@ -2877,7 +2890,7 @@
               <a:buChar char="●"/>
               <a:defRPr/>
             </a:lvl7pPr>
-            <a:lvl8pPr marL="3657600" lvl="7" indent="-317500">
+            <a:lvl8pPr indent="-317500" lvl="7" marL="3657600">
               <a:spcBef>
                 <a:spcPts val="1600"/>
               </a:spcBef>
@@ -2888,7 +2901,7 @@
               <a:buChar char="○"/>
               <a:defRPr/>
             </a:lvl8pPr>
-            <a:lvl9pPr marL="4114800" lvl="8" indent="-317500">
+            <a:lvl9pPr indent="-317500" lvl="8" marL="4114800">
               <a:spcBef>
                 <a:spcPts val="1600"/>
               </a:spcBef>
@@ -2900,19 +2913,15 @@
               <a:defRPr/>
             </a:lvl9pPr>
           </a:lstStyle>
-          <a:p>
-            <a:endParaRPr/>
-          </a:p>
+          <a:p/>
         </p:txBody>
       </p:sp>
       <p:sp>
         <p:nvSpPr>
           <p:cNvPr id="19" name="Google Shape;19;p4"/>
-          <p:cNvSpPr txBox="1">
-            <a:spLocks noGrp="1"/>
-          </p:cNvSpPr>
+          <p:cNvSpPr txBox="1"/>
           <p:nvPr>
-            <p:ph type="sldNum" idx="12"/>
+            <p:ph idx="12" type="sldNum"/>
           </p:nvPr>
         </p:nvSpPr>
         <p:spPr>
@@ -2925,7 +2934,7 @@
           </a:prstGeom>
         </p:spPr>
         <p:txBody>
-          <a:bodyPr spcFirstLastPara="1" wrap="square" lIns="91425" tIns="91425" rIns="91425" bIns="91425" anchor="ctr" anchorCtr="0">
+          <a:bodyPr anchorCtr="0" anchor="ctr" bIns="91425" lIns="91425" spcFirstLastPara="1" rIns="91425" wrap="square" tIns="91425">
             <a:noAutofit/>
           </a:bodyPr>
           <a:lstStyle>
@@ -2967,7 +2976,7 @@
             </a:lvl9pPr>
           </a:lstStyle>
           <a:p>
-            <a:pPr marL="0" lvl="0" indent="0" algn="r" rtl="0">
+            <a:pPr indent="0" lvl="0" marL="0" rtl="0" algn="r">
               <a:spcBef>
                 <a:spcPts val="0"/>
               </a:spcBef>
@@ -2993,11 +3002,11 @@
 </file>
 
 <file path=ppt/slideLayouts/slideLayout4.xml><?xml version="1.0" encoding="utf-8"?>
-<p:sldLayout xmlns:a="http://schemas.openxmlformats.org/drawingml/2006/main" xmlns:r="http://schemas.openxmlformats.org/officeDocument/2006/relationships" xmlns:p="http://schemas.openxmlformats.org/presentationml/2006/main" matchingName="Title and two columns" type="twoColTx">
+<p:sldLayout xmlns:a="http://schemas.openxmlformats.org/drawingml/2006/main" xmlns:r="http://schemas.openxmlformats.org/officeDocument/2006/relationships" xmlns:mc="http://schemas.openxmlformats.org/markup-compatibility/2006" xmlns:mv="urn:schemas-microsoft-com:mac:vml" xmlns:p="http://schemas.openxmlformats.org/presentationml/2006/main" xmlns:c="http://schemas.openxmlformats.org/drawingml/2006/chart" xmlns:dgm="http://schemas.openxmlformats.org/drawingml/2006/diagram" xmlns:o="urn:schemas-microsoft-com:office:office" xmlns:v="urn:schemas-microsoft-com:vml" xmlns:pvml="urn:schemas-microsoft-com:office:powerpoint" xmlns:com="http://schemas.openxmlformats.org/drawingml/2006/compatibility" xmlns:p14="http://schemas.microsoft.com/office/powerpoint/2010/main" xmlns:p15="http://schemas.microsoft.com/office/powerpoint/2012/main" matchingName="Title and two columns" type="twoColTx">
   <p:cSld name="TITLE_AND_TWO_COLUMNS">
     <p:spTree>
       <p:nvGrpSpPr>
-        <p:cNvPr id="1" name="Shape 20"/>
+        <p:cNvPr id="20" name="Shape 20"/>
         <p:cNvGrpSpPr/>
         <p:nvPr/>
       </p:nvGrpSpPr>
@@ -3012,9 +3021,7 @@
       <p:sp>
         <p:nvSpPr>
           <p:cNvPr id="21" name="Google Shape;21;p5"/>
-          <p:cNvSpPr txBox="1">
-            <a:spLocks noGrp="1"/>
-          </p:cNvSpPr>
+          <p:cNvSpPr txBox="1"/>
           <p:nvPr>
             <p:ph type="title"/>
           </p:nvPr>
@@ -3029,7 +3036,7 @@
           </a:prstGeom>
         </p:spPr>
         <p:txBody>
-          <a:bodyPr spcFirstLastPara="1" wrap="square" lIns="91425" tIns="91425" rIns="91425" bIns="91425" anchor="t" anchorCtr="0">
+          <a:bodyPr anchorCtr="0" anchor="t" bIns="91425" lIns="91425" spcFirstLastPara="1" rIns="91425" wrap="square" tIns="91425">
             <a:noAutofit/>
           </a:bodyPr>
           <a:lstStyle>
@@ -3133,19 +3140,15 @@
               <a:defRPr/>
             </a:lvl9pPr>
           </a:lstStyle>
-          <a:p>
-            <a:endParaRPr/>
-          </a:p>
+          <a:p/>
         </p:txBody>
       </p:sp>
       <p:sp>
         <p:nvSpPr>
           <p:cNvPr id="22" name="Google Shape;22;p5"/>
-          <p:cNvSpPr txBox="1">
-            <a:spLocks noGrp="1"/>
-          </p:cNvSpPr>
+          <p:cNvSpPr txBox="1"/>
           <p:nvPr>
-            <p:ph type="body" idx="1"/>
+            <p:ph idx="1" type="body"/>
           </p:nvPr>
         </p:nvSpPr>
         <p:spPr>
@@ -3158,11 +3161,11 @@
           </a:prstGeom>
         </p:spPr>
         <p:txBody>
-          <a:bodyPr spcFirstLastPara="1" wrap="square" lIns="91425" tIns="91425" rIns="91425" bIns="91425" anchor="t" anchorCtr="0">
+          <a:bodyPr anchorCtr="0" anchor="t" bIns="91425" lIns="91425" spcFirstLastPara="1" rIns="91425" wrap="square" tIns="91425">
             <a:noAutofit/>
           </a:bodyPr>
           <a:lstStyle>
-            <a:lvl1pPr marL="457200" lvl="0" indent="-317500">
+            <a:lvl1pPr indent="-317500" lvl="0" marL="457200">
               <a:spcBef>
                 <a:spcPts val="0"/>
               </a:spcBef>
@@ -3173,7 +3176,7 @@
               <a:buChar char="●"/>
               <a:defRPr sz="1400"/>
             </a:lvl1pPr>
-            <a:lvl2pPr marL="914400" lvl="1" indent="-304800">
+            <a:lvl2pPr indent="-304800" lvl="1" marL="914400">
               <a:spcBef>
                 <a:spcPts val="1600"/>
               </a:spcBef>
@@ -3184,7 +3187,7 @@
               <a:buChar char="○"/>
               <a:defRPr sz="1200"/>
             </a:lvl2pPr>
-            <a:lvl3pPr marL="1371600" lvl="2" indent="-304800">
+            <a:lvl3pPr indent="-304800" lvl="2" marL="1371600">
               <a:spcBef>
                 <a:spcPts val="1600"/>
               </a:spcBef>
@@ -3195,7 +3198,7 @@
               <a:buChar char="■"/>
               <a:defRPr sz="1200"/>
             </a:lvl3pPr>
-            <a:lvl4pPr marL="1828800" lvl="3" indent="-304800">
+            <a:lvl4pPr indent="-304800" lvl="3" marL="1828800">
               <a:spcBef>
                 <a:spcPts val="1600"/>
               </a:spcBef>
@@ -3206,7 +3209,7 @@
               <a:buChar char="●"/>
               <a:defRPr sz="1200"/>
             </a:lvl4pPr>
-            <a:lvl5pPr marL="2286000" lvl="4" indent="-304800">
+            <a:lvl5pPr indent="-304800" lvl="4" marL="2286000">
               <a:spcBef>
                 <a:spcPts val="1600"/>
               </a:spcBef>
@@ -3217,7 +3220,7 @@
               <a:buChar char="○"/>
               <a:defRPr sz="1200"/>
             </a:lvl5pPr>
-            <a:lvl6pPr marL="2743200" lvl="5" indent="-304800">
+            <a:lvl6pPr indent="-304800" lvl="5" marL="2743200">
               <a:spcBef>
                 <a:spcPts val="1600"/>
               </a:spcBef>
@@ -3228,7 +3231,7 @@
               <a:buChar char="■"/>
               <a:defRPr sz="1200"/>
             </a:lvl6pPr>
-            <a:lvl7pPr marL="3200400" lvl="6" indent="-304800">
+            <a:lvl7pPr indent="-304800" lvl="6" marL="3200400">
               <a:spcBef>
                 <a:spcPts val="1600"/>
               </a:spcBef>
@@ -3239,7 +3242,7 @@
               <a:buChar char="●"/>
               <a:defRPr sz="1200"/>
             </a:lvl7pPr>
-            <a:lvl8pPr marL="3657600" lvl="7" indent="-304800">
+            <a:lvl8pPr indent="-304800" lvl="7" marL="3657600">
               <a:spcBef>
                 <a:spcPts val="1600"/>
               </a:spcBef>
@@ -3250,7 +3253,7 @@
               <a:buChar char="○"/>
               <a:defRPr sz="1200"/>
             </a:lvl8pPr>
-            <a:lvl9pPr marL="4114800" lvl="8" indent="-304800">
+            <a:lvl9pPr indent="-304800" lvl="8" marL="4114800">
               <a:spcBef>
                 <a:spcPts val="1600"/>
               </a:spcBef>
@@ -3262,19 +3265,15 @@
               <a:defRPr sz="1200"/>
             </a:lvl9pPr>
           </a:lstStyle>
-          <a:p>
-            <a:endParaRPr/>
-          </a:p>
+          <a:p/>
         </p:txBody>
       </p:sp>
       <p:sp>
         <p:nvSpPr>
           <p:cNvPr id="23" name="Google Shape;23;p5"/>
-          <p:cNvSpPr txBox="1">
-            <a:spLocks noGrp="1"/>
-          </p:cNvSpPr>
+          <p:cNvSpPr txBox="1"/>
           <p:nvPr>
-            <p:ph type="body" idx="2"/>
+            <p:ph idx="2" type="body"/>
           </p:nvPr>
         </p:nvSpPr>
         <p:spPr>
@@ -3287,11 +3286,11 @@
           </a:prstGeom>
         </p:spPr>
         <p:txBody>
-          <a:bodyPr spcFirstLastPara="1" wrap="square" lIns="91425" tIns="91425" rIns="91425" bIns="91425" anchor="t" anchorCtr="0">
+          <a:bodyPr anchorCtr="0" anchor="t" bIns="91425" lIns="91425" spcFirstLastPara="1" rIns="91425" wrap="square" tIns="91425">
             <a:noAutofit/>
           </a:bodyPr>
           <a:lstStyle>
-            <a:lvl1pPr marL="457200" lvl="0" indent="-317500">
+            <a:lvl1pPr indent="-317500" lvl="0" marL="457200">
               <a:spcBef>
                 <a:spcPts val="0"/>
               </a:spcBef>
@@ -3302,7 +3301,7 @@
               <a:buChar char="●"/>
               <a:defRPr sz="1400"/>
             </a:lvl1pPr>
-            <a:lvl2pPr marL="914400" lvl="1" indent="-304800">
+            <a:lvl2pPr indent="-304800" lvl="1" marL="914400">
               <a:spcBef>
                 <a:spcPts val="1600"/>
               </a:spcBef>
@@ -3313,7 +3312,7 @@
               <a:buChar char="○"/>
               <a:defRPr sz="1200"/>
             </a:lvl2pPr>
-            <a:lvl3pPr marL="1371600" lvl="2" indent="-304800">
+            <a:lvl3pPr indent="-304800" lvl="2" marL="1371600">
               <a:spcBef>
                 <a:spcPts val="1600"/>
               </a:spcBef>
@@ -3324,7 +3323,7 @@
               <a:buChar char="■"/>
               <a:defRPr sz="1200"/>
             </a:lvl3pPr>
-            <a:lvl4pPr marL="1828800" lvl="3" indent="-304800">
+            <a:lvl4pPr indent="-304800" lvl="3" marL="1828800">
               <a:spcBef>
                 <a:spcPts val="1600"/>
               </a:spcBef>
@@ -3335,7 +3334,7 @@
               <a:buChar char="●"/>
               <a:defRPr sz="1200"/>
             </a:lvl4pPr>
-            <a:lvl5pPr marL="2286000" lvl="4" indent="-304800">
+            <a:lvl5pPr indent="-304800" lvl="4" marL="2286000">
               <a:spcBef>
                 <a:spcPts val="1600"/>
               </a:spcBef>
@@ -3346,7 +3345,7 @@
               <a:buChar char="○"/>
               <a:defRPr sz="1200"/>
             </a:lvl5pPr>
-            <a:lvl6pPr marL="2743200" lvl="5" indent="-304800">
+            <a:lvl6pPr indent="-304800" lvl="5" marL="2743200">
               <a:spcBef>
                 <a:spcPts val="1600"/>
               </a:spcBef>
@@ -3357,7 +3356,7 @@
               <a:buChar char="■"/>
               <a:defRPr sz="1200"/>
             </a:lvl6pPr>
-            <a:lvl7pPr marL="3200400" lvl="6" indent="-304800">
+            <a:lvl7pPr indent="-304800" lvl="6" marL="3200400">
               <a:spcBef>
                 <a:spcPts val="1600"/>
               </a:spcBef>
@@ -3368,7 +3367,7 @@
               <a:buChar char="●"/>
               <a:defRPr sz="1200"/>
             </a:lvl7pPr>
-            <a:lvl8pPr marL="3657600" lvl="7" indent="-304800">
+            <a:lvl8pPr indent="-304800" lvl="7" marL="3657600">
               <a:spcBef>
                 <a:spcPts val="1600"/>
               </a:spcBef>
@@ -3379,7 +3378,7 @@
               <a:buChar char="○"/>
               <a:defRPr sz="1200"/>
             </a:lvl8pPr>
-            <a:lvl9pPr marL="4114800" lvl="8" indent="-304800">
+            <a:lvl9pPr indent="-304800" lvl="8" marL="4114800">
               <a:spcBef>
                 <a:spcPts val="1600"/>
               </a:spcBef>
@@ -3391,19 +3390,15 @@
               <a:defRPr sz="1200"/>
             </a:lvl9pPr>
           </a:lstStyle>
-          <a:p>
-            <a:endParaRPr/>
-          </a:p>
+          <a:p/>
         </p:txBody>
       </p:sp>
       <p:sp>
         <p:nvSpPr>
           <p:cNvPr id="24" name="Google Shape;24;p5"/>
-          <p:cNvSpPr txBox="1">
-            <a:spLocks noGrp="1"/>
-          </p:cNvSpPr>
+          <p:cNvSpPr txBox="1"/>
           <p:nvPr>
-            <p:ph type="sldNum" idx="12"/>
+            <p:ph idx="12" type="sldNum"/>
           </p:nvPr>
         </p:nvSpPr>
         <p:spPr>
@@ -3416,7 +3411,7 @@
           </a:prstGeom>
         </p:spPr>
         <p:txBody>
-          <a:bodyPr spcFirstLastPara="1" wrap="square" lIns="91425" tIns="91425" rIns="91425" bIns="91425" anchor="ctr" anchorCtr="0">
+          <a:bodyPr anchorCtr="0" anchor="ctr" bIns="91425" lIns="91425" spcFirstLastPara="1" rIns="91425" wrap="square" tIns="91425">
             <a:noAutofit/>
           </a:bodyPr>
           <a:lstStyle>
@@ -3458,7 +3453,7 @@
             </a:lvl9pPr>
           </a:lstStyle>
           <a:p>
-            <a:pPr marL="0" lvl="0" indent="0" algn="r" rtl="0">
+            <a:pPr indent="0" lvl="0" marL="0" rtl="0" algn="r">
               <a:spcBef>
                 <a:spcPts val="0"/>
               </a:spcBef>
@@ -3484,11 +3479,11 @@
 </file>
 
 <file path=ppt/slideLayouts/slideLayout5.xml><?xml version="1.0" encoding="utf-8"?>
-<p:sldLayout xmlns:a="http://schemas.openxmlformats.org/drawingml/2006/main" xmlns:r="http://schemas.openxmlformats.org/officeDocument/2006/relationships" xmlns:p="http://schemas.openxmlformats.org/presentationml/2006/main" matchingName="Title only" type="titleOnly">
+<p:sldLayout xmlns:a="http://schemas.openxmlformats.org/drawingml/2006/main" xmlns:r="http://schemas.openxmlformats.org/officeDocument/2006/relationships" xmlns:mc="http://schemas.openxmlformats.org/markup-compatibility/2006" xmlns:mv="urn:schemas-microsoft-com:mac:vml" xmlns:p="http://schemas.openxmlformats.org/presentationml/2006/main" xmlns:c="http://schemas.openxmlformats.org/drawingml/2006/chart" xmlns:dgm="http://schemas.openxmlformats.org/drawingml/2006/diagram" xmlns:o="urn:schemas-microsoft-com:office:office" xmlns:v="urn:schemas-microsoft-com:vml" xmlns:pvml="urn:schemas-microsoft-com:office:powerpoint" xmlns:com="http://schemas.openxmlformats.org/drawingml/2006/compatibility" xmlns:p14="http://schemas.microsoft.com/office/powerpoint/2010/main" xmlns:p15="http://schemas.microsoft.com/office/powerpoint/2012/main" matchingName="Title only" type="titleOnly">
   <p:cSld name="TITLE_ONLY">
     <p:spTree>
       <p:nvGrpSpPr>
-        <p:cNvPr id="1" name="Shape 25"/>
+        <p:cNvPr id="25" name="Shape 25"/>
         <p:cNvGrpSpPr/>
         <p:nvPr/>
       </p:nvGrpSpPr>
@@ -3503,9 +3498,7 @@
       <p:sp>
         <p:nvSpPr>
           <p:cNvPr id="26" name="Google Shape;26;p6"/>
-          <p:cNvSpPr txBox="1">
-            <a:spLocks noGrp="1"/>
-          </p:cNvSpPr>
+          <p:cNvSpPr txBox="1"/>
           <p:nvPr>
             <p:ph type="title"/>
           </p:nvPr>
@@ -3520,7 +3513,7 @@
           </a:prstGeom>
         </p:spPr>
         <p:txBody>
-          <a:bodyPr spcFirstLastPara="1" wrap="square" lIns="91425" tIns="91425" rIns="91425" bIns="91425" anchor="t" anchorCtr="0">
+          <a:bodyPr anchorCtr="0" anchor="t" bIns="91425" lIns="91425" spcFirstLastPara="1" rIns="91425" wrap="square" tIns="91425">
             <a:noAutofit/>
           </a:bodyPr>
           <a:lstStyle>
@@ -3624,19 +3617,15 @@
               <a:defRPr/>
             </a:lvl9pPr>
           </a:lstStyle>
-          <a:p>
-            <a:endParaRPr/>
-          </a:p>
+          <a:p/>
         </p:txBody>
       </p:sp>
       <p:sp>
         <p:nvSpPr>
           <p:cNvPr id="27" name="Google Shape;27;p6"/>
-          <p:cNvSpPr txBox="1">
-            <a:spLocks noGrp="1"/>
-          </p:cNvSpPr>
+          <p:cNvSpPr txBox="1"/>
           <p:nvPr>
-            <p:ph type="sldNum" idx="12"/>
+            <p:ph idx="12" type="sldNum"/>
           </p:nvPr>
         </p:nvSpPr>
         <p:spPr>
@@ -3649,7 +3638,7 @@
           </a:prstGeom>
         </p:spPr>
         <p:txBody>
-          <a:bodyPr spcFirstLastPara="1" wrap="square" lIns="91425" tIns="91425" rIns="91425" bIns="91425" anchor="ctr" anchorCtr="0">
+          <a:bodyPr anchorCtr="0" anchor="ctr" bIns="91425" lIns="91425" spcFirstLastPara="1" rIns="91425" wrap="square" tIns="91425">
             <a:noAutofit/>
           </a:bodyPr>
           <a:lstStyle>
@@ -3691,7 +3680,7 @@
             </a:lvl9pPr>
           </a:lstStyle>
           <a:p>
-            <a:pPr marL="0" lvl="0" indent="0" algn="r" rtl="0">
+            <a:pPr indent="0" lvl="0" marL="0" rtl="0" algn="r">
               <a:spcBef>
                 <a:spcPts val="0"/>
               </a:spcBef>
@@ -3717,11 +3706,11 @@
 </file>
 
 <file path=ppt/slideLayouts/slideLayout6.xml><?xml version="1.0" encoding="utf-8"?>
-<p:sldLayout xmlns:a="http://schemas.openxmlformats.org/drawingml/2006/main" xmlns:r="http://schemas.openxmlformats.org/officeDocument/2006/relationships" xmlns:p="http://schemas.openxmlformats.org/presentationml/2006/main" matchingName="One column text">
+<p:sldLayout xmlns:a="http://schemas.openxmlformats.org/drawingml/2006/main" xmlns:r="http://schemas.openxmlformats.org/officeDocument/2006/relationships" xmlns:mc="http://schemas.openxmlformats.org/markup-compatibility/2006" xmlns:mv="urn:schemas-microsoft-com:mac:vml" xmlns:p="http://schemas.openxmlformats.org/presentationml/2006/main" xmlns:c="http://schemas.openxmlformats.org/drawingml/2006/chart" xmlns:dgm="http://schemas.openxmlformats.org/drawingml/2006/diagram" xmlns:o="urn:schemas-microsoft-com:office:office" xmlns:v="urn:schemas-microsoft-com:vml" xmlns:pvml="urn:schemas-microsoft-com:office:powerpoint" xmlns:com="http://schemas.openxmlformats.org/drawingml/2006/compatibility" xmlns:p14="http://schemas.microsoft.com/office/powerpoint/2010/main" xmlns:p15="http://schemas.microsoft.com/office/powerpoint/2012/main" matchingName="One column text">
   <p:cSld name="ONE_COLUMN_TEXT">
     <p:spTree>
       <p:nvGrpSpPr>
-        <p:cNvPr id="1" name="Shape 28"/>
+        <p:cNvPr id="28" name="Shape 28"/>
         <p:cNvGrpSpPr/>
         <p:nvPr/>
       </p:nvGrpSpPr>
@@ -3736,9 +3725,7 @@
       <p:sp>
         <p:nvSpPr>
           <p:cNvPr id="29" name="Google Shape;29;p7"/>
-          <p:cNvSpPr txBox="1">
-            <a:spLocks noGrp="1"/>
-          </p:cNvSpPr>
+          <p:cNvSpPr txBox="1"/>
           <p:nvPr>
             <p:ph type="title"/>
           </p:nvPr>
@@ -3753,7 +3740,7 @@
           </a:prstGeom>
         </p:spPr>
         <p:txBody>
-          <a:bodyPr spcFirstLastPara="1" wrap="square" lIns="91425" tIns="91425" rIns="91425" bIns="91425" anchor="b" anchorCtr="0">
+          <a:bodyPr anchorCtr="0" anchor="b" bIns="91425" lIns="91425" spcFirstLastPara="1" rIns="91425" wrap="square" tIns="91425">
             <a:noAutofit/>
           </a:bodyPr>
           <a:lstStyle>
@@ -3857,19 +3844,15 @@
               <a:defRPr sz="2400"/>
             </a:lvl9pPr>
           </a:lstStyle>
-          <a:p>
-            <a:endParaRPr/>
-          </a:p>
+          <a:p/>
         </p:txBody>
       </p:sp>
       <p:sp>
         <p:nvSpPr>
           <p:cNvPr id="30" name="Google Shape;30;p7"/>
-          <p:cNvSpPr txBox="1">
-            <a:spLocks noGrp="1"/>
-          </p:cNvSpPr>
+          <p:cNvSpPr txBox="1"/>
           <p:nvPr>
-            <p:ph type="body" idx="1"/>
+            <p:ph idx="1" type="body"/>
           </p:nvPr>
         </p:nvSpPr>
         <p:spPr>
@@ -3882,11 +3865,11 @@
           </a:prstGeom>
         </p:spPr>
         <p:txBody>
-          <a:bodyPr spcFirstLastPara="1" wrap="square" lIns="91425" tIns="91425" rIns="91425" bIns="91425" anchor="t" anchorCtr="0">
+          <a:bodyPr anchorCtr="0" anchor="t" bIns="91425" lIns="91425" spcFirstLastPara="1" rIns="91425" wrap="square" tIns="91425">
             <a:noAutofit/>
           </a:bodyPr>
           <a:lstStyle>
-            <a:lvl1pPr marL="457200" lvl="0" indent="-304800">
+            <a:lvl1pPr indent="-304800" lvl="0" marL="457200">
               <a:spcBef>
                 <a:spcPts val="0"/>
               </a:spcBef>
@@ -3897,7 +3880,7 @@
               <a:buChar char="●"/>
               <a:defRPr sz="1200"/>
             </a:lvl1pPr>
-            <a:lvl2pPr marL="914400" lvl="1" indent="-304800">
+            <a:lvl2pPr indent="-304800" lvl="1" marL="914400">
               <a:spcBef>
                 <a:spcPts val="1600"/>
               </a:spcBef>
@@ -3908,7 +3891,7 @@
               <a:buChar char="○"/>
               <a:defRPr sz="1200"/>
             </a:lvl2pPr>
-            <a:lvl3pPr marL="1371600" lvl="2" indent="-304800">
+            <a:lvl3pPr indent="-304800" lvl="2" marL="1371600">
               <a:spcBef>
                 <a:spcPts val="1600"/>
               </a:spcBef>
@@ -3919,7 +3902,7 @@
               <a:buChar char="■"/>
               <a:defRPr sz="1200"/>
             </a:lvl3pPr>
-            <a:lvl4pPr marL="1828800" lvl="3" indent="-304800">
+            <a:lvl4pPr indent="-304800" lvl="3" marL="1828800">
               <a:spcBef>
                 <a:spcPts val="1600"/>
               </a:spcBef>
@@ -3930,7 +3913,7 @@
               <a:buChar char="●"/>
               <a:defRPr sz="1200"/>
             </a:lvl4pPr>
-            <a:lvl5pPr marL="2286000" lvl="4" indent="-304800">
+            <a:lvl5pPr indent="-304800" lvl="4" marL="2286000">
               <a:spcBef>
                 <a:spcPts val="1600"/>
               </a:spcBef>
@@ -3941,7 +3924,7 @@
               <a:buChar char="○"/>
               <a:defRPr sz="1200"/>
             </a:lvl5pPr>
-            <a:lvl6pPr marL="2743200" lvl="5" indent="-304800">
+            <a:lvl6pPr indent="-304800" lvl="5" marL="2743200">
               <a:spcBef>
                 <a:spcPts val="1600"/>
               </a:spcBef>
@@ -3952,7 +3935,7 @@
               <a:buChar char="■"/>
               <a:defRPr sz="1200"/>
             </a:lvl6pPr>
-            <a:lvl7pPr marL="3200400" lvl="6" indent="-304800">
+            <a:lvl7pPr indent="-304800" lvl="6" marL="3200400">
               <a:spcBef>
                 <a:spcPts val="1600"/>
               </a:spcBef>
@@ -3963,7 +3946,7 @@
               <a:buChar char="●"/>
               <a:defRPr sz="1200"/>
             </a:lvl7pPr>
-            <a:lvl8pPr marL="3657600" lvl="7" indent="-304800">
+            <a:lvl8pPr indent="-304800" lvl="7" marL="3657600">
               <a:spcBef>
                 <a:spcPts val="1600"/>
               </a:spcBef>
@@ -3974,7 +3957,7 @@
               <a:buChar char="○"/>
               <a:defRPr sz="1200"/>
             </a:lvl8pPr>
-            <a:lvl9pPr marL="4114800" lvl="8" indent="-304800">
+            <a:lvl9pPr indent="-304800" lvl="8" marL="4114800">
               <a:spcBef>
                 <a:spcPts val="1600"/>
               </a:spcBef>
@@ -3986,19 +3969,15 @@
               <a:defRPr sz="1200"/>
             </a:lvl9pPr>
           </a:lstStyle>
-          <a:p>
-            <a:endParaRPr/>
-          </a:p>
+          <a:p/>
         </p:txBody>
       </p:sp>
       <p:sp>
         <p:nvSpPr>
           <p:cNvPr id="31" name="Google Shape;31;p7"/>
-          <p:cNvSpPr txBox="1">
-            <a:spLocks noGrp="1"/>
-          </p:cNvSpPr>
+          <p:cNvSpPr txBox="1"/>
           <p:nvPr>
-            <p:ph type="sldNum" idx="12"/>
+            <p:ph idx="12" type="sldNum"/>
           </p:nvPr>
         </p:nvSpPr>
         <p:spPr>
@@ -4011,7 +3990,7 @@
           </a:prstGeom>
         </p:spPr>
         <p:txBody>
-          <a:bodyPr spcFirstLastPara="1" wrap="square" lIns="91425" tIns="91425" rIns="91425" bIns="91425" anchor="ctr" anchorCtr="0">
+          <a:bodyPr anchorCtr="0" anchor="ctr" bIns="91425" lIns="91425" spcFirstLastPara="1" rIns="91425" wrap="square" tIns="91425">
             <a:noAutofit/>
           </a:bodyPr>
           <a:lstStyle>
@@ -4053,7 +4032,7 @@
             </a:lvl9pPr>
           </a:lstStyle>
           <a:p>
-            <a:pPr marL="0" lvl="0" indent="0" algn="r" rtl="0">
+            <a:pPr indent="0" lvl="0" marL="0" rtl="0" algn="r">
               <a:spcBef>
                 <a:spcPts val="0"/>
               </a:spcBef>
@@ -4079,11 +4058,11 @@
 </file>
 
 <file path=ppt/slideLayouts/slideLayout7.xml><?xml version="1.0" encoding="utf-8"?>
-<p:sldLayout xmlns:a="http://schemas.openxmlformats.org/drawingml/2006/main" xmlns:r="http://schemas.openxmlformats.org/officeDocument/2006/relationships" xmlns:p="http://schemas.openxmlformats.org/presentationml/2006/main" matchingName="Main point">
+<p:sldLayout xmlns:a="http://schemas.openxmlformats.org/drawingml/2006/main" xmlns:r="http://schemas.openxmlformats.org/officeDocument/2006/relationships" xmlns:mc="http://schemas.openxmlformats.org/markup-compatibility/2006" xmlns:mv="urn:schemas-microsoft-com:mac:vml" xmlns:p="http://schemas.openxmlformats.org/presentationml/2006/main" xmlns:c="http://schemas.openxmlformats.org/drawingml/2006/chart" xmlns:dgm="http://schemas.openxmlformats.org/drawingml/2006/diagram" xmlns:o="urn:schemas-microsoft-com:office:office" xmlns:v="urn:schemas-microsoft-com:vml" xmlns:pvml="urn:schemas-microsoft-com:office:powerpoint" xmlns:com="http://schemas.openxmlformats.org/drawingml/2006/compatibility" xmlns:p14="http://schemas.microsoft.com/office/powerpoint/2010/main" xmlns:p15="http://schemas.microsoft.com/office/powerpoint/2012/main" matchingName="Main point">
   <p:cSld name="MAIN_POINT">
     <p:spTree>
       <p:nvGrpSpPr>
-        <p:cNvPr id="1" name="Shape 32"/>
+        <p:cNvPr id="32" name="Shape 32"/>
         <p:cNvGrpSpPr/>
         <p:nvPr/>
       </p:nvGrpSpPr>
@@ -4098,9 +4077,7 @@
       <p:sp>
         <p:nvSpPr>
           <p:cNvPr id="33" name="Google Shape;33;p8"/>
-          <p:cNvSpPr txBox="1">
-            <a:spLocks noGrp="1"/>
-          </p:cNvSpPr>
+          <p:cNvSpPr txBox="1"/>
           <p:nvPr>
             <p:ph type="title"/>
           </p:nvPr>
@@ -4115,7 +4092,7 @@
           </a:prstGeom>
         </p:spPr>
         <p:txBody>
-          <a:bodyPr spcFirstLastPara="1" wrap="square" lIns="91425" tIns="91425" rIns="91425" bIns="91425" anchor="ctr" anchorCtr="0">
+          <a:bodyPr anchorCtr="0" anchor="ctr" bIns="91425" lIns="91425" spcFirstLastPara="1" rIns="91425" wrap="square" tIns="91425">
             <a:noAutofit/>
           </a:bodyPr>
           <a:lstStyle>
@@ -4219,19 +4196,15 @@
               <a:defRPr sz="4800"/>
             </a:lvl9pPr>
           </a:lstStyle>
-          <a:p>
-            <a:endParaRPr/>
-          </a:p>
+          <a:p/>
         </p:txBody>
       </p:sp>
       <p:sp>
         <p:nvSpPr>
           <p:cNvPr id="34" name="Google Shape;34;p8"/>
-          <p:cNvSpPr txBox="1">
-            <a:spLocks noGrp="1"/>
-          </p:cNvSpPr>
+          <p:cNvSpPr txBox="1"/>
           <p:nvPr>
-            <p:ph type="sldNum" idx="12"/>
+            <p:ph idx="12" type="sldNum"/>
           </p:nvPr>
         </p:nvSpPr>
         <p:spPr>
@@ -4244,7 +4217,7 @@
           </a:prstGeom>
         </p:spPr>
         <p:txBody>
-          <a:bodyPr spcFirstLastPara="1" wrap="square" lIns="91425" tIns="91425" rIns="91425" bIns="91425" anchor="ctr" anchorCtr="0">
+          <a:bodyPr anchorCtr="0" anchor="ctr" bIns="91425" lIns="91425" spcFirstLastPara="1" rIns="91425" wrap="square" tIns="91425">
             <a:noAutofit/>
           </a:bodyPr>
           <a:lstStyle>
@@ -4286,7 +4259,7 @@
             </a:lvl9pPr>
           </a:lstStyle>
           <a:p>
-            <a:pPr marL="0" lvl="0" indent="0" algn="r" rtl="0">
+            <a:pPr indent="0" lvl="0" marL="0" rtl="0" algn="r">
               <a:spcBef>
                 <a:spcPts val="0"/>
               </a:spcBef>
@@ -4312,11 +4285,11 @@
 </file>
 
 <file path=ppt/slideLayouts/slideLayout8.xml><?xml version="1.0" encoding="utf-8"?>
-<p:sldLayout xmlns:a="http://schemas.openxmlformats.org/drawingml/2006/main" xmlns:r="http://schemas.openxmlformats.org/officeDocument/2006/relationships" xmlns:p="http://schemas.openxmlformats.org/presentationml/2006/main" matchingName="Section title and description">
+<p:sldLayout xmlns:a="http://schemas.openxmlformats.org/drawingml/2006/main" xmlns:r="http://schemas.openxmlformats.org/officeDocument/2006/relationships" xmlns:mc="http://schemas.openxmlformats.org/markup-compatibility/2006" xmlns:mv="urn:schemas-microsoft-com:mac:vml" xmlns:p="http://schemas.openxmlformats.org/presentationml/2006/main" xmlns:c="http://schemas.openxmlformats.org/drawingml/2006/chart" xmlns:dgm="http://schemas.openxmlformats.org/drawingml/2006/diagram" xmlns:o="urn:schemas-microsoft-com:office:office" xmlns:v="urn:schemas-microsoft-com:vml" xmlns:pvml="urn:schemas-microsoft-com:office:powerpoint" xmlns:com="http://schemas.openxmlformats.org/drawingml/2006/compatibility" xmlns:p14="http://schemas.microsoft.com/office/powerpoint/2010/main" xmlns:p15="http://schemas.microsoft.com/office/powerpoint/2012/main" matchingName="Section title and description">
   <p:cSld name="SECTION_TITLE_AND_DESCRIPTION">
     <p:spTree>
       <p:nvGrpSpPr>
-        <p:cNvPr id="1" name="Shape 35"/>
+        <p:cNvPr id="35" name="Shape 35"/>
         <p:cNvGrpSpPr/>
         <p:nvPr/>
       </p:nvGrpSpPr>
@@ -4350,12 +4323,12 @@
           </a:ln>
         </p:spPr>
         <p:txBody>
-          <a:bodyPr spcFirstLastPara="1" wrap="square" lIns="91425" tIns="91425" rIns="91425" bIns="91425" anchor="ctr" anchorCtr="0">
+          <a:bodyPr anchorCtr="0" anchor="ctr" bIns="91425" lIns="91425" spcFirstLastPara="1" rIns="91425" wrap="square" tIns="91425">
             <a:noAutofit/>
           </a:bodyPr>
           <a:lstStyle/>
           <a:p>
-            <a:pPr marL="0" lvl="0" indent="0" algn="l" rtl="0">
+            <a:pPr indent="0" lvl="0" marL="0" rtl="0" algn="l">
               <a:spcBef>
                 <a:spcPts val="0"/>
               </a:spcBef>
@@ -4364,6 +4337,9 @@
               </a:spcAft>
               <a:buNone/>
             </a:pPr>
+            <a:r>
+              <a:t/>
+            </a:r>
             <a:endParaRPr/>
           </a:p>
         </p:txBody>
@@ -4371,9 +4347,7 @@
       <p:sp>
         <p:nvSpPr>
           <p:cNvPr id="37" name="Google Shape;37;p9"/>
-          <p:cNvSpPr txBox="1">
-            <a:spLocks noGrp="1"/>
-          </p:cNvSpPr>
+          <p:cNvSpPr txBox="1"/>
           <p:nvPr>
             <p:ph type="title"/>
           </p:nvPr>
@@ -4388,7 +4362,7 @@
           </a:prstGeom>
         </p:spPr>
         <p:txBody>
-          <a:bodyPr spcFirstLastPara="1" wrap="square" lIns="91425" tIns="91425" rIns="91425" bIns="91425" anchor="b" anchorCtr="0">
+          <a:bodyPr anchorCtr="0" anchor="b" bIns="91425" lIns="91425" spcFirstLastPara="1" rIns="91425" wrap="square" tIns="91425">
             <a:noAutofit/>
           </a:bodyPr>
           <a:lstStyle>
@@ -4492,19 +4466,15 @@
               <a:defRPr sz="4200"/>
             </a:lvl9pPr>
           </a:lstStyle>
-          <a:p>
-            <a:endParaRPr/>
-          </a:p>
+          <a:p/>
         </p:txBody>
       </p:sp>
       <p:sp>
         <p:nvSpPr>
           <p:cNvPr id="38" name="Google Shape;38;p9"/>
-          <p:cNvSpPr txBox="1">
-            <a:spLocks noGrp="1"/>
-          </p:cNvSpPr>
+          <p:cNvSpPr txBox="1"/>
           <p:nvPr>
-            <p:ph type="subTitle" idx="1"/>
+            <p:ph idx="1" type="subTitle"/>
           </p:nvPr>
         </p:nvSpPr>
         <p:spPr>
@@ -4517,7 +4487,7 @@
           </a:prstGeom>
         </p:spPr>
         <p:txBody>
-          <a:bodyPr spcFirstLastPara="1" wrap="square" lIns="91425" tIns="91425" rIns="91425" bIns="91425" anchor="t" anchorCtr="0">
+          <a:bodyPr anchorCtr="0" anchor="t" bIns="91425" lIns="91425" spcFirstLastPara="1" rIns="91425" wrap="square" tIns="91425">
             <a:noAutofit/>
           </a:bodyPr>
           <a:lstStyle>
@@ -4648,19 +4618,15 @@
               <a:defRPr sz="2100"/>
             </a:lvl9pPr>
           </a:lstStyle>
-          <a:p>
-            <a:endParaRPr/>
-          </a:p>
+          <a:p/>
         </p:txBody>
       </p:sp>
       <p:sp>
         <p:nvSpPr>
           <p:cNvPr id="39" name="Google Shape;39;p9"/>
-          <p:cNvSpPr txBox="1">
-            <a:spLocks noGrp="1"/>
-          </p:cNvSpPr>
+          <p:cNvSpPr txBox="1"/>
           <p:nvPr>
-            <p:ph type="body" idx="2"/>
+            <p:ph idx="2" type="body"/>
           </p:nvPr>
         </p:nvSpPr>
         <p:spPr>
@@ -4673,11 +4639,11 @@
           </a:prstGeom>
         </p:spPr>
         <p:txBody>
-          <a:bodyPr spcFirstLastPara="1" wrap="square" lIns="91425" tIns="91425" rIns="91425" bIns="91425" anchor="ctr" anchorCtr="0">
+          <a:bodyPr anchorCtr="0" anchor="ctr" bIns="91425" lIns="91425" spcFirstLastPara="1" rIns="91425" wrap="square" tIns="91425">
             <a:noAutofit/>
           </a:bodyPr>
           <a:lstStyle>
-            <a:lvl1pPr marL="457200" lvl="0" indent="-342900">
+            <a:lvl1pPr indent="-342900" lvl="0" marL="457200">
               <a:spcBef>
                 <a:spcPts val="0"/>
               </a:spcBef>
@@ -4695,7 +4661,7 @@
                 </a:solidFill>
               </a:defRPr>
             </a:lvl1pPr>
-            <a:lvl2pPr marL="914400" lvl="1" indent="-317500">
+            <a:lvl2pPr indent="-317500" lvl="1" marL="914400">
               <a:spcBef>
                 <a:spcPts val="1600"/>
               </a:spcBef>
@@ -4713,7 +4679,7 @@
                 </a:solidFill>
               </a:defRPr>
             </a:lvl2pPr>
-            <a:lvl3pPr marL="1371600" lvl="2" indent="-317500">
+            <a:lvl3pPr indent="-317500" lvl="2" marL="1371600">
               <a:spcBef>
                 <a:spcPts val="1600"/>
               </a:spcBef>
@@ -4731,7 +4697,7 @@
                 </a:solidFill>
               </a:defRPr>
             </a:lvl3pPr>
-            <a:lvl4pPr marL="1828800" lvl="3" indent="-317500">
+            <a:lvl4pPr indent="-317500" lvl="3" marL="1828800">
               <a:spcBef>
                 <a:spcPts val="1600"/>
               </a:spcBef>
@@ -4749,7 +4715,7 @@
                 </a:solidFill>
               </a:defRPr>
             </a:lvl4pPr>
-            <a:lvl5pPr marL="2286000" lvl="4" indent="-317500">
+            <a:lvl5pPr indent="-317500" lvl="4" marL="2286000">
               <a:spcBef>
                 <a:spcPts val="1600"/>
               </a:spcBef>
@@ -4767,7 +4733,7 @@
                 </a:solidFill>
               </a:defRPr>
             </a:lvl5pPr>
-            <a:lvl6pPr marL="2743200" lvl="5" indent="-317500">
+            <a:lvl6pPr indent="-317500" lvl="5" marL="2743200">
               <a:spcBef>
                 <a:spcPts val="1600"/>
               </a:spcBef>
@@ -4785,7 +4751,7 @@
                 </a:solidFill>
               </a:defRPr>
             </a:lvl6pPr>
-            <a:lvl7pPr marL="3200400" lvl="6" indent="-317500">
+            <a:lvl7pPr indent="-317500" lvl="6" marL="3200400">
               <a:spcBef>
                 <a:spcPts val="1600"/>
               </a:spcBef>
@@ -4803,7 +4769,7 @@
                 </a:solidFill>
               </a:defRPr>
             </a:lvl7pPr>
-            <a:lvl8pPr marL="3657600" lvl="7" indent="-317500">
+            <a:lvl8pPr indent="-317500" lvl="7" marL="3657600">
               <a:spcBef>
                 <a:spcPts val="1600"/>
               </a:spcBef>
@@ -4821,7 +4787,7 @@
                 </a:solidFill>
               </a:defRPr>
             </a:lvl8pPr>
-            <a:lvl9pPr marL="4114800" lvl="8" indent="-317500">
+            <a:lvl9pPr indent="-317500" lvl="8" marL="4114800">
               <a:spcBef>
                 <a:spcPts val="1600"/>
               </a:spcBef>
@@ -4840,19 +4806,15 @@
               </a:defRPr>
             </a:lvl9pPr>
           </a:lstStyle>
-          <a:p>
-            <a:endParaRPr/>
-          </a:p>
+          <a:p/>
         </p:txBody>
       </p:sp>
       <p:sp>
         <p:nvSpPr>
           <p:cNvPr id="40" name="Google Shape;40;p9"/>
-          <p:cNvSpPr txBox="1">
-            <a:spLocks noGrp="1"/>
-          </p:cNvSpPr>
+          <p:cNvSpPr txBox="1"/>
           <p:nvPr>
-            <p:ph type="sldNum" idx="12"/>
+            <p:ph idx="12" type="sldNum"/>
           </p:nvPr>
         </p:nvSpPr>
         <p:spPr>
@@ -4865,7 +4827,7 @@
           </a:prstGeom>
         </p:spPr>
         <p:txBody>
-          <a:bodyPr spcFirstLastPara="1" wrap="square" lIns="91425" tIns="91425" rIns="91425" bIns="91425" anchor="ctr" anchorCtr="0">
+          <a:bodyPr anchorCtr="0" anchor="ctr" bIns="91425" lIns="91425" spcFirstLastPara="1" rIns="91425" wrap="square" tIns="91425">
             <a:noAutofit/>
           </a:bodyPr>
           <a:lstStyle>
@@ -4907,7 +4869,7 @@
             </a:lvl9pPr>
           </a:lstStyle>
           <a:p>
-            <a:pPr marL="0" lvl="0" indent="0" algn="r" rtl="0">
+            <a:pPr indent="0" lvl="0" marL="0" rtl="0" algn="r">
               <a:spcBef>
                 <a:spcPts val="0"/>
               </a:spcBef>
@@ -4933,11 +4895,11 @@
 </file>
 
 <file path=ppt/slideLayouts/slideLayout9.xml><?xml version="1.0" encoding="utf-8"?>
-<p:sldLayout xmlns:a="http://schemas.openxmlformats.org/drawingml/2006/main" xmlns:r="http://schemas.openxmlformats.org/officeDocument/2006/relationships" xmlns:p="http://schemas.openxmlformats.org/presentationml/2006/main" matchingName="Caption">
+<p:sldLayout xmlns:a="http://schemas.openxmlformats.org/drawingml/2006/main" xmlns:r="http://schemas.openxmlformats.org/officeDocument/2006/relationships" xmlns:mc="http://schemas.openxmlformats.org/markup-compatibility/2006" xmlns:mv="urn:schemas-microsoft-com:mac:vml" xmlns:p="http://schemas.openxmlformats.org/presentationml/2006/main" xmlns:c="http://schemas.openxmlformats.org/drawingml/2006/chart" xmlns:dgm="http://schemas.openxmlformats.org/drawingml/2006/diagram" xmlns:o="urn:schemas-microsoft-com:office:office" xmlns:v="urn:schemas-microsoft-com:vml" xmlns:pvml="urn:schemas-microsoft-com:office:powerpoint" xmlns:com="http://schemas.openxmlformats.org/drawingml/2006/compatibility" xmlns:p14="http://schemas.microsoft.com/office/powerpoint/2010/main" xmlns:p15="http://schemas.microsoft.com/office/powerpoint/2012/main" matchingName="Caption">
   <p:cSld name="CAPTION_ONLY">
     <p:spTree>
       <p:nvGrpSpPr>
-        <p:cNvPr id="1" name="Shape 41"/>
+        <p:cNvPr id="41" name="Shape 41"/>
         <p:cNvGrpSpPr/>
         <p:nvPr/>
       </p:nvGrpSpPr>
@@ -4952,11 +4914,9 @@
       <p:sp>
         <p:nvSpPr>
           <p:cNvPr id="42" name="Google Shape;42;p10"/>
-          <p:cNvSpPr txBox="1">
-            <a:spLocks noGrp="1"/>
-          </p:cNvSpPr>
+          <p:cNvSpPr txBox="1"/>
           <p:nvPr>
-            <p:ph type="body" idx="1"/>
+            <p:ph idx="1" type="body"/>
           </p:nvPr>
         </p:nvSpPr>
         <p:spPr>
@@ -4969,11 +4929,11 @@
           </a:prstGeom>
         </p:spPr>
         <p:txBody>
-          <a:bodyPr spcFirstLastPara="1" wrap="square" lIns="91425" tIns="91425" rIns="91425" bIns="91425" anchor="ctr" anchorCtr="0">
+          <a:bodyPr anchorCtr="0" anchor="ctr" bIns="91425" lIns="91425" spcFirstLastPara="1" rIns="91425" wrap="square" tIns="91425">
             <a:noAutofit/>
           </a:bodyPr>
           <a:lstStyle>
-            <a:lvl1pPr marL="457200" lvl="0" indent="-228600">
+            <a:lvl1pPr indent="-228600" lvl="0" marL="457200">
               <a:lnSpc>
                 <a:spcPct val="100000"/>
               </a:lnSpc>
@@ -4988,19 +4948,15 @@
               <a:defRPr/>
             </a:lvl1pPr>
           </a:lstStyle>
-          <a:p>
-            <a:endParaRPr/>
-          </a:p>
+          <a:p/>
         </p:txBody>
       </p:sp>
       <p:sp>
         <p:nvSpPr>
           <p:cNvPr id="43" name="Google Shape;43;p10"/>
-          <p:cNvSpPr txBox="1">
-            <a:spLocks noGrp="1"/>
-          </p:cNvSpPr>
+          <p:cNvSpPr txBox="1"/>
           <p:nvPr>
-            <p:ph type="sldNum" idx="12"/>
+            <p:ph idx="12" type="sldNum"/>
           </p:nvPr>
         </p:nvSpPr>
         <p:spPr>
@@ -5013,7 +4969,7 @@
           </a:prstGeom>
         </p:spPr>
         <p:txBody>
-          <a:bodyPr spcFirstLastPara="1" wrap="square" lIns="91425" tIns="91425" rIns="91425" bIns="91425" anchor="ctr" anchorCtr="0">
+          <a:bodyPr anchorCtr="0" anchor="ctr" bIns="91425" lIns="91425" spcFirstLastPara="1" rIns="91425" wrap="square" tIns="91425">
             <a:noAutofit/>
           </a:bodyPr>
           <a:lstStyle>
@@ -5055,7 +5011,7 @@
             </a:lvl9pPr>
           </a:lstStyle>
           <a:p>
-            <a:pPr marL="0" lvl="0" indent="0" algn="r" rtl="0">
+            <a:pPr indent="0" lvl="0" marL="0" rtl="0" algn="r">
               <a:spcBef>
                 <a:spcPts val="0"/>
               </a:spcBef>
@@ -5081,19 +5037,18 @@
 </file>
 
 <file path=ppt/slideMasters/slideMaster1.xml><?xml version="1.0" encoding="utf-8"?>
-<p:sldMaster xmlns:a="http://schemas.openxmlformats.org/drawingml/2006/main" xmlns:r="http://schemas.openxmlformats.org/officeDocument/2006/relationships" xmlns:p="http://schemas.openxmlformats.org/presentationml/2006/main">
+<p:sldMaster xmlns:a="http://schemas.openxmlformats.org/drawingml/2006/main" xmlns:r="http://schemas.openxmlformats.org/officeDocument/2006/relationships" xmlns:mc="http://schemas.openxmlformats.org/markup-compatibility/2006" xmlns:mv="urn:schemas-microsoft-com:mac:vml" xmlns:p="http://schemas.openxmlformats.org/presentationml/2006/main" xmlns:c="http://schemas.openxmlformats.org/drawingml/2006/chart" xmlns:dgm="http://schemas.openxmlformats.org/drawingml/2006/diagram" xmlns:o="urn:schemas-microsoft-com:office:office" xmlns:v="urn:schemas-microsoft-com:vml" xmlns:pvml="urn:schemas-microsoft-com:office:powerpoint" xmlns:com="http://schemas.openxmlformats.org/drawingml/2006/compatibility" xmlns:p14="http://schemas.microsoft.com/office/powerpoint/2010/main" xmlns:p15="http://schemas.microsoft.com/office/powerpoint/2012/main">
   <p:cSld name="simple-dark-2">
     <p:bg>
       <p:bgPr>
         <a:solidFill>
           <a:schemeClr val="lt1"/>
         </a:solidFill>
-        <a:effectLst/>
       </p:bgPr>
     </p:bg>
     <p:spTree>
       <p:nvGrpSpPr>
-        <p:cNvPr id="1" name="Shape 5"/>
+        <p:cNvPr id="5" name="Shape 5"/>
         <p:cNvGrpSpPr/>
         <p:nvPr/>
       </p:nvGrpSpPr>
@@ -5108,9 +5063,7 @@
       <p:sp>
         <p:nvSpPr>
           <p:cNvPr id="6" name="Google Shape;6;p1"/>
-          <p:cNvSpPr txBox="1">
-            <a:spLocks noGrp="1"/>
-          </p:cNvSpPr>
+          <p:cNvSpPr txBox="1"/>
           <p:nvPr>
             <p:ph type="title"/>
           </p:nvPr>
@@ -5129,7 +5082,7 @@
           </a:ln>
         </p:spPr>
         <p:txBody>
-          <a:bodyPr spcFirstLastPara="1" wrap="square" lIns="91425" tIns="91425" rIns="91425" bIns="91425" anchor="t" anchorCtr="0">
+          <a:bodyPr anchorCtr="0" anchor="t" bIns="91425" lIns="91425" spcFirstLastPara="1" rIns="91425" wrap="square" tIns="91425">
             <a:noAutofit/>
           </a:bodyPr>
           <a:lstStyle>
@@ -5296,19 +5249,15 @@
               </a:defRPr>
             </a:lvl9pPr>
           </a:lstStyle>
-          <a:p>
-            <a:endParaRPr/>
-          </a:p>
+          <a:p/>
         </p:txBody>
       </p:sp>
       <p:sp>
         <p:nvSpPr>
           <p:cNvPr id="7" name="Google Shape;7;p1"/>
-          <p:cNvSpPr txBox="1">
-            <a:spLocks noGrp="1"/>
-          </p:cNvSpPr>
+          <p:cNvSpPr txBox="1"/>
           <p:nvPr>
-            <p:ph type="body" idx="1"/>
+            <p:ph idx="1" type="body"/>
           </p:nvPr>
         </p:nvSpPr>
         <p:spPr>
@@ -5325,11 +5274,11 @@
           </a:ln>
         </p:spPr>
         <p:txBody>
-          <a:bodyPr spcFirstLastPara="1" wrap="square" lIns="91425" tIns="91425" rIns="91425" bIns="91425" anchor="t" anchorCtr="0">
+          <a:bodyPr anchorCtr="0" anchor="t" bIns="91425" lIns="91425" spcFirstLastPara="1" rIns="91425" wrap="square" tIns="91425">
             <a:noAutofit/>
           </a:bodyPr>
           <a:lstStyle>
-            <a:lvl1pPr marL="457200" lvl="0" indent="-342900">
+            <a:lvl1pPr indent="-342900" lvl="0" marL="457200">
               <a:lnSpc>
                 <a:spcPct val="115000"/>
               </a:lnSpc>
@@ -5350,7 +5299,7 @@
                 </a:solidFill>
               </a:defRPr>
             </a:lvl1pPr>
-            <a:lvl2pPr marL="914400" lvl="1" indent="-317500">
+            <a:lvl2pPr indent="-317500" lvl="1" marL="914400">
               <a:lnSpc>
                 <a:spcPct val="115000"/>
               </a:lnSpc>
@@ -5371,7 +5320,7 @@
                 </a:solidFill>
               </a:defRPr>
             </a:lvl2pPr>
-            <a:lvl3pPr marL="1371600" lvl="2" indent="-317500">
+            <a:lvl3pPr indent="-317500" lvl="2" marL="1371600">
               <a:lnSpc>
                 <a:spcPct val="115000"/>
               </a:lnSpc>
@@ -5392,7 +5341,7 @@
                 </a:solidFill>
               </a:defRPr>
             </a:lvl3pPr>
-            <a:lvl4pPr marL="1828800" lvl="3" indent="-317500">
+            <a:lvl4pPr indent="-317500" lvl="3" marL="1828800">
               <a:lnSpc>
                 <a:spcPct val="115000"/>
               </a:lnSpc>
@@ -5413,7 +5362,7 @@
                 </a:solidFill>
               </a:defRPr>
             </a:lvl4pPr>
-            <a:lvl5pPr marL="2286000" lvl="4" indent="-317500">
+            <a:lvl5pPr indent="-317500" lvl="4" marL="2286000">
               <a:lnSpc>
                 <a:spcPct val="115000"/>
               </a:lnSpc>
@@ -5434,7 +5383,7 @@
                 </a:solidFill>
               </a:defRPr>
             </a:lvl5pPr>
-            <a:lvl6pPr marL="2743200" lvl="5" indent="-317500">
+            <a:lvl6pPr indent="-317500" lvl="5" marL="2743200">
               <a:lnSpc>
                 <a:spcPct val="115000"/>
               </a:lnSpc>
@@ -5455,7 +5404,7 @@
                 </a:solidFill>
               </a:defRPr>
             </a:lvl6pPr>
-            <a:lvl7pPr marL="3200400" lvl="6" indent="-317500">
+            <a:lvl7pPr indent="-317500" lvl="6" marL="3200400">
               <a:lnSpc>
                 <a:spcPct val="115000"/>
               </a:lnSpc>
@@ -5476,7 +5425,7 @@
                 </a:solidFill>
               </a:defRPr>
             </a:lvl7pPr>
-            <a:lvl8pPr marL="3657600" lvl="7" indent="-317500">
+            <a:lvl8pPr indent="-317500" lvl="7" marL="3657600">
               <a:lnSpc>
                 <a:spcPct val="115000"/>
               </a:lnSpc>
@@ -5497,7 +5446,7 @@
                 </a:solidFill>
               </a:defRPr>
             </a:lvl8pPr>
-            <a:lvl9pPr marL="4114800" lvl="8" indent="-317500">
+            <a:lvl9pPr indent="-317500" lvl="8" marL="4114800">
               <a:lnSpc>
                 <a:spcPct val="115000"/>
               </a:lnSpc>
@@ -5519,19 +5468,15 @@
               </a:defRPr>
             </a:lvl9pPr>
           </a:lstStyle>
-          <a:p>
-            <a:endParaRPr/>
-          </a:p>
+          <a:p/>
         </p:txBody>
       </p:sp>
       <p:sp>
         <p:nvSpPr>
           <p:cNvPr id="8" name="Google Shape;8;p1"/>
-          <p:cNvSpPr txBox="1">
-            <a:spLocks noGrp="1"/>
-          </p:cNvSpPr>
+          <p:cNvSpPr txBox="1"/>
           <p:nvPr>
-            <p:ph type="sldNum" idx="12"/>
+            <p:ph idx="12" type="sldNum"/>
           </p:nvPr>
         </p:nvSpPr>
         <p:spPr>
@@ -5548,7 +5493,7 @@
           </a:ln>
         </p:spPr>
         <p:txBody>
-          <a:bodyPr spcFirstLastPara="1" wrap="square" lIns="91425" tIns="91425" rIns="91425" bIns="91425" anchor="ctr" anchorCtr="0">
+          <a:bodyPr anchorCtr="0" anchor="ctr" bIns="91425" lIns="91425" spcFirstLastPara="1" rIns="91425" wrap="square" tIns="91425">
             <a:noAutofit/>
           </a:bodyPr>
           <a:lstStyle>
@@ -5626,7 +5571,7 @@
             </a:lvl9pPr>
           </a:lstStyle>
           <a:p>
-            <a:pPr marL="0" lvl="0" indent="0" algn="r" rtl="0">
+            <a:pPr indent="0" lvl="0" marL="0" rtl="0" algn="r">
               <a:spcBef>
                 <a:spcPts val="0"/>
               </a:spcBef>
@@ -5645,7 +5590,7 @@
       </p:sp>
     </p:spTree>
   </p:cSld>
-  <p:clrMap bg1="lt1" tx1="dk1" bg2="dk2" tx2="lt2" accent1="accent1" accent2="accent2" accent3="accent3" accent4="accent4" accent5="accent5" accent6="accent6" hlink="hlink" folHlink="folHlink"/>
+  <p:clrMap accent1="accent1" accent2="accent2" accent3="accent3" accent4="accent4" accent5="accent5" accent6="accent6" bg1="lt1" bg2="dk2" tx1="dk1" tx2="lt2" folHlink="folHlink" hlink="hlink"/>
   <p:sldLayoutIdLst>
     <p:sldLayoutId id="2147483648" r:id="rId1"/>
     <p:sldLayoutId id="2147483649" r:id="rId2"/>
@@ -5659,10 +5604,10 @@
     <p:sldLayoutId id="2147483657" r:id="rId10"/>
     <p:sldLayoutId id="2147483658" r:id="rId11"/>
   </p:sldLayoutIdLst>
-  <p:hf sldNum="0" hdr="0" ftr="0" dt="0"/>
+  <p:hf dt="0" ftr="0" hdr="0" sldNum="0"/>
   <p:txStyles>
     <p:titleStyle>
-      <a:defPPr marR="0" lvl="0" algn="l" rtl="0">
+      <a:defPPr lvl="0" marR="0" rtl="0" algn="l">
         <a:lnSpc>
           <a:spcPct val="100000"/>
         </a:lnSpc>
@@ -5673,7 +5618,7 @@
           <a:spcPts val="0"/>
         </a:spcAft>
       </a:defPPr>
-      <a:lvl1pPr marR="0" lvl="0" algn="l" rtl="0">
+      <a:lvl1pPr lvl="0" marR="0" rtl="0" algn="l">
         <a:lnSpc>
           <a:spcPct val="100000"/>
         </a:lnSpc>
@@ -5687,7 +5632,7 @@
           <a:srgbClr val="000000"/>
         </a:buClr>
         <a:buFont typeface="Arial"/>
-        <a:defRPr sz="1400" b="0" i="0" u="none" strike="noStrike" cap="none">
+        <a:defRPr b="0" i="0" sz="1400" u="none" cap="none" strike="noStrike">
           <a:solidFill>
             <a:srgbClr val="000000"/>
           </a:solidFill>
@@ -5697,7 +5642,7 @@
           <a:sym typeface="Arial"/>
         </a:defRPr>
       </a:lvl1pPr>
-      <a:lvl2pPr marR="0" lvl="1" algn="l" rtl="0">
+      <a:lvl2pPr lvl="1" marR="0" rtl="0" algn="l">
         <a:lnSpc>
           <a:spcPct val="100000"/>
         </a:lnSpc>
@@ -5711,7 +5656,7 @@
           <a:srgbClr val="000000"/>
         </a:buClr>
         <a:buFont typeface="Arial"/>
-        <a:defRPr sz="1400" b="0" i="0" u="none" strike="noStrike" cap="none">
+        <a:defRPr b="0" i="0" sz="1400" u="none" cap="none" strike="noStrike">
           <a:solidFill>
             <a:srgbClr val="000000"/>
           </a:solidFill>
@@ -5721,7 +5666,7 @@
           <a:sym typeface="Arial"/>
         </a:defRPr>
       </a:lvl2pPr>
-      <a:lvl3pPr marR="0" lvl="2" algn="l" rtl="0">
+      <a:lvl3pPr lvl="2" marR="0" rtl="0" algn="l">
         <a:lnSpc>
           <a:spcPct val="100000"/>
         </a:lnSpc>
@@ -5735,7 +5680,7 @@
           <a:srgbClr val="000000"/>
         </a:buClr>
         <a:buFont typeface="Arial"/>
-        <a:defRPr sz="1400" b="0" i="0" u="none" strike="noStrike" cap="none">
+        <a:defRPr b="0" i="0" sz="1400" u="none" cap="none" strike="noStrike">
           <a:solidFill>
             <a:srgbClr val="000000"/>
           </a:solidFill>
@@ -5745,7 +5690,7 @@
           <a:sym typeface="Arial"/>
         </a:defRPr>
       </a:lvl3pPr>
-      <a:lvl4pPr marR="0" lvl="3" algn="l" rtl="0">
+      <a:lvl4pPr lvl="3" marR="0" rtl="0" algn="l">
         <a:lnSpc>
           <a:spcPct val="100000"/>
         </a:lnSpc>
@@ -5759,7 +5704,7 @@
           <a:srgbClr val="000000"/>
         </a:buClr>
         <a:buFont typeface="Arial"/>
-        <a:defRPr sz="1400" b="0" i="0" u="none" strike="noStrike" cap="none">
+        <a:defRPr b="0" i="0" sz="1400" u="none" cap="none" strike="noStrike">
           <a:solidFill>
             <a:srgbClr val="000000"/>
           </a:solidFill>
@@ -5769,7 +5714,7 @@
           <a:sym typeface="Arial"/>
         </a:defRPr>
       </a:lvl4pPr>
-      <a:lvl5pPr marR="0" lvl="4" algn="l" rtl="0">
+      <a:lvl5pPr lvl="4" marR="0" rtl="0" algn="l">
         <a:lnSpc>
           <a:spcPct val="100000"/>
         </a:lnSpc>
@@ -5783,7 +5728,7 @@
           <a:srgbClr val="000000"/>
         </a:buClr>
         <a:buFont typeface="Arial"/>
-        <a:defRPr sz="1400" b="0" i="0" u="none" strike="noStrike" cap="none">
+        <a:defRPr b="0" i="0" sz="1400" u="none" cap="none" strike="noStrike">
           <a:solidFill>
             <a:srgbClr val="000000"/>
           </a:solidFill>
@@ -5793,7 +5738,7 @@
           <a:sym typeface="Arial"/>
         </a:defRPr>
       </a:lvl5pPr>
-      <a:lvl6pPr marR="0" lvl="5" algn="l" rtl="0">
+      <a:lvl6pPr lvl="5" marR="0" rtl="0" algn="l">
         <a:lnSpc>
           <a:spcPct val="100000"/>
         </a:lnSpc>
@@ -5807,7 +5752,7 @@
           <a:srgbClr val="000000"/>
         </a:buClr>
         <a:buFont typeface="Arial"/>
-        <a:defRPr sz="1400" b="0" i="0" u="none" strike="noStrike" cap="none">
+        <a:defRPr b="0" i="0" sz="1400" u="none" cap="none" strike="noStrike">
           <a:solidFill>
             <a:srgbClr val="000000"/>
           </a:solidFill>
@@ -5817,7 +5762,7 @@
           <a:sym typeface="Arial"/>
         </a:defRPr>
       </a:lvl6pPr>
-      <a:lvl7pPr marR="0" lvl="6" algn="l" rtl="0">
+      <a:lvl7pPr lvl="6" marR="0" rtl="0" algn="l">
         <a:lnSpc>
           <a:spcPct val="100000"/>
         </a:lnSpc>
@@ -5831,7 +5776,7 @@
           <a:srgbClr val="000000"/>
         </a:buClr>
         <a:buFont typeface="Arial"/>
-        <a:defRPr sz="1400" b="0" i="0" u="none" strike="noStrike" cap="none">
+        <a:defRPr b="0" i="0" sz="1400" u="none" cap="none" strike="noStrike">
           <a:solidFill>
             <a:srgbClr val="000000"/>
           </a:solidFill>
@@ -5841,7 +5786,7 @@
           <a:sym typeface="Arial"/>
         </a:defRPr>
       </a:lvl7pPr>
-      <a:lvl8pPr marR="0" lvl="7" algn="l" rtl="0">
+      <a:lvl8pPr lvl="7" marR="0" rtl="0" algn="l">
         <a:lnSpc>
           <a:spcPct val="100000"/>
         </a:lnSpc>
@@ -5855,7 +5800,7 @@
           <a:srgbClr val="000000"/>
         </a:buClr>
         <a:buFont typeface="Arial"/>
-        <a:defRPr sz="1400" b="0" i="0" u="none" strike="noStrike" cap="none">
+        <a:defRPr b="0" i="0" sz="1400" u="none" cap="none" strike="noStrike">
           <a:solidFill>
             <a:srgbClr val="000000"/>
           </a:solidFill>
@@ -5865,7 +5810,7 @@
           <a:sym typeface="Arial"/>
         </a:defRPr>
       </a:lvl8pPr>
-      <a:lvl9pPr marR="0" lvl="8" algn="l" rtl="0">
+      <a:lvl9pPr lvl="8" marR="0" rtl="0" algn="l">
         <a:lnSpc>
           <a:spcPct val="100000"/>
         </a:lnSpc>
@@ -5879,7 +5824,7 @@
           <a:srgbClr val="000000"/>
         </a:buClr>
         <a:buFont typeface="Arial"/>
-        <a:defRPr sz="1400" b="0" i="0" u="none" strike="noStrike" cap="none">
+        <a:defRPr b="0" i="0" sz="1400" u="none" cap="none" strike="noStrike">
           <a:solidFill>
             <a:srgbClr val="000000"/>
           </a:solidFill>
@@ -5891,7 +5836,7 @@
       </a:lvl9pPr>
     </p:titleStyle>
     <p:bodyStyle>
-      <a:defPPr marR="0" lvl="0" algn="l" rtl="0">
+      <a:defPPr lvl="0" marR="0" rtl="0" algn="l">
         <a:lnSpc>
           <a:spcPct val="100000"/>
         </a:lnSpc>
@@ -5902,7 +5847,7 @@
           <a:spcPts val="0"/>
         </a:spcAft>
       </a:defPPr>
-      <a:lvl1pPr marR="0" lvl="0" algn="l" rtl="0">
+      <a:lvl1pPr lvl="0" marR="0" rtl="0" algn="l">
         <a:lnSpc>
           <a:spcPct val="100000"/>
         </a:lnSpc>
@@ -5916,7 +5861,7 @@
           <a:srgbClr val="000000"/>
         </a:buClr>
         <a:buFont typeface="Arial"/>
-        <a:defRPr sz="1400" b="0" i="0" u="none" strike="noStrike" cap="none">
+        <a:defRPr b="0" i="0" sz="1400" u="none" cap="none" strike="noStrike">
           <a:solidFill>
             <a:srgbClr val="000000"/>
           </a:solidFill>
@@ -5926,7 +5871,7 @@
           <a:sym typeface="Arial"/>
         </a:defRPr>
       </a:lvl1pPr>
-      <a:lvl2pPr marR="0" lvl="1" algn="l" rtl="0">
+      <a:lvl2pPr lvl="1" marR="0" rtl="0" algn="l">
         <a:lnSpc>
           <a:spcPct val="100000"/>
         </a:lnSpc>
@@ -5940,7 +5885,7 @@
           <a:srgbClr val="000000"/>
         </a:buClr>
         <a:buFont typeface="Arial"/>
-        <a:defRPr sz="1400" b="0" i="0" u="none" strike="noStrike" cap="none">
+        <a:defRPr b="0" i="0" sz="1400" u="none" cap="none" strike="noStrike">
           <a:solidFill>
             <a:srgbClr val="000000"/>
           </a:solidFill>
@@ -5950,7 +5895,7 @@
           <a:sym typeface="Arial"/>
         </a:defRPr>
       </a:lvl2pPr>
-      <a:lvl3pPr marR="0" lvl="2" algn="l" rtl="0">
+      <a:lvl3pPr lvl="2" marR="0" rtl="0" algn="l">
         <a:lnSpc>
           <a:spcPct val="100000"/>
         </a:lnSpc>
@@ -5964,7 +5909,7 @@
           <a:srgbClr val="000000"/>
         </a:buClr>
         <a:buFont typeface="Arial"/>
-        <a:defRPr sz="1400" b="0" i="0" u="none" strike="noStrike" cap="none">
+        <a:defRPr b="0" i="0" sz="1400" u="none" cap="none" strike="noStrike">
           <a:solidFill>
             <a:srgbClr val="000000"/>
           </a:solidFill>
@@ -5974,7 +5919,7 @@
           <a:sym typeface="Arial"/>
         </a:defRPr>
       </a:lvl3pPr>
-      <a:lvl4pPr marR="0" lvl="3" algn="l" rtl="0">
+      <a:lvl4pPr lvl="3" marR="0" rtl="0" algn="l">
         <a:lnSpc>
           <a:spcPct val="100000"/>
         </a:lnSpc>
@@ -5988,7 +5933,7 @@
           <a:srgbClr val="000000"/>
         </a:buClr>
         <a:buFont typeface="Arial"/>
-        <a:defRPr sz="1400" b="0" i="0" u="none" strike="noStrike" cap="none">
+        <a:defRPr b="0" i="0" sz="1400" u="none" cap="none" strike="noStrike">
           <a:solidFill>
             <a:srgbClr val="000000"/>
           </a:solidFill>
@@ -5998,7 +5943,7 @@
           <a:sym typeface="Arial"/>
         </a:defRPr>
       </a:lvl4pPr>
-      <a:lvl5pPr marR="0" lvl="4" algn="l" rtl="0">
+      <a:lvl5pPr lvl="4" marR="0" rtl="0" algn="l">
         <a:lnSpc>
           <a:spcPct val="100000"/>
         </a:lnSpc>
@@ -6012,7 +5957,7 @@
           <a:srgbClr val="000000"/>
         </a:buClr>
         <a:buFont typeface="Arial"/>
-        <a:defRPr sz="1400" b="0" i="0" u="none" strike="noStrike" cap="none">
+        <a:defRPr b="0" i="0" sz="1400" u="none" cap="none" strike="noStrike">
           <a:solidFill>
             <a:srgbClr val="000000"/>
           </a:solidFill>
@@ -6022,7 +5967,7 @@
           <a:sym typeface="Arial"/>
         </a:defRPr>
       </a:lvl5pPr>
-      <a:lvl6pPr marR="0" lvl="5" algn="l" rtl="0">
+      <a:lvl6pPr lvl="5" marR="0" rtl="0" algn="l">
         <a:lnSpc>
           <a:spcPct val="100000"/>
         </a:lnSpc>
@@ -6036,7 +5981,7 @@
           <a:srgbClr val="000000"/>
         </a:buClr>
         <a:buFont typeface="Arial"/>
-        <a:defRPr sz="1400" b="0" i="0" u="none" strike="noStrike" cap="none">
+        <a:defRPr b="0" i="0" sz="1400" u="none" cap="none" strike="noStrike">
           <a:solidFill>
             <a:srgbClr val="000000"/>
           </a:solidFill>
@@ -6046,7 +5991,7 @@
           <a:sym typeface="Arial"/>
         </a:defRPr>
       </a:lvl6pPr>
-      <a:lvl7pPr marR="0" lvl="6" algn="l" rtl="0">
+      <a:lvl7pPr lvl="6" marR="0" rtl="0" algn="l">
         <a:lnSpc>
           <a:spcPct val="100000"/>
         </a:lnSpc>
@@ -6060,7 +6005,7 @@
           <a:srgbClr val="000000"/>
         </a:buClr>
         <a:buFont typeface="Arial"/>
-        <a:defRPr sz="1400" b="0" i="0" u="none" strike="noStrike" cap="none">
+        <a:defRPr b="0" i="0" sz="1400" u="none" cap="none" strike="noStrike">
           <a:solidFill>
             <a:srgbClr val="000000"/>
           </a:solidFill>
@@ -6070,7 +6015,7 @@
           <a:sym typeface="Arial"/>
         </a:defRPr>
       </a:lvl7pPr>
-      <a:lvl8pPr marR="0" lvl="7" algn="l" rtl="0">
+      <a:lvl8pPr lvl="7" marR="0" rtl="0" algn="l">
         <a:lnSpc>
           <a:spcPct val="100000"/>
         </a:lnSpc>
@@ -6084,7 +6029,7 @@
           <a:srgbClr val="000000"/>
         </a:buClr>
         <a:buFont typeface="Arial"/>
-        <a:defRPr sz="1400" b="0" i="0" u="none" strike="noStrike" cap="none">
+        <a:defRPr b="0" i="0" sz="1400" u="none" cap="none" strike="noStrike">
           <a:solidFill>
             <a:srgbClr val="000000"/>
           </a:solidFill>
@@ -6094,7 +6039,7 @@
           <a:sym typeface="Arial"/>
         </a:defRPr>
       </a:lvl8pPr>
-      <a:lvl9pPr marR="0" lvl="8" algn="l" rtl="0">
+      <a:lvl9pPr lvl="8" marR="0" rtl="0" algn="l">
         <a:lnSpc>
           <a:spcPct val="100000"/>
         </a:lnSpc>
@@ -6108,7 +6053,7 @@
           <a:srgbClr val="000000"/>
         </a:buClr>
         <a:buFont typeface="Arial"/>
-        <a:defRPr sz="1400" b="0" i="0" u="none" strike="noStrike" cap="none">
+        <a:defRPr b="0" i="0" sz="1400" u="none" cap="none" strike="noStrike">
           <a:solidFill>
             <a:srgbClr val="000000"/>
           </a:solidFill>
@@ -6120,7 +6065,7 @@
       </a:lvl9pPr>
     </p:bodyStyle>
     <p:otherStyle>
-      <a:defPPr marR="0" lvl="0" algn="l" rtl="0">
+      <a:defPPr lvl="0" marR="0" rtl="0" algn="l">
         <a:lnSpc>
           <a:spcPct val="100000"/>
         </a:lnSpc>
@@ -6131,7 +6076,7 @@
           <a:spcPts val="0"/>
         </a:spcAft>
       </a:defPPr>
-      <a:lvl1pPr marR="0" lvl="0" algn="l" rtl="0">
+      <a:lvl1pPr lvl="0" marR="0" rtl="0" algn="l">
         <a:lnSpc>
           <a:spcPct val="100000"/>
         </a:lnSpc>
@@ -6145,7 +6090,7 @@
           <a:srgbClr val="000000"/>
         </a:buClr>
         <a:buFont typeface="Arial"/>
-        <a:defRPr sz="1400" b="0" i="0" u="none" strike="noStrike" cap="none">
+        <a:defRPr b="0" i="0" sz="1400" u="none" cap="none" strike="noStrike">
           <a:solidFill>
             <a:srgbClr val="000000"/>
           </a:solidFill>
@@ -6155,7 +6100,7 @@
           <a:sym typeface="Arial"/>
         </a:defRPr>
       </a:lvl1pPr>
-      <a:lvl2pPr marR="0" lvl="1" algn="l" rtl="0">
+      <a:lvl2pPr lvl="1" marR="0" rtl="0" algn="l">
         <a:lnSpc>
           <a:spcPct val="100000"/>
         </a:lnSpc>
@@ -6169,7 +6114,7 @@
           <a:srgbClr val="000000"/>
         </a:buClr>
         <a:buFont typeface="Arial"/>
-        <a:defRPr sz="1400" b="0" i="0" u="none" strike="noStrike" cap="none">
+        <a:defRPr b="0" i="0" sz="1400" u="none" cap="none" strike="noStrike">
           <a:solidFill>
             <a:srgbClr val="000000"/>
           </a:solidFill>
@@ -6179,7 +6124,7 @@
           <a:sym typeface="Arial"/>
         </a:defRPr>
       </a:lvl2pPr>
-      <a:lvl3pPr marR="0" lvl="2" algn="l" rtl="0">
+      <a:lvl3pPr lvl="2" marR="0" rtl="0" algn="l">
         <a:lnSpc>
           <a:spcPct val="100000"/>
         </a:lnSpc>
@@ -6193,7 +6138,7 @@
           <a:srgbClr val="000000"/>
         </a:buClr>
         <a:buFont typeface="Arial"/>
-        <a:defRPr sz="1400" b="0" i="0" u="none" strike="noStrike" cap="none">
+        <a:defRPr b="0" i="0" sz="1400" u="none" cap="none" strike="noStrike">
           <a:solidFill>
             <a:srgbClr val="000000"/>
           </a:solidFill>
@@ -6203,7 +6148,7 @@
           <a:sym typeface="Arial"/>
         </a:defRPr>
       </a:lvl3pPr>
-      <a:lvl4pPr marR="0" lvl="3" algn="l" rtl="0">
+      <a:lvl4pPr lvl="3" marR="0" rtl="0" algn="l">
         <a:lnSpc>
           <a:spcPct val="100000"/>
         </a:lnSpc>
@@ -6217,7 +6162,7 @@
           <a:srgbClr val="000000"/>
         </a:buClr>
         <a:buFont typeface="Arial"/>
-        <a:defRPr sz="1400" b="0" i="0" u="none" strike="noStrike" cap="none">
+        <a:defRPr b="0" i="0" sz="1400" u="none" cap="none" strike="noStrike">
           <a:solidFill>
             <a:srgbClr val="000000"/>
           </a:solidFill>
@@ -6227,7 +6172,7 @@
           <a:sym typeface="Arial"/>
         </a:defRPr>
       </a:lvl4pPr>
-      <a:lvl5pPr marR="0" lvl="4" algn="l" rtl="0">
+      <a:lvl5pPr lvl="4" marR="0" rtl="0" algn="l">
         <a:lnSpc>
           <a:spcPct val="100000"/>
         </a:lnSpc>
@@ -6241,7 +6186,7 @@
           <a:srgbClr val="000000"/>
         </a:buClr>
         <a:buFont typeface="Arial"/>
-        <a:defRPr sz="1400" b="0" i="0" u="none" strike="noStrike" cap="none">
+        <a:defRPr b="0" i="0" sz="1400" u="none" cap="none" strike="noStrike">
           <a:solidFill>
             <a:srgbClr val="000000"/>
           </a:solidFill>
@@ -6251,7 +6196,7 @@
           <a:sym typeface="Arial"/>
         </a:defRPr>
       </a:lvl5pPr>
-      <a:lvl6pPr marR="0" lvl="5" algn="l" rtl="0">
+      <a:lvl6pPr lvl="5" marR="0" rtl="0" algn="l">
         <a:lnSpc>
           <a:spcPct val="100000"/>
         </a:lnSpc>
@@ -6265,7 +6210,7 @@
           <a:srgbClr val="000000"/>
         </a:buClr>
         <a:buFont typeface="Arial"/>
-        <a:defRPr sz="1400" b="0" i="0" u="none" strike="noStrike" cap="none">
+        <a:defRPr b="0" i="0" sz="1400" u="none" cap="none" strike="noStrike">
           <a:solidFill>
             <a:srgbClr val="000000"/>
           </a:solidFill>
@@ -6275,7 +6220,7 @@
           <a:sym typeface="Arial"/>
         </a:defRPr>
       </a:lvl6pPr>
-      <a:lvl7pPr marR="0" lvl="6" algn="l" rtl="0">
+      <a:lvl7pPr lvl="6" marR="0" rtl="0" algn="l">
         <a:lnSpc>
           <a:spcPct val="100000"/>
         </a:lnSpc>
@@ -6289,7 +6234,7 @@
           <a:srgbClr val="000000"/>
         </a:buClr>
         <a:buFont typeface="Arial"/>
-        <a:defRPr sz="1400" b="0" i="0" u="none" strike="noStrike" cap="none">
+        <a:defRPr b="0" i="0" sz="1400" u="none" cap="none" strike="noStrike">
           <a:solidFill>
             <a:srgbClr val="000000"/>
           </a:solidFill>
@@ -6299,7 +6244,7 @@
           <a:sym typeface="Arial"/>
         </a:defRPr>
       </a:lvl7pPr>
-      <a:lvl8pPr marR="0" lvl="7" algn="l" rtl="0">
+      <a:lvl8pPr lvl="7" marR="0" rtl="0" algn="l">
         <a:lnSpc>
           <a:spcPct val="100000"/>
         </a:lnSpc>
@@ -6313,7 +6258,7 @@
           <a:srgbClr val="000000"/>
         </a:buClr>
         <a:buFont typeface="Arial"/>
-        <a:defRPr sz="1400" b="0" i="0" u="none" strike="noStrike" cap="none">
+        <a:defRPr b="0" i="0" sz="1400" u="none" cap="none" strike="noStrike">
           <a:solidFill>
             <a:srgbClr val="000000"/>
           </a:solidFill>
@@ -6323,7 +6268,7 @@
           <a:sym typeface="Arial"/>
         </a:defRPr>
       </a:lvl8pPr>
-      <a:lvl9pPr marR="0" lvl="8" algn="l" rtl="0">
+      <a:lvl9pPr lvl="8" marR="0" rtl="0" algn="l">
         <a:lnSpc>
           <a:spcPct val="100000"/>
         </a:lnSpc>
@@ -6337,7 +6282,7 @@
           <a:srgbClr val="000000"/>
         </a:buClr>
         <a:buFont typeface="Arial"/>
-        <a:defRPr sz="1400" b="0" i="0" u="none" strike="noStrike" cap="none">
+        <a:defRPr b="0" i="0" sz="1400" u="none" cap="none" strike="noStrike">
           <a:solidFill>
             <a:srgbClr val="000000"/>
           </a:solidFill>
@@ -6353,11 +6298,11 @@
 </file>
 
 <file path=ppt/slides/slide1.xml><?xml version="1.0" encoding="utf-8"?>
-<p:sld xmlns:a="http://schemas.openxmlformats.org/drawingml/2006/main" xmlns:r="http://schemas.openxmlformats.org/officeDocument/2006/relationships" xmlns:p="http://schemas.openxmlformats.org/presentationml/2006/main">
+<p:sld xmlns:a="http://schemas.openxmlformats.org/drawingml/2006/main" xmlns:r="http://schemas.openxmlformats.org/officeDocument/2006/relationships" xmlns:mc="http://schemas.openxmlformats.org/markup-compatibility/2006" xmlns:mv="urn:schemas-microsoft-com:mac:vml" xmlns:p="http://schemas.openxmlformats.org/presentationml/2006/main" xmlns:c="http://schemas.openxmlformats.org/drawingml/2006/chart" xmlns:dgm="http://schemas.openxmlformats.org/drawingml/2006/diagram" xmlns:o="urn:schemas-microsoft-com:office:office" xmlns:v="urn:schemas-microsoft-com:vml" xmlns:pvml="urn:schemas-microsoft-com:office:powerpoint" xmlns:com="http://schemas.openxmlformats.org/drawingml/2006/compatibility" xmlns:p14="http://schemas.microsoft.com/office/powerpoint/2010/main" xmlns:p15="http://schemas.microsoft.com/office/powerpoint/2012/main">
   <p:cSld>
     <p:spTree>
       <p:nvGrpSpPr>
-        <p:cNvPr id="1" name="Shape 53"/>
+        <p:cNvPr id="53" name="Shape 53"/>
         <p:cNvGrpSpPr/>
         <p:nvPr/>
       </p:nvGrpSpPr>
@@ -6372,9 +6317,7 @@
       <p:sp>
         <p:nvSpPr>
           <p:cNvPr id="54" name="Google Shape;54;p13"/>
-          <p:cNvSpPr txBox="1">
-            <a:spLocks noGrp="1"/>
-          </p:cNvSpPr>
+          <p:cNvSpPr txBox="1"/>
           <p:nvPr>
             <p:ph type="ctrTitle"/>
           </p:nvPr>
@@ -6389,12 +6332,12 @@
           </a:prstGeom>
         </p:spPr>
         <p:txBody>
-          <a:bodyPr spcFirstLastPara="1" wrap="square" lIns="91425" tIns="91425" rIns="91425" bIns="91425" anchor="b" anchorCtr="0">
+          <a:bodyPr anchorCtr="0" anchor="b" bIns="91425" lIns="91425" spcFirstLastPara="1" rIns="91425" wrap="square" tIns="91425">
             <a:noAutofit/>
           </a:bodyPr>
           <a:lstStyle/>
           <a:p>
-            <a:pPr marL="0" lvl="0" indent="0" algn="ctr" rtl="0">
+            <a:pPr indent="0" lvl="0" marL="0" rtl="0" algn="ctr">
               <a:lnSpc>
                 <a:spcPct val="115000"/>
               </a:lnSpc>
@@ -6407,21 +6350,21 @@
               <a:buNone/>
             </a:pPr>
             <a:r>
-              <a:rPr lang="en" sz="2600" b="1" dirty="0">
+              <a:rPr b="1" lang="en" sz="2600">
                 <a:solidFill>
                   <a:srgbClr val="FFFFFF"/>
                 </a:solidFill>
               </a:rPr>
               <a:t>An Efficient and Usable Client-Side Cross Platform Compatible Phishing Prevention Application</a:t>
             </a:r>
-            <a:endParaRPr sz="2600" b="1">
+            <a:endParaRPr b="1" sz="2600">
               <a:solidFill>
                 <a:srgbClr val="FFFFFF"/>
               </a:solidFill>
             </a:endParaRPr>
           </a:p>
           <a:p>
-            <a:pPr marL="0" lvl="0" indent="0" algn="l" rtl="0">
+            <a:pPr indent="0" lvl="0" marL="0" rtl="0" algn="l">
               <a:lnSpc>
                 <a:spcPct val="115000"/>
               </a:lnSpc>
@@ -6433,14 +6376,17 @@
               </a:spcAft>
               <a:buNone/>
             </a:pPr>
-            <a:endParaRPr sz="3000" b="1">
+            <a:r>
+              <a:t/>
+            </a:r>
+            <a:endParaRPr b="1" sz="3000">
               <a:solidFill>
                 <a:srgbClr val="FFFFFF"/>
               </a:solidFill>
             </a:endParaRPr>
           </a:p>
           <a:p>
-            <a:pPr marL="0" lvl="0" indent="0" algn="ctr" rtl="0">
+            <a:pPr indent="0" lvl="0" marL="0" rtl="0" algn="ctr">
               <a:lnSpc>
                 <a:spcPct val="115000"/>
               </a:lnSpc>
@@ -6453,14 +6399,14 @@
               <a:buNone/>
             </a:pPr>
             <a:r>
-              <a:rPr lang="en" sz="1800" b="1" dirty="0">
+              <a:rPr b="1" lang="en" sz="1800">
                 <a:solidFill>
                   <a:srgbClr val="FFFFFF"/>
                 </a:solidFill>
               </a:rPr>
               <a:t>FINAL YEAR PROJECT REPORT</a:t>
             </a:r>
-            <a:endParaRPr sz="1800" b="1" dirty="0">
+            <a:endParaRPr b="1" sz="1800">
               <a:solidFill>
                 <a:srgbClr val="FFFFFF"/>
               </a:solidFill>
@@ -6471,29 +6417,27 @@
       <p:sp>
         <p:nvSpPr>
           <p:cNvPr id="55" name="Google Shape;55;p13"/>
-          <p:cNvSpPr txBox="1">
-            <a:spLocks noGrp="1"/>
-          </p:cNvSpPr>
+          <p:cNvSpPr txBox="1"/>
           <p:nvPr>
-            <p:ph type="subTitle" idx="1"/>
+            <p:ph idx="1" type="subTitle"/>
           </p:nvPr>
         </p:nvSpPr>
         <p:spPr>
           <a:xfrm>
-            <a:off x="871775" y="2729452"/>
-            <a:ext cx="8123100" cy="2062500"/>
+            <a:off x="5376675" y="2729450"/>
+            <a:ext cx="3618000" cy="2062500"/>
           </a:xfrm>
           <a:prstGeom prst="rect">
             <a:avLst/>
           </a:prstGeom>
         </p:spPr>
         <p:txBody>
-          <a:bodyPr spcFirstLastPara="1" wrap="square" lIns="91425" tIns="91425" rIns="91425" bIns="91425" anchor="t" anchorCtr="0">
+          <a:bodyPr anchorCtr="0" anchor="t" bIns="91425" lIns="91425" spcFirstLastPara="1" rIns="91425" wrap="square" tIns="91425">
             <a:noAutofit/>
           </a:bodyPr>
           <a:lstStyle/>
           <a:p>
-            <a:pPr marL="3200400" lvl="0" indent="457200" algn="just" rtl="0">
+            <a:pPr indent="457200" lvl="0" marL="3200400" rtl="0" algn="just">
               <a:lnSpc>
                 <a:spcPct val="115000"/>
               </a:lnSpc>
@@ -6505,7 +6449,10 @@
               </a:spcAft>
               <a:buNone/>
             </a:pPr>
-            <a:endParaRPr sz="1100" dirty="0">
+            <a:r>
+              <a:t/>
+            </a:r>
+            <a:endParaRPr sz="1100">
               <a:solidFill>
                 <a:srgbClr val="000000"/>
               </a:solidFill>
@@ -6516,7 +6463,7 @@
             </a:endParaRPr>
           </a:p>
           <a:p>
-            <a:pPr marL="3657600" lvl="0" indent="0" algn="just" rtl="0">
+            <a:pPr indent="0" lvl="0" marL="3657600" rtl="0" algn="just">
               <a:lnSpc>
                 <a:spcPct val="115000"/>
               </a:lnSpc>
@@ -6528,14 +6475,17 @@
               </a:spcAft>
               <a:buNone/>
             </a:pPr>
-            <a:endParaRPr sz="1800" dirty="0">
+            <a:r>
+              <a:t/>
+            </a:r>
+            <a:endParaRPr sz="1800">
               <a:solidFill>
                 <a:srgbClr val="FFFFFF"/>
               </a:solidFill>
             </a:endParaRPr>
           </a:p>
           <a:p>
-            <a:pPr marL="3657600" lvl="0" indent="0" algn="just" rtl="0">
+            <a:pPr indent="0" lvl="0" marL="0" rtl="0" algn="just">
               <a:lnSpc>
                 <a:spcPct val="115000"/>
               </a:lnSpc>
@@ -6548,21 +6498,21 @@
               <a:buNone/>
             </a:pPr>
             <a:r>
-              <a:rPr lang="en" sz="1800" b="1" dirty="0">
+              <a:rPr b="1" lang="en" sz="1800">
                 <a:solidFill>
                   <a:srgbClr val="FFFFFF"/>
                 </a:solidFill>
               </a:rPr>
               <a:t>Submitted by</a:t>
             </a:r>
-            <a:endParaRPr sz="1800" b="1" dirty="0">
+            <a:endParaRPr b="1" sz="1800">
               <a:solidFill>
                 <a:srgbClr val="FFFFFF"/>
               </a:solidFill>
             </a:endParaRPr>
           </a:p>
           <a:p>
-            <a:pPr marL="3657600" lvl="0" indent="0" algn="just" rtl="0">
+            <a:pPr indent="0" lvl="0" marL="0" rtl="0" algn="just">
               <a:lnSpc>
                 <a:spcPct val="115000"/>
               </a:lnSpc>
@@ -6575,14 +6525,14 @@
               <a:buNone/>
             </a:pPr>
             <a:r>
-              <a:rPr lang="en" sz="1800" dirty="0">
+              <a:rPr lang="en" sz="1800">
                 <a:solidFill>
                   <a:srgbClr val="FFFFFF"/>
                 </a:solidFill>
               </a:rPr>
               <a:t>N. Dhanush		2016103021</a:t>
             </a:r>
-            <a:endParaRPr sz="1800" dirty="0">
+            <a:endParaRPr sz="1800">
               <a:solidFill>
                 <a:srgbClr val="FFFFFF"/>
               </a:solidFill>
@@ -6593,7 +6543,7 @@
             </a:endParaRPr>
           </a:p>
           <a:p>
-            <a:pPr marL="3657600" lvl="0" indent="0" algn="just" rtl="0">
+            <a:pPr indent="0" lvl="0" marL="0" rtl="0" algn="just">
               <a:lnSpc>
                 <a:spcPct val="115000"/>
               </a:lnSpc>
@@ -6606,21 +6556,21 @@
               <a:buNone/>
             </a:pPr>
             <a:r>
-              <a:rPr lang="en" sz="1800" dirty="0">
+              <a:rPr lang="en" sz="1800">
                 <a:solidFill>
                   <a:schemeClr val="dk1"/>
                 </a:solidFill>
               </a:rPr>
               <a:t>G. Santhosh		2016103057</a:t>
             </a:r>
-            <a:endParaRPr sz="1800" dirty="0">
+            <a:endParaRPr sz="1800">
               <a:solidFill>
                 <a:srgbClr val="FFFFFF"/>
               </a:solidFill>
             </a:endParaRPr>
           </a:p>
           <a:p>
-            <a:pPr marL="3657600" lvl="0" indent="0" algn="just" rtl="0">
+            <a:pPr indent="0" lvl="0" marL="0" rtl="0" algn="just">
               <a:lnSpc>
                 <a:spcPct val="115000"/>
               </a:lnSpc>
@@ -6633,7 +6583,7 @@
               <a:buNone/>
             </a:pPr>
             <a:r>
-              <a:rPr lang="en" sz="1800" dirty="0">
+              <a:rPr lang="en" sz="1800">
                 <a:solidFill>
                   <a:srgbClr val="FFFFFF"/>
                 </a:solidFill>
@@ -6642,16 +6592,16 @@
                 <a:cs typeface="Arial"/>
                 <a:sym typeface="Arial"/>
               </a:rPr>
-              <a:t>S. Ben Stewart		2016103513</a:t>
+              <a:t>S. Ben Stewart	2016103513</a:t>
             </a:r>
-            <a:endParaRPr sz="1800" dirty="0">
+            <a:endParaRPr sz="1800">
               <a:solidFill>
                 <a:srgbClr val="FFFFFF"/>
               </a:solidFill>
             </a:endParaRPr>
           </a:p>
           <a:p>
-            <a:pPr marL="0" lvl="0" indent="0" algn="ctr" rtl="0">
+            <a:pPr indent="0" lvl="0" marL="0" rtl="0" algn="ctr">
               <a:spcBef>
                 <a:spcPts val="0"/>
               </a:spcBef>
@@ -6660,7 +6610,227 @@
               </a:spcAft>
               <a:buNone/>
             </a:pPr>
-            <a:endParaRPr dirty="0"/>
+            <a:r>
+              <a:t/>
+            </a:r>
+            <a:endParaRPr/>
+          </a:p>
+        </p:txBody>
+      </p:sp>
+      <p:sp>
+        <p:nvSpPr>
+          <p:cNvPr id="56" name="Google Shape;56;p13"/>
+          <p:cNvSpPr txBox="1"/>
+          <p:nvPr>
+            <p:ph idx="1" type="subTitle"/>
+          </p:nvPr>
+        </p:nvSpPr>
+        <p:spPr>
+          <a:xfrm>
+            <a:off x="748250" y="2729450"/>
+            <a:ext cx="3618000" cy="2062500"/>
+          </a:xfrm>
+          <a:prstGeom prst="rect">
+            <a:avLst/>
+          </a:prstGeom>
+        </p:spPr>
+        <p:txBody>
+          <a:bodyPr anchorCtr="0" anchor="t" bIns="91425" lIns="91425" spcFirstLastPara="1" rIns="91425" wrap="square" tIns="91425">
+            <a:noAutofit/>
+          </a:bodyPr>
+          <a:lstStyle/>
+          <a:p>
+            <a:pPr indent="457200" lvl="0" marL="3200400" rtl="0" algn="just">
+              <a:lnSpc>
+                <a:spcPct val="115000"/>
+              </a:lnSpc>
+              <a:spcBef>
+                <a:spcPts val="0"/>
+              </a:spcBef>
+              <a:spcAft>
+                <a:spcPts val="0"/>
+              </a:spcAft>
+              <a:buNone/>
+            </a:pPr>
+            <a:r>
+              <a:t/>
+            </a:r>
+            <a:endParaRPr sz="1100">
+              <a:solidFill>
+                <a:srgbClr val="000000"/>
+              </a:solidFill>
+              <a:latin typeface="Arial"/>
+              <a:ea typeface="Arial"/>
+              <a:cs typeface="Arial"/>
+              <a:sym typeface="Arial"/>
+            </a:endParaRPr>
+          </a:p>
+          <a:p>
+            <a:pPr indent="0" lvl="0" marL="3657600" rtl="0" algn="just">
+              <a:lnSpc>
+                <a:spcPct val="115000"/>
+              </a:lnSpc>
+              <a:spcBef>
+                <a:spcPts val="0"/>
+              </a:spcBef>
+              <a:spcAft>
+                <a:spcPts val="0"/>
+              </a:spcAft>
+              <a:buNone/>
+            </a:pPr>
+            <a:r>
+              <a:t/>
+            </a:r>
+            <a:endParaRPr sz="1800">
+              <a:solidFill>
+                <a:srgbClr val="FFFFFF"/>
+              </a:solidFill>
+            </a:endParaRPr>
+          </a:p>
+          <a:p>
+            <a:pPr indent="0" lvl="0" marL="0" rtl="0" algn="just">
+              <a:lnSpc>
+                <a:spcPct val="115000"/>
+              </a:lnSpc>
+              <a:spcBef>
+                <a:spcPts val="0"/>
+              </a:spcBef>
+              <a:spcAft>
+                <a:spcPts val="0"/>
+              </a:spcAft>
+              <a:buNone/>
+            </a:pPr>
+            <a:r>
+              <a:rPr b="1" lang="en" sz="1800">
+                <a:solidFill>
+                  <a:srgbClr val="FFFFFF"/>
+                </a:solidFill>
+              </a:rPr>
+              <a:t>Guide</a:t>
+            </a:r>
+            <a:endParaRPr b="1" sz="1800">
+              <a:solidFill>
+                <a:srgbClr val="FFFFFF"/>
+              </a:solidFill>
+            </a:endParaRPr>
+          </a:p>
+          <a:p>
+            <a:pPr indent="0" lvl="0" marL="0" rtl="0" algn="just">
+              <a:lnSpc>
+                <a:spcPct val="115000"/>
+              </a:lnSpc>
+              <a:spcBef>
+                <a:spcPts val="0"/>
+              </a:spcBef>
+              <a:spcAft>
+                <a:spcPts val="0"/>
+              </a:spcAft>
+              <a:buNone/>
+            </a:pPr>
+            <a:r>
+              <a:rPr lang="en" sz="1800">
+                <a:solidFill>
+                  <a:srgbClr val="FFFFFF"/>
+                </a:solidFill>
+              </a:rPr>
+              <a:t>Dr. Angelin Gladston</a:t>
+            </a:r>
+            <a:endParaRPr sz="1800">
+              <a:solidFill>
+                <a:srgbClr val="FFFFFF"/>
+              </a:solidFill>
+            </a:endParaRPr>
+          </a:p>
+          <a:p>
+            <a:pPr indent="0" lvl="0" marL="0" rtl="0" algn="just">
+              <a:lnSpc>
+                <a:spcPct val="115000"/>
+              </a:lnSpc>
+              <a:spcBef>
+                <a:spcPts val="0"/>
+              </a:spcBef>
+              <a:spcAft>
+                <a:spcPts val="0"/>
+              </a:spcAft>
+              <a:buNone/>
+            </a:pPr>
+            <a:r>
+              <a:rPr lang="en" sz="1800">
+                <a:solidFill>
+                  <a:srgbClr val="FFFFFF"/>
+                </a:solidFill>
+              </a:rPr>
+              <a:t>Associate Professor</a:t>
+            </a:r>
+            <a:endParaRPr sz="1800">
+              <a:solidFill>
+                <a:srgbClr val="FFFFFF"/>
+              </a:solidFill>
+            </a:endParaRPr>
+          </a:p>
+          <a:p>
+            <a:pPr indent="0" lvl="0" marL="0" rtl="0" algn="just">
+              <a:lnSpc>
+                <a:spcPct val="115000"/>
+              </a:lnSpc>
+              <a:spcBef>
+                <a:spcPts val="0"/>
+              </a:spcBef>
+              <a:spcAft>
+                <a:spcPts val="0"/>
+              </a:spcAft>
+              <a:buNone/>
+            </a:pPr>
+            <a:r>
+              <a:rPr lang="en" sz="1800">
+                <a:solidFill>
+                  <a:srgbClr val="FFFFFF"/>
+                </a:solidFill>
+              </a:rPr>
+              <a:t>Department of CSE</a:t>
+            </a:r>
+            <a:endParaRPr sz="1800">
+              <a:solidFill>
+                <a:srgbClr val="FFFFFF"/>
+              </a:solidFill>
+            </a:endParaRPr>
+          </a:p>
+          <a:p>
+            <a:pPr indent="0" lvl="0" marL="0" rtl="0" algn="just">
+              <a:lnSpc>
+                <a:spcPct val="115000"/>
+              </a:lnSpc>
+              <a:spcBef>
+                <a:spcPts val="0"/>
+              </a:spcBef>
+              <a:spcAft>
+                <a:spcPts val="0"/>
+              </a:spcAft>
+              <a:buNone/>
+            </a:pPr>
+            <a:r>
+              <a:t/>
+            </a:r>
+            <a:endParaRPr sz="1800">
+              <a:solidFill>
+                <a:srgbClr val="FFFFFF"/>
+              </a:solidFill>
+            </a:endParaRPr>
+          </a:p>
+          <a:p>
+            <a:pPr indent="0" lvl="0" marL="0" rtl="0" algn="ctr">
+              <a:spcBef>
+                <a:spcPts val="0"/>
+              </a:spcBef>
+              <a:spcAft>
+                <a:spcPts val="0"/>
+              </a:spcAft>
+              <a:buNone/>
+            </a:pPr>
+            <a:r>
+              <a:t/>
+            </a:r>
+            <a:endParaRPr/>
           </a:p>
         </p:txBody>
       </p:sp>
@@ -6673,11 +6843,11 @@
 </file>
 
 <file path=ppt/slides/slide2.xml><?xml version="1.0" encoding="utf-8"?>
-<p:sld xmlns:a="http://schemas.openxmlformats.org/drawingml/2006/main" xmlns:r="http://schemas.openxmlformats.org/officeDocument/2006/relationships" xmlns:p="http://schemas.openxmlformats.org/presentationml/2006/main">
+<p:sld xmlns:a="http://schemas.openxmlformats.org/drawingml/2006/main" xmlns:r="http://schemas.openxmlformats.org/officeDocument/2006/relationships" xmlns:mc="http://schemas.openxmlformats.org/markup-compatibility/2006" xmlns:mv="urn:schemas-microsoft-com:mac:vml" xmlns:p="http://schemas.openxmlformats.org/presentationml/2006/main" xmlns:c="http://schemas.openxmlformats.org/drawingml/2006/chart" xmlns:dgm="http://schemas.openxmlformats.org/drawingml/2006/diagram" xmlns:o="urn:schemas-microsoft-com:office:office" xmlns:v="urn:schemas-microsoft-com:vml" xmlns:pvml="urn:schemas-microsoft-com:office:powerpoint" xmlns:com="http://schemas.openxmlformats.org/drawingml/2006/compatibility" xmlns:p14="http://schemas.microsoft.com/office/powerpoint/2010/main" xmlns:p15="http://schemas.microsoft.com/office/powerpoint/2012/main">
   <p:cSld>
     <p:spTree>
       <p:nvGrpSpPr>
-        <p:cNvPr id="1" name="Shape 59"/>
+        <p:cNvPr id="60" name="Shape 60"/>
         <p:cNvGrpSpPr/>
         <p:nvPr/>
       </p:nvGrpSpPr>
@@ -6691,10 +6861,8 @@
       </p:grpSpPr>
       <p:sp>
         <p:nvSpPr>
-          <p:cNvPr id="60" name="Google Shape;60;p14"/>
-          <p:cNvSpPr txBox="1">
-            <a:spLocks noGrp="1"/>
-          </p:cNvSpPr>
+          <p:cNvPr id="61" name="Google Shape;61;p14"/>
+          <p:cNvSpPr txBox="1"/>
           <p:nvPr>
             <p:ph type="ctrTitle"/>
           </p:nvPr>
@@ -6709,12 +6877,12 @@
           </a:prstGeom>
         </p:spPr>
         <p:txBody>
-          <a:bodyPr spcFirstLastPara="1" wrap="square" lIns="91425" tIns="91425" rIns="91425" bIns="91425" anchor="b" anchorCtr="0">
+          <a:bodyPr anchorCtr="0" anchor="b" bIns="91425" lIns="91425" spcFirstLastPara="1" rIns="91425" wrap="square" tIns="91425">
             <a:noAutofit/>
           </a:bodyPr>
           <a:lstStyle/>
           <a:p>
-            <a:pPr marL="0" lvl="0" indent="0" algn="l" rtl="0">
+            <a:pPr indent="0" lvl="0" marL="0" rtl="0" algn="l">
               <a:lnSpc>
                 <a:spcPct val="115000"/>
               </a:lnSpc>
@@ -6727,14 +6895,14 @@
               <a:buNone/>
             </a:pPr>
             <a:r>
-              <a:rPr lang="en" sz="3000" b="1">
+              <a:rPr b="1" lang="en" sz="3000">
                 <a:solidFill>
                   <a:srgbClr val="FFFFFF"/>
                 </a:solidFill>
               </a:rPr>
               <a:t>OUTLINE</a:t>
             </a:r>
-            <a:endParaRPr sz="3000" b="1">
+            <a:endParaRPr b="1" sz="3000">
               <a:solidFill>
                 <a:srgbClr val="FFFFFF"/>
               </a:solidFill>
@@ -6744,12 +6912,10 @@
       </p:sp>
       <p:sp>
         <p:nvSpPr>
-          <p:cNvPr id="61" name="Google Shape;61;p14"/>
-          <p:cNvSpPr txBox="1">
-            <a:spLocks noGrp="1"/>
-          </p:cNvSpPr>
+          <p:cNvPr id="62" name="Google Shape;62;p14"/>
+          <p:cNvSpPr txBox="1"/>
           <p:nvPr>
-            <p:ph type="subTitle" idx="1"/>
+            <p:ph idx="1" type="subTitle"/>
           </p:nvPr>
         </p:nvSpPr>
         <p:spPr>
@@ -6762,12 +6928,12 @@
           </a:prstGeom>
         </p:spPr>
         <p:txBody>
-          <a:bodyPr spcFirstLastPara="1" wrap="square" lIns="91425" tIns="91425" rIns="91425" bIns="91425" anchor="t" anchorCtr="0">
+          <a:bodyPr anchorCtr="0" anchor="t" bIns="91425" lIns="91425" spcFirstLastPara="1" rIns="91425" wrap="square" tIns="91425">
             <a:noAutofit/>
           </a:bodyPr>
           <a:lstStyle/>
           <a:p>
-            <a:pPr marL="457200" lvl="0" indent="-342900" algn="just" rtl="0">
+            <a:pPr indent="-342900" lvl="0" marL="457200" rtl="0" algn="just">
               <a:lnSpc>
                 <a:spcPct val="115000"/>
               </a:lnSpc>
@@ -6798,7 +6964,7 @@
             </a:endParaRPr>
           </a:p>
           <a:p>
-            <a:pPr marL="457200" lvl="0" indent="-342900" algn="just" rtl="0">
+            <a:pPr indent="-342900" lvl="0" marL="457200" rtl="0" algn="just">
               <a:lnSpc>
                 <a:spcPct val="115000"/>
               </a:lnSpc>
@@ -6829,7 +6995,7 @@
             </a:endParaRPr>
           </a:p>
           <a:p>
-            <a:pPr marL="457200" lvl="0" indent="-342900" algn="just" rtl="0">
+            <a:pPr indent="-342900" lvl="0" marL="457200" rtl="0" algn="just">
               <a:lnSpc>
                 <a:spcPct val="115000"/>
               </a:lnSpc>
@@ -6860,7 +7026,7 @@
             </a:endParaRPr>
           </a:p>
           <a:p>
-            <a:pPr marL="457200" lvl="0" indent="-342900" algn="just" rtl="0">
+            <a:pPr indent="-342900" lvl="0" marL="457200" rtl="0" algn="just">
               <a:lnSpc>
                 <a:spcPct val="115000"/>
               </a:lnSpc>
@@ -6891,7 +7057,7 @@
             </a:endParaRPr>
           </a:p>
           <a:p>
-            <a:pPr marL="457200" lvl="0" indent="-342900" algn="just" rtl="0">
+            <a:pPr indent="-342900" lvl="0" marL="457200" rtl="0" algn="just">
               <a:lnSpc>
                 <a:spcPct val="115000"/>
               </a:lnSpc>
@@ -6922,7 +7088,7 @@
             </a:endParaRPr>
           </a:p>
           <a:p>
-            <a:pPr marL="457200" lvl="0" indent="-342900" algn="just" rtl="0">
+            <a:pPr indent="-342900" lvl="0" marL="457200" rtl="0" algn="just">
               <a:lnSpc>
                 <a:spcPct val="115000"/>
               </a:lnSpc>
@@ -6963,11 +7129,11 @@
 </file>
 
 <file path=ppt/slides/slide3.xml><?xml version="1.0" encoding="utf-8"?>
-<p:sld xmlns:a="http://schemas.openxmlformats.org/drawingml/2006/main" xmlns:r="http://schemas.openxmlformats.org/officeDocument/2006/relationships" xmlns:p="http://schemas.openxmlformats.org/presentationml/2006/main">
+<p:sld xmlns:a="http://schemas.openxmlformats.org/drawingml/2006/main" xmlns:r="http://schemas.openxmlformats.org/officeDocument/2006/relationships" xmlns:mc="http://schemas.openxmlformats.org/markup-compatibility/2006" xmlns:mv="urn:schemas-microsoft-com:mac:vml" xmlns:p="http://schemas.openxmlformats.org/presentationml/2006/main" xmlns:c="http://schemas.openxmlformats.org/drawingml/2006/chart" xmlns:dgm="http://schemas.openxmlformats.org/drawingml/2006/diagram" xmlns:o="urn:schemas-microsoft-com:office:office" xmlns:v="urn:schemas-microsoft-com:vml" xmlns:pvml="urn:schemas-microsoft-com:office:powerpoint" xmlns:com="http://schemas.openxmlformats.org/drawingml/2006/compatibility" xmlns:p14="http://schemas.microsoft.com/office/powerpoint/2010/main" xmlns:p15="http://schemas.microsoft.com/office/powerpoint/2012/main">
   <p:cSld>
     <p:spTree>
       <p:nvGrpSpPr>
-        <p:cNvPr id="1" name="Shape 65"/>
+        <p:cNvPr id="66" name="Shape 66"/>
         <p:cNvGrpSpPr/>
         <p:nvPr/>
       </p:nvGrpSpPr>
@@ -6981,10 +7147,8 @@
       </p:grpSpPr>
       <p:sp>
         <p:nvSpPr>
-          <p:cNvPr id="66" name="Google Shape;66;p15"/>
-          <p:cNvSpPr txBox="1">
-            <a:spLocks noGrp="1"/>
-          </p:cNvSpPr>
+          <p:cNvPr id="67" name="Google Shape;67;p15"/>
+          <p:cNvSpPr txBox="1"/>
           <p:nvPr>
             <p:ph type="ctrTitle"/>
           </p:nvPr>
@@ -6999,12 +7163,12 @@
           </a:prstGeom>
         </p:spPr>
         <p:txBody>
-          <a:bodyPr spcFirstLastPara="1" wrap="square" lIns="91425" tIns="91425" rIns="91425" bIns="91425" anchor="b" anchorCtr="0">
+          <a:bodyPr anchorCtr="0" anchor="b" bIns="91425" lIns="91425" spcFirstLastPara="1" rIns="91425" wrap="square" tIns="91425">
             <a:noAutofit/>
           </a:bodyPr>
           <a:lstStyle/>
           <a:p>
-            <a:pPr marL="0" lvl="0" indent="0" algn="ctr" rtl="0">
+            <a:pPr indent="0" lvl="0" marL="0" rtl="0" algn="ctr">
               <a:lnSpc>
                 <a:spcPct val="115000"/>
               </a:lnSpc>
@@ -7017,7 +7181,7 @@
               <a:buNone/>
             </a:pPr>
             <a:r>
-              <a:rPr lang="en" sz="3000" b="1">
+              <a:rPr b="1" lang="en" sz="3000">
                 <a:solidFill>
                   <a:srgbClr val="FFFFFF"/>
                 </a:solidFill>
@@ -7034,12 +7198,10 @@
       </p:sp>
       <p:sp>
         <p:nvSpPr>
-          <p:cNvPr id="67" name="Google Shape;67;p15"/>
-          <p:cNvSpPr txBox="1">
-            <a:spLocks noGrp="1"/>
-          </p:cNvSpPr>
+          <p:cNvPr id="68" name="Google Shape;68;p15"/>
+          <p:cNvSpPr txBox="1"/>
           <p:nvPr>
-            <p:ph type="subTitle" idx="1"/>
+            <p:ph idx="1" type="subTitle"/>
           </p:nvPr>
         </p:nvSpPr>
         <p:spPr>
@@ -7052,12 +7214,12 @@
           </a:prstGeom>
         </p:spPr>
         <p:txBody>
-          <a:bodyPr spcFirstLastPara="1" wrap="square" lIns="91425" tIns="91425" rIns="91425" bIns="91425" anchor="t" anchorCtr="0">
+          <a:bodyPr anchorCtr="0" anchor="t" bIns="91425" lIns="91425" spcFirstLastPara="1" rIns="91425" wrap="square" tIns="91425">
             <a:noAutofit/>
           </a:bodyPr>
           <a:lstStyle/>
           <a:p>
-            <a:pPr marL="457200" lvl="0" indent="-342900" algn="just" rtl="0">
+            <a:pPr indent="-342900" lvl="0" marL="457200" rtl="0" algn="just">
               <a:lnSpc>
                 <a:spcPct val="115000"/>
               </a:lnSpc>
@@ -7088,7 +7250,7 @@
             </a:endParaRPr>
           </a:p>
           <a:p>
-            <a:pPr marL="457200" lvl="0" indent="-342900" algn="just" rtl="0">
+            <a:pPr indent="-342900" lvl="0" marL="457200" rtl="0" algn="just">
               <a:lnSpc>
                 <a:spcPct val="115000"/>
               </a:lnSpc>
@@ -7119,7 +7281,7 @@
             </a:endParaRPr>
           </a:p>
           <a:p>
-            <a:pPr marL="457200" lvl="0" indent="-342900" algn="just" rtl="0">
+            <a:pPr indent="-342900" lvl="0" marL="457200" rtl="0" algn="just">
               <a:lnSpc>
                 <a:spcPct val="115000"/>
               </a:lnSpc>
@@ -7150,7 +7312,7 @@
             </a:endParaRPr>
           </a:p>
           <a:p>
-            <a:pPr marL="457200" lvl="0" indent="-342900" algn="just" rtl="0">
+            <a:pPr indent="-342900" lvl="0" marL="457200" rtl="0" algn="just">
               <a:lnSpc>
                 <a:spcPct val="115000"/>
               </a:lnSpc>
@@ -7181,7 +7343,7 @@
             </a:endParaRPr>
           </a:p>
           <a:p>
-            <a:pPr marL="457200" lvl="0" indent="-342900" algn="just" rtl="0">
+            <a:pPr indent="-342900" lvl="0" marL="457200" rtl="0" algn="just">
               <a:lnSpc>
                 <a:spcPct val="115000"/>
               </a:lnSpc>
@@ -7212,7 +7374,7 @@
             </a:endParaRPr>
           </a:p>
           <a:p>
-            <a:pPr marL="457200" lvl="0" indent="-342900" algn="just" rtl="0">
+            <a:pPr indent="-342900" lvl="0" marL="457200" rtl="0" algn="just">
               <a:lnSpc>
                 <a:spcPct val="115000"/>
               </a:lnSpc>
@@ -7253,11 +7415,11 @@
 </file>
 
 <file path=ppt/slides/slide4.xml><?xml version="1.0" encoding="utf-8"?>
-<p:sld xmlns:a="http://schemas.openxmlformats.org/drawingml/2006/main" xmlns:r="http://schemas.openxmlformats.org/officeDocument/2006/relationships" xmlns:p="http://schemas.openxmlformats.org/presentationml/2006/main">
+<p:sld xmlns:a="http://schemas.openxmlformats.org/drawingml/2006/main" xmlns:r="http://schemas.openxmlformats.org/officeDocument/2006/relationships" xmlns:mc="http://schemas.openxmlformats.org/markup-compatibility/2006" xmlns:mv="urn:schemas-microsoft-com:mac:vml" xmlns:p="http://schemas.openxmlformats.org/presentationml/2006/main" xmlns:c="http://schemas.openxmlformats.org/drawingml/2006/chart" xmlns:dgm="http://schemas.openxmlformats.org/drawingml/2006/diagram" xmlns:o="urn:schemas-microsoft-com:office:office" xmlns:v="urn:schemas-microsoft-com:vml" xmlns:pvml="urn:schemas-microsoft-com:office:powerpoint" xmlns:com="http://schemas.openxmlformats.org/drawingml/2006/compatibility" xmlns:p14="http://schemas.microsoft.com/office/powerpoint/2010/main" xmlns:p15="http://schemas.microsoft.com/office/powerpoint/2012/main">
   <p:cSld>
     <p:spTree>
       <p:nvGrpSpPr>
-        <p:cNvPr id="1" name="Shape 71"/>
+        <p:cNvPr id="72" name="Shape 72"/>
         <p:cNvGrpSpPr/>
         <p:nvPr/>
       </p:nvGrpSpPr>
@@ -7271,10 +7433,8 @@
       </p:grpSpPr>
       <p:sp>
         <p:nvSpPr>
-          <p:cNvPr id="72" name="Google Shape;72;p16"/>
-          <p:cNvSpPr txBox="1">
-            <a:spLocks noGrp="1"/>
-          </p:cNvSpPr>
+          <p:cNvPr id="73" name="Google Shape;73;p16"/>
+          <p:cNvSpPr txBox="1"/>
           <p:nvPr>
             <p:ph type="ctrTitle"/>
           </p:nvPr>
@@ -7289,12 +7449,12 @@
           </a:prstGeom>
         </p:spPr>
         <p:txBody>
-          <a:bodyPr spcFirstLastPara="1" wrap="square" lIns="91425" tIns="91425" rIns="91425" bIns="91425" anchor="b" anchorCtr="0">
+          <a:bodyPr anchorCtr="0" anchor="b" bIns="91425" lIns="91425" spcFirstLastPara="1" rIns="91425" wrap="square" tIns="91425">
             <a:noAutofit/>
           </a:bodyPr>
           <a:lstStyle/>
           <a:p>
-            <a:pPr marL="0" lvl="0" indent="0" algn="ctr" rtl="0">
+            <a:pPr indent="0" lvl="0" marL="0" rtl="0" algn="ctr">
               <a:lnSpc>
                 <a:spcPct val="115000"/>
               </a:lnSpc>
@@ -7307,7 +7467,7 @@
               <a:buNone/>
             </a:pPr>
             <a:r>
-              <a:rPr lang="en" sz="3000" b="1">
+              <a:rPr b="1" lang="en" sz="3000">
                 <a:solidFill>
                   <a:srgbClr val="FFFFFF"/>
                 </a:solidFill>
@@ -7324,12 +7484,10 @@
       </p:sp>
       <p:sp>
         <p:nvSpPr>
-          <p:cNvPr id="73" name="Google Shape;73;p16"/>
-          <p:cNvSpPr txBox="1">
-            <a:spLocks noGrp="1"/>
-          </p:cNvSpPr>
+          <p:cNvPr id="74" name="Google Shape;74;p16"/>
+          <p:cNvSpPr txBox="1"/>
           <p:nvPr>
-            <p:ph type="subTitle" idx="1"/>
+            <p:ph idx="1" type="subTitle"/>
           </p:nvPr>
         </p:nvSpPr>
         <p:spPr>
@@ -7342,12 +7500,12 @@
           </a:prstGeom>
         </p:spPr>
         <p:txBody>
-          <a:bodyPr spcFirstLastPara="1" wrap="square" lIns="91425" tIns="91425" rIns="91425" bIns="91425" anchor="t" anchorCtr="0">
+          <a:bodyPr anchorCtr="0" anchor="t" bIns="91425" lIns="91425" spcFirstLastPara="1" rIns="91425" wrap="square" tIns="91425">
             <a:noAutofit/>
           </a:bodyPr>
           <a:lstStyle/>
           <a:p>
-            <a:pPr marL="457200" lvl="0" indent="-342900" algn="just" rtl="0">
+            <a:pPr indent="-342900" lvl="0" marL="457200" rtl="0" algn="just">
               <a:lnSpc>
                 <a:spcPct val="115000"/>
               </a:lnSpc>
@@ -7378,7 +7536,7 @@
             </a:endParaRPr>
           </a:p>
           <a:p>
-            <a:pPr marL="457200" lvl="0" indent="-342900" algn="just" rtl="0">
+            <a:pPr indent="-342900" lvl="0" marL="457200" rtl="0" algn="just">
               <a:lnSpc>
                 <a:spcPct val="115000"/>
               </a:lnSpc>
@@ -7409,7 +7567,7 @@
             </a:endParaRPr>
           </a:p>
           <a:p>
-            <a:pPr marL="457200" lvl="0" indent="-342900" algn="just" rtl="0">
+            <a:pPr indent="-342900" lvl="0" marL="457200" rtl="0" algn="just">
               <a:lnSpc>
                 <a:spcPct val="115000"/>
               </a:lnSpc>
@@ -7440,7 +7598,7 @@
             </a:endParaRPr>
           </a:p>
           <a:p>
-            <a:pPr marL="457200" lvl="0" indent="-342900" algn="just" rtl="0">
+            <a:pPr indent="-342900" lvl="0" marL="457200" rtl="0" algn="just">
               <a:lnSpc>
                 <a:spcPct val="115000"/>
               </a:lnSpc>
@@ -7471,7 +7629,7 @@
             </a:endParaRPr>
           </a:p>
           <a:p>
-            <a:pPr marL="457200" lvl="0" indent="-342900" algn="just" rtl="0">
+            <a:pPr indent="-342900" lvl="0" marL="457200" rtl="0" algn="just">
               <a:lnSpc>
                 <a:spcPct val="115000"/>
               </a:lnSpc>
@@ -7512,11 +7670,11 @@
 </file>
 
 <file path=ppt/slides/slide5.xml><?xml version="1.0" encoding="utf-8"?>
-<p:sld xmlns:a="http://schemas.openxmlformats.org/drawingml/2006/main" xmlns:r="http://schemas.openxmlformats.org/officeDocument/2006/relationships" xmlns:p="http://schemas.openxmlformats.org/presentationml/2006/main">
+<p:sld xmlns:a="http://schemas.openxmlformats.org/drawingml/2006/main" xmlns:r="http://schemas.openxmlformats.org/officeDocument/2006/relationships" xmlns:mc="http://schemas.openxmlformats.org/markup-compatibility/2006" xmlns:mv="urn:schemas-microsoft-com:mac:vml" xmlns:p="http://schemas.openxmlformats.org/presentationml/2006/main" xmlns:c="http://schemas.openxmlformats.org/drawingml/2006/chart" xmlns:dgm="http://schemas.openxmlformats.org/drawingml/2006/diagram" xmlns:o="urn:schemas-microsoft-com:office:office" xmlns:v="urn:schemas-microsoft-com:vml" xmlns:pvml="urn:schemas-microsoft-com:office:powerpoint" xmlns:com="http://schemas.openxmlformats.org/drawingml/2006/compatibility" xmlns:p14="http://schemas.microsoft.com/office/powerpoint/2010/main" xmlns:p15="http://schemas.microsoft.com/office/powerpoint/2012/main">
   <p:cSld>
     <p:spTree>
       <p:nvGrpSpPr>
-        <p:cNvPr id="1" name="Shape 77"/>
+        <p:cNvPr id="78" name="Shape 78"/>
         <p:cNvGrpSpPr/>
         <p:nvPr/>
       </p:nvGrpSpPr>
@@ -7530,10 +7688,8 @@
       </p:grpSpPr>
       <p:sp>
         <p:nvSpPr>
-          <p:cNvPr id="78" name="Google Shape;78;p17"/>
-          <p:cNvSpPr txBox="1">
-            <a:spLocks noGrp="1"/>
-          </p:cNvSpPr>
+          <p:cNvPr id="79" name="Google Shape;79;p17"/>
+          <p:cNvSpPr txBox="1"/>
           <p:nvPr>
             <p:ph type="ctrTitle"/>
           </p:nvPr>
@@ -7548,12 +7704,12 @@
           </a:prstGeom>
         </p:spPr>
         <p:txBody>
-          <a:bodyPr spcFirstLastPara="1" wrap="square" lIns="91425" tIns="91425" rIns="91425" bIns="91425" anchor="b" anchorCtr="0">
+          <a:bodyPr anchorCtr="0" anchor="b" bIns="91425" lIns="91425" spcFirstLastPara="1" rIns="91425" wrap="square" tIns="91425">
             <a:noAutofit/>
           </a:bodyPr>
           <a:lstStyle/>
           <a:p>
-            <a:pPr marL="0" lvl="0" indent="0" algn="ctr" rtl="0">
+            <a:pPr indent="0" lvl="0" marL="0" rtl="0" algn="ctr">
               <a:lnSpc>
                 <a:spcPct val="115000"/>
               </a:lnSpc>
@@ -7566,7 +7722,7 @@
               <a:buNone/>
             </a:pPr>
             <a:r>
-              <a:rPr lang="en" sz="3000" b="1">
+              <a:rPr b="1" lang="en" sz="3000">
                 <a:solidFill>
                   <a:srgbClr val="FFFFFF"/>
                 </a:solidFill>
@@ -7583,12 +7739,10 @@
       </p:sp>
       <p:sp>
         <p:nvSpPr>
-          <p:cNvPr id="79" name="Google Shape;79;p17"/>
-          <p:cNvSpPr txBox="1">
-            <a:spLocks noGrp="1"/>
-          </p:cNvSpPr>
+          <p:cNvPr id="80" name="Google Shape;80;p17"/>
+          <p:cNvSpPr txBox="1"/>
           <p:nvPr>
-            <p:ph type="subTitle" idx="1"/>
+            <p:ph idx="1" type="subTitle"/>
           </p:nvPr>
         </p:nvSpPr>
         <p:spPr>
@@ -7601,12 +7755,12 @@
           </a:prstGeom>
         </p:spPr>
         <p:txBody>
-          <a:bodyPr spcFirstLastPara="1" wrap="square" lIns="91425" tIns="91425" rIns="91425" bIns="91425" anchor="t" anchorCtr="0">
+          <a:bodyPr anchorCtr="0" anchor="t" bIns="91425" lIns="91425" spcFirstLastPara="1" rIns="91425" wrap="square" tIns="91425">
             <a:noAutofit/>
           </a:bodyPr>
           <a:lstStyle/>
           <a:p>
-            <a:pPr marL="457200" lvl="0" indent="-342900" algn="just" rtl="0">
+            <a:pPr indent="-342900" lvl="0" marL="457200" rtl="0" algn="just">
               <a:lnSpc>
                 <a:spcPct val="115000"/>
               </a:lnSpc>
@@ -7637,7 +7791,7 @@
             </a:endParaRPr>
           </a:p>
           <a:p>
-            <a:pPr marL="457200" lvl="0" indent="-342900" algn="just" rtl="0">
+            <a:pPr indent="-342900" lvl="0" marL="457200" rtl="0" algn="just">
               <a:lnSpc>
                 <a:spcPct val="115000"/>
               </a:lnSpc>
@@ -7668,7 +7822,7 @@
             </a:endParaRPr>
           </a:p>
           <a:p>
-            <a:pPr marL="457200" lvl="0" indent="-342900" algn="just" rtl="0">
+            <a:pPr indent="-342900" lvl="0" marL="457200" rtl="0" algn="just">
               <a:lnSpc>
                 <a:spcPct val="115000"/>
               </a:lnSpc>
@@ -7699,7 +7853,7 @@
             </a:endParaRPr>
           </a:p>
           <a:p>
-            <a:pPr marL="457200" lvl="0" indent="-342900" algn="just" rtl="0">
+            <a:pPr indent="-342900" lvl="0" marL="457200" rtl="0" algn="just">
               <a:lnSpc>
                 <a:spcPct val="115000"/>
               </a:lnSpc>
@@ -7740,11 +7894,11 @@
 </file>
 
 <file path=ppt/slides/slide6.xml><?xml version="1.0" encoding="utf-8"?>
-<p:sld xmlns:a="http://schemas.openxmlformats.org/drawingml/2006/main" xmlns:r="http://schemas.openxmlformats.org/officeDocument/2006/relationships" xmlns:p="http://schemas.openxmlformats.org/presentationml/2006/main">
+<p:sld xmlns:a="http://schemas.openxmlformats.org/drawingml/2006/main" xmlns:r="http://schemas.openxmlformats.org/officeDocument/2006/relationships" xmlns:mc="http://schemas.openxmlformats.org/markup-compatibility/2006" xmlns:mv="urn:schemas-microsoft-com:mac:vml" xmlns:p="http://schemas.openxmlformats.org/presentationml/2006/main" xmlns:c="http://schemas.openxmlformats.org/drawingml/2006/chart" xmlns:dgm="http://schemas.openxmlformats.org/drawingml/2006/diagram" xmlns:o="urn:schemas-microsoft-com:office:office" xmlns:v="urn:schemas-microsoft-com:vml" xmlns:pvml="urn:schemas-microsoft-com:office:powerpoint" xmlns:com="http://schemas.openxmlformats.org/drawingml/2006/compatibility" xmlns:p14="http://schemas.microsoft.com/office/powerpoint/2010/main" xmlns:p15="http://schemas.microsoft.com/office/powerpoint/2012/main">
   <p:cSld>
     <p:spTree>
       <p:nvGrpSpPr>
-        <p:cNvPr id="1" name="Shape 83"/>
+        <p:cNvPr id="84" name="Shape 84"/>
         <p:cNvGrpSpPr/>
         <p:nvPr/>
       </p:nvGrpSpPr>
@@ -7758,10 +7912,8 @@
       </p:grpSpPr>
       <p:sp>
         <p:nvSpPr>
-          <p:cNvPr id="84" name="Google Shape;84;p18"/>
-          <p:cNvSpPr txBox="1">
-            <a:spLocks noGrp="1"/>
-          </p:cNvSpPr>
+          <p:cNvPr id="85" name="Google Shape;85;p18"/>
+          <p:cNvSpPr txBox="1"/>
           <p:nvPr>
             <p:ph type="ctrTitle"/>
           </p:nvPr>
@@ -7776,12 +7928,12 @@
           </a:prstGeom>
         </p:spPr>
         <p:txBody>
-          <a:bodyPr spcFirstLastPara="1" wrap="square" lIns="91425" tIns="91425" rIns="91425" bIns="91425" anchor="b" anchorCtr="0">
+          <a:bodyPr anchorCtr="0" anchor="b" bIns="91425" lIns="91425" spcFirstLastPara="1" rIns="91425" wrap="square" tIns="91425">
             <a:noAutofit/>
           </a:bodyPr>
           <a:lstStyle/>
           <a:p>
-            <a:pPr marL="0" lvl="0" indent="0" algn="ctr" rtl="0">
+            <a:pPr indent="0" lvl="0" marL="0" rtl="0" algn="ctr">
               <a:lnSpc>
                 <a:spcPct val="115000"/>
               </a:lnSpc>
@@ -7794,7 +7946,7 @@
               <a:buNone/>
             </a:pPr>
             <a:r>
-              <a:rPr lang="en" sz="3000" b="1">
+              <a:rPr b="1" lang="en" sz="3000">
                 <a:solidFill>
                   <a:srgbClr val="FFFFFF"/>
                 </a:solidFill>
@@ -7811,12 +7963,10 @@
       </p:sp>
       <p:sp>
         <p:nvSpPr>
-          <p:cNvPr id="85" name="Google Shape;85;p18"/>
-          <p:cNvSpPr txBox="1">
-            <a:spLocks noGrp="1"/>
-          </p:cNvSpPr>
+          <p:cNvPr id="86" name="Google Shape;86;p18"/>
+          <p:cNvSpPr txBox="1"/>
           <p:nvPr>
-            <p:ph type="subTitle" idx="1"/>
+            <p:ph idx="1" type="subTitle"/>
           </p:nvPr>
         </p:nvSpPr>
         <p:spPr>
@@ -7829,12 +7979,12 @@
           </a:prstGeom>
         </p:spPr>
         <p:txBody>
-          <a:bodyPr spcFirstLastPara="1" wrap="square" lIns="91425" tIns="91425" rIns="91425" bIns="91425" anchor="t" anchorCtr="0">
+          <a:bodyPr anchorCtr="0" anchor="t" bIns="91425" lIns="91425" spcFirstLastPara="1" rIns="91425" wrap="square" tIns="91425">
             <a:noAutofit/>
           </a:bodyPr>
           <a:lstStyle/>
           <a:p>
-            <a:pPr marL="457200" lvl="0" indent="-342900" algn="just" rtl="0">
+            <a:pPr indent="-342900" lvl="0" marL="457200" rtl="0" algn="just">
               <a:lnSpc>
                 <a:spcPct val="115000"/>
               </a:lnSpc>
@@ -7865,7 +8015,7 @@
             </a:endParaRPr>
           </a:p>
           <a:p>
-            <a:pPr marL="457200" lvl="0" indent="-342900" algn="just" rtl="0">
+            <a:pPr indent="-342900" lvl="0" marL="457200" rtl="0" algn="just">
               <a:lnSpc>
                 <a:spcPct val="115000"/>
               </a:lnSpc>
@@ -7896,7 +8046,7 @@
             </a:endParaRPr>
           </a:p>
           <a:p>
-            <a:pPr marL="457200" lvl="0" indent="-342900" algn="just" rtl="0">
+            <a:pPr indent="-342900" lvl="0" marL="457200" rtl="0" algn="just">
               <a:lnSpc>
                 <a:spcPct val="115000"/>
               </a:lnSpc>
@@ -7927,7 +8077,7 @@
             </a:endParaRPr>
           </a:p>
           <a:p>
-            <a:pPr marL="457200" lvl="0" indent="-342900" algn="just" rtl="0">
+            <a:pPr indent="-342900" lvl="0" marL="457200" rtl="0" algn="just">
               <a:lnSpc>
                 <a:spcPct val="115000"/>
               </a:lnSpc>
@@ -7958,7 +8108,7 @@
             </a:endParaRPr>
           </a:p>
           <a:p>
-            <a:pPr marL="457200" lvl="0" indent="-342900" algn="just" rtl="0">
+            <a:pPr indent="-342900" lvl="0" marL="457200" rtl="0" algn="just">
               <a:lnSpc>
                 <a:spcPct val="115000"/>
               </a:lnSpc>
@@ -7989,7 +8139,7 @@
             </a:endParaRPr>
           </a:p>
           <a:p>
-            <a:pPr marL="457200" lvl="0" indent="-342900" algn="just" rtl="0">
+            <a:pPr indent="-342900" lvl="0" marL="457200" rtl="0" algn="just">
               <a:lnSpc>
                 <a:spcPct val="115000"/>
               </a:lnSpc>
@@ -8030,11 +8180,11 @@
 </file>
 
 <file path=ppt/slides/slide7.xml><?xml version="1.0" encoding="utf-8"?>
-<p:sld xmlns:a="http://schemas.openxmlformats.org/drawingml/2006/main" xmlns:r="http://schemas.openxmlformats.org/officeDocument/2006/relationships" xmlns:p="http://schemas.openxmlformats.org/presentationml/2006/main">
+<p:sld xmlns:a="http://schemas.openxmlformats.org/drawingml/2006/main" xmlns:r="http://schemas.openxmlformats.org/officeDocument/2006/relationships" xmlns:mc="http://schemas.openxmlformats.org/markup-compatibility/2006" xmlns:mv="urn:schemas-microsoft-com:mac:vml" xmlns:p="http://schemas.openxmlformats.org/presentationml/2006/main" xmlns:c="http://schemas.openxmlformats.org/drawingml/2006/chart" xmlns:dgm="http://schemas.openxmlformats.org/drawingml/2006/diagram" xmlns:o="urn:schemas-microsoft-com:office:office" xmlns:v="urn:schemas-microsoft-com:vml" xmlns:pvml="urn:schemas-microsoft-com:office:powerpoint" xmlns:com="http://schemas.openxmlformats.org/drawingml/2006/compatibility" xmlns:p14="http://schemas.microsoft.com/office/powerpoint/2010/main" xmlns:p15="http://schemas.microsoft.com/office/powerpoint/2012/main">
   <p:cSld>
     <p:spTree>
       <p:nvGrpSpPr>
-        <p:cNvPr id="1" name="Shape 89"/>
+        <p:cNvPr id="90" name="Shape 90"/>
         <p:cNvGrpSpPr/>
         <p:nvPr/>
       </p:nvGrpSpPr>
@@ -8048,10 +8198,8 @@
       </p:grpSpPr>
       <p:sp>
         <p:nvSpPr>
-          <p:cNvPr id="90" name="Google Shape;90;p19"/>
-          <p:cNvSpPr txBox="1">
-            <a:spLocks noGrp="1"/>
-          </p:cNvSpPr>
+          <p:cNvPr id="91" name="Google Shape;91;p19"/>
+          <p:cNvSpPr txBox="1"/>
           <p:nvPr>
             <p:ph type="ctrTitle"/>
           </p:nvPr>
@@ -8066,12 +8214,12 @@
           </a:prstGeom>
         </p:spPr>
         <p:txBody>
-          <a:bodyPr spcFirstLastPara="1" wrap="square" lIns="91425" tIns="91425" rIns="91425" bIns="91425" anchor="b" anchorCtr="0">
+          <a:bodyPr anchorCtr="0" anchor="b" bIns="91425" lIns="91425" spcFirstLastPara="1" rIns="91425" wrap="square" tIns="91425">
             <a:noAutofit/>
           </a:bodyPr>
           <a:lstStyle/>
           <a:p>
-            <a:pPr marL="0" lvl="0" indent="0" algn="ctr" rtl="0">
+            <a:pPr indent="0" lvl="0" marL="0" rtl="0" algn="ctr">
               <a:lnSpc>
                 <a:spcPct val="115000"/>
               </a:lnSpc>
@@ -8084,7 +8232,7 @@
               <a:buNone/>
             </a:pPr>
             <a:r>
-              <a:rPr lang="en" sz="3000" b="1">
+              <a:rPr b="1" lang="en" sz="3000">
                 <a:solidFill>
                   <a:srgbClr val="FFFFFF"/>
                 </a:solidFill>
@@ -8101,7 +8249,7 @@
       </p:sp>
       <p:pic>
         <p:nvPicPr>
-          <p:cNvPr id="91" name="Google Shape;91;p19"/>
+          <p:cNvPr id="92" name="Google Shape;92;p19"/>
           <p:cNvPicPr preferRelativeResize="0"/>
           <p:nvPr/>
         </p:nvPicPr>
@@ -8136,11 +8284,11 @@
 </file>
 
 <file path=ppt/slides/slide8.xml><?xml version="1.0" encoding="utf-8"?>
-<p:sld xmlns:a="http://schemas.openxmlformats.org/drawingml/2006/main" xmlns:r="http://schemas.openxmlformats.org/officeDocument/2006/relationships" xmlns:p="http://schemas.openxmlformats.org/presentationml/2006/main">
+<p:sld xmlns:a="http://schemas.openxmlformats.org/drawingml/2006/main" xmlns:r="http://schemas.openxmlformats.org/officeDocument/2006/relationships" xmlns:mc="http://schemas.openxmlformats.org/markup-compatibility/2006" xmlns:mv="urn:schemas-microsoft-com:mac:vml" xmlns:p="http://schemas.openxmlformats.org/presentationml/2006/main" xmlns:c="http://schemas.openxmlformats.org/drawingml/2006/chart" xmlns:dgm="http://schemas.openxmlformats.org/drawingml/2006/diagram" xmlns:o="urn:schemas-microsoft-com:office:office" xmlns:v="urn:schemas-microsoft-com:vml" xmlns:pvml="urn:schemas-microsoft-com:office:powerpoint" xmlns:com="http://schemas.openxmlformats.org/drawingml/2006/compatibility" xmlns:p14="http://schemas.microsoft.com/office/powerpoint/2010/main" xmlns:p15="http://schemas.microsoft.com/office/powerpoint/2012/main">
   <p:cSld>
     <p:spTree>
       <p:nvGrpSpPr>
-        <p:cNvPr id="1" name="Shape 95"/>
+        <p:cNvPr id="96" name="Shape 96"/>
         <p:cNvGrpSpPr/>
         <p:nvPr/>
       </p:nvGrpSpPr>
@@ -8154,10 +8302,139 @@
       </p:grpSpPr>
       <p:sp>
         <p:nvSpPr>
-          <p:cNvPr id="96" name="Google Shape;96;p20"/>
-          <p:cNvSpPr txBox="1">
-            <a:spLocks noGrp="1"/>
-          </p:cNvSpPr>
+          <p:cNvPr id="97" name="Google Shape;97;p20"/>
+          <p:cNvSpPr txBox="1"/>
+          <p:nvPr>
+            <p:ph type="ctrTitle"/>
+          </p:nvPr>
+        </p:nvSpPr>
+        <p:spPr>
+          <a:xfrm>
+            <a:off x="200800" y="726950"/>
+            <a:ext cx="4884600" cy="1844700"/>
+          </a:xfrm>
+          <a:prstGeom prst="rect">
+            <a:avLst/>
+          </a:prstGeom>
+        </p:spPr>
+        <p:txBody>
+          <a:bodyPr anchorCtr="0" anchor="b" bIns="91425" lIns="91425" spcFirstLastPara="1" rIns="91425" wrap="square" tIns="91425">
+            <a:noAutofit/>
+          </a:bodyPr>
+          <a:lstStyle/>
+          <a:p>
+            <a:pPr indent="0" lvl="0" marL="0" rtl="0" algn="ctr">
+              <a:lnSpc>
+                <a:spcPct val="115000"/>
+              </a:lnSpc>
+              <a:spcBef>
+                <a:spcPts val="0"/>
+              </a:spcBef>
+              <a:spcAft>
+                <a:spcPts val="0"/>
+              </a:spcAft>
+              <a:buNone/>
+            </a:pPr>
+            <a:r>
+              <a:rPr b="1" lang="en" sz="3000">
+                <a:solidFill>
+                  <a:srgbClr val="FFFFFF"/>
+                </a:solidFill>
+              </a:rPr>
+              <a:t>DETAILED</a:t>
+            </a:r>
+            <a:endParaRPr b="1" sz="3000">
+              <a:solidFill>
+                <a:srgbClr val="FFFFFF"/>
+              </a:solidFill>
+            </a:endParaRPr>
+          </a:p>
+          <a:p>
+            <a:pPr indent="0" lvl="0" marL="0" rtl="0" algn="ctr">
+              <a:lnSpc>
+                <a:spcPct val="115000"/>
+              </a:lnSpc>
+              <a:spcBef>
+                <a:spcPts val="0"/>
+              </a:spcBef>
+              <a:spcAft>
+                <a:spcPts val="0"/>
+              </a:spcAft>
+              <a:buNone/>
+            </a:pPr>
+            <a:r>
+              <a:rPr b="1" lang="en" sz="3000">
+                <a:solidFill>
+                  <a:srgbClr val="FFFFFF"/>
+                </a:solidFill>
+              </a:rPr>
+              <a:t>SYSTEM ARCHITECTURE</a:t>
+            </a:r>
+            <a:endParaRPr sz="3000">
+              <a:solidFill>
+                <a:srgbClr val="FFFFFF"/>
+              </a:solidFill>
+            </a:endParaRPr>
+          </a:p>
+        </p:txBody>
+      </p:sp>
+      <p:pic>
+        <p:nvPicPr>
+          <p:cNvPr id="98" name="Google Shape;98;p20"/>
+          <p:cNvPicPr preferRelativeResize="0"/>
+          <p:nvPr/>
+        </p:nvPicPr>
+        <p:blipFill>
+          <a:blip r:embed="rId3">
+            <a:alphaModFix/>
+          </a:blip>
+          <a:stretch>
+            <a:fillRect/>
+          </a:stretch>
+        </p:blipFill>
+        <p:spPr>
+          <a:xfrm>
+            <a:off x="5513825" y="152400"/>
+            <a:ext cx="3477774" cy="5883224"/>
+          </a:xfrm>
+          <a:prstGeom prst="rect">
+            <a:avLst/>
+          </a:prstGeom>
+          <a:noFill/>
+          <a:ln>
+            <a:noFill/>
+          </a:ln>
+        </p:spPr>
+      </p:pic>
+    </p:spTree>
+  </p:cSld>
+  <p:clrMapOvr>
+    <a:masterClrMapping/>
+  </p:clrMapOvr>
+</p:sld>
+</file>
+
+<file path=ppt/slides/slide9.xml><?xml version="1.0" encoding="utf-8"?>
+<p:sld xmlns:a="http://schemas.openxmlformats.org/drawingml/2006/main" xmlns:r="http://schemas.openxmlformats.org/officeDocument/2006/relationships" xmlns:mc="http://schemas.openxmlformats.org/markup-compatibility/2006" xmlns:mv="urn:schemas-microsoft-com:mac:vml" xmlns:p="http://schemas.openxmlformats.org/presentationml/2006/main" xmlns:c="http://schemas.openxmlformats.org/drawingml/2006/chart" xmlns:dgm="http://schemas.openxmlformats.org/drawingml/2006/diagram" xmlns:o="urn:schemas-microsoft-com:office:office" xmlns:v="urn:schemas-microsoft-com:vml" xmlns:pvml="urn:schemas-microsoft-com:office:powerpoint" xmlns:com="http://schemas.openxmlformats.org/drawingml/2006/compatibility" xmlns:p14="http://schemas.microsoft.com/office/powerpoint/2010/main" xmlns:p15="http://schemas.microsoft.com/office/powerpoint/2012/main">
+  <p:cSld>
+    <p:spTree>
+      <p:nvGrpSpPr>
+        <p:cNvPr id="102" name="Shape 102"/>
+        <p:cNvGrpSpPr/>
+        <p:nvPr/>
+      </p:nvGrpSpPr>
+      <p:grpSpPr>
+        <a:xfrm>
+          <a:off x="0" y="0"/>
+          <a:ext cx="0" cy="0"/>
+          <a:chOff x="0" y="0"/>
+          <a:chExt cx="0" cy="0"/>
+        </a:xfrm>
+      </p:grpSpPr>
+      <p:sp>
+        <p:nvSpPr>
+          <p:cNvPr id="103" name="Google Shape;103;p21"/>
+          <p:cNvSpPr txBox="1"/>
           <p:nvPr>
             <p:ph type="ctrTitle"/>
           </p:nvPr>
@@ -8172,12 +8449,12 @@
           </a:prstGeom>
         </p:spPr>
         <p:txBody>
-          <a:bodyPr spcFirstLastPara="1" wrap="square" lIns="91425" tIns="91425" rIns="91425" bIns="91425" anchor="b" anchorCtr="0">
+          <a:bodyPr anchorCtr="0" anchor="b" bIns="91425" lIns="91425" spcFirstLastPara="1" rIns="91425" wrap="square" tIns="91425">
             <a:noAutofit/>
           </a:bodyPr>
           <a:lstStyle/>
           <a:p>
-            <a:pPr marL="0" lvl="0" indent="0" algn="ctr" rtl="0">
+            <a:pPr indent="0" lvl="0" marL="0" rtl="0" algn="ctr">
               <a:lnSpc>
                 <a:spcPct val="115000"/>
               </a:lnSpc>
@@ -8190,7 +8467,7 @@
               <a:buNone/>
             </a:pPr>
             <a:r>
-              <a:rPr lang="en" sz="3000" b="1">
+              <a:rPr b="1" lang="en" sz="3000">
                 <a:solidFill>
                   <a:srgbClr val="FFFFFF"/>
                 </a:solidFill>
@@ -8207,12 +8484,10 @@
       </p:sp>
       <p:sp>
         <p:nvSpPr>
-          <p:cNvPr id="97" name="Google Shape;97;p20"/>
-          <p:cNvSpPr txBox="1">
-            <a:spLocks noGrp="1"/>
-          </p:cNvSpPr>
+          <p:cNvPr id="104" name="Google Shape;104;p21"/>
+          <p:cNvSpPr txBox="1"/>
           <p:nvPr>
-            <p:ph type="subTitle" idx="1"/>
+            <p:ph idx="1" type="subTitle"/>
           </p:nvPr>
         </p:nvSpPr>
         <p:spPr>
@@ -8225,12 +8500,12 @@
           </a:prstGeom>
         </p:spPr>
         <p:txBody>
-          <a:bodyPr spcFirstLastPara="1" wrap="square" lIns="91425" tIns="91425" rIns="91425" bIns="91425" anchor="ctr" anchorCtr="0">
+          <a:bodyPr anchorCtr="0" anchor="ctr" bIns="91425" lIns="91425" spcFirstLastPara="1" rIns="91425" wrap="square" tIns="91425">
             <a:noAutofit/>
           </a:bodyPr>
           <a:lstStyle/>
           <a:p>
-            <a:pPr marL="457200" lvl="0" indent="-317500" algn="just" rtl="0">
+            <a:pPr indent="-317500" lvl="0" marL="457200" rtl="0" algn="just">
               <a:lnSpc>
                 <a:spcPct val="115000"/>
               </a:lnSpc>
@@ -8261,7 +8536,7 @@
             </a:endParaRPr>
           </a:p>
           <a:p>
-            <a:pPr marL="457200" lvl="0" indent="-317500" algn="just" rtl="0">
+            <a:pPr indent="-317500" lvl="0" marL="457200" rtl="0" algn="just">
               <a:lnSpc>
                 <a:spcPct val="115000"/>
               </a:lnSpc>
@@ -8292,7 +8567,7 @@
             </a:endParaRPr>
           </a:p>
           <a:p>
-            <a:pPr marL="457200" lvl="0" indent="-317500" algn="just" rtl="0">
+            <a:pPr indent="-317500" lvl="0" marL="457200" rtl="0" algn="just">
               <a:lnSpc>
                 <a:spcPct val="115000"/>
               </a:lnSpc>
@@ -8323,7 +8598,7 @@
             </a:endParaRPr>
           </a:p>
           <a:p>
-            <a:pPr marL="457200" lvl="0" indent="-317500" algn="just" rtl="0">
+            <a:pPr indent="-317500" lvl="0" marL="457200" rtl="0" algn="just">
               <a:lnSpc>
                 <a:spcPct val="115000"/>
               </a:lnSpc>
@@ -8354,7 +8629,7 @@
             </a:endParaRPr>
           </a:p>
           <a:p>
-            <a:pPr marL="457200" lvl="0" indent="-317500" algn="just" rtl="0">
+            <a:pPr indent="-317500" lvl="0" marL="457200" rtl="0" algn="just">
               <a:lnSpc>
                 <a:spcPct val="115000"/>
               </a:lnSpc>
@@ -8395,7 +8670,7 @@
 </file>
 
 <file path=ppt/theme/theme1.xml><?xml version="1.0" encoding="utf-8"?>
-<a:theme xmlns:a="http://schemas.openxmlformats.org/drawingml/2006/main" name="Simple Dark">
+<a:theme xmlns:a="http://schemas.openxmlformats.org/drawingml/2006/main" xmlns:r="http://schemas.openxmlformats.org/officeDocument/2006/relationships" name="Simple Dark">
   <a:themeElements>
     <a:clrScheme name="Simple Dark">
       <a:dk1>
@@ -8670,13 +8945,11 @@
       </a:bgFillStyleLst>
     </a:fmtScheme>
   </a:themeElements>
-  <a:objectDefaults/>
-  <a:extraClrSchemeLst/>
 </a:theme>
 </file>
 
 <file path=ppt/theme/theme2.xml><?xml version="1.0" encoding="utf-8"?>
-<a:theme xmlns:a="http://schemas.openxmlformats.org/drawingml/2006/main">
+<a:theme xmlns:a="http://schemas.openxmlformats.org/drawingml/2006/main" xmlns:r="http://schemas.openxmlformats.org/officeDocument/2006/relationships">
   <a:themeElements>
     <a:clrScheme name="Default">
       <a:dk1>
@@ -8951,7 +9224,5 @@
       </a:bgFillStyleLst>
     </a:fmtScheme>
   </a:themeElements>
-  <a:objectDefaults/>
-  <a:extraClrSchemeLst/>
 </a:theme>
 </file>
--- a/mail these/FYP Zeroth.pptx
+++ b/mail these/FYP Zeroth.pptx
@@ -1,27 +1,27 @@
 
 <file path=ppt/presentation.xml><?xml version="1.0" encoding="utf-8"?>
-<p:presentation xmlns:a="http://schemas.openxmlformats.org/drawingml/2006/main" xmlns:r="http://schemas.openxmlformats.org/officeDocument/2006/relationships" xmlns:mc="http://schemas.openxmlformats.org/markup-compatibility/2006" xmlns:mv="urn:schemas-microsoft-com:mac:vml" xmlns:p="http://schemas.openxmlformats.org/presentationml/2006/main" xmlns:c="http://schemas.openxmlformats.org/drawingml/2006/chart" xmlns:dgm="http://schemas.openxmlformats.org/drawingml/2006/diagram" xmlns:o="urn:schemas-microsoft-com:office:office" xmlns:v="urn:schemas-microsoft-com:vml" xmlns:pvml="urn:schemas-microsoft-com:office:powerpoint" xmlns:com="http://schemas.openxmlformats.org/drawingml/2006/compatibility" xmlns:p14="http://schemas.microsoft.com/office/powerpoint/2010/main" xmlns:p15="http://schemas.microsoft.com/office/powerpoint/2012/main" autoCompressPictures="0" strictFirstAndLastChars="0" saveSubsetFonts="1">
+<p:presentation xmlns:a="http://schemas.openxmlformats.org/drawingml/2006/main" xmlns:r="http://schemas.openxmlformats.org/officeDocument/2006/relationships" xmlns:p="http://schemas.openxmlformats.org/presentationml/2006/main" strictFirstAndLastChars="0" saveSubsetFonts="1" autoCompressPictures="0">
   <p:sldMasterIdLst>
-    <p:sldMasterId id="2147483659" r:id="rId4"/>
+    <p:sldMasterId id="2147483659" r:id="rId1"/>
   </p:sldMasterIdLst>
   <p:notesMasterIdLst>
-    <p:notesMasterId r:id="rId5"/>
+    <p:notesMasterId r:id="rId11"/>
   </p:notesMasterIdLst>
   <p:sldIdLst>
-    <p:sldId id="256" r:id="rId6"/>
-    <p:sldId id="257" r:id="rId7"/>
-    <p:sldId id="258" r:id="rId8"/>
-    <p:sldId id="259" r:id="rId9"/>
-    <p:sldId id="260" r:id="rId10"/>
-    <p:sldId id="261" r:id="rId11"/>
-    <p:sldId id="262" r:id="rId12"/>
-    <p:sldId id="263" r:id="rId13"/>
-    <p:sldId id="264" r:id="rId14"/>
+    <p:sldId id="256" r:id="rId2"/>
+    <p:sldId id="257" r:id="rId3"/>
+    <p:sldId id="258" r:id="rId4"/>
+    <p:sldId id="259" r:id="rId5"/>
+    <p:sldId id="260" r:id="rId6"/>
+    <p:sldId id="261" r:id="rId7"/>
+    <p:sldId id="262" r:id="rId8"/>
+    <p:sldId id="263" r:id="rId9"/>
+    <p:sldId id="264" r:id="rId10"/>
   </p:sldIdLst>
-  <p:sldSz cy="5143500" cx="9144000"/>
+  <p:sldSz cx="9144000" cy="5143500" type="screen16x9"/>
   <p:notesSz cx="6858000" cy="9144000"/>
   <p:defaultTextStyle>
-    <a:defPPr lvl="0" marR="0" rtl="0" algn="l">
+    <a:defPPr marR="0" lvl="0" algn="l" rtl="0">
       <a:lnSpc>
         <a:spcPct val="100000"/>
       </a:lnSpc>
@@ -32,7 +32,7 @@
         <a:spcPts val="0"/>
       </a:spcAft>
     </a:defPPr>
-    <a:lvl1pPr lvl="0" marR="0" rtl="0" algn="l">
+    <a:lvl1pPr marR="0" lvl="0" algn="l" rtl="0">
       <a:lnSpc>
         <a:spcPct val="100000"/>
       </a:lnSpc>
@@ -46,7 +46,7 @@
         <a:srgbClr val="000000"/>
       </a:buClr>
       <a:buFont typeface="Arial"/>
-      <a:defRPr b="0" i="0" sz="1400" u="none" cap="none" strike="noStrike">
+      <a:defRPr sz="1400" b="0" i="0" u="none" strike="noStrike" cap="none">
         <a:solidFill>
           <a:srgbClr val="000000"/>
         </a:solidFill>
@@ -56,7 +56,7 @@
         <a:sym typeface="Arial"/>
       </a:defRPr>
     </a:lvl1pPr>
-    <a:lvl2pPr lvl="1" marR="0" rtl="0" algn="l">
+    <a:lvl2pPr marR="0" lvl="1" algn="l" rtl="0">
       <a:lnSpc>
         <a:spcPct val="100000"/>
       </a:lnSpc>
@@ -70,7 +70,7 @@
         <a:srgbClr val="000000"/>
       </a:buClr>
       <a:buFont typeface="Arial"/>
-      <a:defRPr b="0" i="0" sz="1400" u="none" cap="none" strike="noStrike">
+      <a:defRPr sz="1400" b="0" i="0" u="none" strike="noStrike" cap="none">
         <a:solidFill>
           <a:srgbClr val="000000"/>
         </a:solidFill>
@@ -80,7 +80,7 @@
         <a:sym typeface="Arial"/>
       </a:defRPr>
     </a:lvl2pPr>
-    <a:lvl3pPr lvl="2" marR="0" rtl="0" algn="l">
+    <a:lvl3pPr marR="0" lvl="2" algn="l" rtl="0">
       <a:lnSpc>
         <a:spcPct val="100000"/>
       </a:lnSpc>
@@ -94,7 +94,7 @@
         <a:srgbClr val="000000"/>
       </a:buClr>
       <a:buFont typeface="Arial"/>
-      <a:defRPr b="0" i="0" sz="1400" u="none" cap="none" strike="noStrike">
+      <a:defRPr sz="1400" b="0" i="0" u="none" strike="noStrike" cap="none">
         <a:solidFill>
           <a:srgbClr val="000000"/>
         </a:solidFill>
@@ -104,7 +104,7 @@
         <a:sym typeface="Arial"/>
       </a:defRPr>
     </a:lvl3pPr>
-    <a:lvl4pPr lvl="3" marR="0" rtl="0" algn="l">
+    <a:lvl4pPr marR="0" lvl="3" algn="l" rtl="0">
       <a:lnSpc>
         <a:spcPct val="100000"/>
       </a:lnSpc>
@@ -118,7 +118,7 @@
         <a:srgbClr val="000000"/>
       </a:buClr>
       <a:buFont typeface="Arial"/>
-      <a:defRPr b="0" i="0" sz="1400" u="none" cap="none" strike="noStrike">
+      <a:defRPr sz="1400" b="0" i="0" u="none" strike="noStrike" cap="none">
         <a:solidFill>
           <a:srgbClr val="000000"/>
         </a:solidFill>
@@ -128,7 +128,7 @@
         <a:sym typeface="Arial"/>
       </a:defRPr>
     </a:lvl4pPr>
-    <a:lvl5pPr lvl="4" marR="0" rtl="0" algn="l">
+    <a:lvl5pPr marR="0" lvl="4" algn="l" rtl="0">
       <a:lnSpc>
         <a:spcPct val="100000"/>
       </a:lnSpc>
@@ -142,7 +142,7 @@
         <a:srgbClr val="000000"/>
       </a:buClr>
       <a:buFont typeface="Arial"/>
-      <a:defRPr b="0" i="0" sz="1400" u="none" cap="none" strike="noStrike">
+      <a:defRPr sz="1400" b="0" i="0" u="none" strike="noStrike" cap="none">
         <a:solidFill>
           <a:srgbClr val="000000"/>
         </a:solidFill>
@@ -152,7 +152,7 @@
         <a:sym typeface="Arial"/>
       </a:defRPr>
     </a:lvl5pPr>
-    <a:lvl6pPr lvl="5" marR="0" rtl="0" algn="l">
+    <a:lvl6pPr marR="0" lvl="5" algn="l" rtl="0">
       <a:lnSpc>
         <a:spcPct val="100000"/>
       </a:lnSpc>
@@ -166,7 +166,7 @@
         <a:srgbClr val="000000"/>
       </a:buClr>
       <a:buFont typeface="Arial"/>
-      <a:defRPr b="0" i="0" sz="1400" u="none" cap="none" strike="noStrike">
+      <a:defRPr sz="1400" b="0" i="0" u="none" strike="noStrike" cap="none">
         <a:solidFill>
           <a:srgbClr val="000000"/>
         </a:solidFill>
@@ -176,7 +176,7 @@
         <a:sym typeface="Arial"/>
       </a:defRPr>
     </a:lvl6pPr>
-    <a:lvl7pPr lvl="6" marR="0" rtl="0" algn="l">
+    <a:lvl7pPr marR="0" lvl="6" algn="l" rtl="0">
       <a:lnSpc>
         <a:spcPct val="100000"/>
       </a:lnSpc>
@@ -190,7 +190,7 @@
         <a:srgbClr val="000000"/>
       </a:buClr>
       <a:buFont typeface="Arial"/>
-      <a:defRPr b="0" i="0" sz="1400" u="none" cap="none" strike="noStrike">
+      <a:defRPr sz="1400" b="0" i="0" u="none" strike="noStrike" cap="none">
         <a:solidFill>
           <a:srgbClr val="000000"/>
         </a:solidFill>
@@ -200,7 +200,7 @@
         <a:sym typeface="Arial"/>
       </a:defRPr>
     </a:lvl7pPr>
-    <a:lvl8pPr lvl="7" marR="0" rtl="0" algn="l">
+    <a:lvl8pPr marR="0" lvl="7" algn="l" rtl="0">
       <a:lnSpc>
         <a:spcPct val="100000"/>
       </a:lnSpc>
@@ -214,7 +214,7 @@
         <a:srgbClr val="000000"/>
       </a:buClr>
       <a:buFont typeface="Arial"/>
-      <a:defRPr b="0" i="0" sz="1400" u="none" cap="none" strike="noStrike">
+      <a:defRPr sz="1400" b="0" i="0" u="none" strike="noStrike" cap="none">
         <a:solidFill>
           <a:srgbClr val="000000"/>
         </a:solidFill>
@@ -224,7 +224,7 @@
         <a:sym typeface="Arial"/>
       </a:defRPr>
     </a:lvl8pPr>
-    <a:lvl9pPr lvl="8" marR="0" rtl="0" algn="l">
+    <a:lvl9pPr marR="0" lvl="8" algn="l" rtl="0">
       <a:lnSpc>
         <a:spcPct val="100000"/>
       </a:lnSpc>
@@ -238,7 +238,7 @@
         <a:srgbClr val="000000"/>
       </a:buClr>
       <a:buFont typeface="Arial"/>
-      <a:defRPr b="0" i="0" sz="1400" u="none" cap="none" strike="noStrike">
+      <a:defRPr sz="1400" b="0" i="0" u="none" strike="noStrike" cap="none">
         <a:solidFill>
           <a:srgbClr val="000000"/>
         </a:solidFill>
@@ -251,7 +251,7 @@
   </p:defaultTextStyle>
   <p:extLst>
     <p:ext uri="{EFAFB233-063F-42B5-8137-9DF3F51BA10A}">
-      <p15:sldGuideLst>
+      <p15:sldGuideLst xmlns:p15="http://schemas.microsoft.com/office/powerpoint/2012/main">
         <p15:guide id="1" orient="horz" pos="1620">
           <p15:clr>
             <a:srgbClr val="A4A3A4"/>
@@ -269,11 +269,16 @@
 </file>
 
 <file path=ppt/notesMasters/notesMaster1.xml><?xml version="1.0" encoding="utf-8"?>
-<p:notesMaster xmlns:a="http://schemas.openxmlformats.org/drawingml/2006/main" xmlns:r="http://schemas.openxmlformats.org/officeDocument/2006/relationships" xmlns:mc="http://schemas.openxmlformats.org/markup-compatibility/2006" xmlns:mv="urn:schemas-microsoft-com:mac:vml" xmlns:p="http://schemas.openxmlformats.org/presentationml/2006/main" xmlns:c="http://schemas.openxmlformats.org/drawingml/2006/chart" xmlns:dgm="http://schemas.openxmlformats.org/drawingml/2006/diagram" xmlns:o="urn:schemas-microsoft-com:office:office" xmlns:v="urn:schemas-microsoft-com:vml" xmlns:pvml="urn:schemas-microsoft-com:office:powerpoint" xmlns:com="http://schemas.openxmlformats.org/drawingml/2006/compatibility" xmlns:p14="http://schemas.microsoft.com/office/powerpoint/2010/main" xmlns:p15="http://schemas.microsoft.com/office/powerpoint/2012/main">
+<p:notesMaster xmlns:a="http://schemas.openxmlformats.org/drawingml/2006/main" xmlns:r="http://schemas.openxmlformats.org/officeDocument/2006/relationships" xmlns:p="http://schemas.openxmlformats.org/presentationml/2006/main">
   <p:cSld>
+    <p:bg>
+      <p:bgRef idx="1001">
+        <a:schemeClr val="bg1"/>
+      </p:bgRef>
+    </p:bg>
     <p:spTree>
       <p:nvGrpSpPr>
-        <p:cNvPr id="2" name="Shape 2"/>
+        <p:cNvPr id="1" name="Shape 2"/>
         <p:cNvGrpSpPr/>
         <p:nvPr/>
       </p:nvGrpSpPr>
@@ -288,9 +293,11 @@
       <p:sp>
         <p:nvSpPr>
           <p:cNvPr id="3" name="Google Shape;3;n"/>
-          <p:cNvSpPr/>
+          <p:cNvSpPr>
+            <a:spLocks noGrp="1" noRot="1" noChangeAspect="1"/>
+          </p:cNvSpPr>
           <p:nvPr>
-            <p:ph idx="2" type="sldImg"/>
+            <p:ph type="sldImg" idx="2"/>
           </p:nvPr>
         </p:nvSpPr>
         <p:spPr>
@@ -299,9 +306,13 @@
             <a:ext cx="6096075" cy="3429000"/>
           </a:xfrm>
           <a:custGeom>
-            <a:rect b="b" l="l" r="r" t="t"/>
+            <a:avLst/>
+            <a:gdLst/>
+            <a:ahLst/>
+            <a:cxnLst/>
+            <a:rect l="l" t="t" r="r" b="b"/>
             <a:pathLst>
-              <a:path extrusionOk="0" h="120000" w="120000">
+              <a:path w="120000" h="120000" extrusionOk="0">
                 <a:moveTo>
                   <a:pt x="0" y="0"/>
                 </a:moveTo>
@@ -319,23 +330,25 @@
             </a:pathLst>
           </a:custGeom>
           <a:noFill/>
-          <a:ln cap="flat" cmpd="sng" w="9525">
+          <a:ln w="9525" cap="flat" cmpd="sng">
             <a:solidFill>
               <a:srgbClr val="000000"/>
             </a:solidFill>
             <a:prstDash val="solid"/>
             <a:round/>
-            <a:headEnd len="sm" w="sm" type="none"/>
-            <a:tailEnd len="sm" w="sm" type="none"/>
+            <a:headEnd type="none" w="sm" len="sm"/>
+            <a:tailEnd type="none" w="sm" len="sm"/>
           </a:ln>
         </p:spPr>
       </p:sp>
       <p:sp>
         <p:nvSpPr>
           <p:cNvPr id="4" name="Google Shape;4;n"/>
-          <p:cNvSpPr txBox="1"/>
+          <p:cNvSpPr txBox="1">
+            <a:spLocks noGrp="1"/>
+          </p:cNvSpPr>
           <p:nvPr>
-            <p:ph idx="1" type="body"/>
+            <p:ph type="body" idx="1"/>
           </p:nvPr>
         </p:nvSpPr>
         <p:spPr>
@@ -352,11 +365,11 @@
           </a:ln>
         </p:spPr>
         <p:txBody>
-          <a:bodyPr anchorCtr="0" anchor="t" bIns="91425" lIns="91425" spcFirstLastPara="1" rIns="91425" wrap="square" tIns="91425">
+          <a:bodyPr spcFirstLastPara="1" wrap="square" lIns="91425" tIns="91425" rIns="91425" bIns="91425" anchor="t" anchorCtr="0">
             <a:noAutofit/>
           </a:bodyPr>
           <a:lstStyle>
-            <a:lvl1pPr indent="-298450" lvl="0" marL="457200">
+            <a:lvl1pPr marL="457200" lvl="0" indent="-298450">
               <a:spcBef>
                 <a:spcPts val="0"/>
               </a:spcBef>
@@ -367,7 +380,7 @@
               <a:buChar char="●"/>
               <a:defRPr sz="1100"/>
             </a:lvl1pPr>
-            <a:lvl2pPr indent="-298450" lvl="1" marL="914400">
+            <a:lvl2pPr marL="914400" lvl="1" indent="-298450">
               <a:spcBef>
                 <a:spcPts val="0"/>
               </a:spcBef>
@@ -378,7 +391,7 @@
               <a:buChar char="○"/>
               <a:defRPr sz="1100"/>
             </a:lvl2pPr>
-            <a:lvl3pPr indent="-298450" lvl="2" marL="1371600">
+            <a:lvl3pPr marL="1371600" lvl="2" indent="-298450">
               <a:spcBef>
                 <a:spcPts val="0"/>
               </a:spcBef>
@@ -389,7 +402,7 @@
               <a:buChar char="■"/>
               <a:defRPr sz="1100"/>
             </a:lvl3pPr>
-            <a:lvl4pPr indent="-298450" lvl="3" marL="1828800">
+            <a:lvl4pPr marL="1828800" lvl="3" indent="-298450">
               <a:spcBef>
                 <a:spcPts val="0"/>
               </a:spcBef>
@@ -400,7 +413,7 @@
               <a:buChar char="●"/>
               <a:defRPr sz="1100"/>
             </a:lvl4pPr>
-            <a:lvl5pPr indent="-298450" lvl="4" marL="2286000">
+            <a:lvl5pPr marL="2286000" lvl="4" indent="-298450">
               <a:spcBef>
                 <a:spcPts val="0"/>
               </a:spcBef>
@@ -411,7 +424,7 @@
               <a:buChar char="○"/>
               <a:defRPr sz="1100"/>
             </a:lvl5pPr>
-            <a:lvl6pPr indent="-298450" lvl="5" marL="2743200">
+            <a:lvl6pPr marL="2743200" lvl="5" indent="-298450">
               <a:spcBef>
                 <a:spcPts val="0"/>
               </a:spcBef>
@@ -422,7 +435,7 @@
               <a:buChar char="■"/>
               <a:defRPr sz="1100"/>
             </a:lvl6pPr>
-            <a:lvl7pPr indent="-298450" lvl="6" marL="3200400">
+            <a:lvl7pPr marL="3200400" lvl="6" indent="-298450">
               <a:spcBef>
                 <a:spcPts val="0"/>
               </a:spcBef>
@@ -433,7 +446,7 @@
               <a:buChar char="●"/>
               <a:defRPr sz="1100"/>
             </a:lvl7pPr>
-            <a:lvl8pPr indent="-298450" lvl="7" marL="3657600">
+            <a:lvl8pPr marL="3657600" lvl="7" indent="-298450">
               <a:spcBef>
                 <a:spcPts val="0"/>
               </a:spcBef>
@@ -444,7 +457,7 @@
               <a:buChar char="○"/>
               <a:defRPr sz="1100"/>
             </a:lvl8pPr>
-            <a:lvl9pPr indent="-298450" lvl="8" marL="4114800">
+            <a:lvl9pPr marL="4114800" lvl="8" indent="-298450">
               <a:spcBef>
                 <a:spcPts val="0"/>
               </a:spcBef>
@@ -456,14 +469,16 @@
               <a:defRPr sz="1100"/>
             </a:lvl9pPr>
           </a:lstStyle>
-          <a:p/>
+          <a:p>
+            <a:endParaRPr/>
+          </a:p>
         </p:txBody>
       </p:sp>
     </p:spTree>
   </p:cSld>
-  <p:clrMap accent1="accent1" accent2="accent2" accent3="accent3" accent4="accent4" accent5="accent5" accent6="accent6" bg1="lt1" bg2="dk2" tx1="dk1" tx2="lt2" folHlink="folHlink" hlink="hlink"/>
+  <p:clrMap bg1="lt1" tx1="dk1" bg2="dk2" tx2="lt2" accent1="accent1" accent2="accent2" accent3="accent3" accent4="accent4" accent5="accent5" accent6="accent6" hlink="hlink" folHlink="folHlink"/>
   <p:notesStyle>
-    <a:defPPr lvl="0" marR="0" rtl="0" algn="l">
+    <a:defPPr marR="0" lvl="0" algn="l" rtl="0">
       <a:lnSpc>
         <a:spcPct val="100000"/>
       </a:lnSpc>
@@ -474,7 +489,7 @@
         <a:spcPts val="0"/>
       </a:spcAft>
     </a:defPPr>
-    <a:lvl1pPr lvl="0" marR="0" rtl="0" algn="l">
+    <a:lvl1pPr marR="0" lvl="0" algn="l" rtl="0">
       <a:lnSpc>
         <a:spcPct val="100000"/>
       </a:lnSpc>
@@ -488,7 +503,7 @@
         <a:srgbClr val="000000"/>
       </a:buClr>
       <a:buFont typeface="Arial"/>
-      <a:defRPr b="0" i="0" sz="1400" u="none" cap="none" strike="noStrike">
+      <a:defRPr sz="1400" b="0" i="0" u="none" strike="noStrike" cap="none">
         <a:solidFill>
           <a:srgbClr val="000000"/>
         </a:solidFill>
@@ -498,7 +513,7 @@
         <a:sym typeface="Arial"/>
       </a:defRPr>
     </a:lvl1pPr>
-    <a:lvl2pPr lvl="1" marR="0" rtl="0" algn="l">
+    <a:lvl2pPr marR="0" lvl="1" algn="l" rtl="0">
       <a:lnSpc>
         <a:spcPct val="100000"/>
       </a:lnSpc>
@@ -512,7 +527,7 @@
         <a:srgbClr val="000000"/>
       </a:buClr>
       <a:buFont typeface="Arial"/>
-      <a:defRPr b="0" i="0" sz="1400" u="none" cap="none" strike="noStrike">
+      <a:defRPr sz="1400" b="0" i="0" u="none" strike="noStrike" cap="none">
         <a:solidFill>
           <a:srgbClr val="000000"/>
         </a:solidFill>
@@ -522,7 +537,7 @@
         <a:sym typeface="Arial"/>
       </a:defRPr>
     </a:lvl2pPr>
-    <a:lvl3pPr lvl="2" marR="0" rtl="0" algn="l">
+    <a:lvl3pPr marR="0" lvl="2" algn="l" rtl="0">
       <a:lnSpc>
         <a:spcPct val="100000"/>
       </a:lnSpc>
@@ -536,7 +551,7 @@
         <a:srgbClr val="000000"/>
       </a:buClr>
       <a:buFont typeface="Arial"/>
-      <a:defRPr b="0" i="0" sz="1400" u="none" cap="none" strike="noStrike">
+      <a:defRPr sz="1400" b="0" i="0" u="none" strike="noStrike" cap="none">
         <a:solidFill>
           <a:srgbClr val="000000"/>
         </a:solidFill>
@@ -546,7 +561,7 @@
         <a:sym typeface="Arial"/>
       </a:defRPr>
     </a:lvl3pPr>
-    <a:lvl4pPr lvl="3" marR="0" rtl="0" algn="l">
+    <a:lvl4pPr marR="0" lvl="3" algn="l" rtl="0">
       <a:lnSpc>
         <a:spcPct val="100000"/>
       </a:lnSpc>
@@ -560,7 +575,7 @@
         <a:srgbClr val="000000"/>
       </a:buClr>
       <a:buFont typeface="Arial"/>
-      <a:defRPr b="0" i="0" sz="1400" u="none" cap="none" strike="noStrike">
+      <a:defRPr sz="1400" b="0" i="0" u="none" strike="noStrike" cap="none">
         <a:solidFill>
           <a:srgbClr val="000000"/>
         </a:solidFill>
@@ -570,7 +585,7 @@
         <a:sym typeface="Arial"/>
       </a:defRPr>
     </a:lvl4pPr>
-    <a:lvl5pPr lvl="4" marR="0" rtl="0" algn="l">
+    <a:lvl5pPr marR="0" lvl="4" algn="l" rtl="0">
       <a:lnSpc>
         <a:spcPct val="100000"/>
       </a:lnSpc>
@@ -584,7 +599,7 @@
         <a:srgbClr val="000000"/>
       </a:buClr>
       <a:buFont typeface="Arial"/>
-      <a:defRPr b="0" i="0" sz="1400" u="none" cap="none" strike="noStrike">
+      <a:defRPr sz="1400" b="0" i="0" u="none" strike="noStrike" cap="none">
         <a:solidFill>
           <a:srgbClr val="000000"/>
         </a:solidFill>
@@ -594,7 +609,7 @@
         <a:sym typeface="Arial"/>
       </a:defRPr>
     </a:lvl5pPr>
-    <a:lvl6pPr lvl="5" marR="0" rtl="0" algn="l">
+    <a:lvl6pPr marR="0" lvl="5" algn="l" rtl="0">
       <a:lnSpc>
         <a:spcPct val="100000"/>
       </a:lnSpc>
@@ -608,7 +623,7 @@
         <a:srgbClr val="000000"/>
       </a:buClr>
       <a:buFont typeface="Arial"/>
-      <a:defRPr b="0" i="0" sz="1400" u="none" cap="none" strike="noStrike">
+      <a:defRPr sz="1400" b="0" i="0" u="none" strike="noStrike" cap="none">
         <a:solidFill>
           <a:srgbClr val="000000"/>
         </a:solidFill>
@@ -618,7 +633,7 @@
         <a:sym typeface="Arial"/>
       </a:defRPr>
     </a:lvl6pPr>
-    <a:lvl7pPr lvl="6" marR="0" rtl="0" algn="l">
+    <a:lvl7pPr marR="0" lvl="6" algn="l" rtl="0">
       <a:lnSpc>
         <a:spcPct val="100000"/>
       </a:lnSpc>
@@ -632,7 +647,7 @@
         <a:srgbClr val="000000"/>
       </a:buClr>
       <a:buFont typeface="Arial"/>
-      <a:defRPr b="0" i="0" sz="1400" u="none" cap="none" strike="noStrike">
+      <a:defRPr sz="1400" b="0" i="0" u="none" strike="noStrike" cap="none">
         <a:solidFill>
           <a:srgbClr val="000000"/>
         </a:solidFill>
@@ -642,7 +657,7 @@
         <a:sym typeface="Arial"/>
       </a:defRPr>
     </a:lvl7pPr>
-    <a:lvl8pPr lvl="7" marR="0" rtl="0" algn="l">
+    <a:lvl8pPr marR="0" lvl="7" algn="l" rtl="0">
       <a:lnSpc>
         <a:spcPct val="100000"/>
       </a:lnSpc>
@@ -656,7 +671,7 @@
         <a:srgbClr val="000000"/>
       </a:buClr>
       <a:buFont typeface="Arial"/>
-      <a:defRPr b="0" i="0" sz="1400" u="none" cap="none" strike="noStrike">
+      <a:defRPr sz="1400" b="0" i="0" u="none" strike="noStrike" cap="none">
         <a:solidFill>
           <a:srgbClr val="000000"/>
         </a:solidFill>
@@ -666,7 +681,7 @@
         <a:sym typeface="Arial"/>
       </a:defRPr>
     </a:lvl8pPr>
-    <a:lvl9pPr lvl="8" marR="0" rtl="0" algn="l">
+    <a:lvl9pPr marR="0" lvl="8" algn="l" rtl="0">
       <a:lnSpc>
         <a:spcPct val="100000"/>
       </a:lnSpc>
@@ -680,7 +695,7 @@
         <a:srgbClr val="000000"/>
       </a:buClr>
       <a:buFont typeface="Arial"/>
-      <a:defRPr b="0" i="0" sz="1400" u="none" cap="none" strike="noStrike">
+      <a:defRPr sz="1400" b="0" i="0" u="none" strike="noStrike" cap="none">
         <a:solidFill>
           <a:srgbClr val="000000"/>
         </a:solidFill>
@@ -695,11 +710,11 @@
 </file>
 
 <file path=ppt/notesSlides/notesSlide1.xml><?xml version="1.0" encoding="utf-8"?>
-<p:notes xmlns:a="http://schemas.openxmlformats.org/drawingml/2006/main" xmlns:r="http://schemas.openxmlformats.org/officeDocument/2006/relationships" xmlns:mc="http://schemas.openxmlformats.org/markup-compatibility/2006" xmlns:mv="urn:schemas-microsoft-com:mac:vml" xmlns:p="http://schemas.openxmlformats.org/presentationml/2006/main" xmlns:c="http://schemas.openxmlformats.org/drawingml/2006/chart" xmlns:dgm="http://schemas.openxmlformats.org/drawingml/2006/diagram" xmlns:o="urn:schemas-microsoft-com:office:office" xmlns:v="urn:schemas-microsoft-com:vml" xmlns:pvml="urn:schemas-microsoft-com:office:powerpoint" xmlns:com="http://schemas.openxmlformats.org/drawingml/2006/compatibility" xmlns:p14="http://schemas.microsoft.com/office/powerpoint/2010/main" xmlns:p15="http://schemas.microsoft.com/office/powerpoint/2012/main" showMasterPhAnim="0" showMasterSp="0">
+<p:notes xmlns:a="http://schemas.openxmlformats.org/drawingml/2006/main" xmlns:r="http://schemas.openxmlformats.org/officeDocument/2006/relationships" xmlns:p="http://schemas.openxmlformats.org/presentationml/2006/main" showMasterSp="0" showMasterPhAnim="0">
   <p:cSld>
     <p:spTree>
       <p:nvGrpSpPr>
-        <p:cNvPr id="50" name="Shape 50"/>
+        <p:cNvPr id="1" name="Shape 50"/>
         <p:cNvGrpSpPr/>
         <p:nvPr/>
       </p:nvGrpSpPr>
@@ -714,20 +729,26 @@
       <p:sp>
         <p:nvSpPr>
           <p:cNvPr id="51" name="Google Shape;51;p:notes"/>
-          <p:cNvSpPr/>
+          <p:cNvSpPr>
+            <a:spLocks noGrp="1" noRot="1" noChangeAspect="1"/>
+          </p:cNvSpPr>
           <p:nvPr>
-            <p:ph idx="2" type="sldImg"/>
+            <p:ph type="sldImg" idx="2"/>
           </p:nvPr>
         </p:nvSpPr>
         <p:spPr>
           <a:xfrm>
-            <a:off x="381300" y="685800"/>
-            <a:ext cx="6096075" cy="3429000"/>
+            <a:off x="381000" y="685800"/>
+            <a:ext cx="6096000" cy="3429000"/>
           </a:xfrm>
           <a:custGeom>
-            <a:rect b="b" l="l" r="r" t="t"/>
+            <a:avLst/>
+            <a:gdLst/>
+            <a:ahLst/>
+            <a:cxnLst/>
+            <a:rect l="l" t="t" r="r" b="b"/>
             <a:pathLst>
-              <a:path extrusionOk="0" h="120000" w="120000">
+              <a:path w="120000" h="120000" extrusionOk="0">
                 <a:moveTo>
                   <a:pt x="0" y="0"/>
                 </a:moveTo>
@@ -749,9 +770,11 @@
       <p:sp>
         <p:nvSpPr>
           <p:cNvPr id="52" name="Google Shape;52;p:notes"/>
-          <p:cNvSpPr txBox="1"/>
+          <p:cNvSpPr txBox="1">
+            <a:spLocks noGrp="1"/>
+          </p:cNvSpPr>
           <p:nvPr>
-            <p:ph idx="1" type="body"/>
+            <p:ph type="body" idx="1"/>
           </p:nvPr>
         </p:nvSpPr>
         <p:spPr>
@@ -764,12 +787,12 @@
           </a:prstGeom>
         </p:spPr>
         <p:txBody>
-          <a:bodyPr anchorCtr="0" anchor="t" bIns="91425" lIns="91425" spcFirstLastPara="1" rIns="91425" wrap="square" tIns="91425">
+          <a:bodyPr spcFirstLastPara="1" wrap="square" lIns="91425" tIns="91425" rIns="91425" bIns="91425" anchor="t" anchorCtr="0">
             <a:noAutofit/>
           </a:bodyPr>
           <a:lstStyle/>
           <a:p>
-            <a:pPr indent="0" lvl="0" marL="0" rtl="0" algn="l">
+            <a:pPr marL="0" lvl="0" indent="0" algn="l" rtl="0">
               <a:spcBef>
                 <a:spcPts val="0"/>
               </a:spcBef>
@@ -778,9 +801,6 @@
               </a:spcAft>
               <a:buNone/>
             </a:pPr>
-            <a:r>
-              <a:t/>
-            </a:r>
             <a:endParaRPr/>
           </a:p>
         </p:txBody>
@@ -794,11 +814,11 @@
 </file>
 
 <file path=ppt/notesSlides/notesSlide2.xml><?xml version="1.0" encoding="utf-8"?>
-<p:notes xmlns:a="http://schemas.openxmlformats.org/drawingml/2006/main" xmlns:r="http://schemas.openxmlformats.org/officeDocument/2006/relationships" xmlns:mc="http://schemas.openxmlformats.org/markup-compatibility/2006" xmlns:mv="urn:schemas-microsoft-com:mac:vml" xmlns:p="http://schemas.openxmlformats.org/presentationml/2006/main" xmlns:c="http://schemas.openxmlformats.org/drawingml/2006/chart" xmlns:dgm="http://schemas.openxmlformats.org/drawingml/2006/diagram" xmlns:o="urn:schemas-microsoft-com:office:office" xmlns:v="urn:schemas-microsoft-com:vml" xmlns:pvml="urn:schemas-microsoft-com:office:powerpoint" xmlns:com="http://schemas.openxmlformats.org/drawingml/2006/compatibility" xmlns:p14="http://schemas.microsoft.com/office/powerpoint/2010/main" xmlns:p15="http://schemas.microsoft.com/office/powerpoint/2012/main" showMasterPhAnim="0" showMasterSp="0">
+<p:notes xmlns:a="http://schemas.openxmlformats.org/drawingml/2006/main" xmlns:r="http://schemas.openxmlformats.org/officeDocument/2006/relationships" xmlns:p="http://schemas.openxmlformats.org/presentationml/2006/main" showMasterSp="0" showMasterPhAnim="0">
   <p:cSld>
     <p:spTree>
       <p:nvGrpSpPr>
-        <p:cNvPr id="57" name="Shape 57"/>
+        <p:cNvPr id="1" name="Shape 57"/>
         <p:cNvGrpSpPr/>
         <p:nvPr/>
       </p:nvGrpSpPr>
@@ -813,9 +833,11 @@
       <p:sp>
         <p:nvSpPr>
           <p:cNvPr id="58" name="Google Shape;58;g3231e36602fd62b1_84:notes"/>
-          <p:cNvSpPr/>
+          <p:cNvSpPr>
+            <a:spLocks noGrp="1" noRot="1" noChangeAspect="1"/>
+          </p:cNvSpPr>
           <p:nvPr>
-            <p:ph idx="2" type="sldImg"/>
+            <p:ph type="sldImg" idx="2"/>
           </p:nvPr>
         </p:nvSpPr>
         <p:spPr>
@@ -824,9 +846,13 @@
             <a:ext cx="6096000" cy="3429000"/>
           </a:xfrm>
           <a:custGeom>
-            <a:rect b="b" l="l" r="r" t="t"/>
+            <a:avLst/>
+            <a:gdLst/>
+            <a:ahLst/>
+            <a:cxnLst/>
+            <a:rect l="l" t="t" r="r" b="b"/>
             <a:pathLst>
-              <a:path extrusionOk="0" h="120000" w="120000">
+              <a:path w="120000" h="120000" extrusionOk="0">
                 <a:moveTo>
                   <a:pt x="0" y="0"/>
                 </a:moveTo>
@@ -848,9 +874,11 @@
       <p:sp>
         <p:nvSpPr>
           <p:cNvPr id="59" name="Google Shape;59;g3231e36602fd62b1_84:notes"/>
-          <p:cNvSpPr txBox="1"/>
+          <p:cNvSpPr txBox="1">
+            <a:spLocks noGrp="1"/>
+          </p:cNvSpPr>
           <p:nvPr>
-            <p:ph idx="1" type="body"/>
+            <p:ph type="body" idx="1"/>
           </p:nvPr>
         </p:nvSpPr>
         <p:spPr>
@@ -863,12 +891,12 @@
           </a:prstGeom>
         </p:spPr>
         <p:txBody>
-          <a:bodyPr anchorCtr="0" anchor="t" bIns="91425" lIns="91425" spcFirstLastPara="1" rIns="91425" wrap="square" tIns="91425">
+          <a:bodyPr spcFirstLastPara="1" wrap="square" lIns="91425" tIns="91425" rIns="91425" bIns="91425" anchor="t" anchorCtr="0">
             <a:noAutofit/>
           </a:bodyPr>
           <a:lstStyle/>
           <a:p>
-            <a:pPr indent="0" lvl="0" marL="0" rtl="0" algn="l">
+            <a:pPr marL="0" lvl="0" indent="0" algn="l" rtl="0">
               <a:spcBef>
                 <a:spcPts val="0"/>
               </a:spcBef>
@@ -877,9 +905,6 @@
               </a:spcAft>
               <a:buNone/>
             </a:pPr>
-            <a:r>
-              <a:t/>
-            </a:r>
             <a:endParaRPr/>
           </a:p>
         </p:txBody>
@@ -893,11 +918,11 @@
 </file>
 
 <file path=ppt/notesSlides/notesSlide3.xml><?xml version="1.0" encoding="utf-8"?>
-<p:notes xmlns:a="http://schemas.openxmlformats.org/drawingml/2006/main" xmlns:r="http://schemas.openxmlformats.org/officeDocument/2006/relationships" xmlns:mc="http://schemas.openxmlformats.org/markup-compatibility/2006" xmlns:mv="urn:schemas-microsoft-com:mac:vml" xmlns:p="http://schemas.openxmlformats.org/presentationml/2006/main" xmlns:c="http://schemas.openxmlformats.org/drawingml/2006/chart" xmlns:dgm="http://schemas.openxmlformats.org/drawingml/2006/diagram" xmlns:o="urn:schemas-microsoft-com:office:office" xmlns:v="urn:schemas-microsoft-com:vml" xmlns:pvml="urn:schemas-microsoft-com:office:powerpoint" xmlns:com="http://schemas.openxmlformats.org/drawingml/2006/compatibility" xmlns:p14="http://schemas.microsoft.com/office/powerpoint/2010/main" xmlns:p15="http://schemas.microsoft.com/office/powerpoint/2012/main" showMasterPhAnim="0" showMasterSp="0">
+<p:notes xmlns:a="http://schemas.openxmlformats.org/drawingml/2006/main" xmlns:r="http://schemas.openxmlformats.org/officeDocument/2006/relationships" xmlns:p="http://schemas.openxmlformats.org/presentationml/2006/main" showMasterSp="0" showMasterPhAnim="0">
   <p:cSld>
     <p:spTree>
       <p:nvGrpSpPr>
-        <p:cNvPr id="63" name="Shape 63"/>
+        <p:cNvPr id="1" name="Shape 63"/>
         <p:cNvGrpSpPr/>
         <p:nvPr/>
       </p:nvGrpSpPr>
@@ -912,9 +937,11 @@
       <p:sp>
         <p:nvSpPr>
           <p:cNvPr id="64" name="Google Shape;64;g5ff9bbdfc0_0_3:notes"/>
-          <p:cNvSpPr/>
+          <p:cNvSpPr>
+            <a:spLocks noGrp="1" noRot="1" noChangeAspect="1"/>
+          </p:cNvSpPr>
           <p:nvPr>
-            <p:ph idx="2" type="sldImg"/>
+            <p:ph type="sldImg" idx="2"/>
           </p:nvPr>
         </p:nvSpPr>
         <p:spPr>
@@ -923,9 +950,13 @@
             <a:ext cx="6096000" cy="3429000"/>
           </a:xfrm>
           <a:custGeom>
-            <a:rect b="b" l="l" r="r" t="t"/>
+            <a:avLst/>
+            <a:gdLst/>
+            <a:ahLst/>
+            <a:cxnLst/>
+            <a:rect l="l" t="t" r="r" b="b"/>
             <a:pathLst>
-              <a:path extrusionOk="0" h="120000" w="120000">
+              <a:path w="120000" h="120000" extrusionOk="0">
                 <a:moveTo>
                   <a:pt x="0" y="0"/>
                 </a:moveTo>
@@ -947,9 +978,11 @@
       <p:sp>
         <p:nvSpPr>
           <p:cNvPr id="65" name="Google Shape;65;g5ff9bbdfc0_0_3:notes"/>
-          <p:cNvSpPr txBox="1"/>
+          <p:cNvSpPr txBox="1">
+            <a:spLocks noGrp="1"/>
+          </p:cNvSpPr>
           <p:nvPr>
-            <p:ph idx="1" type="body"/>
+            <p:ph type="body" idx="1"/>
           </p:nvPr>
         </p:nvSpPr>
         <p:spPr>
@@ -962,12 +995,12 @@
           </a:prstGeom>
         </p:spPr>
         <p:txBody>
-          <a:bodyPr anchorCtr="0" anchor="t" bIns="91425" lIns="91425" spcFirstLastPara="1" rIns="91425" wrap="square" tIns="91425">
+          <a:bodyPr spcFirstLastPara="1" wrap="square" lIns="91425" tIns="91425" rIns="91425" bIns="91425" anchor="t" anchorCtr="0">
             <a:noAutofit/>
           </a:bodyPr>
           <a:lstStyle/>
           <a:p>
-            <a:pPr indent="0" lvl="0" marL="0" rtl="0" algn="l">
+            <a:pPr marL="0" lvl="0" indent="0" algn="l" rtl="0">
               <a:spcBef>
                 <a:spcPts val="0"/>
               </a:spcBef>
@@ -976,9 +1009,6 @@
               </a:spcAft>
               <a:buNone/>
             </a:pPr>
-            <a:r>
-              <a:t/>
-            </a:r>
             <a:endParaRPr/>
           </a:p>
         </p:txBody>
@@ -992,11 +1022,11 @@
 </file>
 
 <file path=ppt/notesSlides/notesSlide4.xml><?xml version="1.0" encoding="utf-8"?>
-<p:notes xmlns:a="http://schemas.openxmlformats.org/drawingml/2006/main" xmlns:r="http://schemas.openxmlformats.org/officeDocument/2006/relationships" xmlns:mc="http://schemas.openxmlformats.org/markup-compatibility/2006" xmlns:mv="urn:schemas-microsoft-com:mac:vml" xmlns:p="http://schemas.openxmlformats.org/presentationml/2006/main" xmlns:c="http://schemas.openxmlformats.org/drawingml/2006/chart" xmlns:dgm="http://schemas.openxmlformats.org/drawingml/2006/diagram" xmlns:o="urn:schemas-microsoft-com:office:office" xmlns:v="urn:schemas-microsoft-com:vml" xmlns:pvml="urn:schemas-microsoft-com:office:powerpoint" xmlns:com="http://schemas.openxmlformats.org/drawingml/2006/compatibility" xmlns:p14="http://schemas.microsoft.com/office/powerpoint/2010/main" xmlns:p15="http://schemas.microsoft.com/office/powerpoint/2012/main" showMasterPhAnim="0" showMasterSp="0">
+<p:notes xmlns:a="http://schemas.openxmlformats.org/drawingml/2006/main" xmlns:r="http://schemas.openxmlformats.org/officeDocument/2006/relationships" xmlns:p="http://schemas.openxmlformats.org/presentationml/2006/main" showMasterSp="0" showMasterPhAnim="0">
   <p:cSld>
     <p:spTree>
       <p:nvGrpSpPr>
-        <p:cNvPr id="69" name="Shape 69"/>
+        <p:cNvPr id="1" name="Shape 69"/>
         <p:cNvGrpSpPr/>
         <p:nvPr/>
       </p:nvGrpSpPr>
@@ -1011,9 +1041,11 @@
       <p:sp>
         <p:nvSpPr>
           <p:cNvPr id="70" name="Google Shape;70;g5ff9bbdfc0_0_24:notes"/>
-          <p:cNvSpPr/>
+          <p:cNvSpPr>
+            <a:spLocks noGrp="1" noRot="1" noChangeAspect="1"/>
+          </p:cNvSpPr>
           <p:nvPr>
-            <p:ph idx="2" type="sldImg"/>
+            <p:ph type="sldImg" idx="2"/>
           </p:nvPr>
         </p:nvSpPr>
         <p:spPr>
@@ -1022,9 +1054,13 @@
             <a:ext cx="6096000" cy="3429000"/>
           </a:xfrm>
           <a:custGeom>
-            <a:rect b="b" l="l" r="r" t="t"/>
+            <a:avLst/>
+            <a:gdLst/>
+            <a:ahLst/>
+            <a:cxnLst/>
+            <a:rect l="l" t="t" r="r" b="b"/>
             <a:pathLst>
-              <a:path extrusionOk="0" h="120000" w="120000">
+              <a:path w="120000" h="120000" extrusionOk="0">
                 <a:moveTo>
                   <a:pt x="0" y="0"/>
                 </a:moveTo>
@@ -1046,9 +1082,11 @@
       <p:sp>
         <p:nvSpPr>
           <p:cNvPr id="71" name="Google Shape;71;g5ff9bbdfc0_0_24:notes"/>
-          <p:cNvSpPr txBox="1"/>
+          <p:cNvSpPr txBox="1">
+            <a:spLocks noGrp="1"/>
+          </p:cNvSpPr>
           <p:nvPr>
-            <p:ph idx="1" type="body"/>
+            <p:ph type="body" idx="1"/>
           </p:nvPr>
         </p:nvSpPr>
         <p:spPr>
@@ -1061,12 +1099,12 @@
           </a:prstGeom>
         </p:spPr>
         <p:txBody>
-          <a:bodyPr anchorCtr="0" anchor="t" bIns="91425" lIns="91425" spcFirstLastPara="1" rIns="91425" wrap="square" tIns="91425">
+          <a:bodyPr spcFirstLastPara="1" wrap="square" lIns="91425" tIns="91425" rIns="91425" bIns="91425" anchor="t" anchorCtr="0">
             <a:noAutofit/>
           </a:bodyPr>
           <a:lstStyle/>
           <a:p>
-            <a:pPr indent="0" lvl="0" marL="0" rtl="0" algn="l">
+            <a:pPr marL="0" lvl="0" indent="0" algn="l" rtl="0">
               <a:spcBef>
                 <a:spcPts val="0"/>
               </a:spcBef>
@@ -1075,9 +1113,6 @@
               </a:spcAft>
               <a:buNone/>
             </a:pPr>
-            <a:r>
-              <a:t/>
-            </a:r>
             <a:endParaRPr/>
           </a:p>
         </p:txBody>
@@ -1091,11 +1126,11 @@
 </file>
 
 <file path=ppt/notesSlides/notesSlide5.xml><?xml version="1.0" encoding="utf-8"?>
-<p:notes xmlns:a="http://schemas.openxmlformats.org/drawingml/2006/main" xmlns:r="http://schemas.openxmlformats.org/officeDocument/2006/relationships" xmlns:mc="http://schemas.openxmlformats.org/markup-compatibility/2006" xmlns:mv="urn:schemas-microsoft-com:mac:vml" xmlns:p="http://schemas.openxmlformats.org/presentationml/2006/main" xmlns:c="http://schemas.openxmlformats.org/drawingml/2006/chart" xmlns:dgm="http://schemas.openxmlformats.org/drawingml/2006/diagram" xmlns:o="urn:schemas-microsoft-com:office:office" xmlns:v="urn:schemas-microsoft-com:vml" xmlns:pvml="urn:schemas-microsoft-com:office:powerpoint" xmlns:com="http://schemas.openxmlformats.org/drawingml/2006/compatibility" xmlns:p14="http://schemas.microsoft.com/office/powerpoint/2010/main" xmlns:p15="http://schemas.microsoft.com/office/powerpoint/2012/main" showMasterPhAnim="0" showMasterSp="0">
+<p:notes xmlns:a="http://schemas.openxmlformats.org/drawingml/2006/main" xmlns:r="http://schemas.openxmlformats.org/officeDocument/2006/relationships" xmlns:p="http://schemas.openxmlformats.org/presentationml/2006/main" showMasterSp="0" showMasterPhAnim="0">
   <p:cSld>
     <p:spTree>
       <p:nvGrpSpPr>
-        <p:cNvPr id="75" name="Shape 75"/>
+        <p:cNvPr id="1" name="Shape 75"/>
         <p:cNvGrpSpPr/>
         <p:nvPr/>
       </p:nvGrpSpPr>
@@ -1110,9 +1145,11 @@
       <p:sp>
         <p:nvSpPr>
           <p:cNvPr id="76" name="Google Shape;76;g5ff9bbdfc0_0_29:notes"/>
-          <p:cNvSpPr/>
+          <p:cNvSpPr>
+            <a:spLocks noGrp="1" noRot="1" noChangeAspect="1"/>
+          </p:cNvSpPr>
           <p:nvPr>
-            <p:ph idx="2" type="sldImg"/>
+            <p:ph type="sldImg" idx="2"/>
           </p:nvPr>
         </p:nvSpPr>
         <p:spPr>
@@ -1121,9 +1158,13 @@
             <a:ext cx="6096000" cy="3429000"/>
           </a:xfrm>
           <a:custGeom>
-            <a:rect b="b" l="l" r="r" t="t"/>
+            <a:avLst/>
+            <a:gdLst/>
+            <a:ahLst/>
+            <a:cxnLst/>
+            <a:rect l="l" t="t" r="r" b="b"/>
             <a:pathLst>
-              <a:path extrusionOk="0" h="120000" w="120000">
+              <a:path w="120000" h="120000" extrusionOk="0">
                 <a:moveTo>
                   <a:pt x="0" y="0"/>
                 </a:moveTo>
@@ -1145,9 +1186,11 @@
       <p:sp>
         <p:nvSpPr>
           <p:cNvPr id="77" name="Google Shape;77;g5ff9bbdfc0_0_29:notes"/>
-          <p:cNvSpPr txBox="1"/>
+          <p:cNvSpPr txBox="1">
+            <a:spLocks noGrp="1"/>
+          </p:cNvSpPr>
           <p:nvPr>
-            <p:ph idx="1" type="body"/>
+            <p:ph type="body" idx="1"/>
           </p:nvPr>
         </p:nvSpPr>
         <p:spPr>
@@ -1160,12 +1203,12 @@
           </a:prstGeom>
         </p:spPr>
         <p:txBody>
-          <a:bodyPr anchorCtr="0" anchor="t" bIns="91425" lIns="91425" spcFirstLastPara="1" rIns="91425" wrap="square" tIns="91425">
+          <a:bodyPr spcFirstLastPara="1" wrap="square" lIns="91425" tIns="91425" rIns="91425" bIns="91425" anchor="t" anchorCtr="0">
             <a:noAutofit/>
           </a:bodyPr>
           <a:lstStyle/>
           <a:p>
-            <a:pPr indent="0" lvl="0" marL="0" rtl="0" algn="l">
+            <a:pPr marL="0" lvl="0" indent="0" algn="l" rtl="0">
               <a:spcBef>
                 <a:spcPts val="0"/>
               </a:spcBef>
@@ -1174,9 +1217,6 @@
               </a:spcAft>
               <a:buNone/>
             </a:pPr>
-            <a:r>
-              <a:t/>
-            </a:r>
             <a:endParaRPr/>
           </a:p>
         </p:txBody>
@@ -1190,11 +1230,11 @@
 </file>
 
 <file path=ppt/notesSlides/notesSlide6.xml><?xml version="1.0" encoding="utf-8"?>
-<p:notes xmlns:a="http://schemas.openxmlformats.org/drawingml/2006/main" xmlns:r="http://schemas.openxmlformats.org/officeDocument/2006/relationships" xmlns:mc="http://schemas.openxmlformats.org/markup-compatibility/2006" xmlns:mv="urn:schemas-microsoft-com:mac:vml" xmlns:p="http://schemas.openxmlformats.org/presentationml/2006/main" xmlns:c="http://schemas.openxmlformats.org/drawingml/2006/chart" xmlns:dgm="http://schemas.openxmlformats.org/drawingml/2006/diagram" xmlns:o="urn:schemas-microsoft-com:office:office" xmlns:v="urn:schemas-microsoft-com:vml" xmlns:pvml="urn:schemas-microsoft-com:office:powerpoint" xmlns:com="http://schemas.openxmlformats.org/drawingml/2006/compatibility" xmlns:p14="http://schemas.microsoft.com/office/powerpoint/2010/main" xmlns:p15="http://schemas.microsoft.com/office/powerpoint/2012/main" showMasterPhAnim="0" showMasterSp="0">
+<p:notes xmlns:a="http://schemas.openxmlformats.org/drawingml/2006/main" xmlns:r="http://schemas.openxmlformats.org/officeDocument/2006/relationships" xmlns:p="http://schemas.openxmlformats.org/presentationml/2006/main" showMasterSp="0" showMasterPhAnim="0">
   <p:cSld>
     <p:spTree>
       <p:nvGrpSpPr>
-        <p:cNvPr id="81" name="Shape 81"/>
+        <p:cNvPr id="1" name="Shape 81"/>
         <p:cNvGrpSpPr/>
         <p:nvPr/>
       </p:nvGrpSpPr>
@@ -1209,9 +1249,11 @@
       <p:sp>
         <p:nvSpPr>
           <p:cNvPr id="82" name="Google Shape;82;g5ff9bbdfc0_0_35:notes"/>
-          <p:cNvSpPr/>
+          <p:cNvSpPr>
+            <a:spLocks noGrp="1" noRot="1" noChangeAspect="1"/>
+          </p:cNvSpPr>
           <p:nvPr>
-            <p:ph idx="2" type="sldImg"/>
+            <p:ph type="sldImg" idx="2"/>
           </p:nvPr>
         </p:nvSpPr>
         <p:spPr>
@@ -1220,9 +1262,13 @@
             <a:ext cx="6096000" cy="3429000"/>
           </a:xfrm>
           <a:custGeom>
-            <a:rect b="b" l="l" r="r" t="t"/>
+            <a:avLst/>
+            <a:gdLst/>
+            <a:ahLst/>
+            <a:cxnLst/>
+            <a:rect l="l" t="t" r="r" b="b"/>
             <a:pathLst>
-              <a:path extrusionOk="0" h="120000" w="120000">
+              <a:path w="120000" h="120000" extrusionOk="0">
                 <a:moveTo>
                   <a:pt x="0" y="0"/>
                 </a:moveTo>
@@ -1244,9 +1290,11 @@
       <p:sp>
         <p:nvSpPr>
           <p:cNvPr id="83" name="Google Shape;83;g5ff9bbdfc0_0_35:notes"/>
-          <p:cNvSpPr txBox="1"/>
+          <p:cNvSpPr txBox="1">
+            <a:spLocks noGrp="1"/>
+          </p:cNvSpPr>
           <p:nvPr>
-            <p:ph idx="1" type="body"/>
+            <p:ph type="body" idx="1"/>
           </p:nvPr>
         </p:nvSpPr>
         <p:spPr>
@@ -1259,12 +1307,12 @@
           </a:prstGeom>
         </p:spPr>
         <p:txBody>
-          <a:bodyPr anchorCtr="0" anchor="t" bIns="91425" lIns="91425" spcFirstLastPara="1" rIns="91425" wrap="square" tIns="91425">
+          <a:bodyPr spcFirstLastPara="1" wrap="square" lIns="91425" tIns="91425" rIns="91425" bIns="91425" anchor="t" anchorCtr="0">
             <a:noAutofit/>
           </a:bodyPr>
           <a:lstStyle/>
           <a:p>
-            <a:pPr indent="0" lvl="0" marL="0" rtl="0" algn="l">
+            <a:pPr marL="0" lvl="0" indent="0" algn="l" rtl="0">
               <a:spcBef>
                 <a:spcPts val="0"/>
               </a:spcBef>
@@ -1273,9 +1321,6 @@
               </a:spcAft>
               <a:buNone/>
             </a:pPr>
-            <a:r>
-              <a:t/>
-            </a:r>
             <a:endParaRPr/>
           </a:p>
         </p:txBody>
@@ -1289,11 +1334,11 @@
 </file>
 
 <file path=ppt/notesSlides/notesSlide7.xml><?xml version="1.0" encoding="utf-8"?>
-<p:notes xmlns:a="http://schemas.openxmlformats.org/drawingml/2006/main" xmlns:r="http://schemas.openxmlformats.org/officeDocument/2006/relationships" xmlns:mc="http://schemas.openxmlformats.org/markup-compatibility/2006" xmlns:mv="urn:schemas-microsoft-com:mac:vml" xmlns:p="http://schemas.openxmlformats.org/presentationml/2006/main" xmlns:c="http://schemas.openxmlformats.org/drawingml/2006/chart" xmlns:dgm="http://schemas.openxmlformats.org/drawingml/2006/diagram" xmlns:o="urn:schemas-microsoft-com:office:office" xmlns:v="urn:schemas-microsoft-com:vml" xmlns:pvml="urn:schemas-microsoft-com:office:powerpoint" xmlns:com="http://schemas.openxmlformats.org/drawingml/2006/compatibility" xmlns:p14="http://schemas.microsoft.com/office/powerpoint/2010/main" xmlns:p15="http://schemas.microsoft.com/office/powerpoint/2012/main" showMasterPhAnim="0" showMasterSp="0">
+<p:notes xmlns:a="http://schemas.openxmlformats.org/drawingml/2006/main" xmlns:r="http://schemas.openxmlformats.org/officeDocument/2006/relationships" xmlns:p="http://schemas.openxmlformats.org/presentationml/2006/main" showMasterSp="0" showMasterPhAnim="0">
   <p:cSld>
     <p:spTree>
       <p:nvGrpSpPr>
-        <p:cNvPr id="87" name="Shape 87"/>
+        <p:cNvPr id="1" name="Shape 87"/>
         <p:cNvGrpSpPr/>
         <p:nvPr/>
       </p:nvGrpSpPr>
@@ -1308,9 +1353,11 @@
       <p:sp>
         <p:nvSpPr>
           <p:cNvPr id="88" name="Google Shape;88;g5ff9bbdfc0_0_13:notes"/>
-          <p:cNvSpPr/>
+          <p:cNvSpPr>
+            <a:spLocks noGrp="1" noRot="1" noChangeAspect="1"/>
+          </p:cNvSpPr>
           <p:nvPr>
-            <p:ph idx="2" type="sldImg"/>
+            <p:ph type="sldImg" idx="2"/>
           </p:nvPr>
         </p:nvSpPr>
         <p:spPr>
@@ -1319,9 +1366,13 @@
             <a:ext cx="6096000" cy="3429000"/>
           </a:xfrm>
           <a:custGeom>
-            <a:rect b="b" l="l" r="r" t="t"/>
+            <a:avLst/>
+            <a:gdLst/>
+            <a:ahLst/>
+            <a:cxnLst/>
+            <a:rect l="l" t="t" r="r" b="b"/>
             <a:pathLst>
-              <a:path extrusionOk="0" h="120000" w="120000">
+              <a:path w="120000" h="120000" extrusionOk="0">
                 <a:moveTo>
                   <a:pt x="0" y="0"/>
                 </a:moveTo>
@@ -1343,9 +1394,11 @@
       <p:sp>
         <p:nvSpPr>
           <p:cNvPr id="89" name="Google Shape;89;g5ff9bbdfc0_0_13:notes"/>
-          <p:cNvSpPr txBox="1"/>
+          <p:cNvSpPr txBox="1">
+            <a:spLocks noGrp="1"/>
+          </p:cNvSpPr>
           <p:nvPr>
-            <p:ph idx="1" type="body"/>
+            <p:ph type="body" idx="1"/>
           </p:nvPr>
         </p:nvSpPr>
         <p:spPr>
@@ -1358,12 +1411,12 @@
           </a:prstGeom>
         </p:spPr>
         <p:txBody>
-          <a:bodyPr anchorCtr="0" anchor="t" bIns="91425" lIns="91425" spcFirstLastPara="1" rIns="91425" wrap="square" tIns="91425">
+          <a:bodyPr spcFirstLastPara="1" wrap="square" lIns="91425" tIns="91425" rIns="91425" bIns="91425" anchor="t" anchorCtr="0">
             <a:noAutofit/>
           </a:bodyPr>
           <a:lstStyle/>
           <a:p>
-            <a:pPr indent="0" lvl="0" marL="0" rtl="0" algn="l">
+            <a:pPr marL="0" lvl="0" indent="0" algn="l" rtl="0">
               <a:spcBef>
                 <a:spcPts val="0"/>
               </a:spcBef>
@@ -1372,9 +1425,6 @@
               </a:spcAft>
               <a:buNone/>
             </a:pPr>
-            <a:r>
-              <a:t/>
-            </a:r>
             <a:endParaRPr/>
           </a:p>
         </p:txBody>
@@ -1388,11 +1438,11 @@
 </file>
 
 <file path=ppt/notesSlides/notesSlide8.xml><?xml version="1.0" encoding="utf-8"?>
-<p:notes xmlns:a="http://schemas.openxmlformats.org/drawingml/2006/main" xmlns:r="http://schemas.openxmlformats.org/officeDocument/2006/relationships" xmlns:mc="http://schemas.openxmlformats.org/markup-compatibility/2006" xmlns:mv="urn:schemas-microsoft-com:mac:vml" xmlns:p="http://schemas.openxmlformats.org/presentationml/2006/main" xmlns:c="http://schemas.openxmlformats.org/drawingml/2006/chart" xmlns:dgm="http://schemas.openxmlformats.org/drawingml/2006/diagram" xmlns:o="urn:schemas-microsoft-com:office:office" xmlns:v="urn:schemas-microsoft-com:vml" xmlns:pvml="urn:schemas-microsoft-com:office:powerpoint" xmlns:com="http://schemas.openxmlformats.org/drawingml/2006/compatibility" xmlns:p14="http://schemas.microsoft.com/office/powerpoint/2010/main" xmlns:p15="http://schemas.microsoft.com/office/powerpoint/2012/main" showMasterPhAnim="0" showMasterSp="0">
+<p:notes xmlns:a="http://schemas.openxmlformats.org/drawingml/2006/main" xmlns:r="http://schemas.openxmlformats.org/officeDocument/2006/relationships" xmlns:p="http://schemas.openxmlformats.org/presentationml/2006/main" showMasterSp="0" showMasterPhAnim="0">
   <p:cSld>
     <p:spTree>
       <p:nvGrpSpPr>
-        <p:cNvPr id="93" name="Shape 93"/>
+        <p:cNvPr id="1" name="Shape 93"/>
         <p:cNvGrpSpPr/>
         <p:nvPr/>
       </p:nvGrpSpPr>
@@ -1407,9 +1457,11 @@
       <p:sp>
         <p:nvSpPr>
           <p:cNvPr id="94" name="Google Shape;94;g64565aa07b_0_1:notes"/>
-          <p:cNvSpPr/>
+          <p:cNvSpPr>
+            <a:spLocks noGrp="1" noRot="1" noChangeAspect="1"/>
+          </p:cNvSpPr>
           <p:nvPr>
-            <p:ph idx="2" type="sldImg"/>
+            <p:ph type="sldImg" idx="2"/>
           </p:nvPr>
         </p:nvSpPr>
         <p:spPr>
@@ -1418,9 +1470,13 @@
             <a:ext cx="6096000" cy="3429000"/>
           </a:xfrm>
           <a:custGeom>
-            <a:rect b="b" l="l" r="r" t="t"/>
+            <a:avLst/>
+            <a:gdLst/>
+            <a:ahLst/>
+            <a:cxnLst/>
+            <a:rect l="l" t="t" r="r" b="b"/>
             <a:pathLst>
-              <a:path extrusionOk="0" h="120000" w="120000">
+              <a:path w="120000" h="120000" extrusionOk="0">
                 <a:moveTo>
                   <a:pt x="0" y="0"/>
                 </a:moveTo>
@@ -1442,9 +1498,11 @@
       <p:sp>
         <p:nvSpPr>
           <p:cNvPr id="95" name="Google Shape;95;g64565aa07b_0_1:notes"/>
-          <p:cNvSpPr txBox="1"/>
+          <p:cNvSpPr txBox="1">
+            <a:spLocks noGrp="1"/>
+          </p:cNvSpPr>
           <p:nvPr>
-            <p:ph idx="1" type="body"/>
+            <p:ph type="body" idx="1"/>
           </p:nvPr>
         </p:nvSpPr>
         <p:spPr>
@@ -1457,12 +1515,12 @@
           </a:prstGeom>
         </p:spPr>
         <p:txBody>
-          <a:bodyPr anchorCtr="0" anchor="t" bIns="91425" lIns="91425" spcFirstLastPara="1" rIns="91425" wrap="square" tIns="91425">
+          <a:bodyPr spcFirstLastPara="1" wrap="square" lIns="91425" tIns="91425" rIns="91425" bIns="91425" anchor="t" anchorCtr="0">
             <a:noAutofit/>
           </a:bodyPr>
           <a:lstStyle/>
           <a:p>
-            <a:pPr indent="0" lvl="0" marL="0" rtl="0" algn="l">
+            <a:pPr marL="0" lvl="0" indent="0" algn="l" rtl="0">
               <a:spcBef>
                 <a:spcPts val="0"/>
               </a:spcBef>
@@ -1471,9 +1529,6 @@
               </a:spcAft>
               <a:buNone/>
             </a:pPr>
-            <a:r>
-              <a:t/>
-            </a:r>
             <a:endParaRPr/>
           </a:p>
         </p:txBody>
@@ -1487,11 +1542,11 @@
 </file>
 
 <file path=ppt/notesSlides/notesSlide9.xml><?xml version="1.0" encoding="utf-8"?>
-<p:notes xmlns:a="http://schemas.openxmlformats.org/drawingml/2006/main" xmlns:r="http://schemas.openxmlformats.org/officeDocument/2006/relationships" xmlns:mc="http://schemas.openxmlformats.org/markup-compatibility/2006" xmlns:mv="urn:schemas-microsoft-com:mac:vml" xmlns:p="http://schemas.openxmlformats.org/presentationml/2006/main" xmlns:c="http://schemas.openxmlformats.org/drawingml/2006/chart" xmlns:dgm="http://schemas.openxmlformats.org/drawingml/2006/diagram" xmlns:o="urn:schemas-microsoft-com:office:office" xmlns:v="urn:schemas-microsoft-com:vml" xmlns:pvml="urn:schemas-microsoft-com:office:powerpoint" xmlns:com="http://schemas.openxmlformats.org/drawingml/2006/compatibility" xmlns:p14="http://schemas.microsoft.com/office/powerpoint/2010/main" xmlns:p15="http://schemas.microsoft.com/office/powerpoint/2012/main" showMasterPhAnim="0" showMasterSp="0">
+<p:notes xmlns:a="http://schemas.openxmlformats.org/drawingml/2006/main" xmlns:r="http://schemas.openxmlformats.org/officeDocument/2006/relationships" xmlns:p="http://schemas.openxmlformats.org/presentationml/2006/main" showMasterSp="0" showMasterPhAnim="0">
   <p:cSld>
     <p:spTree>
       <p:nvGrpSpPr>
-        <p:cNvPr id="99" name="Shape 99"/>
+        <p:cNvPr id="1" name="Shape 99"/>
         <p:cNvGrpSpPr/>
         <p:nvPr/>
       </p:nvGrpSpPr>
@@ -1506,9 +1561,11 @@
       <p:sp>
         <p:nvSpPr>
           <p:cNvPr id="100" name="Google Shape;100;g5ff9bbdfc0_0_19:notes"/>
-          <p:cNvSpPr/>
+          <p:cNvSpPr>
+            <a:spLocks noGrp="1" noRot="1" noChangeAspect="1"/>
+          </p:cNvSpPr>
           <p:nvPr>
-            <p:ph idx="2" type="sldImg"/>
+            <p:ph type="sldImg" idx="2"/>
           </p:nvPr>
         </p:nvSpPr>
         <p:spPr>
@@ -1517,9 +1574,13 @@
             <a:ext cx="6096000" cy="3429000"/>
           </a:xfrm>
           <a:custGeom>
-            <a:rect b="b" l="l" r="r" t="t"/>
+            <a:avLst/>
+            <a:gdLst/>
+            <a:ahLst/>
+            <a:cxnLst/>
+            <a:rect l="l" t="t" r="r" b="b"/>
             <a:pathLst>
-              <a:path extrusionOk="0" h="120000" w="120000">
+              <a:path w="120000" h="120000" extrusionOk="0">
                 <a:moveTo>
                   <a:pt x="0" y="0"/>
                 </a:moveTo>
@@ -1541,9 +1602,11 @@
       <p:sp>
         <p:nvSpPr>
           <p:cNvPr id="101" name="Google Shape;101;g5ff9bbdfc0_0_19:notes"/>
-          <p:cNvSpPr txBox="1"/>
+          <p:cNvSpPr txBox="1">
+            <a:spLocks noGrp="1"/>
+          </p:cNvSpPr>
           <p:nvPr>
-            <p:ph idx="1" type="body"/>
+            <p:ph type="body" idx="1"/>
           </p:nvPr>
         </p:nvSpPr>
         <p:spPr>
@@ -1556,12 +1619,12 @@
           </a:prstGeom>
         </p:spPr>
         <p:txBody>
-          <a:bodyPr anchorCtr="0" anchor="t" bIns="91425" lIns="91425" spcFirstLastPara="1" rIns="91425" wrap="square" tIns="91425">
+          <a:bodyPr spcFirstLastPara="1" wrap="square" lIns="91425" tIns="91425" rIns="91425" bIns="91425" anchor="t" anchorCtr="0">
             <a:noAutofit/>
           </a:bodyPr>
           <a:lstStyle/>
           <a:p>
-            <a:pPr indent="0" lvl="0" marL="0" rtl="0" algn="l">
+            <a:pPr marL="0" lvl="0" indent="0" algn="l" rtl="0">
               <a:spcBef>
                 <a:spcPts val="0"/>
               </a:spcBef>
@@ -1570,9 +1633,6 @@
               </a:spcAft>
               <a:buNone/>
             </a:pPr>
-            <a:r>
-              <a:t/>
-            </a:r>
             <a:endParaRPr/>
           </a:p>
         </p:txBody>
@@ -1586,11 +1646,11 @@
 </file>
 
 <file path=ppt/slideLayouts/slideLayout1.xml><?xml version="1.0" encoding="utf-8"?>
-<p:sldLayout xmlns:a="http://schemas.openxmlformats.org/drawingml/2006/main" xmlns:r="http://schemas.openxmlformats.org/officeDocument/2006/relationships" xmlns:mc="http://schemas.openxmlformats.org/markup-compatibility/2006" xmlns:mv="urn:schemas-microsoft-com:mac:vml" xmlns:p="http://schemas.openxmlformats.org/presentationml/2006/main" xmlns:c="http://schemas.openxmlformats.org/drawingml/2006/chart" xmlns:dgm="http://schemas.openxmlformats.org/drawingml/2006/diagram" xmlns:o="urn:schemas-microsoft-com:office:office" xmlns:v="urn:schemas-microsoft-com:vml" xmlns:pvml="urn:schemas-microsoft-com:office:powerpoint" xmlns:com="http://schemas.openxmlformats.org/drawingml/2006/compatibility" xmlns:p14="http://schemas.microsoft.com/office/powerpoint/2010/main" xmlns:p15="http://schemas.microsoft.com/office/powerpoint/2012/main" matchingName="Title slide" type="title">
+<p:sldLayout xmlns:a="http://schemas.openxmlformats.org/drawingml/2006/main" xmlns:r="http://schemas.openxmlformats.org/officeDocument/2006/relationships" xmlns:p="http://schemas.openxmlformats.org/presentationml/2006/main" matchingName="Title slide" type="title">
   <p:cSld name="TITLE">
     <p:spTree>
       <p:nvGrpSpPr>
-        <p:cNvPr id="9" name="Shape 9"/>
+        <p:cNvPr id="1" name="Shape 9"/>
         <p:cNvGrpSpPr/>
         <p:nvPr/>
       </p:nvGrpSpPr>
@@ -1605,7 +1665,9 @@
       <p:sp>
         <p:nvSpPr>
           <p:cNvPr id="10" name="Google Shape;10;p2"/>
-          <p:cNvSpPr txBox="1"/>
+          <p:cNvSpPr txBox="1">
+            <a:spLocks noGrp="1"/>
+          </p:cNvSpPr>
           <p:nvPr>
             <p:ph type="ctrTitle"/>
           </p:nvPr>
@@ -1620,7 +1682,7 @@
           </a:prstGeom>
         </p:spPr>
         <p:txBody>
-          <a:bodyPr anchorCtr="0" anchor="b" bIns="91425" lIns="91425" spcFirstLastPara="1" rIns="91425" wrap="square" tIns="91425">
+          <a:bodyPr spcFirstLastPara="1" wrap="square" lIns="91425" tIns="91425" rIns="91425" bIns="91425" anchor="b" anchorCtr="0">
             <a:noAutofit/>
           </a:bodyPr>
           <a:lstStyle>
@@ -1724,15 +1786,19 @@
               <a:defRPr sz="5200"/>
             </a:lvl9pPr>
           </a:lstStyle>
-          <a:p/>
+          <a:p>
+            <a:endParaRPr/>
+          </a:p>
         </p:txBody>
       </p:sp>
       <p:sp>
         <p:nvSpPr>
           <p:cNvPr id="11" name="Google Shape;11;p2"/>
-          <p:cNvSpPr txBox="1"/>
+          <p:cNvSpPr txBox="1">
+            <a:spLocks noGrp="1"/>
+          </p:cNvSpPr>
           <p:nvPr>
-            <p:ph idx="1" type="subTitle"/>
+            <p:ph type="subTitle" idx="1"/>
           </p:nvPr>
         </p:nvSpPr>
         <p:spPr>
@@ -1745,7 +1811,7 @@
           </a:prstGeom>
         </p:spPr>
         <p:txBody>
-          <a:bodyPr anchorCtr="0" anchor="t" bIns="91425" lIns="91425" spcFirstLastPara="1" rIns="91425" wrap="square" tIns="91425">
+          <a:bodyPr spcFirstLastPara="1" wrap="square" lIns="91425" tIns="91425" rIns="91425" bIns="91425" anchor="t" anchorCtr="0">
             <a:noAutofit/>
           </a:bodyPr>
           <a:lstStyle>
@@ -1876,15 +1942,19 @@
               <a:defRPr sz="2800"/>
             </a:lvl9pPr>
           </a:lstStyle>
-          <a:p/>
+          <a:p>
+            <a:endParaRPr/>
+          </a:p>
         </p:txBody>
       </p:sp>
       <p:sp>
         <p:nvSpPr>
           <p:cNvPr id="12" name="Google Shape;12;p2"/>
-          <p:cNvSpPr txBox="1"/>
+          <p:cNvSpPr txBox="1">
+            <a:spLocks noGrp="1"/>
+          </p:cNvSpPr>
           <p:nvPr>
-            <p:ph idx="12" type="sldNum"/>
+            <p:ph type="sldNum" idx="12"/>
           </p:nvPr>
         </p:nvSpPr>
         <p:spPr>
@@ -1897,7 +1967,7 @@
           </a:prstGeom>
         </p:spPr>
         <p:txBody>
-          <a:bodyPr anchorCtr="0" anchor="ctr" bIns="91425" lIns="91425" spcFirstLastPara="1" rIns="91425" wrap="square" tIns="91425">
+          <a:bodyPr spcFirstLastPara="1" wrap="square" lIns="91425" tIns="91425" rIns="91425" bIns="91425" anchor="ctr" anchorCtr="0">
             <a:noAutofit/>
           </a:bodyPr>
           <a:lstStyle>
@@ -1939,7 +2009,7 @@
             </a:lvl9pPr>
           </a:lstStyle>
           <a:p>
-            <a:pPr indent="0" lvl="0" marL="0" rtl="0" algn="r">
+            <a:pPr marL="0" lvl="0" indent="0" algn="r" rtl="0">
               <a:spcBef>
                 <a:spcPts val="0"/>
               </a:spcBef>
@@ -1965,11 +2035,11 @@
 </file>
 
 <file path=ppt/slideLayouts/slideLayout10.xml><?xml version="1.0" encoding="utf-8"?>
-<p:sldLayout xmlns:a="http://schemas.openxmlformats.org/drawingml/2006/main" xmlns:r="http://schemas.openxmlformats.org/officeDocument/2006/relationships" xmlns:mc="http://schemas.openxmlformats.org/markup-compatibility/2006" xmlns:mv="urn:schemas-microsoft-com:mac:vml" xmlns:p="http://schemas.openxmlformats.org/presentationml/2006/main" xmlns:c="http://schemas.openxmlformats.org/drawingml/2006/chart" xmlns:dgm="http://schemas.openxmlformats.org/drawingml/2006/diagram" xmlns:o="urn:schemas-microsoft-com:office:office" xmlns:v="urn:schemas-microsoft-com:vml" xmlns:pvml="urn:schemas-microsoft-com:office:powerpoint" xmlns:com="http://schemas.openxmlformats.org/drawingml/2006/compatibility" xmlns:p14="http://schemas.microsoft.com/office/powerpoint/2010/main" xmlns:p15="http://schemas.microsoft.com/office/powerpoint/2012/main" matchingName="Big number">
+<p:sldLayout xmlns:a="http://schemas.openxmlformats.org/drawingml/2006/main" xmlns:r="http://schemas.openxmlformats.org/officeDocument/2006/relationships" xmlns:p="http://schemas.openxmlformats.org/presentationml/2006/main" matchingName="Big number">
   <p:cSld name="BIG_NUMBER">
     <p:spTree>
       <p:nvGrpSpPr>
-        <p:cNvPr id="44" name="Shape 44"/>
+        <p:cNvPr id="1" name="Shape 44"/>
         <p:cNvGrpSpPr/>
         <p:nvPr/>
       </p:nvGrpSpPr>
@@ -1984,9 +2054,11 @@
       <p:sp>
         <p:nvSpPr>
           <p:cNvPr id="45" name="Google Shape;45;p11"/>
-          <p:cNvSpPr txBox="1"/>
+          <p:cNvSpPr txBox="1">
+            <a:spLocks noGrp="1"/>
+          </p:cNvSpPr>
           <p:nvPr>
-            <p:ph hasCustomPrompt="1" type="title"/>
+            <p:ph type="title" hasCustomPrompt="1"/>
           </p:nvPr>
         </p:nvSpPr>
         <p:spPr>
@@ -1999,7 +2071,7 @@
           </a:prstGeom>
         </p:spPr>
         <p:txBody>
-          <a:bodyPr anchorCtr="0" anchor="b" bIns="91425" lIns="91425" spcFirstLastPara="1" rIns="91425" wrap="square" tIns="91425">
+          <a:bodyPr spcFirstLastPara="1" wrap="square" lIns="91425" tIns="91425" rIns="91425" bIns="91425" anchor="b" anchorCtr="0">
             <a:noAutofit/>
           </a:bodyPr>
           <a:lstStyle>
@@ -2113,9 +2185,11 @@
       <p:sp>
         <p:nvSpPr>
           <p:cNvPr id="46" name="Google Shape;46;p11"/>
-          <p:cNvSpPr txBox="1"/>
+          <p:cNvSpPr txBox="1">
+            <a:spLocks noGrp="1"/>
+          </p:cNvSpPr>
           <p:nvPr>
-            <p:ph idx="1" type="body"/>
+            <p:ph type="body" idx="1"/>
           </p:nvPr>
         </p:nvSpPr>
         <p:spPr>
@@ -2128,11 +2202,11 @@
           </a:prstGeom>
         </p:spPr>
         <p:txBody>
-          <a:bodyPr anchorCtr="0" anchor="t" bIns="91425" lIns="91425" spcFirstLastPara="1" rIns="91425" wrap="square" tIns="91425">
+          <a:bodyPr spcFirstLastPara="1" wrap="square" lIns="91425" tIns="91425" rIns="91425" bIns="91425" anchor="t" anchorCtr="0">
             <a:noAutofit/>
           </a:bodyPr>
           <a:lstStyle>
-            <a:lvl1pPr indent="-342900" lvl="0" marL="457200" algn="ctr">
+            <a:lvl1pPr marL="457200" lvl="0" indent="-342900" algn="ctr">
               <a:spcBef>
                 <a:spcPts val="0"/>
               </a:spcBef>
@@ -2143,7 +2217,7 @@
               <a:buChar char="●"/>
               <a:defRPr/>
             </a:lvl1pPr>
-            <a:lvl2pPr indent="-317500" lvl="1" marL="914400" algn="ctr">
+            <a:lvl2pPr marL="914400" lvl="1" indent="-317500" algn="ctr">
               <a:spcBef>
                 <a:spcPts val="1600"/>
               </a:spcBef>
@@ -2154,7 +2228,7 @@
               <a:buChar char="○"/>
               <a:defRPr/>
             </a:lvl2pPr>
-            <a:lvl3pPr indent="-317500" lvl="2" marL="1371600" algn="ctr">
+            <a:lvl3pPr marL="1371600" lvl="2" indent="-317500" algn="ctr">
               <a:spcBef>
                 <a:spcPts val="1600"/>
               </a:spcBef>
@@ -2165,7 +2239,7 @@
               <a:buChar char="■"/>
               <a:defRPr/>
             </a:lvl3pPr>
-            <a:lvl4pPr indent="-317500" lvl="3" marL="1828800" algn="ctr">
+            <a:lvl4pPr marL="1828800" lvl="3" indent="-317500" algn="ctr">
               <a:spcBef>
                 <a:spcPts val="1600"/>
               </a:spcBef>
@@ -2176,7 +2250,7 @@
               <a:buChar char="●"/>
               <a:defRPr/>
             </a:lvl4pPr>
-            <a:lvl5pPr indent="-317500" lvl="4" marL="2286000" algn="ctr">
+            <a:lvl5pPr marL="2286000" lvl="4" indent="-317500" algn="ctr">
               <a:spcBef>
                 <a:spcPts val="1600"/>
               </a:spcBef>
@@ -2187,7 +2261,7 @@
               <a:buChar char="○"/>
               <a:defRPr/>
             </a:lvl5pPr>
-            <a:lvl6pPr indent="-317500" lvl="5" marL="2743200" algn="ctr">
+            <a:lvl6pPr marL="2743200" lvl="5" indent="-317500" algn="ctr">
               <a:spcBef>
                 <a:spcPts val="1600"/>
               </a:spcBef>
@@ -2198,7 +2272,7 @@
               <a:buChar char="■"/>
               <a:defRPr/>
             </a:lvl6pPr>
-            <a:lvl7pPr indent="-317500" lvl="6" marL="3200400" algn="ctr">
+            <a:lvl7pPr marL="3200400" lvl="6" indent="-317500" algn="ctr">
               <a:spcBef>
                 <a:spcPts val="1600"/>
               </a:spcBef>
@@ -2209,7 +2283,7 @@
               <a:buChar char="●"/>
               <a:defRPr/>
             </a:lvl7pPr>
-            <a:lvl8pPr indent="-317500" lvl="7" marL="3657600" algn="ctr">
+            <a:lvl8pPr marL="3657600" lvl="7" indent="-317500" algn="ctr">
               <a:spcBef>
                 <a:spcPts val="1600"/>
               </a:spcBef>
@@ -2220,7 +2294,7 @@
               <a:buChar char="○"/>
               <a:defRPr/>
             </a:lvl8pPr>
-            <a:lvl9pPr indent="-317500" lvl="8" marL="4114800" algn="ctr">
+            <a:lvl9pPr marL="4114800" lvl="8" indent="-317500" algn="ctr">
               <a:spcBef>
                 <a:spcPts val="1600"/>
               </a:spcBef>
@@ -2232,15 +2306,19 @@
               <a:defRPr/>
             </a:lvl9pPr>
           </a:lstStyle>
-          <a:p/>
+          <a:p>
+            <a:endParaRPr/>
+          </a:p>
         </p:txBody>
       </p:sp>
       <p:sp>
         <p:nvSpPr>
           <p:cNvPr id="47" name="Google Shape;47;p11"/>
-          <p:cNvSpPr txBox="1"/>
+          <p:cNvSpPr txBox="1">
+            <a:spLocks noGrp="1"/>
+          </p:cNvSpPr>
           <p:nvPr>
-            <p:ph idx="12" type="sldNum"/>
+            <p:ph type="sldNum" idx="12"/>
           </p:nvPr>
         </p:nvSpPr>
         <p:spPr>
@@ -2253,7 +2331,7 @@
           </a:prstGeom>
         </p:spPr>
         <p:txBody>
-          <a:bodyPr anchorCtr="0" anchor="ctr" bIns="91425" lIns="91425" spcFirstLastPara="1" rIns="91425" wrap="square" tIns="91425">
+          <a:bodyPr spcFirstLastPara="1" wrap="square" lIns="91425" tIns="91425" rIns="91425" bIns="91425" anchor="ctr" anchorCtr="0">
             <a:noAutofit/>
           </a:bodyPr>
           <a:lstStyle>
@@ -2295,7 +2373,7 @@
             </a:lvl9pPr>
           </a:lstStyle>
           <a:p>
-            <a:pPr indent="0" lvl="0" marL="0" rtl="0" algn="r">
+            <a:pPr marL="0" lvl="0" indent="0" algn="r" rtl="0">
               <a:spcBef>
                 <a:spcPts val="0"/>
               </a:spcBef>
@@ -2321,11 +2399,11 @@
 </file>
 
 <file path=ppt/slideLayouts/slideLayout11.xml><?xml version="1.0" encoding="utf-8"?>
-<p:sldLayout xmlns:a="http://schemas.openxmlformats.org/drawingml/2006/main" xmlns:r="http://schemas.openxmlformats.org/officeDocument/2006/relationships" xmlns:mc="http://schemas.openxmlformats.org/markup-compatibility/2006" xmlns:mv="urn:schemas-microsoft-com:mac:vml" xmlns:p="http://schemas.openxmlformats.org/presentationml/2006/main" xmlns:c="http://schemas.openxmlformats.org/drawingml/2006/chart" xmlns:dgm="http://schemas.openxmlformats.org/drawingml/2006/diagram" xmlns:o="urn:schemas-microsoft-com:office:office" xmlns:v="urn:schemas-microsoft-com:vml" xmlns:pvml="urn:schemas-microsoft-com:office:powerpoint" xmlns:com="http://schemas.openxmlformats.org/drawingml/2006/compatibility" xmlns:p14="http://schemas.microsoft.com/office/powerpoint/2010/main" xmlns:p15="http://schemas.microsoft.com/office/powerpoint/2012/main" matchingName="Blank" type="blank">
+<p:sldLayout xmlns:a="http://schemas.openxmlformats.org/drawingml/2006/main" xmlns:r="http://schemas.openxmlformats.org/officeDocument/2006/relationships" xmlns:p="http://schemas.openxmlformats.org/presentationml/2006/main" matchingName="Blank" type="blank">
   <p:cSld name="BLANK">
     <p:spTree>
       <p:nvGrpSpPr>
-        <p:cNvPr id="48" name="Shape 48"/>
+        <p:cNvPr id="1" name="Shape 48"/>
         <p:cNvGrpSpPr/>
         <p:nvPr/>
       </p:nvGrpSpPr>
@@ -2340,9 +2418,11 @@
       <p:sp>
         <p:nvSpPr>
           <p:cNvPr id="49" name="Google Shape;49;p12"/>
-          <p:cNvSpPr txBox="1"/>
+          <p:cNvSpPr txBox="1">
+            <a:spLocks noGrp="1"/>
+          </p:cNvSpPr>
           <p:nvPr>
-            <p:ph idx="12" type="sldNum"/>
+            <p:ph type="sldNum" idx="12"/>
           </p:nvPr>
         </p:nvSpPr>
         <p:spPr>
@@ -2355,7 +2435,7 @@
           </a:prstGeom>
         </p:spPr>
         <p:txBody>
-          <a:bodyPr anchorCtr="0" anchor="ctr" bIns="91425" lIns="91425" spcFirstLastPara="1" rIns="91425" wrap="square" tIns="91425">
+          <a:bodyPr spcFirstLastPara="1" wrap="square" lIns="91425" tIns="91425" rIns="91425" bIns="91425" anchor="ctr" anchorCtr="0">
             <a:noAutofit/>
           </a:bodyPr>
           <a:lstStyle>
@@ -2397,7 +2477,7 @@
             </a:lvl9pPr>
           </a:lstStyle>
           <a:p>
-            <a:pPr indent="0" lvl="0" marL="0" rtl="0" algn="r">
+            <a:pPr marL="0" lvl="0" indent="0" algn="r" rtl="0">
               <a:spcBef>
                 <a:spcPts val="0"/>
               </a:spcBef>
@@ -2423,11 +2503,11 @@
 </file>
 
 <file path=ppt/slideLayouts/slideLayout2.xml><?xml version="1.0" encoding="utf-8"?>
-<p:sldLayout xmlns:a="http://schemas.openxmlformats.org/drawingml/2006/main" xmlns:r="http://schemas.openxmlformats.org/officeDocument/2006/relationships" xmlns:mc="http://schemas.openxmlformats.org/markup-compatibility/2006" xmlns:mv="urn:schemas-microsoft-com:mac:vml" xmlns:p="http://schemas.openxmlformats.org/presentationml/2006/main" xmlns:c="http://schemas.openxmlformats.org/drawingml/2006/chart" xmlns:dgm="http://schemas.openxmlformats.org/drawingml/2006/diagram" xmlns:o="urn:schemas-microsoft-com:office:office" xmlns:v="urn:schemas-microsoft-com:vml" xmlns:pvml="urn:schemas-microsoft-com:office:powerpoint" xmlns:com="http://schemas.openxmlformats.org/drawingml/2006/compatibility" xmlns:p14="http://schemas.microsoft.com/office/powerpoint/2010/main" xmlns:p15="http://schemas.microsoft.com/office/powerpoint/2012/main" matchingName="Section header" type="secHead">
+<p:sldLayout xmlns:a="http://schemas.openxmlformats.org/drawingml/2006/main" xmlns:r="http://schemas.openxmlformats.org/officeDocument/2006/relationships" xmlns:p="http://schemas.openxmlformats.org/presentationml/2006/main" matchingName="Section header" type="secHead">
   <p:cSld name="SECTION_HEADER">
     <p:spTree>
       <p:nvGrpSpPr>
-        <p:cNvPr id="13" name="Shape 13"/>
+        <p:cNvPr id="1" name="Shape 13"/>
         <p:cNvGrpSpPr/>
         <p:nvPr/>
       </p:nvGrpSpPr>
@@ -2442,7 +2522,9 @@
       <p:sp>
         <p:nvSpPr>
           <p:cNvPr id="14" name="Google Shape;14;p3"/>
-          <p:cNvSpPr txBox="1"/>
+          <p:cNvSpPr txBox="1">
+            <a:spLocks noGrp="1"/>
+          </p:cNvSpPr>
           <p:nvPr>
             <p:ph type="title"/>
           </p:nvPr>
@@ -2457,7 +2539,7 @@
           </a:prstGeom>
         </p:spPr>
         <p:txBody>
-          <a:bodyPr anchorCtr="0" anchor="ctr" bIns="91425" lIns="91425" spcFirstLastPara="1" rIns="91425" wrap="square" tIns="91425">
+          <a:bodyPr spcFirstLastPara="1" wrap="square" lIns="91425" tIns="91425" rIns="91425" bIns="91425" anchor="ctr" anchorCtr="0">
             <a:noAutofit/>
           </a:bodyPr>
           <a:lstStyle>
@@ -2561,15 +2643,19 @@
               <a:defRPr sz="3600"/>
             </a:lvl9pPr>
           </a:lstStyle>
-          <a:p/>
+          <a:p>
+            <a:endParaRPr/>
+          </a:p>
         </p:txBody>
       </p:sp>
       <p:sp>
         <p:nvSpPr>
           <p:cNvPr id="15" name="Google Shape;15;p3"/>
-          <p:cNvSpPr txBox="1"/>
+          <p:cNvSpPr txBox="1">
+            <a:spLocks noGrp="1"/>
+          </p:cNvSpPr>
           <p:nvPr>
-            <p:ph idx="12" type="sldNum"/>
+            <p:ph type="sldNum" idx="12"/>
           </p:nvPr>
         </p:nvSpPr>
         <p:spPr>
@@ -2582,7 +2668,7 @@
           </a:prstGeom>
         </p:spPr>
         <p:txBody>
-          <a:bodyPr anchorCtr="0" anchor="ctr" bIns="91425" lIns="91425" spcFirstLastPara="1" rIns="91425" wrap="square" tIns="91425">
+          <a:bodyPr spcFirstLastPara="1" wrap="square" lIns="91425" tIns="91425" rIns="91425" bIns="91425" anchor="ctr" anchorCtr="0">
             <a:noAutofit/>
           </a:bodyPr>
           <a:lstStyle>
@@ -2624,7 +2710,7 @@
             </a:lvl9pPr>
           </a:lstStyle>
           <a:p>
-            <a:pPr indent="0" lvl="0" marL="0" rtl="0" algn="r">
+            <a:pPr marL="0" lvl="0" indent="0" algn="r" rtl="0">
               <a:spcBef>
                 <a:spcPts val="0"/>
               </a:spcBef>
@@ -2650,11 +2736,11 @@
 </file>
 
 <file path=ppt/slideLayouts/slideLayout3.xml><?xml version="1.0" encoding="utf-8"?>
-<p:sldLayout xmlns:a="http://schemas.openxmlformats.org/drawingml/2006/main" xmlns:r="http://schemas.openxmlformats.org/officeDocument/2006/relationships" xmlns:mc="http://schemas.openxmlformats.org/markup-compatibility/2006" xmlns:mv="urn:schemas-microsoft-com:mac:vml" xmlns:p="http://schemas.openxmlformats.org/presentationml/2006/main" xmlns:c="http://schemas.openxmlformats.org/drawingml/2006/chart" xmlns:dgm="http://schemas.openxmlformats.org/drawingml/2006/diagram" xmlns:o="urn:schemas-microsoft-com:office:office" xmlns:v="urn:schemas-microsoft-com:vml" xmlns:pvml="urn:schemas-microsoft-com:office:powerpoint" xmlns:com="http://schemas.openxmlformats.org/drawingml/2006/compatibility" xmlns:p14="http://schemas.microsoft.com/office/powerpoint/2010/main" xmlns:p15="http://schemas.microsoft.com/office/powerpoint/2012/main" matchingName="Title and body" type="tx">
+<p:sldLayout xmlns:a="http://schemas.openxmlformats.org/drawingml/2006/main" xmlns:r="http://schemas.openxmlformats.org/officeDocument/2006/relationships" xmlns:p="http://schemas.openxmlformats.org/presentationml/2006/main" matchingName="Title and body" type="tx">
   <p:cSld name="TITLE_AND_BODY">
     <p:spTree>
       <p:nvGrpSpPr>
-        <p:cNvPr id="16" name="Shape 16"/>
+        <p:cNvPr id="1" name="Shape 16"/>
         <p:cNvGrpSpPr/>
         <p:nvPr/>
       </p:nvGrpSpPr>
@@ -2669,7 +2755,9 @@
       <p:sp>
         <p:nvSpPr>
           <p:cNvPr id="17" name="Google Shape;17;p4"/>
-          <p:cNvSpPr txBox="1"/>
+          <p:cNvSpPr txBox="1">
+            <a:spLocks noGrp="1"/>
+          </p:cNvSpPr>
           <p:nvPr>
             <p:ph type="title"/>
           </p:nvPr>
@@ -2684,7 +2772,7 @@
           </a:prstGeom>
         </p:spPr>
         <p:txBody>
-          <a:bodyPr anchorCtr="0" anchor="t" bIns="91425" lIns="91425" spcFirstLastPara="1" rIns="91425" wrap="square" tIns="91425">
+          <a:bodyPr spcFirstLastPara="1" wrap="square" lIns="91425" tIns="91425" rIns="91425" bIns="91425" anchor="t" anchorCtr="0">
             <a:noAutofit/>
           </a:bodyPr>
           <a:lstStyle>
@@ -2788,15 +2876,19 @@
               <a:defRPr/>
             </a:lvl9pPr>
           </a:lstStyle>
-          <a:p/>
+          <a:p>
+            <a:endParaRPr/>
+          </a:p>
         </p:txBody>
       </p:sp>
       <p:sp>
         <p:nvSpPr>
           <p:cNvPr id="18" name="Google Shape;18;p4"/>
-          <p:cNvSpPr txBox="1"/>
+          <p:cNvSpPr txBox="1">
+            <a:spLocks noGrp="1"/>
+          </p:cNvSpPr>
           <p:nvPr>
-            <p:ph idx="1" type="body"/>
+            <p:ph type="body" idx="1"/>
           </p:nvPr>
         </p:nvSpPr>
         <p:spPr>
@@ -2809,11 +2901,11 @@
           </a:prstGeom>
         </p:spPr>
         <p:txBody>
-          <a:bodyPr anchorCtr="0" anchor="t" bIns="91425" lIns="91425" spcFirstLastPara="1" rIns="91425" wrap="square" tIns="91425">
+          <a:bodyPr spcFirstLastPara="1" wrap="square" lIns="91425" tIns="91425" rIns="91425" bIns="91425" anchor="t" anchorCtr="0">
             <a:noAutofit/>
           </a:bodyPr>
           <a:lstStyle>
-            <a:lvl1pPr indent="-342900" lvl="0" marL="457200">
+            <a:lvl1pPr marL="457200" lvl="0" indent="-342900">
               <a:spcBef>
                 <a:spcPts val="0"/>
               </a:spcBef>
@@ -2824,7 +2916,7 @@
               <a:buChar char="●"/>
               <a:defRPr/>
             </a:lvl1pPr>
-            <a:lvl2pPr indent="-317500" lvl="1" marL="914400">
+            <a:lvl2pPr marL="914400" lvl="1" indent="-317500">
               <a:spcBef>
                 <a:spcPts val="1600"/>
               </a:spcBef>
@@ -2835,7 +2927,7 @@
               <a:buChar char="○"/>
               <a:defRPr/>
             </a:lvl2pPr>
-            <a:lvl3pPr indent="-317500" lvl="2" marL="1371600">
+            <a:lvl3pPr marL="1371600" lvl="2" indent="-317500">
               <a:spcBef>
                 <a:spcPts val="1600"/>
               </a:spcBef>
@@ -2846,7 +2938,7 @@
               <a:buChar char="■"/>
               <a:defRPr/>
             </a:lvl3pPr>
-            <a:lvl4pPr indent="-317500" lvl="3" marL="1828800">
+            <a:lvl4pPr marL="1828800" lvl="3" indent="-317500">
               <a:spcBef>
                 <a:spcPts val="1600"/>
               </a:spcBef>
@@ -2857,7 +2949,7 @@
               <a:buChar char="●"/>
               <a:defRPr/>
             </a:lvl4pPr>
-            <a:lvl5pPr indent="-317500" lvl="4" marL="2286000">
+            <a:lvl5pPr marL="2286000" lvl="4" indent="-317500">
               <a:spcBef>
                 <a:spcPts val="1600"/>
               </a:spcBef>
@@ -2868,7 +2960,7 @@
               <a:buChar char="○"/>
               <a:defRPr/>
             </a:lvl5pPr>
-            <a:lvl6pPr indent="-317500" lvl="5" marL="2743200">
+            <a:lvl6pPr marL="2743200" lvl="5" indent="-317500">
               <a:spcBef>
                 <a:spcPts val="1600"/>
               </a:spcBef>
@@ -2879,7 +2971,7 @@
               <a:buChar char="■"/>
               <a:defRPr/>
             </a:lvl6pPr>
-            <a:lvl7pPr indent="-317500" lvl="6" marL="3200400">
+            <a:lvl7pPr marL="3200400" lvl="6" indent="-317500">
               <a:spcBef>
                 <a:spcPts val="1600"/>
               </a:spcBef>
@@ -2890,7 +2982,7 @@
               <a:buChar char="●"/>
               <a:defRPr/>
             </a:lvl7pPr>
-            <a:lvl8pPr indent="-317500" lvl="7" marL="3657600">
+            <a:lvl8pPr marL="3657600" lvl="7" indent="-317500">
               <a:spcBef>
                 <a:spcPts val="1600"/>
               </a:spcBef>
@@ -2901,7 +2993,7 @@
               <a:buChar char="○"/>
               <a:defRPr/>
             </a:lvl8pPr>
-            <a:lvl9pPr indent="-317500" lvl="8" marL="4114800">
+            <a:lvl9pPr marL="4114800" lvl="8" indent="-317500">
               <a:spcBef>
                 <a:spcPts val="1600"/>
               </a:spcBef>
@@ -2913,15 +3005,19 @@
               <a:defRPr/>
             </a:lvl9pPr>
           </a:lstStyle>
-          <a:p/>
+          <a:p>
+            <a:endParaRPr/>
+          </a:p>
         </p:txBody>
       </p:sp>
       <p:sp>
         <p:nvSpPr>
           <p:cNvPr id="19" name="Google Shape;19;p4"/>
-          <p:cNvSpPr txBox="1"/>
+          <p:cNvSpPr txBox="1">
+            <a:spLocks noGrp="1"/>
+          </p:cNvSpPr>
           <p:nvPr>
-            <p:ph idx="12" type="sldNum"/>
+            <p:ph type="sldNum" idx="12"/>
           </p:nvPr>
         </p:nvSpPr>
         <p:spPr>
@@ -2934,7 +3030,7 @@
           </a:prstGeom>
         </p:spPr>
         <p:txBody>
-          <a:bodyPr anchorCtr="0" anchor="ctr" bIns="91425" lIns="91425" spcFirstLastPara="1" rIns="91425" wrap="square" tIns="91425">
+          <a:bodyPr spcFirstLastPara="1" wrap="square" lIns="91425" tIns="91425" rIns="91425" bIns="91425" anchor="ctr" anchorCtr="0">
             <a:noAutofit/>
           </a:bodyPr>
           <a:lstStyle>
@@ -2976,7 +3072,7 @@
             </a:lvl9pPr>
           </a:lstStyle>
           <a:p>
-            <a:pPr indent="0" lvl="0" marL="0" rtl="0" algn="r">
+            <a:pPr marL="0" lvl="0" indent="0" algn="r" rtl="0">
               <a:spcBef>
                 <a:spcPts val="0"/>
               </a:spcBef>
@@ -3002,11 +3098,11 @@
 </file>
 
 <file path=ppt/slideLayouts/slideLayout4.xml><?xml version="1.0" encoding="utf-8"?>
-<p:sldLayout xmlns:a="http://schemas.openxmlformats.org/drawingml/2006/main" xmlns:r="http://schemas.openxmlformats.org/officeDocument/2006/relationships" xmlns:mc="http://schemas.openxmlformats.org/markup-compatibility/2006" xmlns:mv="urn:schemas-microsoft-com:mac:vml" xmlns:p="http://schemas.openxmlformats.org/presentationml/2006/main" xmlns:c="http://schemas.openxmlformats.org/drawingml/2006/chart" xmlns:dgm="http://schemas.openxmlformats.org/drawingml/2006/diagram" xmlns:o="urn:schemas-microsoft-com:office:office" xmlns:v="urn:schemas-microsoft-com:vml" xmlns:pvml="urn:schemas-microsoft-com:office:powerpoint" xmlns:com="http://schemas.openxmlformats.org/drawingml/2006/compatibility" xmlns:p14="http://schemas.microsoft.com/office/powerpoint/2010/main" xmlns:p15="http://schemas.microsoft.com/office/powerpoint/2012/main" matchingName="Title and two columns" type="twoColTx">
+<p:sldLayout xmlns:a="http://schemas.openxmlformats.org/drawingml/2006/main" xmlns:r="http://schemas.openxmlformats.org/officeDocument/2006/relationships" xmlns:p="http://schemas.openxmlformats.org/presentationml/2006/main" matchingName="Title and two columns" type="twoColTx">
   <p:cSld name="TITLE_AND_TWO_COLUMNS">
     <p:spTree>
       <p:nvGrpSpPr>
-        <p:cNvPr id="20" name="Shape 20"/>
+        <p:cNvPr id="1" name="Shape 20"/>
         <p:cNvGrpSpPr/>
         <p:nvPr/>
       </p:nvGrpSpPr>
@@ -3021,7 +3117,9 @@
       <p:sp>
         <p:nvSpPr>
           <p:cNvPr id="21" name="Google Shape;21;p5"/>
-          <p:cNvSpPr txBox="1"/>
+          <p:cNvSpPr txBox="1">
+            <a:spLocks noGrp="1"/>
+          </p:cNvSpPr>
           <p:nvPr>
             <p:ph type="title"/>
           </p:nvPr>
@@ -3036,7 +3134,7 @@
           </a:prstGeom>
         </p:spPr>
         <p:txBody>
-          <a:bodyPr anchorCtr="0" anchor="t" bIns="91425" lIns="91425" spcFirstLastPara="1" rIns="91425" wrap="square" tIns="91425">
+          <a:bodyPr spcFirstLastPara="1" wrap="square" lIns="91425" tIns="91425" rIns="91425" bIns="91425" anchor="t" anchorCtr="0">
             <a:noAutofit/>
           </a:bodyPr>
           <a:lstStyle>
@@ -3140,15 +3238,19 @@
               <a:defRPr/>
             </a:lvl9pPr>
           </a:lstStyle>
-          <a:p/>
+          <a:p>
+            <a:endParaRPr/>
+          </a:p>
         </p:txBody>
       </p:sp>
       <p:sp>
         <p:nvSpPr>
           <p:cNvPr id="22" name="Google Shape;22;p5"/>
-          <p:cNvSpPr txBox="1"/>
+          <p:cNvSpPr txBox="1">
+            <a:spLocks noGrp="1"/>
+          </p:cNvSpPr>
           <p:nvPr>
-            <p:ph idx="1" type="body"/>
+            <p:ph type="body" idx="1"/>
           </p:nvPr>
         </p:nvSpPr>
         <p:spPr>
@@ -3161,11 +3263,11 @@
           </a:prstGeom>
         </p:spPr>
         <p:txBody>
-          <a:bodyPr anchorCtr="0" anchor="t" bIns="91425" lIns="91425" spcFirstLastPara="1" rIns="91425" wrap="square" tIns="91425">
+          <a:bodyPr spcFirstLastPara="1" wrap="square" lIns="91425" tIns="91425" rIns="91425" bIns="91425" anchor="t" anchorCtr="0">
             <a:noAutofit/>
           </a:bodyPr>
           <a:lstStyle>
-            <a:lvl1pPr indent="-317500" lvl="0" marL="457200">
+            <a:lvl1pPr marL="457200" lvl="0" indent="-317500">
               <a:spcBef>
                 <a:spcPts val="0"/>
               </a:spcBef>
@@ -3176,7 +3278,7 @@
               <a:buChar char="●"/>
               <a:defRPr sz="1400"/>
             </a:lvl1pPr>
-            <a:lvl2pPr indent="-304800" lvl="1" marL="914400">
+            <a:lvl2pPr marL="914400" lvl="1" indent="-304800">
               <a:spcBef>
                 <a:spcPts val="1600"/>
               </a:spcBef>
@@ -3187,7 +3289,7 @@
               <a:buChar char="○"/>
               <a:defRPr sz="1200"/>
             </a:lvl2pPr>
-            <a:lvl3pPr indent="-304800" lvl="2" marL="1371600">
+            <a:lvl3pPr marL="1371600" lvl="2" indent="-304800">
               <a:spcBef>
                 <a:spcPts val="1600"/>
               </a:spcBef>
@@ -3198,7 +3300,7 @@
               <a:buChar char="■"/>
               <a:defRPr sz="1200"/>
             </a:lvl3pPr>
-            <a:lvl4pPr indent="-304800" lvl="3" marL="1828800">
+            <a:lvl4pPr marL="1828800" lvl="3" indent="-304800">
               <a:spcBef>
                 <a:spcPts val="1600"/>
               </a:spcBef>
@@ -3209,7 +3311,7 @@
               <a:buChar char="●"/>
               <a:defRPr sz="1200"/>
             </a:lvl4pPr>
-            <a:lvl5pPr indent="-304800" lvl="4" marL="2286000">
+            <a:lvl5pPr marL="2286000" lvl="4" indent="-304800">
               <a:spcBef>
                 <a:spcPts val="1600"/>
               </a:spcBef>
@@ -3220,7 +3322,7 @@
               <a:buChar char="○"/>
               <a:defRPr sz="1200"/>
             </a:lvl5pPr>
-            <a:lvl6pPr indent="-304800" lvl="5" marL="2743200">
+            <a:lvl6pPr marL="2743200" lvl="5" indent="-304800">
               <a:spcBef>
                 <a:spcPts val="1600"/>
               </a:spcBef>
@@ -3231,7 +3333,7 @@
               <a:buChar char="■"/>
               <a:defRPr sz="1200"/>
             </a:lvl6pPr>
-            <a:lvl7pPr indent="-304800" lvl="6" marL="3200400">
+            <a:lvl7pPr marL="3200400" lvl="6" indent="-304800">
               <a:spcBef>
                 <a:spcPts val="1600"/>
               </a:spcBef>
@@ -3242,7 +3344,7 @@
               <a:buChar char="●"/>
               <a:defRPr sz="1200"/>
             </a:lvl7pPr>
-            <a:lvl8pPr indent="-304800" lvl="7" marL="3657600">
+            <a:lvl8pPr marL="3657600" lvl="7" indent="-304800">
               <a:spcBef>
                 <a:spcPts val="1600"/>
               </a:spcBef>
@@ -3253,7 +3355,7 @@
               <a:buChar char="○"/>
               <a:defRPr sz="1200"/>
             </a:lvl8pPr>
-            <a:lvl9pPr indent="-304800" lvl="8" marL="4114800">
+            <a:lvl9pPr marL="4114800" lvl="8" indent="-304800">
               <a:spcBef>
                 <a:spcPts val="1600"/>
               </a:spcBef>
@@ -3265,15 +3367,19 @@
               <a:defRPr sz="1200"/>
             </a:lvl9pPr>
           </a:lstStyle>
-          <a:p/>
+          <a:p>
+            <a:endParaRPr/>
+          </a:p>
         </p:txBody>
       </p:sp>
       <p:sp>
         <p:nvSpPr>
           <p:cNvPr id="23" name="Google Shape;23;p5"/>
-          <p:cNvSpPr txBox="1"/>
+          <p:cNvSpPr txBox="1">
+            <a:spLocks noGrp="1"/>
+          </p:cNvSpPr>
           <p:nvPr>
-            <p:ph idx="2" type="body"/>
+            <p:ph type="body" idx="2"/>
           </p:nvPr>
         </p:nvSpPr>
         <p:spPr>
@@ -3286,11 +3392,11 @@
           </a:prstGeom>
         </p:spPr>
         <p:txBody>
-          <a:bodyPr anchorCtr="0" anchor="t" bIns="91425" lIns="91425" spcFirstLastPara="1" rIns="91425" wrap="square" tIns="91425">
+          <a:bodyPr spcFirstLastPara="1" wrap="square" lIns="91425" tIns="91425" rIns="91425" bIns="91425" anchor="t" anchorCtr="0">
             <a:noAutofit/>
           </a:bodyPr>
           <a:lstStyle>
-            <a:lvl1pPr indent="-317500" lvl="0" marL="457200">
+            <a:lvl1pPr marL="457200" lvl="0" indent="-317500">
               <a:spcBef>
                 <a:spcPts val="0"/>
               </a:spcBef>
@@ -3301,7 +3407,7 @@
               <a:buChar char="●"/>
               <a:defRPr sz="1400"/>
             </a:lvl1pPr>
-            <a:lvl2pPr indent="-304800" lvl="1" marL="914400">
+            <a:lvl2pPr marL="914400" lvl="1" indent="-304800">
               <a:spcBef>
                 <a:spcPts val="1600"/>
               </a:spcBef>
@@ -3312,7 +3418,7 @@
               <a:buChar char="○"/>
               <a:defRPr sz="1200"/>
             </a:lvl2pPr>
-            <a:lvl3pPr indent="-304800" lvl="2" marL="1371600">
+            <a:lvl3pPr marL="1371600" lvl="2" indent="-304800">
               <a:spcBef>
                 <a:spcPts val="1600"/>
               </a:spcBef>
@@ -3323,7 +3429,7 @@
               <a:buChar char="■"/>
               <a:defRPr sz="1200"/>
             </a:lvl3pPr>
-            <a:lvl4pPr indent="-304800" lvl="3" marL="1828800">
+            <a:lvl4pPr marL="1828800" lvl="3" indent="-304800">
               <a:spcBef>
                 <a:spcPts val="1600"/>
               </a:spcBef>
@@ -3334,7 +3440,7 @@
               <a:buChar char="●"/>
               <a:defRPr sz="1200"/>
             </a:lvl4pPr>
-            <a:lvl5pPr indent="-304800" lvl="4" marL="2286000">
+            <a:lvl5pPr marL="2286000" lvl="4" indent="-304800">
               <a:spcBef>
                 <a:spcPts val="1600"/>
               </a:spcBef>
@@ -3345,7 +3451,7 @@
               <a:buChar char="○"/>
               <a:defRPr sz="1200"/>
             </a:lvl5pPr>
-            <a:lvl6pPr indent="-304800" lvl="5" marL="2743200">
+            <a:lvl6pPr marL="2743200" lvl="5" indent="-304800">
               <a:spcBef>
                 <a:spcPts val="1600"/>
               </a:spcBef>
@@ -3356,7 +3462,7 @@
               <a:buChar char="■"/>
               <a:defRPr sz="1200"/>
             </a:lvl6pPr>
-            <a:lvl7pPr indent="-304800" lvl="6" marL="3200400">
+            <a:lvl7pPr marL="3200400" lvl="6" indent="-304800">
               <a:spcBef>
                 <a:spcPts val="1600"/>
               </a:spcBef>
@@ -3367,7 +3473,7 @@
               <a:buChar char="●"/>
               <a:defRPr sz="1200"/>
             </a:lvl7pPr>
-            <a:lvl8pPr indent="-304800" lvl="7" marL="3657600">
+            <a:lvl8pPr marL="3657600" lvl="7" indent="-304800">
               <a:spcBef>
                 <a:spcPts val="1600"/>
               </a:spcBef>
@@ -3378,7 +3484,7 @@
               <a:buChar char="○"/>
               <a:defRPr sz="1200"/>
             </a:lvl8pPr>
-            <a:lvl9pPr indent="-304800" lvl="8" marL="4114800">
+            <a:lvl9pPr marL="4114800" lvl="8" indent="-304800">
               <a:spcBef>
                 <a:spcPts val="1600"/>
               </a:spcBef>
@@ -3390,15 +3496,19 @@
               <a:defRPr sz="1200"/>
             </a:lvl9pPr>
           </a:lstStyle>
-          <a:p/>
+          <a:p>
+            <a:endParaRPr/>
+          </a:p>
         </p:txBody>
       </p:sp>
       <p:sp>
         <p:nvSpPr>
           <p:cNvPr id="24" name="Google Shape;24;p5"/>
-          <p:cNvSpPr txBox="1"/>
+          <p:cNvSpPr txBox="1">
+            <a:spLocks noGrp="1"/>
+          </p:cNvSpPr>
           <p:nvPr>
-            <p:ph idx="12" type="sldNum"/>
+            <p:ph type="sldNum" idx="12"/>
           </p:nvPr>
         </p:nvSpPr>
         <p:spPr>
@@ -3411,7 +3521,7 @@
           </a:prstGeom>
         </p:spPr>
         <p:txBody>
-          <a:bodyPr anchorCtr="0" anchor="ctr" bIns="91425" lIns="91425" spcFirstLastPara="1" rIns="91425" wrap="square" tIns="91425">
+          <a:bodyPr spcFirstLastPara="1" wrap="square" lIns="91425" tIns="91425" rIns="91425" bIns="91425" anchor="ctr" anchorCtr="0">
             <a:noAutofit/>
           </a:bodyPr>
           <a:lstStyle>
@@ -3453,7 +3563,7 @@
             </a:lvl9pPr>
           </a:lstStyle>
           <a:p>
-            <a:pPr indent="0" lvl="0" marL="0" rtl="0" algn="r">
+            <a:pPr marL="0" lvl="0" indent="0" algn="r" rtl="0">
               <a:spcBef>
                 <a:spcPts val="0"/>
               </a:spcBef>
@@ -3479,11 +3589,11 @@
 </file>
 
 <file path=ppt/slideLayouts/slideLayout5.xml><?xml version="1.0" encoding="utf-8"?>
-<p:sldLayout xmlns:a="http://schemas.openxmlformats.org/drawingml/2006/main" xmlns:r="http://schemas.openxmlformats.org/officeDocument/2006/relationships" xmlns:mc="http://schemas.openxmlformats.org/markup-compatibility/2006" xmlns:mv="urn:schemas-microsoft-com:mac:vml" xmlns:p="http://schemas.openxmlformats.org/presentationml/2006/main" xmlns:c="http://schemas.openxmlformats.org/drawingml/2006/chart" xmlns:dgm="http://schemas.openxmlformats.org/drawingml/2006/diagram" xmlns:o="urn:schemas-microsoft-com:office:office" xmlns:v="urn:schemas-microsoft-com:vml" xmlns:pvml="urn:schemas-microsoft-com:office:powerpoint" xmlns:com="http://schemas.openxmlformats.org/drawingml/2006/compatibility" xmlns:p14="http://schemas.microsoft.com/office/powerpoint/2010/main" xmlns:p15="http://schemas.microsoft.com/office/powerpoint/2012/main" matchingName="Title only" type="titleOnly">
+<p:sldLayout xmlns:a="http://schemas.openxmlformats.org/drawingml/2006/main" xmlns:r="http://schemas.openxmlformats.org/officeDocument/2006/relationships" xmlns:p="http://schemas.openxmlformats.org/presentationml/2006/main" matchingName="Title only" type="titleOnly">
   <p:cSld name="TITLE_ONLY">
     <p:spTree>
       <p:nvGrpSpPr>
-        <p:cNvPr id="25" name="Shape 25"/>
+        <p:cNvPr id="1" name="Shape 25"/>
         <p:cNvGrpSpPr/>
         <p:nvPr/>
       </p:nvGrpSpPr>
@@ -3498,7 +3608,9 @@
       <p:sp>
         <p:nvSpPr>
           <p:cNvPr id="26" name="Google Shape;26;p6"/>
-          <p:cNvSpPr txBox="1"/>
+          <p:cNvSpPr txBox="1">
+            <a:spLocks noGrp="1"/>
+          </p:cNvSpPr>
           <p:nvPr>
             <p:ph type="title"/>
           </p:nvPr>
@@ -3513,7 +3625,7 @@
           </a:prstGeom>
         </p:spPr>
         <p:txBody>
-          <a:bodyPr anchorCtr="0" anchor="t" bIns="91425" lIns="91425" spcFirstLastPara="1" rIns="91425" wrap="square" tIns="91425">
+          <a:bodyPr spcFirstLastPara="1" wrap="square" lIns="91425" tIns="91425" rIns="91425" bIns="91425" anchor="t" anchorCtr="0">
             <a:noAutofit/>
           </a:bodyPr>
           <a:lstStyle>
@@ -3617,15 +3729,19 @@
               <a:defRPr/>
             </a:lvl9pPr>
           </a:lstStyle>
-          <a:p/>
+          <a:p>
+            <a:endParaRPr/>
+          </a:p>
         </p:txBody>
       </p:sp>
       <p:sp>
         <p:nvSpPr>
           <p:cNvPr id="27" name="Google Shape;27;p6"/>
-          <p:cNvSpPr txBox="1"/>
+          <p:cNvSpPr txBox="1">
+            <a:spLocks noGrp="1"/>
+          </p:cNvSpPr>
           <p:nvPr>
-            <p:ph idx="12" type="sldNum"/>
+            <p:ph type="sldNum" idx="12"/>
           </p:nvPr>
         </p:nvSpPr>
         <p:spPr>
@@ -3638,7 +3754,7 @@
           </a:prstGeom>
         </p:spPr>
         <p:txBody>
-          <a:bodyPr anchorCtr="0" anchor="ctr" bIns="91425" lIns="91425" spcFirstLastPara="1" rIns="91425" wrap="square" tIns="91425">
+          <a:bodyPr spcFirstLastPara="1" wrap="square" lIns="91425" tIns="91425" rIns="91425" bIns="91425" anchor="ctr" anchorCtr="0">
             <a:noAutofit/>
           </a:bodyPr>
           <a:lstStyle>
@@ -3680,7 +3796,7 @@
             </a:lvl9pPr>
           </a:lstStyle>
           <a:p>
-            <a:pPr indent="0" lvl="0" marL="0" rtl="0" algn="r">
+            <a:pPr marL="0" lvl="0" indent="0" algn="r" rtl="0">
               <a:spcBef>
                 <a:spcPts val="0"/>
               </a:spcBef>
@@ -3706,11 +3822,11 @@
 </file>
 
 <file path=ppt/slideLayouts/slideLayout6.xml><?xml version="1.0" encoding="utf-8"?>
-<p:sldLayout xmlns:a="http://schemas.openxmlformats.org/drawingml/2006/main" xmlns:r="http://schemas.openxmlformats.org/officeDocument/2006/relationships" xmlns:mc="http://schemas.openxmlformats.org/markup-compatibility/2006" xmlns:mv="urn:schemas-microsoft-com:mac:vml" xmlns:p="http://schemas.openxmlformats.org/presentationml/2006/main" xmlns:c="http://schemas.openxmlformats.org/drawingml/2006/chart" xmlns:dgm="http://schemas.openxmlformats.org/drawingml/2006/diagram" xmlns:o="urn:schemas-microsoft-com:office:office" xmlns:v="urn:schemas-microsoft-com:vml" xmlns:pvml="urn:schemas-microsoft-com:office:powerpoint" xmlns:com="http://schemas.openxmlformats.org/drawingml/2006/compatibility" xmlns:p14="http://schemas.microsoft.com/office/powerpoint/2010/main" xmlns:p15="http://schemas.microsoft.com/office/powerpoint/2012/main" matchingName="One column text">
+<p:sldLayout xmlns:a="http://schemas.openxmlformats.org/drawingml/2006/main" xmlns:r="http://schemas.openxmlformats.org/officeDocument/2006/relationships" xmlns:p="http://schemas.openxmlformats.org/presentationml/2006/main" matchingName="One column text">
   <p:cSld name="ONE_COLUMN_TEXT">
     <p:spTree>
       <p:nvGrpSpPr>
-        <p:cNvPr id="28" name="Shape 28"/>
+        <p:cNvPr id="1" name="Shape 28"/>
         <p:cNvGrpSpPr/>
         <p:nvPr/>
       </p:nvGrpSpPr>
@@ -3725,7 +3841,9 @@
       <p:sp>
         <p:nvSpPr>
           <p:cNvPr id="29" name="Google Shape;29;p7"/>
-          <p:cNvSpPr txBox="1"/>
+          <p:cNvSpPr txBox="1">
+            <a:spLocks noGrp="1"/>
+          </p:cNvSpPr>
           <p:nvPr>
             <p:ph type="title"/>
           </p:nvPr>
@@ -3740,7 +3858,7 @@
           </a:prstGeom>
         </p:spPr>
         <p:txBody>
-          <a:bodyPr anchorCtr="0" anchor="b" bIns="91425" lIns="91425" spcFirstLastPara="1" rIns="91425" wrap="square" tIns="91425">
+          <a:bodyPr spcFirstLastPara="1" wrap="square" lIns="91425" tIns="91425" rIns="91425" bIns="91425" anchor="b" anchorCtr="0">
             <a:noAutofit/>
           </a:bodyPr>
           <a:lstStyle>
@@ -3844,15 +3962,19 @@
               <a:defRPr sz="2400"/>
             </a:lvl9pPr>
           </a:lstStyle>
-          <a:p/>
+          <a:p>
+            <a:endParaRPr/>
+          </a:p>
         </p:txBody>
       </p:sp>
       <p:sp>
         <p:nvSpPr>
           <p:cNvPr id="30" name="Google Shape;30;p7"/>
-          <p:cNvSpPr txBox="1"/>
+          <p:cNvSpPr txBox="1">
+            <a:spLocks noGrp="1"/>
+          </p:cNvSpPr>
           <p:nvPr>
-            <p:ph idx="1" type="body"/>
+            <p:ph type="body" idx="1"/>
           </p:nvPr>
         </p:nvSpPr>
         <p:spPr>
@@ -3865,11 +3987,11 @@
           </a:prstGeom>
         </p:spPr>
         <p:txBody>
-          <a:bodyPr anchorCtr="0" anchor="t" bIns="91425" lIns="91425" spcFirstLastPara="1" rIns="91425" wrap="square" tIns="91425">
+          <a:bodyPr spcFirstLastPara="1" wrap="square" lIns="91425" tIns="91425" rIns="91425" bIns="91425" anchor="t" anchorCtr="0">
             <a:noAutofit/>
           </a:bodyPr>
           <a:lstStyle>
-            <a:lvl1pPr indent="-304800" lvl="0" marL="457200">
+            <a:lvl1pPr marL="457200" lvl="0" indent="-304800">
               <a:spcBef>
                 <a:spcPts val="0"/>
               </a:spcBef>
@@ -3880,7 +4002,7 @@
               <a:buChar char="●"/>
               <a:defRPr sz="1200"/>
             </a:lvl1pPr>
-            <a:lvl2pPr indent="-304800" lvl="1" marL="914400">
+            <a:lvl2pPr marL="914400" lvl="1" indent="-304800">
               <a:spcBef>
                 <a:spcPts val="1600"/>
               </a:spcBef>
@@ -3891,7 +4013,7 @@
               <a:buChar char="○"/>
               <a:defRPr sz="1200"/>
             </a:lvl2pPr>
-            <a:lvl3pPr indent="-304800" lvl="2" marL="1371600">
+            <a:lvl3pPr marL="1371600" lvl="2" indent="-304800">
               <a:spcBef>
                 <a:spcPts val="1600"/>
               </a:spcBef>
@@ -3902,7 +4024,7 @@
               <a:buChar char="■"/>
               <a:defRPr sz="1200"/>
             </a:lvl3pPr>
-            <a:lvl4pPr indent="-304800" lvl="3" marL="1828800">
+            <a:lvl4pPr marL="1828800" lvl="3" indent="-304800">
               <a:spcBef>
                 <a:spcPts val="1600"/>
               </a:spcBef>
@@ -3913,7 +4035,7 @@
               <a:buChar char="●"/>
               <a:defRPr sz="1200"/>
             </a:lvl4pPr>
-            <a:lvl5pPr indent="-304800" lvl="4" marL="2286000">
+            <a:lvl5pPr marL="2286000" lvl="4" indent="-304800">
               <a:spcBef>
                 <a:spcPts val="1600"/>
               </a:spcBef>
@@ -3924,7 +4046,7 @@
               <a:buChar char="○"/>
               <a:defRPr sz="1200"/>
             </a:lvl5pPr>
-            <a:lvl6pPr indent="-304800" lvl="5" marL="2743200">
+            <a:lvl6pPr marL="2743200" lvl="5" indent="-304800">
               <a:spcBef>
                 <a:spcPts val="1600"/>
               </a:spcBef>
@@ -3935,7 +4057,7 @@
               <a:buChar char="■"/>
               <a:defRPr sz="1200"/>
             </a:lvl6pPr>
-            <a:lvl7pPr indent="-304800" lvl="6" marL="3200400">
+            <a:lvl7pPr marL="3200400" lvl="6" indent="-304800">
               <a:spcBef>
                 <a:spcPts val="1600"/>
               </a:spcBef>
@@ -3946,7 +4068,7 @@
               <a:buChar char="●"/>
               <a:defRPr sz="1200"/>
             </a:lvl7pPr>
-            <a:lvl8pPr indent="-304800" lvl="7" marL="3657600">
+            <a:lvl8pPr marL="3657600" lvl="7" indent="-304800">
               <a:spcBef>
                 <a:spcPts val="1600"/>
               </a:spcBef>
@@ -3957,7 +4079,7 @@
               <a:buChar char="○"/>
               <a:defRPr sz="1200"/>
             </a:lvl8pPr>
-            <a:lvl9pPr indent="-304800" lvl="8" marL="4114800">
+            <a:lvl9pPr marL="4114800" lvl="8" indent="-304800">
               <a:spcBef>
                 <a:spcPts val="1600"/>
               </a:spcBef>
@@ -3969,15 +4091,19 @@
               <a:defRPr sz="1200"/>
             </a:lvl9pPr>
           </a:lstStyle>
-          <a:p/>
+          <a:p>
+            <a:endParaRPr/>
+          </a:p>
         </p:txBody>
       </p:sp>
       <p:sp>
         <p:nvSpPr>
           <p:cNvPr id="31" name="Google Shape;31;p7"/>
-          <p:cNvSpPr txBox="1"/>
+          <p:cNvSpPr txBox="1">
+            <a:spLocks noGrp="1"/>
+          </p:cNvSpPr>
           <p:nvPr>
-            <p:ph idx="12" type="sldNum"/>
+            <p:ph type="sldNum" idx="12"/>
           </p:nvPr>
         </p:nvSpPr>
         <p:spPr>
@@ -3990,7 +4116,7 @@
           </a:prstGeom>
         </p:spPr>
         <p:txBody>
-          <a:bodyPr anchorCtr="0" anchor="ctr" bIns="91425" lIns="91425" spcFirstLastPara="1" rIns="91425" wrap="square" tIns="91425">
+          <a:bodyPr spcFirstLastPara="1" wrap="square" lIns="91425" tIns="91425" rIns="91425" bIns="91425" anchor="ctr" anchorCtr="0">
             <a:noAutofit/>
           </a:bodyPr>
           <a:lstStyle>
@@ -4032,7 +4158,7 @@
             </a:lvl9pPr>
           </a:lstStyle>
           <a:p>
-            <a:pPr indent="0" lvl="0" marL="0" rtl="0" algn="r">
+            <a:pPr marL="0" lvl="0" indent="0" algn="r" rtl="0">
               <a:spcBef>
                 <a:spcPts val="0"/>
               </a:spcBef>
@@ -4058,11 +4184,11 @@
 </file>
 
 <file path=ppt/slideLayouts/slideLayout7.xml><?xml version="1.0" encoding="utf-8"?>
-<p:sldLayout xmlns:a="http://schemas.openxmlformats.org/drawingml/2006/main" xmlns:r="http://schemas.openxmlformats.org/officeDocument/2006/relationships" xmlns:mc="http://schemas.openxmlformats.org/markup-compatibility/2006" xmlns:mv="urn:schemas-microsoft-com:mac:vml" xmlns:p="http://schemas.openxmlformats.org/presentationml/2006/main" xmlns:c="http://schemas.openxmlformats.org/drawingml/2006/chart" xmlns:dgm="http://schemas.openxmlformats.org/drawingml/2006/diagram" xmlns:o="urn:schemas-microsoft-com:office:office" xmlns:v="urn:schemas-microsoft-com:vml" xmlns:pvml="urn:schemas-microsoft-com:office:powerpoint" xmlns:com="http://schemas.openxmlformats.org/drawingml/2006/compatibility" xmlns:p14="http://schemas.microsoft.com/office/powerpoint/2010/main" xmlns:p15="http://schemas.microsoft.com/office/powerpoint/2012/main" matchingName="Main point">
+<p:sldLayout xmlns:a="http://schemas.openxmlformats.org/drawingml/2006/main" xmlns:r="http://schemas.openxmlformats.org/officeDocument/2006/relationships" xmlns:p="http://schemas.openxmlformats.org/presentationml/2006/main" matchingName="Main point">
   <p:cSld name="MAIN_POINT">
     <p:spTree>
       <p:nvGrpSpPr>
-        <p:cNvPr id="32" name="Shape 32"/>
+        <p:cNvPr id="1" name="Shape 32"/>
         <p:cNvGrpSpPr/>
         <p:nvPr/>
       </p:nvGrpSpPr>
@@ -4077,7 +4203,9 @@
       <p:sp>
         <p:nvSpPr>
           <p:cNvPr id="33" name="Google Shape;33;p8"/>
-          <p:cNvSpPr txBox="1"/>
+          <p:cNvSpPr txBox="1">
+            <a:spLocks noGrp="1"/>
+          </p:cNvSpPr>
           <p:nvPr>
             <p:ph type="title"/>
           </p:nvPr>
@@ -4092,7 +4220,7 @@
           </a:prstGeom>
         </p:spPr>
         <p:txBody>
-          <a:bodyPr anchorCtr="0" anchor="ctr" bIns="91425" lIns="91425" spcFirstLastPara="1" rIns="91425" wrap="square" tIns="91425">
+          <a:bodyPr spcFirstLastPara="1" wrap="square" lIns="91425" tIns="91425" rIns="91425" bIns="91425" anchor="ctr" anchorCtr="0">
             <a:noAutofit/>
           </a:bodyPr>
           <a:lstStyle>
@@ -4196,15 +4324,19 @@
               <a:defRPr sz="4800"/>
             </a:lvl9pPr>
           </a:lstStyle>
-          <a:p/>
+          <a:p>
+            <a:endParaRPr/>
+          </a:p>
         </p:txBody>
       </p:sp>
       <p:sp>
         <p:nvSpPr>
           <p:cNvPr id="34" name="Google Shape;34;p8"/>
-          <p:cNvSpPr txBox="1"/>
+          <p:cNvSpPr txBox="1">
+            <a:spLocks noGrp="1"/>
+          </p:cNvSpPr>
           <p:nvPr>
-            <p:ph idx="12" type="sldNum"/>
+            <p:ph type="sldNum" idx="12"/>
           </p:nvPr>
         </p:nvSpPr>
         <p:spPr>
@@ -4217,7 +4349,7 @@
           </a:prstGeom>
         </p:spPr>
         <p:txBody>
-          <a:bodyPr anchorCtr="0" anchor="ctr" bIns="91425" lIns="91425" spcFirstLastPara="1" rIns="91425" wrap="square" tIns="91425">
+          <a:bodyPr spcFirstLastPara="1" wrap="square" lIns="91425" tIns="91425" rIns="91425" bIns="91425" anchor="ctr" anchorCtr="0">
             <a:noAutofit/>
           </a:bodyPr>
           <a:lstStyle>
@@ -4259,7 +4391,7 @@
             </a:lvl9pPr>
           </a:lstStyle>
           <a:p>
-            <a:pPr indent="0" lvl="0" marL="0" rtl="0" algn="r">
+            <a:pPr marL="0" lvl="0" indent="0" algn="r" rtl="0">
               <a:spcBef>
                 <a:spcPts val="0"/>
               </a:spcBef>
@@ -4285,11 +4417,11 @@
 </file>
 
 <file path=ppt/slideLayouts/slideLayout8.xml><?xml version="1.0" encoding="utf-8"?>
-<p:sldLayout xmlns:a="http://schemas.openxmlformats.org/drawingml/2006/main" xmlns:r="http://schemas.openxmlformats.org/officeDocument/2006/relationships" xmlns:mc="http://schemas.openxmlformats.org/markup-compatibility/2006" xmlns:mv="urn:schemas-microsoft-com:mac:vml" xmlns:p="http://schemas.openxmlformats.org/presentationml/2006/main" xmlns:c="http://schemas.openxmlformats.org/drawingml/2006/chart" xmlns:dgm="http://schemas.openxmlformats.org/drawingml/2006/diagram" xmlns:o="urn:schemas-microsoft-com:office:office" xmlns:v="urn:schemas-microsoft-com:vml" xmlns:pvml="urn:schemas-microsoft-com:office:powerpoint" xmlns:com="http://schemas.openxmlformats.org/drawingml/2006/compatibility" xmlns:p14="http://schemas.microsoft.com/office/powerpoint/2010/main" xmlns:p15="http://schemas.microsoft.com/office/powerpoint/2012/main" matchingName="Section title and description">
+<p:sldLayout xmlns:a="http://schemas.openxmlformats.org/drawingml/2006/main" xmlns:r="http://schemas.openxmlformats.org/officeDocument/2006/relationships" xmlns:p="http://schemas.openxmlformats.org/presentationml/2006/main" matchingName="Section title and description">
   <p:cSld name="SECTION_TITLE_AND_DESCRIPTION">
     <p:spTree>
       <p:nvGrpSpPr>
-        <p:cNvPr id="35" name="Shape 35"/>
+        <p:cNvPr id="1" name="Shape 35"/>
         <p:cNvGrpSpPr/>
         <p:nvPr/>
       </p:nvGrpSpPr>
@@ -4323,12 +4455,12 @@
           </a:ln>
         </p:spPr>
         <p:txBody>
-          <a:bodyPr anchorCtr="0" anchor="ctr" bIns="91425" lIns="91425" spcFirstLastPara="1" rIns="91425" wrap="square" tIns="91425">
+          <a:bodyPr spcFirstLastPara="1" wrap="square" lIns="91425" tIns="91425" rIns="91425" bIns="91425" anchor="ctr" anchorCtr="0">
             <a:noAutofit/>
           </a:bodyPr>
           <a:lstStyle/>
           <a:p>
-            <a:pPr indent="0" lvl="0" marL="0" rtl="0" algn="l">
+            <a:pPr marL="0" lvl="0" indent="0" algn="l" rtl="0">
               <a:spcBef>
                 <a:spcPts val="0"/>
               </a:spcBef>
@@ -4337,9 +4469,6 @@
               </a:spcAft>
               <a:buNone/>
             </a:pPr>
-            <a:r>
-              <a:t/>
-            </a:r>
             <a:endParaRPr/>
           </a:p>
         </p:txBody>
@@ -4347,7 +4476,9 @@
       <p:sp>
         <p:nvSpPr>
           <p:cNvPr id="37" name="Google Shape;37;p9"/>
-          <p:cNvSpPr txBox="1"/>
+          <p:cNvSpPr txBox="1">
+            <a:spLocks noGrp="1"/>
+          </p:cNvSpPr>
           <p:nvPr>
             <p:ph type="title"/>
           </p:nvPr>
@@ -4362,7 +4493,7 @@
           </a:prstGeom>
         </p:spPr>
         <p:txBody>
-          <a:bodyPr anchorCtr="0" anchor="b" bIns="91425" lIns="91425" spcFirstLastPara="1" rIns="91425" wrap="square" tIns="91425">
+          <a:bodyPr spcFirstLastPara="1" wrap="square" lIns="91425" tIns="91425" rIns="91425" bIns="91425" anchor="b" anchorCtr="0">
             <a:noAutofit/>
           </a:bodyPr>
           <a:lstStyle>
@@ -4466,15 +4597,19 @@
               <a:defRPr sz="4200"/>
             </a:lvl9pPr>
           </a:lstStyle>
-          <a:p/>
+          <a:p>
+            <a:endParaRPr/>
+          </a:p>
         </p:txBody>
       </p:sp>
       <p:sp>
         <p:nvSpPr>
           <p:cNvPr id="38" name="Google Shape;38;p9"/>
-          <p:cNvSpPr txBox="1"/>
+          <p:cNvSpPr txBox="1">
+            <a:spLocks noGrp="1"/>
+          </p:cNvSpPr>
           <p:nvPr>
-            <p:ph idx="1" type="subTitle"/>
+            <p:ph type="subTitle" idx="1"/>
           </p:nvPr>
         </p:nvSpPr>
         <p:spPr>
@@ -4487,7 +4622,7 @@
           </a:prstGeom>
         </p:spPr>
         <p:txBody>
-          <a:bodyPr anchorCtr="0" anchor="t" bIns="91425" lIns="91425" spcFirstLastPara="1" rIns="91425" wrap="square" tIns="91425">
+          <a:bodyPr spcFirstLastPara="1" wrap="square" lIns="91425" tIns="91425" rIns="91425" bIns="91425" anchor="t" anchorCtr="0">
             <a:noAutofit/>
           </a:bodyPr>
           <a:lstStyle>
@@ -4618,15 +4753,19 @@
               <a:defRPr sz="2100"/>
             </a:lvl9pPr>
           </a:lstStyle>
-          <a:p/>
+          <a:p>
+            <a:endParaRPr/>
+          </a:p>
         </p:txBody>
       </p:sp>
       <p:sp>
         <p:nvSpPr>
           <p:cNvPr id="39" name="Google Shape;39;p9"/>
-          <p:cNvSpPr txBox="1"/>
+          <p:cNvSpPr txBox="1">
+            <a:spLocks noGrp="1"/>
+          </p:cNvSpPr>
           <p:nvPr>
-            <p:ph idx="2" type="body"/>
+            <p:ph type="body" idx="2"/>
           </p:nvPr>
         </p:nvSpPr>
         <p:spPr>
@@ -4639,11 +4778,11 @@
           </a:prstGeom>
         </p:spPr>
         <p:txBody>
-          <a:bodyPr anchorCtr="0" anchor="ctr" bIns="91425" lIns="91425" spcFirstLastPara="1" rIns="91425" wrap="square" tIns="91425">
+          <a:bodyPr spcFirstLastPara="1" wrap="square" lIns="91425" tIns="91425" rIns="91425" bIns="91425" anchor="ctr" anchorCtr="0">
             <a:noAutofit/>
           </a:bodyPr>
           <a:lstStyle>
-            <a:lvl1pPr indent="-342900" lvl="0" marL="457200">
+            <a:lvl1pPr marL="457200" lvl="0" indent="-342900">
               <a:spcBef>
                 <a:spcPts val="0"/>
               </a:spcBef>
@@ -4661,7 +4800,7 @@
                 </a:solidFill>
               </a:defRPr>
             </a:lvl1pPr>
-            <a:lvl2pPr indent="-317500" lvl="1" marL="914400">
+            <a:lvl2pPr marL="914400" lvl="1" indent="-317500">
               <a:spcBef>
                 <a:spcPts val="1600"/>
               </a:spcBef>
@@ -4679,7 +4818,7 @@
                 </a:solidFill>
               </a:defRPr>
             </a:lvl2pPr>
-            <a:lvl3pPr indent="-317500" lvl="2" marL="1371600">
+            <a:lvl3pPr marL="1371600" lvl="2" indent="-317500">
               <a:spcBef>
                 <a:spcPts val="1600"/>
               </a:spcBef>
@@ -4697,7 +4836,7 @@
                 </a:solidFill>
               </a:defRPr>
             </a:lvl3pPr>
-            <a:lvl4pPr indent="-317500" lvl="3" marL="1828800">
+            <a:lvl4pPr marL="1828800" lvl="3" indent="-317500">
               <a:spcBef>
                 <a:spcPts val="1600"/>
               </a:spcBef>
@@ -4715,7 +4854,7 @@
                 </a:solidFill>
               </a:defRPr>
             </a:lvl4pPr>
-            <a:lvl5pPr indent="-317500" lvl="4" marL="2286000">
+            <a:lvl5pPr marL="2286000" lvl="4" indent="-317500">
               <a:spcBef>
                 <a:spcPts val="1600"/>
               </a:spcBef>
@@ -4733,7 +4872,7 @@
                 </a:solidFill>
               </a:defRPr>
             </a:lvl5pPr>
-            <a:lvl6pPr indent="-317500" lvl="5" marL="2743200">
+            <a:lvl6pPr marL="2743200" lvl="5" indent="-317500">
               <a:spcBef>
                 <a:spcPts val="1600"/>
               </a:spcBef>
@@ -4751,7 +4890,7 @@
                 </a:solidFill>
               </a:defRPr>
             </a:lvl6pPr>
-            <a:lvl7pPr indent="-317500" lvl="6" marL="3200400">
+            <a:lvl7pPr marL="3200400" lvl="6" indent="-317500">
               <a:spcBef>
                 <a:spcPts val="1600"/>
               </a:spcBef>
@@ -4769,7 +4908,7 @@
                 </a:solidFill>
               </a:defRPr>
             </a:lvl7pPr>
-            <a:lvl8pPr indent="-317500" lvl="7" marL="3657600">
+            <a:lvl8pPr marL="3657600" lvl="7" indent="-317500">
               <a:spcBef>
                 <a:spcPts val="1600"/>
               </a:spcBef>
@@ -4787,7 +4926,7 @@
                 </a:solidFill>
               </a:defRPr>
             </a:lvl8pPr>
-            <a:lvl9pPr indent="-317500" lvl="8" marL="4114800">
+            <a:lvl9pPr marL="4114800" lvl="8" indent="-317500">
               <a:spcBef>
                 <a:spcPts val="1600"/>
               </a:spcBef>
@@ -4806,15 +4945,19 @@
               </a:defRPr>
             </a:lvl9pPr>
           </a:lstStyle>
-          <a:p/>
+          <a:p>
+            <a:endParaRPr/>
+          </a:p>
         </p:txBody>
       </p:sp>
       <p:sp>
         <p:nvSpPr>
           <p:cNvPr id="40" name="Google Shape;40;p9"/>
-          <p:cNvSpPr txBox="1"/>
+          <p:cNvSpPr txBox="1">
+            <a:spLocks noGrp="1"/>
+          </p:cNvSpPr>
           <p:nvPr>
-            <p:ph idx="12" type="sldNum"/>
+            <p:ph type="sldNum" idx="12"/>
           </p:nvPr>
         </p:nvSpPr>
         <p:spPr>
@@ -4827,7 +4970,7 @@
           </a:prstGeom>
         </p:spPr>
         <p:txBody>
-          <a:bodyPr anchorCtr="0" anchor="ctr" bIns="91425" lIns="91425" spcFirstLastPara="1" rIns="91425" wrap="square" tIns="91425">
+          <a:bodyPr spcFirstLastPara="1" wrap="square" lIns="91425" tIns="91425" rIns="91425" bIns="91425" anchor="ctr" anchorCtr="0">
             <a:noAutofit/>
           </a:bodyPr>
           <a:lstStyle>
@@ -4869,7 +5012,7 @@
             </a:lvl9pPr>
           </a:lstStyle>
           <a:p>
-            <a:pPr indent="0" lvl="0" marL="0" rtl="0" algn="r">
+            <a:pPr marL="0" lvl="0" indent="0" algn="r" rtl="0">
               <a:spcBef>
                 <a:spcPts val="0"/>
               </a:spcBef>
@@ -4895,11 +5038,11 @@
 </file>
 
 <file path=ppt/slideLayouts/slideLayout9.xml><?xml version="1.0" encoding="utf-8"?>
-<p:sldLayout xmlns:a="http://schemas.openxmlformats.org/drawingml/2006/main" xmlns:r="http://schemas.openxmlformats.org/officeDocument/2006/relationships" xmlns:mc="http://schemas.openxmlformats.org/markup-compatibility/2006" xmlns:mv="urn:schemas-microsoft-com:mac:vml" xmlns:p="http://schemas.openxmlformats.org/presentationml/2006/main" xmlns:c="http://schemas.openxmlformats.org/drawingml/2006/chart" xmlns:dgm="http://schemas.openxmlformats.org/drawingml/2006/diagram" xmlns:o="urn:schemas-microsoft-com:office:office" xmlns:v="urn:schemas-microsoft-com:vml" xmlns:pvml="urn:schemas-microsoft-com:office:powerpoint" xmlns:com="http://schemas.openxmlformats.org/drawingml/2006/compatibility" xmlns:p14="http://schemas.microsoft.com/office/powerpoint/2010/main" xmlns:p15="http://schemas.microsoft.com/office/powerpoint/2012/main" matchingName="Caption">
+<p:sldLayout xmlns:a="http://schemas.openxmlformats.org/drawingml/2006/main" xmlns:r="http://schemas.openxmlformats.org/officeDocument/2006/relationships" xmlns:p="http://schemas.openxmlformats.org/presentationml/2006/main" matchingName="Caption">
   <p:cSld name="CAPTION_ONLY">
     <p:spTree>
       <p:nvGrpSpPr>
-        <p:cNvPr id="41" name="Shape 41"/>
+        <p:cNvPr id="1" name="Shape 41"/>
         <p:cNvGrpSpPr/>
         <p:nvPr/>
       </p:nvGrpSpPr>
@@ -4914,9 +5057,11 @@
       <p:sp>
         <p:nvSpPr>
           <p:cNvPr id="42" name="Google Shape;42;p10"/>
-          <p:cNvSpPr txBox="1"/>
+          <p:cNvSpPr txBox="1">
+            <a:spLocks noGrp="1"/>
+          </p:cNvSpPr>
           <p:nvPr>
-            <p:ph idx="1" type="body"/>
+            <p:ph type="body" idx="1"/>
           </p:nvPr>
         </p:nvSpPr>
         <p:spPr>
@@ -4929,11 +5074,11 @@
           </a:prstGeom>
         </p:spPr>
         <p:txBody>
-          <a:bodyPr anchorCtr="0" anchor="ctr" bIns="91425" lIns="91425" spcFirstLastPara="1" rIns="91425" wrap="square" tIns="91425">
+          <a:bodyPr spcFirstLastPara="1" wrap="square" lIns="91425" tIns="91425" rIns="91425" bIns="91425" anchor="ctr" anchorCtr="0">
             <a:noAutofit/>
           </a:bodyPr>
           <a:lstStyle>
-            <a:lvl1pPr indent="-228600" lvl="0" marL="457200">
+            <a:lvl1pPr marL="457200" lvl="0" indent="-228600">
               <a:lnSpc>
                 <a:spcPct val="100000"/>
               </a:lnSpc>
@@ -4948,15 +5093,19 @@
               <a:defRPr/>
             </a:lvl1pPr>
           </a:lstStyle>
-          <a:p/>
+          <a:p>
+            <a:endParaRPr/>
+          </a:p>
         </p:txBody>
       </p:sp>
       <p:sp>
         <p:nvSpPr>
           <p:cNvPr id="43" name="Google Shape;43;p10"/>
-          <p:cNvSpPr txBox="1"/>
+          <p:cNvSpPr txBox="1">
+            <a:spLocks noGrp="1"/>
+          </p:cNvSpPr>
           <p:nvPr>
-            <p:ph idx="12" type="sldNum"/>
+            <p:ph type="sldNum" idx="12"/>
           </p:nvPr>
         </p:nvSpPr>
         <p:spPr>
@@ -4969,7 +5118,7 @@
           </a:prstGeom>
         </p:spPr>
         <p:txBody>
-          <a:bodyPr anchorCtr="0" anchor="ctr" bIns="91425" lIns="91425" spcFirstLastPara="1" rIns="91425" wrap="square" tIns="91425">
+          <a:bodyPr spcFirstLastPara="1" wrap="square" lIns="91425" tIns="91425" rIns="91425" bIns="91425" anchor="ctr" anchorCtr="0">
             <a:noAutofit/>
           </a:bodyPr>
           <a:lstStyle>
@@ -5011,7 +5160,7 @@
             </a:lvl9pPr>
           </a:lstStyle>
           <a:p>
-            <a:pPr indent="0" lvl="0" marL="0" rtl="0" algn="r">
+            <a:pPr marL="0" lvl="0" indent="0" algn="r" rtl="0">
               <a:spcBef>
                 <a:spcPts val="0"/>
               </a:spcBef>
@@ -5037,18 +5186,19 @@
 </file>
 
 <file path=ppt/slideMasters/slideMaster1.xml><?xml version="1.0" encoding="utf-8"?>
-<p:sldMaster xmlns:a="http://schemas.openxmlformats.org/drawingml/2006/main" xmlns:r="http://schemas.openxmlformats.org/officeDocument/2006/relationships" xmlns:mc="http://schemas.openxmlformats.org/markup-compatibility/2006" xmlns:mv="urn:schemas-microsoft-com:mac:vml" xmlns:p="http://schemas.openxmlformats.org/presentationml/2006/main" xmlns:c="http://schemas.openxmlformats.org/drawingml/2006/chart" xmlns:dgm="http://schemas.openxmlformats.org/drawingml/2006/diagram" xmlns:o="urn:schemas-microsoft-com:office:office" xmlns:v="urn:schemas-microsoft-com:vml" xmlns:pvml="urn:schemas-microsoft-com:office:powerpoint" xmlns:com="http://schemas.openxmlformats.org/drawingml/2006/compatibility" xmlns:p14="http://schemas.microsoft.com/office/powerpoint/2010/main" xmlns:p15="http://schemas.microsoft.com/office/powerpoint/2012/main">
+<p:sldMaster xmlns:a="http://schemas.openxmlformats.org/drawingml/2006/main" xmlns:r="http://schemas.openxmlformats.org/officeDocument/2006/relationships" xmlns:p="http://schemas.openxmlformats.org/presentationml/2006/main">
   <p:cSld name="simple-dark-2">
     <p:bg>
       <p:bgPr>
         <a:solidFill>
           <a:schemeClr val="lt1"/>
         </a:solidFill>
+        <a:effectLst/>
       </p:bgPr>
     </p:bg>
     <p:spTree>
       <p:nvGrpSpPr>
-        <p:cNvPr id="5" name="Shape 5"/>
+        <p:cNvPr id="1" name="Shape 5"/>
         <p:cNvGrpSpPr/>
         <p:nvPr/>
       </p:nvGrpSpPr>
@@ -5063,7 +5213,9 @@
       <p:sp>
         <p:nvSpPr>
           <p:cNvPr id="6" name="Google Shape;6;p1"/>
-          <p:cNvSpPr txBox="1"/>
+          <p:cNvSpPr txBox="1">
+            <a:spLocks noGrp="1"/>
+          </p:cNvSpPr>
           <p:nvPr>
             <p:ph type="title"/>
           </p:nvPr>
@@ -5082,7 +5234,7 @@
           </a:ln>
         </p:spPr>
         <p:txBody>
-          <a:bodyPr anchorCtr="0" anchor="t" bIns="91425" lIns="91425" spcFirstLastPara="1" rIns="91425" wrap="square" tIns="91425">
+          <a:bodyPr spcFirstLastPara="1" wrap="square" lIns="91425" tIns="91425" rIns="91425" bIns="91425" anchor="t" anchorCtr="0">
             <a:noAutofit/>
           </a:bodyPr>
           <a:lstStyle>
@@ -5249,15 +5401,19 @@
               </a:defRPr>
             </a:lvl9pPr>
           </a:lstStyle>
-          <a:p/>
+          <a:p>
+            <a:endParaRPr/>
+          </a:p>
         </p:txBody>
       </p:sp>
       <p:sp>
         <p:nvSpPr>
           <p:cNvPr id="7" name="Google Shape;7;p1"/>
-          <p:cNvSpPr txBox="1"/>
+          <p:cNvSpPr txBox="1">
+            <a:spLocks noGrp="1"/>
+          </p:cNvSpPr>
           <p:nvPr>
-            <p:ph idx="1" type="body"/>
+            <p:ph type="body" idx="1"/>
           </p:nvPr>
         </p:nvSpPr>
         <p:spPr>
@@ -5274,11 +5430,11 @@
           </a:ln>
         </p:spPr>
         <p:txBody>
-          <a:bodyPr anchorCtr="0" anchor="t" bIns="91425" lIns="91425" spcFirstLastPara="1" rIns="91425" wrap="square" tIns="91425">
+          <a:bodyPr spcFirstLastPara="1" wrap="square" lIns="91425" tIns="91425" rIns="91425" bIns="91425" anchor="t" anchorCtr="0">
             <a:noAutofit/>
           </a:bodyPr>
           <a:lstStyle>
-            <a:lvl1pPr indent="-342900" lvl="0" marL="457200">
+            <a:lvl1pPr marL="457200" lvl="0" indent="-342900">
               <a:lnSpc>
                 <a:spcPct val="115000"/>
               </a:lnSpc>
@@ -5299,7 +5455,7 @@
                 </a:solidFill>
               </a:defRPr>
             </a:lvl1pPr>
-            <a:lvl2pPr indent="-317500" lvl="1" marL="914400">
+            <a:lvl2pPr marL="914400" lvl="1" indent="-317500">
               <a:lnSpc>
                 <a:spcPct val="115000"/>
               </a:lnSpc>
@@ -5320,7 +5476,7 @@
                 </a:solidFill>
               </a:defRPr>
             </a:lvl2pPr>
-            <a:lvl3pPr indent="-317500" lvl="2" marL="1371600">
+            <a:lvl3pPr marL="1371600" lvl="2" indent="-317500">
               <a:lnSpc>
                 <a:spcPct val="115000"/>
               </a:lnSpc>
@@ -5341,7 +5497,7 @@
                 </a:solidFill>
               </a:defRPr>
             </a:lvl3pPr>
-            <a:lvl4pPr indent="-317500" lvl="3" marL="1828800">
+            <a:lvl4pPr marL="1828800" lvl="3" indent="-317500">
               <a:lnSpc>
                 <a:spcPct val="115000"/>
               </a:lnSpc>
@@ -5362,7 +5518,7 @@
                 </a:solidFill>
               </a:defRPr>
             </a:lvl4pPr>
-            <a:lvl5pPr indent="-317500" lvl="4" marL="2286000">
+            <a:lvl5pPr marL="2286000" lvl="4" indent="-317500">
               <a:lnSpc>
                 <a:spcPct val="115000"/>
               </a:lnSpc>
@@ -5383,7 +5539,7 @@
                 </a:solidFill>
               </a:defRPr>
             </a:lvl5pPr>
-            <a:lvl6pPr indent="-317500" lvl="5" marL="2743200">
+            <a:lvl6pPr marL="2743200" lvl="5" indent="-317500">
               <a:lnSpc>
                 <a:spcPct val="115000"/>
               </a:lnSpc>
@@ -5404,7 +5560,7 @@
                 </a:solidFill>
               </a:defRPr>
             </a:lvl6pPr>
-            <a:lvl7pPr indent="-317500" lvl="6" marL="3200400">
+            <a:lvl7pPr marL="3200400" lvl="6" indent="-317500">
               <a:lnSpc>
                 <a:spcPct val="115000"/>
               </a:lnSpc>
@@ -5425,7 +5581,7 @@
                 </a:solidFill>
               </a:defRPr>
             </a:lvl7pPr>
-            <a:lvl8pPr indent="-317500" lvl="7" marL="3657600">
+            <a:lvl8pPr marL="3657600" lvl="7" indent="-317500">
               <a:lnSpc>
                 <a:spcPct val="115000"/>
               </a:lnSpc>
@@ -5446,7 +5602,7 @@
                 </a:solidFill>
               </a:defRPr>
             </a:lvl8pPr>
-            <a:lvl9pPr indent="-317500" lvl="8" marL="4114800">
+            <a:lvl9pPr marL="4114800" lvl="8" indent="-317500">
               <a:lnSpc>
                 <a:spcPct val="115000"/>
               </a:lnSpc>
@@ -5468,15 +5624,19 @@
               </a:defRPr>
             </a:lvl9pPr>
           </a:lstStyle>
-          <a:p/>
+          <a:p>
+            <a:endParaRPr/>
+          </a:p>
         </p:txBody>
       </p:sp>
       <p:sp>
         <p:nvSpPr>
           <p:cNvPr id="8" name="Google Shape;8;p1"/>
-          <p:cNvSpPr txBox="1"/>
+          <p:cNvSpPr txBox="1">
+            <a:spLocks noGrp="1"/>
+          </p:cNvSpPr>
           <p:nvPr>
-            <p:ph idx="12" type="sldNum"/>
+            <p:ph type="sldNum" idx="12"/>
           </p:nvPr>
         </p:nvSpPr>
         <p:spPr>
@@ -5493,7 +5653,7 @@
           </a:ln>
         </p:spPr>
         <p:txBody>
-          <a:bodyPr anchorCtr="0" anchor="ctr" bIns="91425" lIns="91425" spcFirstLastPara="1" rIns="91425" wrap="square" tIns="91425">
+          <a:bodyPr spcFirstLastPara="1" wrap="square" lIns="91425" tIns="91425" rIns="91425" bIns="91425" anchor="ctr" anchorCtr="0">
             <a:noAutofit/>
           </a:bodyPr>
           <a:lstStyle>
@@ -5571,7 +5731,7 @@
             </a:lvl9pPr>
           </a:lstStyle>
           <a:p>
-            <a:pPr indent="0" lvl="0" marL="0" rtl="0" algn="r">
+            <a:pPr marL="0" lvl="0" indent="0" algn="r" rtl="0">
               <a:spcBef>
                 <a:spcPts val="0"/>
               </a:spcBef>
@@ -5590,7 +5750,7 @@
       </p:sp>
     </p:spTree>
   </p:cSld>
-  <p:clrMap accent1="accent1" accent2="accent2" accent3="accent3" accent4="accent4" accent5="accent5" accent6="accent6" bg1="lt1" bg2="dk2" tx1="dk1" tx2="lt2" folHlink="folHlink" hlink="hlink"/>
+  <p:clrMap bg1="lt1" tx1="dk1" bg2="dk2" tx2="lt2" accent1="accent1" accent2="accent2" accent3="accent3" accent4="accent4" accent5="accent5" accent6="accent6" hlink="hlink" folHlink="folHlink"/>
   <p:sldLayoutIdLst>
     <p:sldLayoutId id="2147483648" r:id="rId1"/>
     <p:sldLayoutId id="2147483649" r:id="rId2"/>
@@ -5604,10 +5764,10 @@
     <p:sldLayoutId id="2147483657" r:id="rId10"/>
     <p:sldLayoutId id="2147483658" r:id="rId11"/>
   </p:sldLayoutIdLst>
-  <p:hf dt="0" ftr="0" hdr="0" sldNum="0"/>
+  <p:hf sldNum="0" hdr="0" ftr="0" dt="0"/>
   <p:txStyles>
     <p:titleStyle>
-      <a:defPPr lvl="0" marR="0" rtl="0" algn="l">
+      <a:defPPr marR="0" lvl="0" algn="l" rtl="0">
         <a:lnSpc>
           <a:spcPct val="100000"/>
         </a:lnSpc>
@@ -5618,7 +5778,7 @@
           <a:spcPts val="0"/>
         </a:spcAft>
       </a:defPPr>
-      <a:lvl1pPr lvl="0" marR="0" rtl="0" algn="l">
+      <a:lvl1pPr marR="0" lvl="0" algn="l" rtl="0">
         <a:lnSpc>
           <a:spcPct val="100000"/>
         </a:lnSpc>
@@ -5632,7 +5792,7 @@
           <a:srgbClr val="000000"/>
         </a:buClr>
         <a:buFont typeface="Arial"/>
-        <a:defRPr b="0" i="0" sz="1400" u="none" cap="none" strike="noStrike">
+        <a:defRPr sz="1400" b="0" i="0" u="none" strike="noStrike" cap="none">
           <a:solidFill>
             <a:srgbClr val="000000"/>
           </a:solidFill>
@@ -5642,7 +5802,7 @@
           <a:sym typeface="Arial"/>
         </a:defRPr>
       </a:lvl1pPr>
-      <a:lvl2pPr lvl="1" marR="0" rtl="0" algn="l">
+      <a:lvl2pPr marR="0" lvl="1" algn="l" rtl="0">
         <a:lnSpc>
           <a:spcPct val="100000"/>
         </a:lnSpc>
@@ -5656,7 +5816,7 @@
           <a:srgbClr val="000000"/>
         </a:buClr>
         <a:buFont typeface="Arial"/>
-        <a:defRPr b="0" i="0" sz="1400" u="none" cap="none" strike="noStrike">
+        <a:defRPr sz="1400" b="0" i="0" u="none" strike="noStrike" cap="none">
           <a:solidFill>
             <a:srgbClr val="000000"/>
           </a:solidFill>
@@ -5666,7 +5826,7 @@
           <a:sym typeface="Arial"/>
         </a:defRPr>
       </a:lvl2pPr>
-      <a:lvl3pPr lvl="2" marR="0" rtl="0" algn="l">
+      <a:lvl3pPr marR="0" lvl="2" algn="l" rtl="0">
         <a:lnSpc>
           <a:spcPct val="100000"/>
         </a:lnSpc>
@@ -5680,7 +5840,7 @@
           <a:srgbClr val="000000"/>
         </a:buClr>
         <a:buFont typeface="Arial"/>
-        <a:defRPr b="0" i="0" sz="1400" u="none" cap="none" strike="noStrike">
+        <a:defRPr sz="1400" b="0" i="0" u="none" strike="noStrike" cap="none">
           <a:solidFill>
             <a:srgbClr val="000000"/>
           </a:solidFill>
@@ -5690,7 +5850,7 @@
           <a:sym typeface="Arial"/>
         </a:defRPr>
       </a:lvl3pPr>
-      <a:lvl4pPr lvl="3" marR="0" rtl="0" algn="l">
+      <a:lvl4pPr marR="0" lvl="3" algn="l" rtl="0">
         <a:lnSpc>
           <a:spcPct val="100000"/>
         </a:lnSpc>
@@ -5704,7 +5864,7 @@
           <a:srgbClr val="000000"/>
         </a:buClr>
         <a:buFont typeface="Arial"/>
-        <a:defRPr b="0" i="0" sz="1400" u="none" cap="none" strike="noStrike">
+        <a:defRPr sz="1400" b="0" i="0" u="none" strike="noStrike" cap="none">
           <a:solidFill>
             <a:srgbClr val="000000"/>
           </a:solidFill>
@@ -5714,7 +5874,7 @@
           <a:sym typeface="Arial"/>
         </a:defRPr>
       </a:lvl4pPr>
-      <a:lvl5pPr lvl="4" marR="0" rtl="0" algn="l">
+      <a:lvl5pPr marR="0" lvl="4" algn="l" rtl="0">
         <a:lnSpc>
           <a:spcPct val="100000"/>
         </a:lnSpc>
@@ -5728,7 +5888,7 @@
           <a:srgbClr val="000000"/>
         </a:buClr>
         <a:buFont typeface="Arial"/>
-        <a:defRPr b="0" i="0" sz="1400" u="none" cap="none" strike="noStrike">
+        <a:defRPr sz="1400" b="0" i="0" u="none" strike="noStrike" cap="none">
           <a:solidFill>
             <a:srgbClr val="000000"/>
           </a:solidFill>
@@ -5738,7 +5898,7 @@
           <a:sym typeface="Arial"/>
         </a:defRPr>
       </a:lvl5pPr>
-      <a:lvl6pPr lvl="5" marR="0" rtl="0" algn="l">
+      <a:lvl6pPr marR="0" lvl="5" algn="l" rtl="0">
         <a:lnSpc>
           <a:spcPct val="100000"/>
         </a:lnSpc>
@@ -5752,7 +5912,7 @@
           <a:srgbClr val="000000"/>
         </a:buClr>
         <a:buFont typeface="Arial"/>
-        <a:defRPr b="0" i="0" sz="1400" u="none" cap="none" strike="noStrike">
+        <a:defRPr sz="1400" b="0" i="0" u="none" strike="noStrike" cap="none">
           <a:solidFill>
             <a:srgbClr val="000000"/>
           </a:solidFill>
@@ -5762,7 +5922,7 @@
           <a:sym typeface="Arial"/>
         </a:defRPr>
       </a:lvl6pPr>
-      <a:lvl7pPr lvl="6" marR="0" rtl="0" algn="l">
+      <a:lvl7pPr marR="0" lvl="6" algn="l" rtl="0">
         <a:lnSpc>
           <a:spcPct val="100000"/>
         </a:lnSpc>
@@ -5776,7 +5936,7 @@
           <a:srgbClr val="000000"/>
         </a:buClr>
         <a:buFont typeface="Arial"/>
-        <a:defRPr b="0" i="0" sz="1400" u="none" cap="none" strike="noStrike">
+        <a:defRPr sz="1400" b="0" i="0" u="none" strike="noStrike" cap="none">
           <a:solidFill>
             <a:srgbClr val="000000"/>
           </a:solidFill>
@@ -5786,7 +5946,7 @@
           <a:sym typeface="Arial"/>
         </a:defRPr>
       </a:lvl7pPr>
-      <a:lvl8pPr lvl="7" marR="0" rtl="0" algn="l">
+      <a:lvl8pPr marR="0" lvl="7" algn="l" rtl="0">
         <a:lnSpc>
           <a:spcPct val="100000"/>
         </a:lnSpc>
@@ -5800,7 +5960,7 @@
           <a:srgbClr val="000000"/>
         </a:buClr>
         <a:buFont typeface="Arial"/>
-        <a:defRPr b="0" i="0" sz="1400" u="none" cap="none" strike="noStrike">
+        <a:defRPr sz="1400" b="0" i="0" u="none" strike="noStrike" cap="none">
           <a:solidFill>
             <a:srgbClr val="000000"/>
           </a:solidFill>
@@ -5810,7 +5970,7 @@
           <a:sym typeface="Arial"/>
         </a:defRPr>
       </a:lvl8pPr>
-      <a:lvl9pPr lvl="8" marR="0" rtl="0" algn="l">
+      <a:lvl9pPr marR="0" lvl="8" algn="l" rtl="0">
         <a:lnSpc>
           <a:spcPct val="100000"/>
         </a:lnSpc>
@@ -5824,7 +5984,7 @@
           <a:srgbClr val="000000"/>
         </a:buClr>
         <a:buFont typeface="Arial"/>
-        <a:defRPr b="0" i="0" sz="1400" u="none" cap="none" strike="noStrike">
+        <a:defRPr sz="1400" b="0" i="0" u="none" strike="noStrike" cap="none">
           <a:solidFill>
             <a:srgbClr val="000000"/>
           </a:solidFill>
@@ -5836,7 +5996,7 @@
       </a:lvl9pPr>
     </p:titleStyle>
     <p:bodyStyle>
-      <a:defPPr lvl="0" marR="0" rtl="0" algn="l">
+      <a:defPPr marR="0" lvl="0" algn="l" rtl="0">
         <a:lnSpc>
           <a:spcPct val="100000"/>
         </a:lnSpc>
@@ -5847,7 +6007,7 @@
           <a:spcPts val="0"/>
         </a:spcAft>
       </a:defPPr>
-      <a:lvl1pPr lvl="0" marR="0" rtl="0" algn="l">
+      <a:lvl1pPr marR="0" lvl="0" algn="l" rtl="0">
         <a:lnSpc>
           <a:spcPct val="100000"/>
         </a:lnSpc>
@@ -5861,7 +6021,7 @@
           <a:srgbClr val="000000"/>
         </a:buClr>
         <a:buFont typeface="Arial"/>
-        <a:defRPr b="0" i="0" sz="1400" u="none" cap="none" strike="noStrike">
+        <a:defRPr sz="1400" b="0" i="0" u="none" strike="noStrike" cap="none">
           <a:solidFill>
             <a:srgbClr val="000000"/>
           </a:solidFill>
@@ -5871,7 +6031,7 @@
           <a:sym typeface="Arial"/>
         </a:defRPr>
       </a:lvl1pPr>
-      <a:lvl2pPr lvl="1" marR="0" rtl="0" algn="l">
+      <a:lvl2pPr marR="0" lvl="1" algn="l" rtl="0">
         <a:lnSpc>
           <a:spcPct val="100000"/>
         </a:lnSpc>
@@ -5885,7 +6045,7 @@
           <a:srgbClr val="000000"/>
         </a:buClr>
         <a:buFont typeface="Arial"/>
-        <a:defRPr b="0" i="0" sz="1400" u="none" cap="none" strike="noStrike">
+        <a:defRPr sz="1400" b="0" i="0" u="none" strike="noStrike" cap="none">
           <a:solidFill>
             <a:srgbClr val="000000"/>
           </a:solidFill>
@@ -5895,7 +6055,7 @@
           <a:sym typeface="Arial"/>
         </a:defRPr>
       </a:lvl2pPr>
-      <a:lvl3pPr lvl="2" marR="0" rtl="0" algn="l">
+      <a:lvl3pPr marR="0" lvl="2" algn="l" rtl="0">
         <a:lnSpc>
           <a:spcPct val="100000"/>
         </a:lnSpc>
@@ -5909,7 +6069,7 @@
           <a:srgbClr val="000000"/>
         </a:buClr>
         <a:buFont typeface="Arial"/>
-        <a:defRPr b="0" i="0" sz="1400" u="none" cap="none" strike="noStrike">
+        <a:defRPr sz="1400" b="0" i="0" u="none" strike="noStrike" cap="none">
           <a:solidFill>
             <a:srgbClr val="000000"/>
           </a:solidFill>
@@ -5919,7 +6079,7 @@
           <a:sym typeface="Arial"/>
         </a:defRPr>
       </a:lvl3pPr>
-      <a:lvl4pPr lvl="3" marR="0" rtl="0" algn="l">
+      <a:lvl4pPr marR="0" lvl="3" algn="l" rtl="0">
         <a:lnSpc>
           <a:spcPct val="100000"/>
         </a:lnSpc>
@@ -5933,7 +6093,7 @@
           <a:srgbClr val="000000"/>
         </a:buClr>
         <a:buFont typeface="Arial"/>
-        <a:defRPr b="0" i="0" sz="1400" u="none" cap="none" strike="noStrike">
+        <a:defRPr sz="1400" b="0" i="0" u="none" strike="noStrike" cap="none">
           <a:solidFill>
             <a:srgbClr val="000000"/>
           </a:solidFill>
@@ -5943,7 +6103,7 @@
           <a:sym typeface="Arial"/>
         </a:defRPr>
       </a:lvl4pPr>
-      <a:lvl5pPr lvl="4" marR="0" rtl="0" algn="l">
+      <a:lvl5pPr marR="0" lvl="4" algn="l" rtl="0">
         <a:lnSpc>
           <a:spcPct val="100000"/>
         </a:lnSpc>
@@ -5957,7 +6117,7 @@
           <a:srgbClr val="000000"/>
         </a:buClr>
         <a:buFont typeface="Arial"/>
-        <a:defRPr b="0" i="0" sz="1400" u="none" cap="none" strike="noStrike">
+        <a:defRPr sz="1400" b="0" i="0" u="none" strike="noStrike" cap="none">
           <a:solidFill>
             <a:srgbClr val="000000"/>
           </a:solidFill>
@@ -5967,7 +6127,7 @@
           <a:sym typeface="Arial"/>
         </a:defRPr>
       </a:lvl5pPr>
-      <a:lvl6pPr lvl="5" marR="0" rtl="0" algn="l">
+      <a:lvl6pPr marR="0" lvl="5" algn="l" rtl="0">
         <a:lnSpc>
           <a:spcPct val="100000"/>
         </a:lnSpc>
@@ -5981,7 +6141,7 @@
           <a:srgbClr val="000000"/>
         </a:buClr>
         <a:buFont typeface="Arial"/>
-        <a:defRPr b="0" i="0" sz="1400" u="none" cap="none" strike="noStrike">
+        <a:defRPr sz="1400" b="0" i="0" u="none" strike="noStrike" cap="none">
           <a:solidFill>
             <a:srgbClr val="000000"/>
           </a:solidFill>
@@ -5991,7 +6151,7 @@
           <a:sym typeface="Arial"/>
         </a:defRPr>
       </a:lvl6pPr>
-      <a:lvl7pPr lvl="6" marR="0" rtl="0" algn="l">
+      <a:lvl7pPr marR="0" lvl="6" algn="l" rtl="0">
         <a:lnSpc>
           <a:spcPct val="100000"/>
         </a:lnSpc>
@@ -6005,7 +6165,7 @@
           <a:srgbClr val="000000"/>
         </a:buClr>
         <a:buFont typeface="Arial"/>
-        <a:defRPr b="0" i="0" sz="1400" u="none" cap="none" strike="noStrike">
+        <a:defRPr sz="1400" b="0" i="0" u="none" strike="noStrike" cap="none">
           <a:solidFill>
             <a:srgbClr val="000000"/>
           </a:solidFill>
@@ -6015,7 +6175,7 @@
           <a:sym typeface="Arial"/>
         </a:defRPr>
       </a:lvl7pPr>
-      <a:lvl8pPr lvl="7" marR="0" rtl="0" algn="l">
+      <a:lvl8pPr marR="0" lvl="7" algn="l" rtl="0">
         <a:lnSpc>
           <a:spcPct val="100000"/>
         </a:lnSpc>
@@ -6029,7 +6189,7 @@
           <a:srgbClr val="000000"/>
         </a:buClr>
         <a:buFont typeface="Arial"/>
-        <a:defRPr b="0" i="0" sz="1400" u="none" cap="none" strike="noStrike">
+        <a:defRPr sz="1400" b="0" i="0" u="none" strike="noStrike" cap="none">
           <a:solidFill>
             <a:srgbClr val="000000"/>
           </a:solidFill>
@@ -6039,7 +6199,7 @@
           <a:sym typeface="Arial"/>
         </a:defRPr>
       </a:lvl8pPr>
-      <a:lvl9pPr lvl="8" marR="0" rtl="0" algn="l">
+      <a:lvl9pPr marR="0" lvl="8" algn="l" rtl="0">
         <a:lnSpc>
           <a:spcPct val="100000"/>
         </a:lnSpc>
@@ -6053,7 +6213,7 @@
           <a:srgbClr val="000000"/>
         </a:buClr>
         <a:buFont typeface="Arial"/>
-        <a:defRPr b="0" i="0" sz="1400" u="none" cap="none" strike="noStrike">
+        <a:defRPr sz="1400" b="0" i="0" u="none" strike="noStrike" cap="none">
           <a:solidFill>
             <a:srgbClr val="000000"/>
           </a:solidFill>
@@ -6065,7 +6225,7 @@
       </a:lvl9pPr>
     </p:bodyStyle>
     <p:otherStyle>
-      <a:defPPr lvl="0" marR="0" rtl="0" algn="l">
+      <a:defPPr marR="0" lvl="0" algn="l" rtl="0">
         <a:lnSpc>
           <a:spcPct val="100000"/>
         </a:lnSpc>
@@ -6076,7 +6236,7 @@
           <a:spcPts val="0"/>
         </a:spcAft>
       </a:defPPr>
-      <a:lvl1pPr lvl="0" marR="0" rtl="0" algn="l">
+      <a:lvl1pPr marR="0" lvl="0" algn="l" rtl="0">
         <a:lnSpc>
           <a:spcPct val="100000"/>
         </a:lnSpc>
@@ -6090,7 +6250,7 @@
           <a:srgbClr val="000000"/>
         </a:buClr>
         <a:buFont typeface="Arial"/>
-        <a:defRPr b="0" i="0" sz="1400" u="none" cap="none" strike="noStrike">
+        <a:defRPr sz="1400" b="0" i="0" u="none" strike="noStrike" cap="none">
           <a:solidFill>
             <a:srgbClr val="000000"/>
           </a:solidFill>
@@ -6100,7 +6260,7 @@
           <a:sym typeface="Arial"/>
         </a:defRPr>
       </a:lvl1pPr>
-      <a:lvl2pPr lvl="1" marR="0" rtl="0" algn="l">
+      <a:lvl2pPr marR="0" lvl="1" algn="l" rtl="0">
         <a:lnSpc>
           <a:spcPct val="100000"/>
         </a:lnSpc>
@@ -6114,7 +6274,7 @@
           <a:srgbClr val="000000"/>
         </a:buClr>
         <a:buFont typeface="Arial"/>
-        <a:defRPr b="0" i="0" sz="1400" u="none" cap="none" strike="noStrike">
+        <a:defRPr sz="1400" b="0" i="0" u="none" strike="noStrike" cap="none">
           <a:solidFill>
             <a:srgbClr val="000000"/>
           </a:solidFill>
@@ -6124,7 +6284,7 @@
           <a:sym typeface="Arial"/>
         </a:defRPr>
       </a:lvl2pPr>
-      <a:lvl3pPr lvl="2" marR="0" rtl="0" algn="l">
+      <a:lvl3pPr marR="0" lvl="2" algn="l" rtl="0">
         <a:lnSpc>
           <a:spcPct val="100000"/>
         </a:lnSpc>
@@ -6138,7 +6298,7 @@
           <a:srgbClr val="000000"/>
         </a:buClr>
         <a:buFont typeface="Arial"/>
-        <a:defRPr b="0" i="0" sz="1400" u="none" cap="none" strike="noStrike">
+        <a:defRPr sz="1400" b="0" i="0" u="none" strike="noStrike" cap="none">
           <a:solidFill>
             <a:srgbClr val="000000"/>
           </a:solidFill>
@@ -6148,7 +6308,7 @@
           <a:sym typeface="Arial"/>
         </a:defRPr>
       </a:lvl3pPr>
-      <a:lvl4pPr lvl="3" marR="0" rtl="0" algn="l">
+      <a:lvl4pPr marR="0" lvl="3" algn="l" rtl="0">
         <a:lnSpc>
           <a:spcPct val="100000"/>
         </a:lnSpc>
@@ -6162,7 +6322,7 @@
           <a:srgbClr val="000000"/>
         </a:buClr>
         <a:buFont typeface="Arial"/>
-        <a:defRPr b="0" i="0" sz="1400" u="none" cap="none" strike="noStrike">
+        <a:defRPr sz="1400" b="0" i="0" u="none" strike="noStrike" cap="none">
           <a:solidFill>
             <a:srgbClr val="000000"/>
           </a:solidFill>
@@ -6172,7 +6332,7 @@
           <a:sym typeface="Arial"/>
         </a:defRPr>
       </a:lvl4pPr>
-      <a:lvl5pPr lvl="4" marR="0" rtl="0" algn="l">
+      <a:lvl5pPr marR="0" lvl="4" algn="l" rtl="0">
         <a:lnSpc>
           <a:spcPct val="100000"/>
         </a:lnSpc>
@@ -6186,7 +6346,7 @@
           <a:srgbClr val="000000"/>
         </a:buClr>
         <a:buFont typeface="Arial"/>
-        <a:defRPr b="0" i="0" sz="1400" u="none" cap="none" strike="noStrike">
+        <a:defRPr sz="1400" b="0" i="0" u="none" strike="noStrike" cap="none">
           <a:solidFill>
             <a:srgbClr val="000000"/>
           </a:solidFill>
@@ -6196,7 +6356,7 @@
           <a:sym typeface="Arial"/>
         </a:defRPr>
       </a:lvl5pPr>
-      <a:lvl6pPr lvl="5" marR="0" rtl="0" algn="l">
+      <a:lvl6pPr marR="0" lvl="5" algn="l" rtl="0">
         <a:lnSpc>
           <a:spcPct val="100000"/>
         </a:lnSpc>
@@ -6210,7 +6370,7 @@
           <a:srgbClr val="000000"/>
         </a:buClr>
         <a:buFont typeface="Arial"/>
-        <a:defRPr b="0" i="0" sz="1400" u="none" cap="none" strike="noStrike">
+        <a:defRPr sz="1400" b="0" i="0" u="none" strike="noStrike" cap="none">
           <a:solidFill>
             <a:srgbClr val="000000"/>
           </a:solidFill>
@@ -6220,7 +6380,7 @@
           <a:sym typeface="Arial"/>
         </a:defRPr>
       </a:lvl6pPr>
-      <a:lvl7pPr lvl="6" marR="0" rtl="0" algn="l">
+      <a:lvl7pPr marR="0" lvl="6" algn="l" rtl="0">
         <a:lnSpc>
           <a:spcPct val="100000"/>
         </a:lnSpc>
@@ -6234,7 +6394,7 @@
           <a:srgbClr val="000000"/>
         </a:buClr>
         <a:buFont typeface="Arial"/>
-        <a:defRPr b="0" i="0" sz="1400" u="none" cap="none" strike="noStrike">
+        <a:defRPr sz="1400" b="0" i="0" u="none" strike="noStrike" cap="none">
           <a:solidFill>
             <a:srgbClr val="000000"/>
           </a:solidFill>
@@ -6244,7 +6404,7 @@
           <a:sym typeface="Arial"/>
         </a:defRPr>
       </a:lvl7pPr>
-      <a:lvl8pPr lvl="7" marR="0" rtl="0" algn="l">
+      <a:lvl8pPr marR="0" lvl="7" algn="l" rtl="0">
         <a:lnSpc>
           <a:spcPct val="100000"/>
         </a:lnSpc>
@@ -6258,7 +6418,7 @@
           <a:srgbClr val="000000"/>
         </a:buClr>
         <a:buFont typeface="Arial"/>
-        <a:defRPr b="0" i="0" sz="1400" u="none" cap="none" strike="noStrike">
+        <a:defRPr sz="1400" b="0" i="0" u="none" strike="noStrike" cap="none">
           <a:solidFill>
             <a:srgbClr val="000000"/>
           </a:solidFill>
@@ -6268,7 +6428,7 @@
           <a:sym typeface="Arial"/>
         </a:defRPr>
       </a:lvl8pPr>
-      <a:lvl9pPr lvl="8" marR="0" rtl="0" algn="l">
+      <a:lvl9pPr marR="0" lvl="8" algn="l" rtl="0">
         <a:lnSpc>
           <a:spcPct val="100000"/>
         </a:lnSpc>
@@ -6282,7 +6442,7 @@
           <a:srgbClr val="000000"/>
         </a:buClr>
         <a:buFont typeface="Arial"/>
-        <a:defRPr b="0" i="0" sz="1400" u="none" cap="none" strike="noStrike">
+        <a:defRPr sz="1400" b="0" i="0" u="none" strike="noStrike" cap="none">
           <a:solidFill>
             <a:srgbClr val="000000"/>
           </a:solidFill>
@@ -6298,11 +6458,11 @@
 </file>
 
 <file path=ppt/slides/slide1.xml><?xml version="1.0" encoding="utf-8"?>
-<p:sld xmlns:a="http://schemas.openxmlformats.org/drawingml/2006/main" xmlns:r="http://schemas.openxmlformats.org/officeDocument/2006/relationships" xmlns:mc="http://schemas.openxmlformats.org/markup-compatibility/2006" xmlns:mv="urn:schemas-microsoft-com:mac:vml" xmlns:p="http://schemas.openxmlformats.org/presentationml/2006/main" xmlns:c="http://schemas.openxmlformats.org/drawingml/2006/chart" xmlns:dgm="http://schemas.openxmlformats.org/drawingml/2006/diagram" xmlns:o="urn:schemas-microsoft-com:office:office" xmlns:v="urn:schemas-microsoft-com:vml" xmlns:pvml="urn:schemas-microsoft-com:office:powerpoint" xmlns:com="http://schemas.openxmlformats.org/drawingml/2006/compatibility" xmlns:p14="http://schemas.microsoft.com/office/powerpoint/2010/main" xmlns:p15="http://schemas.microsoft.com/office/powerpoint/2012/main">
+<p:sld xmlns:a="http://schemas.openxmlformats.org/drawingml/2006/main" xmlns:r="http://schemas.openxmlformats.org/officeDocument/2006/relationships" xmlns:p="http://schemas.openxmlformats.org/presentationml/2006/main">
   <p:cSld>
     <p:spTree>
       <p:nvGrpSpPr>
-        <p:cNvPr id="53" name="Shape 53"/>
+        <p:cNvPr id="1" name="Shape 53"/>
         <p:cNvGrpSpPr/>
         <p:nvPr/>
       </p:nvGrpSpPr>
@@ -6317,7 +6477,9 @@
       <p:sp>
         <p:nvSpPr>
           <p:cNvPr id="54" name="Google Shape;54;p13"/>
-          <p:cNvSpPr txBox="1"/>
+          <p:cNvSpPr txBox="1">
+            <a:spLocks noGrp="1"/>
+          </p:cNvSpPr>
           <p:nvPr>
             <p:ph type="ctrTitle"/>
           </p:nvPr>
@@ -6332,12 +6494,12 @@
           </a:prstGeom>
         </p:spPr>
         <p:txBody>
-          <a:bodyPr anchorCtr="0" anchor="b" bIns="91425" lIns="91425" spcFirstLastPara="1" rIns="91425" wrap="square" tIns="91425">
+          <a:bodyPr spcFirstLastPara="1" wrap="square" lIns="91425" tIns="91425" rIns="91425" bIns="91425" anchor="b" anchorCtr="0">
             <a:noAutofit/>
           </a:bodyPr>
           <a:lstStyle/>
           <a:p>
-            <a:pPr indent="0" lvl="0" marL="0" rtl="0" algn="ctr">
+            <a:pPr marL="0" lvl="0" indent="0" algn="ctr" rtl="0">
               <a:lnSpc>
                 <a:spcPct val="115000"/>
               </a:lnSpc>
@@ -6350,21 +6512,21 @@
               <a:buNone/>
             </a:pPr>
             <a:r>
-              <a:rPr b="1" lang="en" sz="2600">
+              <a:rPr lang="en" sz="2600" b="1">
                 <a:solidFill>
                   <a:srgbClr val="FFFFFF"/>
                 </a:solidFill>
               </a:rPr>
               <a:t>An Efficient and Usable Client-Side Cross Platform Compatible Phishing Prevention Application</a:t>
             </a:r>
-            <a:endParaRPr b="1" sz="2600">
+            <a:endParaRPr sz="2600" b="1">
               <a:solidFill>
                 <a:srgbClr val="FFFFFF"/>
               </a:solidFill>
             </a:endParaRPr>
           </a:p>
           <a:p>
-            <a:pPr indent="0" lvl="0" marL="0" rtl="0" algn="l">
+            <a:pPr marL="0" lvl="0" indent="0" algn="l" rtl="0">
               <a:lnSpc>
                 <a:spcPct val="115000"/>
               </a:lnSpc>
@@ -6376,17 +6538,14 @@
               </a:spcAft>
               <a:buNone/>
             </a:pPr>
-            <a:r>
-              <a:t/>
-            </a:r>
-            <a:endParaRPr b="1" sz="3000">
+            <a:endParaRPr sz="3000" b="1">
               <a:solidFill>
                 <a:srgbClr val="FFFFFF"/>
               </a:solidFill>
             </a:endParaRPr>
           </a:p>
           <a:p>
-            <a:pPr indent="0" lvl="0" marL="0" rtl="0" algn="ctr">
+            <a:pPr marL="0" lvl="0" indent="0" algn="ctr" rtl="0">
               <a:lnSpc>
                 <a:spcPct val="115000"/>
               </a:lnSpc>
@@ -6399,14 +6558,14 @@
               <a:buNone/>
             </a:pPr>
             <a:r>
-              <a:rPr b="1" lang="en" sz="1800">
+              <a:rPr lang="en" sz="1800" b="1">
                 <a:solidFill>
                   <a:srgbClr val="FFFFFF"/>
                 </a:solidFill>
               </a:rPr>
               <a:t>FINAL YEAR PROJECT REPORT</a:t>
             </a:r>
-            <a:endParaRPr b="1" sz="1800">
+            <a:endParaRPr sz="1800" b="1">
               <a:solidFill>
                 <a:srgbClr val="FFFFFF"/>
               </a:solidFill>
@@ -6417,9 +6576,11 @@
       <p:sp>
         <p:nvSpPr>
           <p:cNvPr id="55" name="Google Shape;55;p13"/>
-          <p:cNvSpPr txBox="1"/>
+          <p:cNvSpPr txBox="1">
+            <a:spLocks noGrp="1"/>
+          </p:cNvSpPr>
           <p:nvPr>
-            <p:ph idx="1" type="subTitle"/>
+            <p:ph type="subTitle" idx="1"/>
           </p:nvPr>
         </p:nvSpPr>
         <p:spPr>
@@ -6432,12 +6593,12 @@
           </a:prstGeom>
         </p:spPr>
         <p:txBody>
-          <a:bodyPr anchorCtr="0" anchor="t" bIns="91425" lIns="91425" spcFirstLastPara="1" rIns="91425" wrap="square" tIns="91425">
+          <a:bodyPr spcFirstLastPara="1" wrap="square" lIns="91425" tIns="91425" rIns="91425" bIns="91425" anchor="t" anchorCtr="0">
             <a:noAutofit/>
           </a:bodyPr>
           <a:lstStyle/>
           <a:p>
-            <a:pPr indent="457200" lvl="0" marL="3200400" rtl="0" algn="just">
+            <a:pPr marL="3200400" lvl="0" indent="457200" algn="just" rtl="0">
               <a:lnSpc>
                 <a:spcPct val="115000"/>
               </a:lnSpc>
@@ -6449,10 +6610,7 @@
               </a:spcAft>
               <a:buNone/>
             </a:pPr>
-            <a:r>
-              <a:t/>
-            </a:r>
-            <a:endParaRPr sz="1100">
+            <a:endParaRPr sz="1100" dirty="0">
               <a:solidFill>
                 <a:srgbClr val="000000"/>
               </a:solidFill>
@@ -6463,7 +6621,7 @@
             </a:endParaRPr>
           </a:p>
           <a:p>
-            <a:pPr indent="0" lvl="0" marL="3657600" rtl="0" algn="just">
+            <a:pPr marL="3657600" lvl="0" indent="0" algn="just" rtl="0">
               <a:lnSpc>
                 <a:spcPct val="115000"/>
               </a:lnSpc>
@@ -6475,17 +6633,14 @@
               </a:spcAft>
               <a:buNone/>
             </a:pPr>
-            <a:r>
-              <a:t/>
-            </a:r>
-            <a:endParaRPr sz="1800">
+            <a:endParaRPr sz="1800" dirty="0">
               <a:solidFill>
                 <a:srgbClr val="FFFFFF"/>
               </a:solidFill>
             </a:endParaRPr>
           </a:p>
           <a:p>
-            <a:pPr indent="0" lvl="0" marL="0" rtl="0" algn="just">
+            <a:pPr marL="0" lvl="0" indent="0" algn="just" rtl="0">
               <a:lnSpc>
                 <a:spcPct val="115000"/>
               </a:lnSpc>
@@ -6498,21 +6653,21 @@
               <a:buNone/>
             </a:pPr>
             <a:r>
-              <a:rPr b="1" lang="en" sz="1800">
+              <a:rPr lang="en" sz="1800" b="1" dirty="0">
                 <a:solidFill>
                   <a:srgbClr val="FFFFFF"/>
                 </a:solidFill>
               </a:rPr>
               <a:t>Submitted by</a:t>
             </a:r>
-            <a:endParaRPr b="1" sz="1800">
+            <a:endParaRPr sz="1800" b="1" dirty="0">
               <a:solidFill>
                 <a:srgbClr val="FFFFFF"/>
               </a:solidFill>
             </a:endParaRPr>
           </a:p>
           <a:p>
-            <a:pPr indent="0" lvl="0" marL="0" rtl="0" algn="just">
+            <a:pPr marL="0" lvl="0" indent="0" algn="just" rtl="0">
               <a:lnSpc>
                 <a:spcPct val="115000"/>
               </a:lnSpc>
@@ -6525,14 +6680,14 @@
               <a:buNone/>
             </a:pPr>
             <a:r>
-              <a:rPr lang="en" sz="1800">
+              <a:rPr lang="en" sz="1800" dirty="0">
                 <a:solidFill>
                   <a:srgbClr val="FFFFFF"/>
                 </a:solidFill>
               </a:rPr>
-              <a:t>N. Dhanush		2016103021</a:t>
+              <a:t>N. Dhanush	2016103021</a:t>
             </a:r>
-            <a:endParaRPr sz="1800">
+            <a:endParaRPr sz="1800" dirty="0">
               <a:solidFill>
                 <a:srgbClr val="FFFFFF"/>
               </a:solidFill>
@@ -6543,7 +6698,7 @@
             </a:endParaRPr>
           </a:p>
           <a:p>
-            <a:pPr indent="0" lvl="0" marL="0" rtl="0" algn="just">
+            <a:pPr marL="0" lvl="0" indent="0" algn="just" rtl="0">
               <a:lnSpc>
                 <a:spcPct val="115000"/>
               </a:lnSpc>
@@ -6556,21 +6711,21 @@
               <a:buNone/>
             </a:pPr>
             <a:r>
-              <a:rPr lang="en" sz="1800">
+              <a:rPr lang="en" sz="1800" dirty="0">
                 <a:solidFill>
                   <a:schemeClr val="dk1"/>
                 </a:solidFill>
               </a:rPr>
-              <a:t>G. Santhosh		2016103057</a:t>
+              <a:t>G. Santhosh	2016103057</a:t>
             </a:r>
-            <a:endParaRPr sz="1800">
+            <a:endParaRPr sz="1800" dirty="0">
               <a:solidFill>
                 <a:srgbClr val="FFFFFF"/>
               </a:solidFill>
             </a:endParaRPr>
           </a:p>
           <a:p>
-            <a:pPr indent="0" lvl="0" marL="0" rtl="0" algn="just">
+            <a:pPr marL="0" lvl="0" indent="0" algn="just" rtl="0">
               <a:lnSpc>
                 <a:spcPct val="115000"/>
               </a:lnSpc>
@@ -6583,7 +6738,7 @@
               <a:buNone/>
             </a:pPr>
             <a:r>
-              <a:rPr lang="en" sz="1800">
+              <a:rPr lang="en" sz="1800" dirty="0">
                 <a:solidFill>
                   <a:srgbClr val="FFFFFF"/>
                 </a:solidFill>
@@ -6594,14 +6749,14 @@
               </a:rPr>
               <a:t>S. Ben Stewart	2016103513</a:t>
             </a:r>
-            <a:endParaRPr sz="1800">
+            <a:endParaRPr sz="1800" dirty="0">
               <a:solidFill>
                 <a:srgbClr val="FFFFFF"/>
               </a:solidFill>
             </a:endParaRPr>
           </a:p>
           <a:p>
-            <a:pPr indent="0" lvl="0" marL="0" rtl="0" algn="ctr">
+            <a:pPr marL="0" lvl="0" indent="0" algn="ctr" rtl="0">
               <a:spcBef>
                 <a:spcPts val="0"/>
               </a:spcBef>
@@ -6610,19 +6765,18 @@
               </a:spcAft>
               <a:buNone/>
             </a:pPr>
-            <a:r>
-              <a:t/>
-            </a:r>
-            <a:endParaRPr/>
+            <a:endParaRPr dirty="0"/>
           </a:p>
         </p:txBody>
       </p:sp>
       <p:sp>
         <p:nvSpPr>
           <p:cNvPr id="56" name="Google Shape;56;p13"/>
-          <p:cNvSpPr txBox="1"/>
+          <p:cNvSpPr txBox="1">
+            <a:spLocks noGrp="1"/>
+          </p:cNvSpPr>
           <p:nvPr>
-            <p:ph idx="1" type="subTitle"/>
+            <p:ph type="subTitle" idx="1"/>
           </p:nvPr>
         </p:nvSpPr>
         <p:spPr>
@@ -6635,12 +6789,12 @@
           </a:prstGeom>
         </p:spPr>
         <p:txBody>
-          <a:bodyPr anchorCtr="0" anchor="t" bIns="91425" lIns="91425" spcFirstLastPara="1" rIns="91425" wrap="square" tIns="91425">
+          <a:bodyPr spcFirstLastPara="1" wrap="square" lIns="91425" tIns="91425" rIns="91425" bIns="91425" anchor="t" anchorCtr="0">
             <a:noAutofit/>
           </a:bodyPr>
           <a:lstStyle/>
           <a:p>
-            <a:pPr indent="457200" lvl="0" marL="3200400" rtl="0" algn="just">
+            <a:pPr marL="3200400" lvl="0" indent="457200" algn="just" rtl="0">
               <a:lnSpc>
                 <a:spcPct val="115000"/>
               </a:lnSpc>
@@ -6652,10 +6806,7 @@
               </a:spcAft>
               <a:buNone/>
             </a:pPr>
-            <a:r>
-              <a:t/>
-            </a:r>
-            <a:endParaRPr sz="1100">
+            <a:endParaRPr sz="1100" dirty="0">
               <a:solidFill>
                 <a:srgbClr val="000000"/>
               </a:solidFill>
@@ -6666,7 +6817,7 @@
             </a:endParaRPr>
           </a:p>
           <a:p>
-            <a:pPr indent="0" lvl="0" marL="3657600" rtl="0" algn="just">
+            <a:pPr marL="3657600" lvl="0" indent="0" algn="just" rtl="0">
               <a:lnSpc>
                 <a:spcPct val="115000"/>
               </a:lnSpc>
@@ -6678,17 +6829,14 @@
               </a:spcAft>
               <a:buNone/>
             </a:pPr>
-            <a:r>
-              <a:t/>
-            </a:r>
-            <a:endParaRPr sz="1800">
+            <a:endParaRPr sz="1800" dirty="0">
               <a:solidFill>
                 <a:srgbClr val="FFFFFF"/>
               </a:solidFill>
             </a:endParaRPr>
           </a:p>
           <a:p>
-            <a:pPr indent="0" lvl="0" marL="0" rtl="0" algn="just">
+            <a:pPr marL="0" lvl="0" indent="0" algn="just" rtl="0">
               <a:lnSpc>
                 <a:spcPct val="115000"/>
               </a:lnSpc>
@@ -6701,21 +6849,21 @@
               <a:buNone/>
             </a:pPr>
             <a:r>
-              <a:rPr b="1" lang="en" sz="1800">
+              <a:rPr lang="en" sz="1800" b="1" dirty="0">
                 <a:solidFill>
                   <a:srgbClr val="FFFFFF"/>
                 </a:solidFill>
               </a:rPr>
               <a:t>Guide</a:t>
             </a:r>
-            <a:endParaRPr b="1" sz="1800">
+            <a:endParaRPr sz="1800" b="1" dirty="0">
               <a:solidFill>
                 <a:srgbClr val="FFFFFF"/>
               </a:solidFill>
             </a:endParaRPr>
           </a:p>
           <a:p>
-            <a:pPr indent="0" lvl="0" marL="0" rtl="0" algn="just">
+            <a:pPr marL="0" lvl="0" indent="0" algn="just" rtl="0">
               <a:lnSpc>
                 <a:spcPct val="115000"/>
               </a:lnSpc>
@@ -6728,21 +6876,45 @@
               <a:buNone/>
             </a:pPr>
             <a:r>
-              <a:rPr lang="en" sz="1800">
+              <a:rPr lang="en" sz="1800" dirty="0">
                 <a:solidFill>
                   <a:srgbClr val="FFFFFF"/>
                 </a:solidFill>
               </a:rPr>
-              <a:t>Dr. Angelin Gladston</a:t>
+              <a:t>Dr. </a:t>
             </a:r>
-            <a:endParaRPr sz="1800">
+            <a:r>
+              <a:rPr lang="en" sz="1800" dirty="0" err="1">
+                <a:solidFill>
+                  <a:srgbClr val="FFFFFF"/>
+                </a:solidFill>
+              </a:rPr>
+              <a:t>Angelin</a:t>
+            </a:r>
+            <a:r>
+              <a:rPr lang="en" sz="1800" dirty="0">
+                <a:solidFill>
+                  <a:srgbClr val="FFFFFF"/>
+                </a:solidFill>
+              </a:rPr>
+              <a:t> </a:t>
+            </a:r>
+            <a:r>
+              <a:rPr lang="en" sz="1800" dirty="0" err="1">
+                <a:solidFill>
+                  <a:srgbClr val="FFFFFF"/>
+                </a:solidFill>
+              </a:rPr>
+              <a:t>Gladston</a:t>
+            </a:r>
+            <a:endParaRPr sz="1800" dirty="0">
               <a:solidFill>
                 <a:srgbClr val="FFFFFF"/>
               </a:solidFill>
             </a:endParaRPr>
           </a:p>
           <a:p>
-            <a:pPr indent="0" lvl="0" marL="0" rtl="0" algn="just">
+            <a:pPr marL="0" lvl="0" indent="0" algn="just" rtl="0">
               <a:lnSpc>
                 <a:spcPct val="115000"/>
               </a:lnSpc>
@@ -6755,21 +6927,21 @@
               <a:buNone/>
             </a:pPr>
             <a:r>
-              <a:rPr lang="en" sz="1800">
+              <a:rPr lang="en" sz="1800" dirty="0">
                 <a:solidFill>
                   <a:srgbClr val="FFFFFF"/>
                 </a:solidFill>
               </a:rPr>
               <a:t>Associate Professor</a:t>
             </a:r>
-            <a:endParaRPr sz="1800">
+            <a:endParaRPr sz="1800" dirty="0">
               <a:solidFill>
                 <a:srgbClr val="FFFFFF"/>
               </a:solidFill>
             </a:endParaRPr>
           </a:p>
           <a:p>
-            <a:pPr indent="0" lvl="0" marL="0" rtl="0" algn="just">
+            <a:pPr marL="0" lvl="0" indent="0" algn="just" rtl="0">
               <a:lnSpc>
                 <a:spcPct val="115000"/>
               </a:lnSpc>
@@ -6782,21 +6954,21 @@
               <a:buNone/>
             </a:pPr>
             <a:r>
-              <a:rPr lang="en" sz="1800">
+              <a:rPr lang="en" sz="1800" dirty="0">
                 <a:solidFill>
                   <a:srgbClr val="FFFFFF"/>
                 </a:solidFill>
               </a:rPr>
               <a:t>Department of CSE</a:t>
             </a:r>
-            <a:endParaRPr sz="1800">
+            <a:endParaRPr sz="1800" dirty="0">
               <a:solidFill>
                 <a:srgbClr val="FFFFFF"/>
               </a:solidFill>
             </a:endParaRPr>
           </a:p>
           <a:p>
-            <a:pPr indent="0" lvl="0" marL="0" rtl="0" algn="just">
+            <a:pPr marL="0" lvl="0" indent="0" algn="just" rtl="0">
               <a:lnSpc>
                 <a:spcPct val="115000"/>
               </a:lnSpc>
@@ -6808,17 +6980,14 @@
               </a:spcAft>
               <a:buNone/>
             </a:pPr>
-            <a:r>
-              <a:t/>
-            </a:r>
-            <a:endParaRPr sz="1800">
+            <a:endParaRPr sz="1800" dirty="0">
               <a:solidFill>
                 <a:srgbClr val="FFFFFF"/>
               </a:solidFill>
             </a:endParaRPr>
           </a:p>
           <a:p>
-            <a:pPr indent="0" lvl="0" marL="0" rtl="0" algn="ctr">
+            <a:pPr marL="0" lvl="0" indent="0" algn="ctr" rtl="0">
               <a:spcBef>
                 <a:spcPts val="0"/>
               </a:spcBef>
@@ -6827,10 +6996,7 @@
               </a:spcAft>
               <a:buNone/>
             </a:pPr>
-            <a:r>
-              <a:t/>
-            </a:r>
-            <a:endParaRPr/>
+            <a:endParaRPr dirty="0"/>
           </a:p>
         </p:txBody>
       </p:sp>
@@ -6843,11 +7009,11 @@
 </file>
 
 <file path=ppt/slides/slide2.xml><?xml version="1.0" encoding="utf-8"?>
-<p:sld xmlns:a="http://schemas.openxmlformats.org/drawingml/2006/main" xmlns:r="http://schemas.openxmlformats.org/officeDocument/2006/relationships" xmlns:mc="http://schemas.openxmlformats.org/markup-compatibility/2006" xmlns:mv="urn:schemas-microsoft-com:mac:vml" xmlns:p="http://schemas.openxmlformats.org/presentationml/2006/main" xmlns:c="http://schemas.openxmlformats.org/drawingml/2006/chart" xmlns:dgm="http://schemas.openxmlformats.org/drawingml/2006/diagram" xmlns:o="urn:schemas-microsoft-com:office:office" xmlns:v="urn:schemas-microsoft-com:vml" xmlns:pvml="urn:schemas-microsoft-com:office:powerpoint" xmlns:com="http://schemas.openxmlformats.org/drawingml/2006/compatibility" xmlns:p14="http://schemas.microsoft.com/office/powerpoint/2010/main" xmlns:p15="http://schemas.microsoft.com/office/powerpoint/2012/main">
+<p:sld xmlns:a="http://schemas.openxmlformats.org/drawingml/2006/main" xmlns:r="http://schemas.openxmlformats.org/officeDocument/2006/relationships" xmlns:p="http://schemas.openxmlformats.org/presentationml/2006/main">
   <p:cSld>
     <p:spTree>
       <p:nvGrpSpPr>
-        <p:cNvPr id="60" name="Shape 60"/>
+        <p:cNvPr id="1" name="Shape 60"/>
         <p:cNvGrpSpPr/>
         <p:nvPr/>
       </p:nvGrpSpPr>
@@ -6862,7 +7028,9 @@
       <p:sp>
         <p:nvSpPr>
           <p:cNvPr id="61" name="Google Shape;61;p14"/>
-          <p:cNvSpPr txBox="1"/>
+          <p:cNvSpPr txBox="1">
+            <a:spLocks noGrp="1"/>
+          </p:cNvSpPr>
           <p:nvPr>
             <p:ph type="ctrTitle"/>
           </p:nvPr>
@@ -6877,12 +7045,12 @@
           </a:prstGeom>
         </p:spPr>
         <p:txBody>
-          <a:bodyPr anchorCtr="0" anchor="b" bIns="91425" lIns="91425" spcFirstLastPara="1" rIns="91425" wrap="square" tIns="91425">
+          <a:bodyPr spcFirstLastPara="1" wrap="square" lIns="91425" tIns="91425" rIns="91425" bIns="91425" anchor="b" anchorCtr="0">
             <a:noAutofit/>
           </a:bodyPr>
           <a:lstStyle/>
           <a:p>
-            <a:pPr indent="0" lvl="0" marL="0" rtl="0" algn="l">
+            <a:pPr marL="0" lvl="0" indent="0" algn="l" rtl="0">
               <a:lnSpc>
                 <a:spcPct val="115000"/>
               </a:lnSpc>
@@ -6895,14 +7063,14 @@
               <a:buNone/>
             </a:pPr>
             <a:r>
-              <a:rPr b="1" lang="en" sz="3000">
+              <a:rPr lang="en" sz="3000" b="1">
                 <a:solidFill>
                   <a:srgbClr val="FFFFFF"/>
                 </a:solidFill>
               </a:rPr>
               <a:t>OUTLINE</a:t>
             </a:r>
-            <a:endParaRPr b="1" sz="3000">
+            <a:endParaRPr sz="3000" b="1">
               <a:solidFill>
                 <a:srgbClr val="FFFFFF"/>
               </a:solidFill>
@@ -6913,9 +7081,11 @@
       <p:sp>
         <p:nvSpPr>
           <p:cNvPr id="62" name="Google Shape;62;p14"/>
-          <p:cNvSpPr txBox="1"/>
+          <p:cNvSpPr txBox="1">
+            <a:spLocks noGrp="1"/>
+          </p:cNvSpPr>
           <p:nvPr>
-            <p:ph idx="1" type="subTitle"/>
+            <p:ph type="subTitle" idx="1"/>
           </p:nvPr>
         </p:nvSpPr>
         <p:spPr>
@@ -6928,12 +7098,12 @@
           </a:prstGeom>
         </p:spPr>
         <p:txBody>
-          <a:bodyPr anchorCtr="0" anchor="t" bIns="91425" lIns="91425" spcFirstLastPara="1" rIns="91425" wrap="square" tIns="91425">
+          <a:bodyPr spcFirstLastPara="1" wrap="square" lIns="91425" tIns="91425" rIns="91425" bIns="91425" anchor="t" anchorCtr="0">
             <a:noAutofit/>
           </a:bodyPr>
           <a:lstStyle/>
           <a:p>
-            <a:pPr indent="-342900" lvl="0" marL="457200" rtl="0" algn="just">
+            <a:pPr marL="457200" lvl="0" indent="-342900" algn="just" rtl="0">
               <a:lnSpc>
                 <a:spcPct val="115000"/>
               </a:lnSpc>
@@ -6964,7 +7134,7 @@
             </a:endParaRPr>
           </a:p>
           <a:p>
-            <a:pPr indent="-342900" lvl="0" marL="457200" rtl="0" algn="just">
+            <a:pPr marL="457200" lvl="0" indent="-342900" algn="just" rtl="0">
               <a:lnSpc>
                 <a:spcPct val="115000"/>
               </a:lnSpc>
@@ -6995,7 +7165,7 @@
             </a:endParaRPr>
           </a:p>
           <a:p>
-            <a:pPr indent="-342900" lvl="0" marL="457200" rtl="0" algn="just">
+            <a:pPr marL="457200" lvl="0" indent="-342900" algn="just" rtl="0">
               <a:lnSpc>
                 <a:spcPct val="115000"/>
               </a:lnSpc>
@@ -7026,7 +7196,7 @@
             </a:endParaRPr>
           </a:p>
           <a:p>
-            <a:pPr indent="-342900" lvl="0" marL="457200" rtl="0" algn="just">
+            <a:pPr marL="457200" lvl="0" indent="-342900" algn="just" rtl="0">
               <a:lnSpc>
                 <a:spcPct val="115000"/>
               </a:lnSpc>
@@ -7057,7 +7227,7 @@
             </a:endParaRPr>
           </a:p>
           <a:p>
-            <a:pPr indent="-342900" lvl="0" marL="457200" rtl="0" algn="just">
+            <a:pPr marL="457200" lvl="0" indent="-342900" algn="just" rtl="0">
               <a:lnSpc>
                 <a:spcPct val="115000"/>
               </a:lnSpc>
@@ -7088,7 +7258,7 @@
             </a:endParaRPr>
           </a:p>
           <a:p>
-            <a:pPr indent="-342900" lvl="0" marL="457200" rtl="0" algn="just">
+            <a:pPr marL="457200" lvl="0" indent="-342900" algn="just" rtl="0">
               <a:lnSpc>
                 <a:spcPct val="115000"/>
               </a:lnSpc>
@@ -7129,11 +7299,11 @@
 </file>
 
 <file path=ppt/slides/slide3.xml><?xml version="1.0" encoding="utf-8"?>
-<p:sld xmlns:a="http://schemas.openxmlformats.org/drawingml/2006/main" xmlns:r="http://schemas.openxmlformats.org/officeDocument/2006/relationships" xmlns:mc="http://schemas.openxmlformats.org/markup-compatibility/2006" xmlns:mv="urn:schemas-microsoft-com:mac:vml" xmlns:p="http://schemas.openxmlformats.org/presentationml/2006/main" xmlns:c="http://schemas.openxmlformats.org/drawingml/2006/chart" xmlns:dgm="http://schemas.openxmlformats.org/drawingml/2006/diagram" xmlns:o="urn:schemas-microsoft-com:office:office" xmlns:v="urn:schemas-microsoft-com:vml" xmlns:pvml="urn:schemas-microsoft-com:office:powerpoint" xmlns:com="http://schemas.openxmlformats.org/drawingml/2006/compatibility" xmlns:p14="http://schemas.microsoft.com/office/powerpoint/2010/main" xmlns:p15="http://schemas.microsoft.com/office/powerpoint/2012/main">
+<p:sld xmlns:a="http://schemas.openxmlformats.org/drawingml/2006/main" xmlns:r="http://schemas.openxmlformats.org/officeDocument/2006/relationships" xmlns:p="http://schemas.openxmlformats.org/presentationml/2006/main">
   <p:cSld>
     <p:spTree>
       <p:nvGrpSpPr>
-        <p:cNvPr id="66" name="Shape 66"/>
+        <p:cNvPr id="1" name="Shape 66"/>
         <p:cNvGrpSpPr/>
         <p:nvPr/>
       </p:nvGrpSpPr>
@@ -7148,7 +7318,9 @@
       <p:sp>
         <p:nvSpPr>
           <p:cNvPr id="67" name="Google Shape;67;p15"/>
-          <p:cNvSpPr txBox="1"/>
+          <p:cNvSpPr txBox="1">
+            <a:spLocks noGrp="1"/>
+          </p:cNvSpPr>
           <p:nvPr>
             <p:ph type="ctrTitle"/>
           </p:nvPr>
@@ -7163,12 +7335,12 @@
           </a:prstGeom>
         </p:spPr>
         <p:txBody>
-          <a:bodyPr anchorCtr="0" anchor="b" bIns="91425" lIns="91425" spcFirstLastPara="1" rIns="91425" wrap="square" tIns="91425">
+          <a:bodyPr spcFirstLastPara="1" wrap="square" lIns="91425" tIns="91425" rIns="91425" bIns="91425" anchor="b" anchorCtr="0">
             <a:noAutofit/>
           </a:bodyPr>
           <a:lstStyle/>
           <a:p>
-            <a:pPr indent="0" lvl="0" marL="0" rtl="0" algn="ctr">
+            <a:pPr marL="0" lvl="0" indent="0" algn="ctr" rtl="0">
               <a:lnSpc>
                 <a:spcPct val="115000"/>
               </a:lnSpc>
@@ -7181,7 +7353,7 @@
               <a:buNone/>
             </a:pPr>
             <a:r>
-              <a:rPr b="1" lang="en" sz="3000">
+              <a:rPr lang="en" sz="3000" b="1">
                 <a:solidFill>
                   <a:srgbClr val="FFFFFF"/>
                 </a:solidFill>
@@ -7199,9 +7371,11 @@
       <p:sp>
         <p:nvSpPr>
           <p:cNvPr id="68" name="Google Shape;68;p15"/>
-          <p:cNvSpPr txBox="1"/>
+          <p:cNvSpPr txBox="1">
+            <a:spLocks noGrp="1"/>
+          </p:cNvSpPr>
           <p:nvPr>
-            <p:ph idx="1" type="subTitle"/>
+            <p:ph type="subTitle" idx="1"/>
           </p:nvPr>
         </p:nvSpPr>
         <p:spPr>
@@ -7214,12 +7388,12 @@
           </a:prstGeom>
         </p:spPr>
         <p:txBody>
-          <a:bodyPr anchorCtr="0" anchor="t" bIns="91425" lIns="91425" spcFirstLastPara="1" rIns="91425" wrap="square" tIns="91425">
+          <a:bodyPr spcFirstLastPara="1" wrap="square" lIns="91425" tIns="91425" rIns="91425" bIns="91425" anchor="t" anchorCtr="0">
             <a:noAutofit/>
           </a:bodyPr>
           <a:lstStyle/>
           <a:p>
-            <a:pPr indent="-342900" lvl="0" marL="457200" rtl="0" algn="just">
+            <a:pPr marL="457200" lvl="0" indent="-342900" algn="just" rtl="0">
               <a:lnSpc>
                 <a:spcPct val="115000"/>
               </a:lnSpc>
@@ -7250,7 +7424,7 @@
             </a:endParaRPr>
           </a:p>
           <a:p>
-            <a:pPr indent="-342900" lvl="0" marL="457200" rtl="0" algn="just">
+            <a:pPr marL="457200" lvl="0" indent="-342900" algn="just" rtl="0">
               <a:lnSpc>
                 <a:spcPct val="115000"/>
               </a:lnSpc>
@@ -7281,7 +7455,7 @@
             </a:endParaRPr>
           </a:p>
           <a:p>
-            <a:pPr indent="-342900" lvl="0" marL="457200" rtl="0" algn="just">
+            <a:pPr marL="457200" lvl="0" indent="-342900" algn="just" rtl="0">
               <a:lnSpc>
                 <a:spcPct val="115000"/>
               </a:lnSpc>
@@ -7312,7 +7486,7 @@
             </a:endParaRPr>
           </a:p>
           <a:p>
-            <a:pPr indent="-342900" lvl="0" marL="457200" rtl="0" algn="just">
+            <a:pPr marL="457200" lvl="0" indent="-342900" algn="just" rtl="0">
               <a:lnSpc>
                 <a:spcPct val="115000"/>
               </a:lnSpc>
@@ -7343,7 +7517,7 @@
             </a:endParaRPr>
           </a:p>
           <a:p>
-            <a:pPr indent="-342900" lvl="0" marL="457200" rtl="0" algn="just">
+            <a:pPr marL="457200" lvl="0" indent="-342900" algn="just" rtl="0">
               <a:lnSpc>
                 <a:spcPct val="115000"/>
               </a:lnSpc>
@@ -7374,7 +7548,7 @@
             </a:endParaRPr>
           </a:p>
           <a:p>
-            <a:pPr indent="-342900" lvl="0" marL="457200" rtl="0" algn="just">
+            <a:pPr marL="457200" lvl="0" indent="-342900" algn="just" rtl="0">
               <a:lnSpc>
                 <a:spcPct val="115000"/>
               </a:lnSpc>
@@ -7415,11 +7589,11 @@
 </file>
 
 <file path=ppt/slides/slide4.xml><?xml version="1.0" encoding="utf-8"?>
-<p:sld xmlns:a="http://schemas.openxmlformats.org/drawingml/2006/main" xmlns:r="http://schemas.openxmlformats.org/officeDocument/2006/relationships" xmlns:mc="http://schemas.openxmlformats.org/markup-compatibility/2006" xmlns:mv="urn:schemas-microsoft-com:mac:vml" xmlns:p="http://schemas.openxmlformats.org/presentationml/2006/main" xmlns:c="http://schemas.openxmlformats.org/drawingml/2006/chart" xmlns:dgm="http://schemas.openxmlformats.org/drawingml/2006/diagram" xmlns:o="urn:schemas-microsoft-com:office:office" xmlns:v="urn:schemas-microsoft-com:vml" xmlns:pvml="urn:schemas-microsoft-com:office:powerpoint" xmlns:com="http://schemas.openxmlformats.org/drawingml/2006/compatibility" xmlns:p14="http://schemas.microsoft.com/office/powerpoint/2010/main" xmlns:p15="http://schemas.microsoft.com/office/powerpoint/2012/main">
+<p:sld xmlns:a="http://schemas.openxmlformats.org/drawingml/2006/main" xmlns:r="http://schemas.openxmlformats.org/officeDocument/2006/relationships" xmlns:p="http://schemas.openxmlformats.org/presentationml/2006/main">
   <p:cSld>
     <p:spTree>
       <p:nvGrpSpPr>
-        <p:cNvPr id="72" name="Shape 72"/>
+        <p:cNvPr id="1" name="Shape 72"/>
         <p:cNvGrpSpPr/>
         <p:nvPr/>
       </p:nvGrpSpPr>
@@ -7434,7 +7608,9 @@
       <p:sp>
         <p:nvSpPr>
           <p:cNvPr id="73" name="Google Shape;73;p16"/>
-          <p:cNvSpPr txBox="1"/>
+          <p:cNvSpPr txBox="1">
+            <a:spLocks noGrp="1"/>
+          </p:cNvSpPr>
           <p:nvPr>
             <p:ph type="ctrTitle"/>
           </p:nvPr>
@@ -7449,12 +7625,12 @@
           </a:prstGeom>
         </p:spPr>
         <p:txBody>
-          <a:bodyPr anchorCtr="0" anchor="b" bIns="91425" lIns="91425" spcFirstLastPara="1" rIns="91425" wrap="square" tIns="91425">
+          <a:bodyPr spcFirstLastPara="1" wrap="square" lIns="91425" tIns="91425" rIns="91425" bIns="91425" anchor="b" anchorCtr="0">
             <a:noAutofit/>
           </a:bodyPr>
           <a:lstStyle/>
           <a:p>
-            <a:pPr indent="0" lvl="0" marL="0" rtl="0" algn="ctr">
+            <a:pPr marL="0" lvl="0" indent="0" algn="ctr" rtl="0">
               <a:lnSpc>
                 <a:spcPct val="115000"/>
               </a:lnSpc>
@@ -7467,7 +7643,7 @@
               <a:buNone/>
             </a:pPr>
             <a:r>
-              <a:rPr b="1" lang="en" sz="3000">
+              <a:rPr lang="en" sz="3000" b="1">
                 <a:solidFill>
                   <a:srgbClr val="FFFFFF"/>
                 </a:solidFill>
@@ -7485,9 +7661,11 @@
       <p:sp>
         <p:nvSpPr>
           <p:cNvPr id="74" name="Google Shape;74;p16"/>
-          <p:cNvSpPr txBox="1"/>
+          <p:cNvSpPr txBox="1">
+            <a:spLocks noGrp="1"/>
+          </p:cNvSpPr>
           <p:nvPr>
-            <p:ph idx="1" type="subTitle"/>
+            <p:ph type="subTitle" idx="1"/>
           </p:nvPr>
         </p:nvSpPr>
         <p:spPr>
@@ -7500,12 +7678,12 @@
           </a:prstGeom>
         </p:spPr>
         <p:txBody>
-          <a:bodyPr anchorCtr="0" anchor="t" bIns="91425" lIns="91425" spcFirstLastPara="1" rIns="91425" wrap="square" tIns="91425">
+          <a:bodyPr spcFirstLastPara="1" wrap="square" lIns="91425" tIns="91425" rIns="91425" bIns="91425" anchor="t" anchorCtr="0">
             <a:noAutofit/>
           </a:bodyPr>
           <a:lstStyle/>
           <a:p>
-            <a:pPr indent="-342900" lvl="0" marL="457200" rtl="0" algn="just">
+            <a:pPr marL="457200" lvl="0" indent="-342900" algn="just" rtl="0">
               <a:lnSpc>
                 <a:spcPct val="115000"/>
               </a:lnSpc>
@@ -7536,7 +7714,7 @@
             </a:endParaRPr>
           </a:p>
           <a:p>
-            <a:pPr indent="-342900" lvl="0" marL="457200" rtl="0" algn="just">
+            <a:pPr marL="457200" lvl="0" indent="-342900" algn="just" rtl="0">
               <a:lnSpc>
                 <a:spcPct val="115000"/>
               </a:lnSpc>
@@ -7567,7 +7745,7 @@
             </a:endParaRPr>
           </a:p>
           <a:p>
-            <a:pPr indent="-342900" lvl="0" marL="457200" rtl="0" algn="just">
+            <a:pPr marL="457200" lvl="0" indent="-342900" algn="just" rtl="0">
               <a:lnSpc>
                 <a:spcPct val="115000"/>
               </a:lnSpc>
@@ -7598,7 +7776,7 @@
             </a:endParaRPr>
           </a:p>
           <a:p>
-            <a:pPr indent="-342900" lvl="0" marL="457200" rtl="0" algn="just">
+            <a:pPr marL="457200" lvl="0" indent="-342900" algn="just" rtl="0">
               <a:lnSpc>
                 <a:spcPct val="115000"/>
               </a:lnSpc>
@@ -7629,7 +7807,7 @@
             </a:endParaRPr>
           </a:p>
           <a:p>
-            <a:pPr indent="-342900" lvl="0" marL="457200" rtl="0" algn="just">
+            <a:pPr marL="457200" lvl="0" indent="-342900" algn="just" rtl="0">
               <a:lnSpc>
                 <a:spcPct val="115000"/>
               </a:lnSpc>
@@ -7670,11 +7848,11 @@
 </file>
 
 <file path=ppt/slides/slide5.xml><?xml version="1.0" encoding="utf-8"?>
-<p:sld xmlns:a="http://schemas.openxmlformats.org/drawingml/2006/main" xmlns:r="http://schemas.openxmlformats.org/officeDocument/2006/relationships" xmlns:mc="http://schemas.openxmlformats.org/markup-compatibility/2006" xmlns:mv="urn:schemas-microsoft-com:mac:vml" xmlns:p="http://schemas.openxmlformats.org/presentationml/2006/main" xmlns:c="http://schemas.openxmlformats.org/drawingml/2006/chart" xmlns:dgm="http://schemas.openxmlformats.org/drawingml/2006/diagram" xmlns:o="urn:schemas-microsoft-com:office:office" xmlns:v="urn:schemas-microsoft-com:vml" xmlns:pvml="urn:schemas-microsoft-com:office:powerpoint" xmlns:com="http://schemas.openxmlformats.org/drawingml/2006/compatibility" xmlns:p14="http://schemas.microsoft.com/office/powerpoint/2010/main" xmlns:p15="http://schemas.microsoft.com/office/powerpoint/2012/main">
+<p:sld xmlns:a="http://schemas.openxmlformats.org/drawingml/2006/main" xmlns:r="http://schemas.openxmlformats.org/officeDocument/2006/relationships" xmlns:p="http://schemas.openxmlformats.org/presentationml/2006/main">
   <p:cSld>
     <p:spTree>
       <p:nvGrpSpPr>
-        <p:cNvPr id="78" name="Shape 78"/>
+        <p:cNvPr id="1" name="Shape 78"/>
         <p:cNvGrpSpPr/>
         <p:nvPr/>
       </p:nvGrpSpPr>
@@ -7689,7 +7867,9 @@
       <p:sp>
         <p:nvSpPr>
           <p:cNvPr id="79" name="Google Shape;79;p17"/>
-          <p:cNvSpPr txBox="1"/>
+          <p:cNvSpPr txBox="1">
+            <a:spLocks noGrp="1"/>
+          </p:cNvSpPr>
           <p:nvPr>
             <p:ph type="ctrTitle"/>
           </p:nvPr>
@@ -7704,12 +7884,12 @@
           </a:prstGeom>
         </p:spPr>
         <p:txBody>
-          <a:bodyPr anchorCtr="0" anchor="b" bIns="91425" lIns="91425" spcFirstLastPara="1" rIns="91425" wrap="square" tIns="91425">
+          <a:bodyPr spcFirstLastPara="1" wrap="square" lIns="91425" tIns="91425" rIns="91425" bIns="91425" anchor="b" anchorCtr="0">
             <a:noAutofit/>
           </a:bodyPr>
           <a:lstStyle/>
           <a:p>
-            <a:pPr indent="0" lvl="0" marL="0" rtl="0" algn="ctr">
+            <a:pPr marL="0" lvl="0" indent="0" algn="ctr" rtl="0">
               <a:lnSpc>
                 <a:spcPct val="115000"/>
               </a:lnSpc>
@@ -7722,7 +7902,7 @@
               <a:buNone/>
             </a:pPr>
             <a:r>
-              <a:rPr b="1" lang="en" sz="3000">
+              <a:rPr lang="en" sz="3000" b="1">
                 <a:solidFill>
                   <a:srgbClr val="FFFFFF"/>
                 </a:solidFill>
@@ -7740,9 +7920,11 @@
       <p:sp>
         <p:nvSpPr>
           <p:cNvPr id="80" name="Google Shape;80;p17"/>
-          <p:cNvSpPr txBox="1"/>
+          <p:cNvSpPr txBox="1">
+            <a:spLocks noGrp="1"/>
+          </p:cNvSpPr>
           <p:nvPr>
-            <p:ph idx="1" type="subTitle"/>
+            <p:ph type="subTitle" idx="1"/>
           </p:nvPr>
         </p:nvSpPr>
         <p:spPr>
@@ -7755,12 +7937,12 @@
           </a:prstGeom>
         </p:spPr>
         <p:txBody>
-          <a:bodyPr anchorCtr="0" anchor="t" bIns="91425" lIns="91425" spcFirstLastPara="1" rIns="91425" wrap="square" tIns="91425">
+          <a:bodyPr spcFirstLastPara="1" wrap="square" lIns="91425" tIns="91425" rIns="91425" bIns="91425" anchor="t" anchorCtr="0">
             <a:noAutofit/>
           </a:bodyPr>
           <a:lstStyle/>
           <a:p>
-            <a:pPr indent="-342900" lvl="0" marL="457200" rtl="0" algn="just">
+            <a:pPr marL="457200" lvl="0" indent="-342900" algn="just" rtl="0">
               <a:lnSpc>
                 <a:spcPct val="115000"/>
               </a:lnSpc>
@@ -7791,7 +7973,7 @@
             </a:endParaRPr>
           </a:p>
           <a:p>
-            <a:pPr indent="-342900" lvl="0" marL="457200" rtl="0" algn="just">
+            <a:pPr marL="457200" lvl="0" indent="-342900" algn="just" rtl="0">
               <a:lnSpc>
                 <a:spcPct val="115000"/>
               </a:lnSpc>
@@ -7822,7 +8004,7 @@
             </a:endParaRPr>
           </a:p>
           <a:p>
-            <a:pPr indent="-342900" lvl="0" marL="457200" rtl="0" algn="just">
+            <a:pPr marL="457200" lvl="0" indent="-342900" algn="just" rtl="0">
               <a:lnSpc>
                 <a:spcPct val="115000"/>
               </a:lnSpc>
@@ -7853,7 +8035,7 @@
             </a:endParaRPr>
           </a:p>
           <a:p>
-            <a:pPr indent="-342900" lvl="0" marL="457200" rtl="0" algn="just">
+            <a:pPr marL="457200" lvl="0" indent="-342900" algn="just" rtl="0">
               <a:lnSpc>
                 <a:spcPct val="115000"/>
               </a:lnSpc>
@@ -7894,11 +8076,11 @@
 </file>
 
 <file path=ppt/slides/slide6.xml><?xml version="1.0" encoding="utf-8"?>
-<p:sld xmlns:a="http://schemas.openxmlformats.org/drawingml/2006/main" xmlns:r="http://schemas.openxmlformats.org/officeDocument/2006/relationships" xmlns:mc="http://schemas.openxmlformats.org/markup-compatibility/2006" xmlns:mv="urn:schemas-microsoft-com:mac:vml" xmlns:p="http://schemas.openxmlformats.org/presentationml/2006/main" xmlns:c="http://schemas.openxmlformats.org/drawingml/2006/chart" xmlns:dgm="http://schemas.openxmlformats.org/drawingml/2006/diagram" xmlns:o="urn:schemas-microsoft-com:office:office" xmlns:v="urn:schemas-microsoft-com:vml" xmlns:pvml="urn:schemas-microsoft-com:office:powerpoint" xmlns:com="http://schemas.openxmlformats.org/drawingml/2006/compatibility" xmlns:p14="http://schemas.microsoft.com/office/powerpoint/2010/main" xmlns:p15="http://schemas.microsoft.com/office/powerpoint/2012/main">
+<p:sld xmlns:a="http://schemas.openxmlformats.org/drawingml/2006/main" xmlns:r="http://schemas.openxmlformats.org/officeDocument/2006/relationships" xmlns:p="http://schemas.openxmlformats.org/presentationml/2006/main">
   <p:cSld>
     <p:spTree>
       <p:nvGrpSpPr>
-        <p:cNvPr id="84" name="Shape 84"/>
+        <p:cNvPr id="1" name="Shape 84"/>
         <p:cNvGrpSpPr/>
         <p:nvPr/>
       </p:nvGrpSpPr>
@@ -7913,7 +8095,9 @@
       <p:sp>
         <p:nvSpPr>
           <p:cNvPr id="85" name="Google Shape;85;p18"/>
-          <p:cNvSpPr txBox="1"/>
+          <p:cNvSpPr txBox="1">
+            <a:spLocks noGrp="1"/>
+          </p:cNvSpPr>
           <p:nvPr>
             <p:ph type="ctrTitle"/>
           </p:nvPr>
@@ -7928,12 +8112,12 @@
           </a:prstGeom>
         </p:spPr>
         <p:txBody>
-          <a:bodyPr anchorCtr="0" anchor="b" bIns="91425" lIns="91425" spcFirstLastPara="1" rIns="91425" wrap="square" tIns="91425">
+          <a:bodyPr spcFirstLastPara="1" wrap="square" lIns="91425" tIns="91425" rIns="91425" bIns="91425" anchor="b" anchorCtr="0">
             <a:noAutofit/>
           </a:bodyPr>
           <a:lstStyle/>
           <a:p>
-            <a:pPr indent="0" lvl="0" marL="0" rtl="0" algn="ctr">
+            <a:pPr marL="0" lvl="0" indent="0" algn="ctr" rtl="0">
               <a:lnSpc>
                 <a:spcPct val="115000"/>
               </a:lnSpc>
@@ -7946,7 +8130,7 @@
               <a:buNone/>
             </a:pPr>
             <a:r>
-              <a:rPr b="1" lang="en" sz="3000">
+              <a:rPr lang="en" sz="3000" b="1">
                 <a:solidFill>
                   <a:srgbClr val="FFFFFF"/>
                 </a:solidFill>
@@ -7964,9 +8148,11 @@
       <p:sp>
         <p:nvSpPr>
           <p:cNvPr id="86" name="Google Shape;86;p18"/>
-          <p:cNvSpPr txBox="1"/>
+          <p:cNvSpPr txBox="1">
+            <a:spLocks noGrp="1"/>
+          </p:cNvSpPr>
           <p:nvPr>
-            <p:ph idx="1" type="subTitle"/>
+            <p:ph type="subTitle" idx="1"/>
           </p:nvPr>
         </p:nvSpPr>
         <p:spPr>
@@ -7979,12 +8165,12 @@
           </a:prstGeom>
         </p:spPr>
         <p:txBody>
-          <a:bodyPr anchorCtr="0" anchor="t" bIns="91425" lIns="91425" spcFirstLastPara="1" rIns="91425" wrap="square" tIns="91425">
+          <a:bodyPr spcFirstLastPara="1" wrap="square" lIns="91425" tIns="91425" rIns="91425" bIns="91425" anchor="t" anchorCtr="0">
             <a:noAutofit/>
           </a:bodyPr>
           <a:lstStyle/>
           <a:p>
-            <a:pPr indent="-342900" lvl="0" marL="457200" rtl="0" algn="just">
+            <a:pPr marL="457200" lvl="0" indent="-342900" algn="just" rtl="0">
               <a:lnSpc>
                 <a:spcPct val="115000"/>
               </a:lnSpc>
@@ -8015,7 +8201,7 @@
             </a:endParaRPr>
           </a:p>
           <a:p>
-            <a:pPr indent="-342900" lvl="0" marL="457200" rtl="0" algn="just">
+            <a:pPr marL="457200" lvl="0" indent="-342900" algn="just" rtl="0">
               <a:lnSpc>
                 <a:spcPct val="115000"/>
               </a:lnSpc>
@@ -8046,7 +8232,7 @@
             </a:endParaRPr>
           </a:p>
           <a:p>
-            <a:pPr indent="-342900" lvl="0" marL="457200" rtl="0" algn="just">
+            <a:pPr marL="457200" lvl="0" indent="-342900" algn="just" rtl="0">
               <a:lnSpc>
                 <a:spcPct val="115000"/>
               </a:lnSpc>
@@ -8077,7 +8263,7 @@
             </a:endParaRPr>
           </a:p>
           <a:p>
-            <a:pPr indent="-342900" lvl="0" marL="457200" rtl="0" algn="just">
+            <a:pPr marL="457200" lvl="0" indent="-342900" algn="just" rtl="0">
               <a:lnSpc>
                 <a:spcPct val="115000"/>
               </a:lnSpc>
@@ -8108,7 +8294,7 @@
             </a:endParaRPr>
           </a:p>
           <a:p>
-            <a:pPr indent="-342900" lvl="0" marL="457200" rtl="0" algn="just">
+            <a:pPr marL="457200" lvl="0" indent="-342900" algn="just" rtl="0">
               <a:lnSpc>
                 <a:spcPct val="115000"/>
               </a:lnSpc>
@@ -8139,7 +8325,7 @@
             </a:endParaRPr>
           </a:p>
           <a:p>
-            <a:pPr indent="-342900" lvl="0" marL="457200" rtl="0" algn="just">
+            <a:pPr marL="457200" lvl="0" indent="-342900" algn="just" rtl="0">
               <a:lnSpc>
                 <a:spcPct val="115000"/>
               </a:lnSpc>
@@ -8180,11 +8366,11 @@
 </file>
 
 <file path=ppt/slides/slide7.xml><?xml version="1.0" encoding="utf-8"?>
-<p:sld xmlns:a="http://schemas.openxmlformats.org/drawingml/2006/main" xmlns:r="http://schemas.openxmlformats.org/officeDocument/2006/relationships" xmlns:mc="http://schemas.openxmlformats.org/markup-compatibility/2006" xmlns:mv="urn:schemas-microsoft-com:mac:vml" xmlns:p="http://schemas.openxmlformats.org/presentationml/2006/main" xmlns:c="http://schemas.openxmlformats.org/drawingml/2006/chart" xmlns:dgm="http://schemas.openxmlformats.org/drawingml/2006/diagram" xmlns:o="urn:schemas-microsoft-com:office:office" xmlns:v="urn:schemas-microsoft-com:vml" xmlns:pvml="urn:schemas-microsoft-com:office:powerpoint" xmlns:com="http://schemas.openxmlformats.org/drawingml/2006/compatibility" xmlns:p14="http://schemas.microsoft.com/office/powerpoint/2010/main" xmlns:p15="http://schemas.microsoft.com/office/powerpoint/2012/main">
+<p:sld xmlns:a="http://schemas.openxmlformats.org/drawingml/2006/main" xmlns:r="http://schemas.openxmlformats.org/officeDocument/2006/relationships" xmlns:p="http://schemas.openxmlformats.org/presentationml/2006/main">
   <p:cSld>
     <p:spTree>
       <p:nvGrpSpPr>
-        <p:cNvPr id="90" name="Shape 90"/>
+        <p:cNvPr id="1" name="Shape 90"/>
         <p:cNvGrpSpPr/>
         <p:nvPr/>
       </p:nvGrpSpPr>
@@ -8199,7 +8385,9 @@
       <p:sp>
         <p:nvSpPr>
           <p:cNvPr id="91" name="Google Shape;91;p19"/>
-          <p:cNvSpPr txBox="1"/>
+          <p:cNvSpPr txBox="1">
+            <a:spLocks noGrp="1"/>
+          </p:cNvSpPr>
           <p:nvPr>
             <p:ph type="ctrTitle"/>
           </p:nvPr>
@@ -8214,12 +8402,12 @@
           </a:prstGeom>
         </p:spPr>
         <p:txBody>
-          <a:bodyPr anchorCtr="0" anchor="b" bIns="91425" lIns="91425" spcFirstLastPara="1" rIns="91425" wrap="square" tIns="91425">
+          <a:bodyPr spcFirstLastPara="1" wrap="square" lIns="91425" tIns="91425" rIns="91425" bIns="91425" anchor="b" anchorCtr="0">
             <a:noAutofit/>
           </a:bodyPr>
           <a:lstStyle/>
           <a:p>
-            <a:pPr indent="0" lvl="0" marL="0" rtl="0" algn="ctr">
+            <a:pPr marL="0" lvl="0" indent="0" algn="ctr" rtl="0">
               <a:lnSpc>
                 <a:spcPct val="115000"/>
               </a:lnSpc>
@@ -8232,7 +8420,7 @@
               <a:buNone/>
             </a:pPr>
             <a:r>
-              <a:rPr b="1" lang="en" sz="3000">
+              <a:rPr lang="en" sz="3000" b="1">
                 <a:solidFill>
                   <a:srgbClr val="FFFFFF"/>
                 </a:solidFill>
@@ -8284,11 +8472,11 @@
 </file>
 
 <file path=ppt/slides/slide8.xml><?xml version="1.0" encoding="utf-8"?>
-<p:sld xmlns:a="http://schemas.openxmlformats.org/drawingml/2006/main" xmlns:r="http://schemas.openxmlformats.org/officeDocument/2006/relationships" xmlns:mc="http://schemas.openxmlformats.org/markup-compatibility/2006" xmlns:mv="urn:schemas-microsoft-com:mac:vml" xmlns:p="http://schemas.openxmlformats.org/presentationml/2006/main" xmlns:c="http://schemas.openxmlformats.org/drawingml/2006/chart" xmlns:dgm="http://schemas.openxmlformats.org/drawingml/2006/diagram" xmlns:o="urn:schemas-microsoft-com:office:office" xmlns:v="urn:schemas-microsoft-com:vml" xmlns:pvml="urn:schemas-microsoft-com:office:powerpoint" xmlns:com="http://schemas.openxmlformats.org/drawingml/2006/compatibility" xmlns:p14="http://schemas.microsoft.com/office/powerpoint/2010/main" xmlns:p15="http://schemas.microsoft.com/office/powerpoint/2012/main">
+<p:sld xmlns:a="http://schemas.openxmlformats.org/drawingml/2006/main" xmlns:r="http://schemas.openxmlformats.org/officeDocument/2006/relationships" xmlns:p="http://schemas.openxmlformats.org/presentationml/2006/main">
   <p:cSld>
     <p:spTree>
       <p:nvGrpSpPr>
-        <p:cNvPr id="96" name="Shape 96"/>
+        <p:cNvPr id="1" name="Shape 96"/>
         <p:cNvGrpSpPr/>
         <p:nvPr/>
       </p:nvGrpSpPr>
@@ -8303,7 +8491,9 @@
       <p:sp>
         <p:nvSpPr>
           <p:cNvPr id="97" name="Google Shape;97;p20"/>
-          <p:cNvSpPr txBox="1"/>
+          <p:cNvSpPr txBox="1">
+            <a:spLocks noGrp="1"/>
+          </p:cNvSpPr>
           <p:nvPr>
             <p:ph type="ctrTitle"/>
           </p:nvPr>
@@ -8318,12 +8508,12 @@
           </a:prstGeom>
         </p:spPr>
         <p:txBody>
-          <a:bodyPr anchorCtr="0" anchor="b" bIns="91425" lIns="91425" spcFirstLastPara="1" rIns="91425" wrap="square" tIns="91425">
+          <a:bodyPr spcFirstLastPara="1" wrap="square" lIns="91425" tIns="91425" rIns="91425" bIns="91425" anchor="b" anchorCtr="0">
             <a:noAutofit/>
           </a:bodyPr>
           <a:lstStyle/>
           <a:p>
-            <a:pPr indent="0" lvl="0" marL="0" rtl="0" algn="ctr">
+            <a:pPr marL="0" lvl="0" indent="0" algn="ctr" rtl="0">
               <a:lnSpc>
                 <a:spcPct val="115000"/>
               </a:lnSpc>
@@ -8336,21 +8526,21 @@
               <a:buNone/>
             </a:pPr>
             <a:r>
-              <a:rPr b="1" lang="en" sz="3000">
+              <a:rPr lang="en" sz="3000" b="1">
                 <a:solidFill>
                   <a:srgbClr val="FFFFFF"/>
                 </a:solidFill>
               </a:rPr>
               <a:t>DETAILED</a:t>
             </a:r>
-            <a:endParaRPr b="1" sz="3000">
+            <a:endParaRPr sz="3000" b="1">
               <a:solidFill>
                 <a:srgbClr val="FFFFFF"/>
               </a:solidFill>
             </a:endParaRPr>
           </a:p>
           <a:p>
-            <a:pPr indent="0" lvl="0" marL="0" rtl="0" algn="ctr">
+            <a:pPr marL="0" lvl="0" indent="0" algn="ctr" rtl="0">
               <a:lnSpc>
                 <a:spcPct val="115000"/>
               </a:lnSpc>
@@ -8363,7 +8553,7 @@
               <a:buNone/>
             </a:pPr>
             <a:r>
-              <a:rPr b="1" lang="en" sz="3000">
+              <a:rPr lang="en" sz="3000" b="1">
                 <a:solidFill>
                   <a:srgbClr val="FFFFFF"/>
                 </a:solidFill>
@@ -8415,11 +8605,11 @@
 </file>
 
 <file path=ppt/slides/slide9.xml><?xml version="1.0" encoding="utf-8"?>
-<p:sld xmlns:a="http://schemas.openxmlformats.org/drawingml/2006/main" xmlns:r="http://schemas.openxmlformats.org/officeDocument/2006/relationships" xmlns:mc="http://schemas.openxmlformats.org/markup-compatibility/2006" xmlns:mv="urn:schemas-microsoft-com:mac:vml" xmlns:p="http://schemas.openxmlformats.org/presentationml/2006/main" xmlns:c="http://schemas.openxmlformats.org/drawingml/2006/chart" xmlns:dgm="http://schemas.openxmlformats.org/drawingml/2006/diagram" xmlns:o="urn:schemas-microsoft-com:office:office" xmlns:v="urn:schemas-microsoft-com:vml" xmlns:pvml="urn:schemas-microsoft-com:office:powerpoint" xmlns:com="http://schemas.openxmlformats.org/drawingml/2006/compatibility" xmlns:p14="http://schemas.microsoft.com/office/powerpoint/2010/main" xmlns:p15="http://schemas.microsoft.com/office/powerpoint/2012/main">
+<p:sld xmlns:a="http://schemas.openxmlformats.org/drawingml/2006/main" xmlns:r="http://schemas.openxmlformats.org/officeDocument/2006/relationships" xmlns:p="http://schemas.openxmlformats.org/presentationml/2006/main">
   <p:cSld>
     <p:spTree>
       <p:nvGrpSpPr>
-        <p:cNvPr id="102" name="Shape 102"/>
+        <p:cNvPr id="1" name="Shape 102"/>
         <p:cNvGrpSpPr/>
         <p:nvPr/>
       </p:nvGrpSpPr>
@@ -8434,7 +8624,9 @@
       <p:sp>
         <p:nvSpPr>
           <p:cNvPr id="103" name="Google Shape;103;p21"/>
-          <p:cNvSpPr txBox="1"/>
+          <p:cNvSpPr txBox="1">
+            <a:spLocks noGrp="1"/>
+          </p:cNvSpPr>
           <p:nvPr>
             <p:ph type="ctrTitle"/>
           </p:nvPr>
@@ -8449,12 +8641,12 @@
           </a:prstGeom>
         </p:spPr>
         <p:txBody>
-          <a:bodyPr anchorCtr="0" anchor="b" bIns="91425" lIns="91425" spcFirstLastPara="1" rIns="91425" wrap="square" tIns="91425">
+          <a:bodyPr spcFirstLastPara="1" wrap="square" lIns="91425" tIns="91425" rIns="91425" bIns="91425" anchor="b" anchorCtr="0">
             <a:noAutofit/>
           </a:bodyPr>
           <a:lstStyle/>
           <a:p>
-            <a:pPr indent="0" lvl="0" marL="0" rtl="0" algn="ctr">
+            <a:pPr marL="0" lvl="0" indent="0" algn="ctr" rtl="0">
               <a:lnSpc>
                 <a:spcPct val="115000"/>
               </a:lnSpc>
@@ -8467,7 +8659,7 @@
               <a:buNone/>
             </a:pPr>
             <a:r>
-              <a:rPr b="1" lang="en" sz="3000">
+              <a:rPr lang="en" sz="3000" b="1">
                 <a:solidFill>
                   <a:srgbClr val="FFFFFF"/>
                 </a:solidFill>
@@ -8485,9 +8677,11 @@
       <p:sp>
         <p:nvSpPr>
           <p:cNvPr id="104" name="Google Shape;104;p21"/>
-          <p:cNvSpPr txBox="1"/>
+          <p:cNvSpPr txBox="1">
+            <a:spLocks noGrp="1"/>
+          </p:cNvSpPr>
           <p:nvPr>
-            <p:ph idx="1" type="subTitle"/>
+            <p:ph type="subTitle" idx="1"/>
           </p:nvPr>
         </p:nvSpPr>
         <p:spPr>
@@ -8500,12 +8694,12 @@
           </a:prstGeom>
         </p:spPr>
         <p:txBody>
-          <a:bodyPr anchorCtr="0" anchor="ctr" bIns="91425" lIns="91425" spcFirstLastPara="1" rIns="91425" wrap="square" tIns="91425">
+          <a:bodyPr spcFirstLastPara="1" wrap="square" lIns="91425" tIns="91425" rIns="91425" bIns="91425" anchor="ctr" anchorCtr="0">
             <a:noAutofit/>
           </a:bodyPr>
           <a:lstStyle/>
           <a:p>
-            <a:pPr indent="-317500" lvl="0" marL="457200" rtl="0" algn="just">
+            <a:pPr marL="457200" lvl="0" indent="-317500" algn="just" rtl="0">
               <a:lnSpc>
                 <a:spcPct val="115000"/>
               </a:lnSpc>
@@ -8536,7 +8730,7 @@
             </a:endParaRPr>
           </a:p>
           <a:p>
-            <a:pPr indent="-317500" lvl="0" marL="457200" rtl="0" algn="just">
+            <a:pPr marL="457200" lvl="0" indent="-317500" algn="just" rtl="0">
               <a:lnSpc>
                 <a:spcPct val="115000"/>
               </a:lnSpc>
@@ -8567,7 +8761,7 @@
             </a:endParaRPr>
           </a:p>
           <a:p>
-            <a:pPr indent="-317500" lvl="0" marL="457200" rtl="0" algn="just">
+            <a:pPr marL="457200" lvl="0" indent="-317500" algn="just" rtl="0">
               <a:lnSpc>
                 <a:spcPct val="115000"/>
               </a:lnSpc>
@@ -8598,7 +8792,7 @@
             </a:endParaRPr>
           </a:p>
           <a:p>
-            <a:pPr indent="-317500" lvl="0" marL="457200" rtl="0" algn="just">
+            <a:pPr marL="457200" lvl="0" indent="-317500" algn="just" rtl="0">
               <a:lnSpc>
                 <a:spcPct val="115000"/>
               </a:lnSpc>
@@ -8629,7 +8823,7 @@
             </a:endParaRPr>
           </a:p>
           <a:p>
-            <a:pPr indent="-317500" lvl="0" marL="457200" rtl="0" algn="just">
+            <a:pPr marL="457200" lvl="0" indent="-317500" algn="just" rtl="0">
               <a:lnSpc>
                 <a:spcPct val="115000"/>
               </a:lnSpc>
@@ -8670,7 +8864,7 @@
 </file>
 
 <file path=ppt/theme/theme1.xml><?xml version="1.0" encoding="utf-8"?>
-<a:theme xmlns:a="http://schemas.openxmlformats.org/drawingml/2006/main" xmlns:r="http://schemas.openxmlformats.org/officeDocument/2006/relationships" name="Simple Dark">
+<a:theme xmlns:a="http://schemas.openxmlformats.org/drawingml/2006/main" name="Simple Dark">
   <a:themeElements>
     <a:clrScheme name="Simple Dark">
       <a:dk1>
@@ -8945,11 +9139,13 @@
       </a:bgFillStyleLst>
     </a:fmtScheme>
   </a:themeElements>
+  <a:objectDefaults/>
+  <a:extraClrSchemeLst/>
 </a:theme>
 </file>
 
 <file path=ppt/theme/theme2.xml><?xml version="1.0" encoding="utf-8"?>
-<a:theme xmlns:a="http://schemas.openxmlformats.org/drawingml/2006/main" xmlns:r="http://schemas.openxmlformats.org/officeDocument/2006/relationships">
+<a:theme xmlns:a="http://schemas.openxmlformats.org/drawingml/2006/main">
   <a:themeElements>
     <a:clrScheme name="Default">
       <a:dk1>
@@ -9224,5 +9420,7 @@
       </a:bgFillStyleLst>
     </a:fmtScheme>
   </a:themeElements>
+  <a:objectDefaults/>
+  <a:extraClrSchemeLst/>
 </a:theme>
 </file>